--- a/SubmissionResources/ClinicalImplementationPowerPoint.pptx
+++ b/SubmissionResources/ClinicalImplementationPowerPoint.pptx
@@ -5,30 +5,29 @@
     <p:sldMasterId id="2147483648" r:id="rId1"/>
   </p:sldMasterIdLst>
   <p:notesMasterIdLst>
-    <p:notesMasterId r:id="rId23"/>
+    <p:notesMasterId r:id="rId22"/>
   </p:notesMasterIdLst>
   <p:sldIdLst>
-    <p:sldId id="256" r:id="rId2"/>
-    <p:sldId id="261" r:id="rId3"/>
-    <p:sldId id="262" r:id="rId4"/>
-    <p:sldId id="263" r:id="rId5"/>
-    <p:sldId id="264" r:id="rId6"/>
-    <p:sldId id="265" r:id="rId7"/>
-    <p:sldId id="266" r:id="rId8"/>
-    <p:sldId id="267" r:id="rId9"/>
-    <p:sldId id="268" r:id="rId10"/>
-    <p:sldId id="269" r:id="rId11"/>
-    <p:sldId id="270" r:id="rId12"/>
-    <p:sldId id="257" r:id="rId13"/>
-    <p:sldId id="271" r:id="rId14"/>
-    <p:sldId id="272" r:id="rId15"/>
-    <p:sldId id="274" r:id="rId16"/>
-    <p:sldId id="275" r:id="rId17"/>
-    <p:sldId id="276" r:id="rId18"/>
-    <p:sldId id="277" r:id="rId19"/>
-    <p:sldId id="278" r:id="rId20"/>
-    <p:sldId id="279" r:id="rId21"/>
-    <p:sldId id="273" r:id="rId22"/>
+    <p:sldId id="261" r:id="rId2"/>
+    <p:sldId id="262" r:id="rId3"/>
+    <p:sldId id="263" r:id="rId4"/>
+    <p:sldId id="264" r:id="rId5"/>
+    <p:sldId id="265" r:id="rId6"/>
+    <p:sldId id="266" r:id="rId7"/>
+    <p:sldId id="267" r:id="rId8"/>
+    <p:sldId id="268" r:id="rId9"/>
+    <p:sldId id="269" r:id="rId10"/>
+    <p:sldId id="270" r:id="rId11"/>
+    <p:sldId id="257" r:id="rId12"/>
+    <p:sldId id="271" r:id="rId13"/>
+    <p:sldId id="272" r:id="rId14"/>
+    <p:sldId id="274" r:id="rId15"/>
+    <p:sldId id="275" r:id="rId16"/>
+    <p:sldId id="276" r:id="rId17"/>
+    <p:sldId id="277" r:id="rId18"/>
+    <p:sldId id="278" r:id="rId19"/>
+    <p:sldId id="279" r:id="rId20"/>
+    <p:sldId id="281" r:id="rId21"/>
   </p:sldIdLst>
   <p:sldSz cx="12192000" cy="6858000"/>
   <p:notesSz cx="6858000" cy="9144000"/>
@@ -578,7 +577,7 @@
           <a:p>
             <a:fld id="{30210FA9-2880-6344-B4B2-E0C8A6CFBFF3}" type="slidenum">
               <a:rPr lang="en-GB" smtClean="0"/>
-              <a:t>2</a:t>
+              <a:t>1</a:t>
             </a:fld>
             <a:endParaRPr lang="en-GB"/>
           </a:p>
@@ -691,7 +690,7 @@
           <a:p>
             <a:fld id="{30210FA9-2880-6344-B4B2-E0C8A6CFBFF3}" type="slidenum">
               <a:rPr lang="en-GB" smtClean="0"/>
-              <a:t>11</a:t>
+              <a:t>10</a:t>
             </a:fld>
             <a:endParaRPr lang="en-GB"/>
           </a:p>
@@ -804,7 +803,7 @@
           <a:p>
             <a:fld id="{30210FA9-2880-6344-B4B2-E0C8A6CFBFF3}" type="slidenum">
               <a:rPr lang="en-GB" smtClean="0"/>
-              <a:t>3</a:t>
+              <a:t>2</a:t>
             </a:fld>
             <a:endParaRPr lang="en-GB"/>
           </a:p>
@@ -917,7 +916,7 @@
           <a:p>
             <a:fld id="{30210FA9-2880-6344-B4B2-E0C8A6CFBFF3}" type="slidenum">
               <a:rPr lang="en-GB" smtClean="0"/>
-              <a:t>4</a:t>
+              <a:t>3</a:t>
             </a:fld>
             <a:endParaRPr lang="en-GB"/>
           </a:p>
@@ -1030,7 +1029,7 @@
           <a:p>
             <a:fld id="{30210FA9-2880-6344-B4B2-E0C8A6CFBFF3}" type="slidenum">
               <a:rPr lang="en-GB" smtClean="0"/>
-              <a:t>5</a:t>
+              <a:t>4</a:t>
             </a:fld>
             <a:endParaRPr lang="en-GB"/>
           </a:p>
@@ -1143,7 +1142,7 @@
           <a:p>
             <a:fld id="{30210FA9-2880-6344-B4B2-E0C8A6CFBFF3}" type="slidenum">
               <a:rPr lang="en-GB" smtClean="0"/>
-              <a:t>6</a:t>
+              <a:t>5</a:t>
             </a:fld>
             <a:endParaRPr lang="en-GB"/>
           </a:p>
@@ -1256,7 +1255,7 @@
           <a:p>
             <a:fld id="{30210FA9-2880-6344-B4B2-E0C8A6CFBFF3}" type="slidenum">
               <a:rPr lang="en-GB" smtClean="0"/>
-              <a:t>7</a:t>
+              <a:t>6</a:t>
             </a:fld>
             <a:endParaRPr lang="en-GB"/>
           </a:p>
@@ -1369,7 +1368,7 @@
           <a:p>
             <a:fld id="{30210FA9-2880-6344-B4B2-E0C8A6CFBFF3}" type="slidenum">
               <a:rPr lang="en-GB" smtClean="0"/>
-              <a:t>8</a:t>
+              <a:t>7</a:t>
             </a:fld>
             <a:endParaRPr lang="en-GB"/>
           </a:p>
@@ -1482,7 +1481,7 @@
           <a:p>
             <a:fld id="{30210FA9-2880-6344-B4B2-E0C8A6CFBFF3}" type="slidenum">
               <a:rPr lang="en-GB" smtClean="0"/>
-              <a:t>9</a:t>
+              <a:t>8</a:t>
             </a:fld>
             <a:endParaRPr lang="en-GB"/>
           </a:p>
@@ -1595,7 +1594,7 @@
           <a:p>
             <a:fld id="{30210FA9-2880-6344-B4B2-E0C8A6CFBFF3}" type="slidenum">
               <a:rPr lang="en-GB" smtClean="0"/>
-              <a:t>10</a:t>
+              <a:t>9</a:t>
             </a:fld>
             <a:endParaRPr lang="en-GB"/>
           </a:p>
@@ -4816,90 +4815,10 @@
   <p:cSld>
     <p:spTree>
       <p:nvGrpSpPr>
-        <p:cNvPr id="1" name=""/>
-        <p:cNvGrpSpPr/>
-        <p:nvPr/>
-      </p:nvGrpSpPr>
-      <p:grpSpPr>
-        <a:xfrm>
-          <a:off x="0" y="0"/>
-          <a:ext cx="0" cy="0"/>
-          <a:chOff x="0" y="0"/>
-          <a:chExt cx="0" cy="0"/>
-        </a:xfrm>
-      </p:grpSpPr>
-      <p:sp>
-        <p:nvSpPr>
-          <p:cNvPr id="2" name="Title 1">
-            <a:extLst>
-              <a:ext uri="{FF2B5EF4-FFF2-40B4-BE49-F238E27FC236}">
-                <a16:creationId xmlns:a16="http://schemas.microsoft.com/office/drawing/2014/main" id="{07D77807-2AC3-D356-0123-BDBB319027A1}"/>
-              </a:ext>
-            </a:extLst>
-          </p:cNvPr>
-          <p:cNvSpPr>
-            <a:spLocks noGrp="1"/>
-          </p:cNvSpPr>
-          <p:nvPr>
-            <p:ph type="ctrTitle"/>
-          </p:nvPr>
-        </p:nvSpPr>
-        <p:spPr/>
-        <p:txBody>
-          <a:bodyPr/>
-          <a:lstStyle/>
-          <a:p>
-            <a:endParaRPr lang="en-GB"/>
-          </a:p>
-        </p:txBody>
-      </p:sp>
-      <p:sp>
-        <p:nvSpPr>
-          <p:cNvPr id="3" name="Subtitle 2">
-            <a:extLst>
-              <a:ext uri="{FF2B5EF4-FFF2-40B4-BE49-F238E27FC236}">
-                <a16:creationId xmlns:a16="http://schemas.microsoft.com/office/drawing/2014/main" id="{5551C085-C8DD-DE95-7538-764B51ED79A9}"/>
-              </a:ext>
-            </a:extLst>
-          </p:cNvPr>
-          <p:cNvSpPr>
-            <a:spLocks noGrp="1"/>
-          </p:cNvSpPr>
-          <p:nvPr>
-            <p:ph type="subTitle" idx="1"/>
-          </p:nvPr>
-        </p:nvSpPr>
-        <p:spPr/>
-        <p:txBody>
-          <a:bodyPr/>
-          <a:lstStyle/>
-          <a:p>
-            <a:endParaRPr lang="en-GB"/>
-          </a:p>
-        </p:txBody>
-      </p:sp>
-    </p:spTree>
-    <p:extLst>
-      <p:ext uri="{BB962C8B-B14F-4D97-AF65-F5344CB8AC3E}">
-        <p14:creationId xmlns:p14="http://schemas.microsoft.com/office/powerpoint/2010/main" val="3104099613"/>
-      </p:ext>
-    </p:extLst>
-  </p:cSld>
-  <p:clrMapOvr>
-    <a:masterClrMapping/>
-  </p:clrMapOvr>
-</p:sld>
-</file>
-
-<file path=ppt/slides/slide10.xml><?xml version="1.0" encoding="utf-8"?>
-<p:sld xmlns:a="http://schemas.openxmlformats.org/drawingml/2006/main" xmlns:r="http://schemas.openxmlformats.org/officeDocument/2006/relationships" xmlns:p="http://schemas.openxmlformats.org/presentationml/2006/main">
-  <p:cSld>
-    <p:spTree>
-      <p:nvGrpSpPr>
         <p:cNvPr id="1" name="">
           <a:extLst>
             <a:ext uri="{FF2B5EF4-FFF2-40B4-BE49-F238E27FC236}">
-              <a16:creationId xmlns:a16="http://schemas.microsoft.com/office/drawing/2014/main" id="{4FAC6CF5-EB1D-BF5B-CCFE-95078980EF45}"/>
+              <a16:creationId xmlns:a16="http://schemas.microsoft.com/office/drawing/2014/main" id="{4EFF4D4A-1E36-0FCF-FFA1-865C01E7934D}"/>
             </a:ext>
           </a:extLst>
         </p:cNvPr>
@@ -4914,53 +4833,12 @@
           <a:chExt cx="0" cy="0"/>
         </a:xfrm>
       </p:grpSpPr>
-      <p:sp>
-        <p:nvSpPr>
-          <p:cNvPr id="27" name="TextBox 26">
+      <p:grpSp>
+        <p:nvGrpSpPr>
+          <p:cNvPr id="7" name="Group 6">
             <a:extLst>
               <a:ext uri="{FF2B5EF4-FFF2-40B4-BE49-F238E27FC236}">
-                <a16:creationId xmlns:a16="http://schemas.microsoft.com/office/drawing/2014/main" id="{C98FAFE0-DDA1-B80A-E7EC-0DD528DAB6D3}"/>
-              </a:ext>
-            </a:extLst>
-          </p:cNvPr>
-          <p:cNvSpPr txBox="1"/>
-          <p:nvPr/>
-        </p:nvSpPr>
-        <p:spPr>
-          <a:xfrm>
-            <a:off x="656713" y="648285"/>
-            <a:ext cx="915265" cy="1862048"/>
-          </a:xfrm>
-          <a:prstGeom prst="rect">
-            <a:avLst/>
-          </a:prstGeom>
-          <a:noFill/>
-        </p:spPr>
-        <p:txBody>
-          <a:bodyPr wrap="square" rtlCol="0">
-            <a:spAutoFit/>
-          </a:bodyPr>
-          <a:lstStyle/>
-          <a:p>
-            <a:r>
-              <a:rPr lang="en-GB" sz="11500" b="1" dirty="0">
-                <a:solidFill>
-                  <a:schemeClr val="bg1"/>
-                </a:solidFill>
-                <a:latin typeface="Calibri" panose="020F0502020204030204" pitchFamily="34" charset="0"/>
-                <a:cs typeface="Calibri" panose="020F0502020204030204" pitchFamily="34" charset="0"/>
-              </a:rPr>
-              <a:t>1</a:t>
-            </a:r>
-          </a:p>
-        </p:txBody>
-      </p:sp>
-      <p:grpSp>
-        <p:nvGrpSpPr>
-          <p:cNvPr id="49" name="Group 48">
-            <a:extLst>
-              <a:ext uri="{FF2B5EF4-FFF2-40B4-BE49-F238E27FC236}">
-                <a16:creationId xmlns:a16="http://schemas.microsoft.com/office/drawing/2014/main" id="{94D24ECA-3536-C9D3-8C93-371CEF6160CB}"/>
+                <a16:creationId xmlns:a16="http://schemas.microsoft.com/office/drawing/2014/main" id="{99DCE73B-B54A-3E2D-AF11-262ECA1AFAE5}"/>
               </a:ext>
             </a:extLst>
           </p:cNvPr>
@@ -4969,18 +4847,668 @@
         </p:nvGrpSpPr>
         <p:grpSpPr>
           <a:xfrm>
-            <a:off x="0" y="0"/>
+            <a:off x="-1352752" y="0"/>
+            <a:ext cx="3435407" cy="6858000"/>
+            <a:chOff x="9754800" y="0"/>
+            <a:chExt cx="3435407" cy="6858000"/>
+          </a:xfrm>
+          <a:solidFill>
+            <a:schemeClr val="accent1">
+              <a:lumMod val="60000"/>
+              <a:lumOff val="40000"/>
+            </a:schemeClr>
+          </a:solidFill>
+        </p:grpSpPr>
+        <p:sp>
+          <p:nvSpPr>
+            <p:cNvPr id="19" name="Rectangle 18">
+              <a:extLst>
+                <a:ext uri="{FF2B5EF4-FFF2-40B4-BE49-F238E27FC236}">
+                  <a16:creationId xmlns:a16="http://schemas.microsoft.com/office/drawing/2014/main" id="{787BA7D8-2278-B45A-30EC-EFC045071D81}"/>
+                </a:ext>
+              </a:extLst>
+            </p:cNvPr>
+            <p:cNvSpPr>
+              <a:spLocks/>
+            </p:cNvSpPr>
+            <p:nvPr/>
+          </p:nvSpPr>
+          <p:spPr>
+            <a:xfrm>
+              <a:off x="9754800" y="0"/>
+              <a:ext cx="2437200" cy="6858000"/>
+            </a:xfrm>
+            <a:prstGeom prst="rect">
+              <a:avLst/>
+            </a:prstGeom>
+            <a:grpFill/>
+            <a:ln>
+              <a:noFill/>
+            </a:ln>
+          </p:spPr>
+          <p:style>
+            <a:lnRef idx="2">
+              <a:schemeClr val="accent1">
+                <a:shade val="15000"/>
+              </a:schemeClr>
+            </a:lnRef>
+            <a:fillRef idx="1">
+              <a:schemeClr val="accent1"/>
+            </a:fillRef>
+            <a:effectRef idx="0">
+              <a:schemeClr val="accent1"/>
+            </a:effectRef>
+            <a:fontRef idx="minor">
+              <a:schemeClr val="lt1"/>
+            </a:fontRef>
+          </p:style>
+          <p:txBody>
+            <a:bodyPr rtlCol="0" anchor="ctr"/>
+            <a:lstStyle/>
+            <a:p>
+              <a:endParaRPr lang="en-GB"/>
+            </a:p>
+          </p:txBody>
+        </p:sp>
+        <p:sp>
+          <p:nvSpPr>
+            <p:cNvPr id="25" name="Triangle 24">
+              <a:extLst>
+                <a:ext uri="{FF2B5EF4-FFF2-40B4-BE49-F238E27FC236}">
+                  <a16:creationId xmlns:a16="http://schemas.microsoft.com/office/drawing/2014/main" id="{1D9F50EE-7C79-E8AC-27D2-B85932C7652D}"/>
+                </a:ext>
+              </a:extLst>
+            </p:cNvPr>
+            <p:cNvSpPr/>
+            <p:nvPr/>
+          </p:nvSpPr>
+          <p:spPr>
+            <a:xfrm rot="5400000">
+              <a:off x="12072192" y="1108184"/>
+              <a:ext cx="1218600" cy="1017431"/>
+            </a:xfrm>
+            <a:prstGeom prst="triangle">
+              <a:avLst/>
+            </a:prstGeom>
+            <a:grpFill/>
+            <a:ln>
+              <a:noFill/>
+            </a:ln>
+          </p:spPr>
+          <p:style>
+            <a:lnRef idx="2">
+              <a:schemeClr val="accent1">
+                <a:shade val="15000"/>
+              </a:schemeClr>
+            </a:lnRef>
+            <a:fillRef idx="1">
+              <a:schemeClr val="accent1"/>
+            </a:fillRef>
+            <a:effectRef idx="0">
+              <a:schemeClr val="accent1"/>
+            </a:effectRef>
+            <a:fontRef idx="minor">
+              <a:schemeClr val="lt1"/>
+            </a:fontRef>
+          </p:style>
+          <p:txBody>
+            <a:bodyPr rtlCol="0" anchor="ctr"/>
+            <a:lstStyle/>
+            <a:p>
+              <a:pPr algn="ctr"/>
+              <a:endParaRPr lang="en-GB"/>
+            </a:p>
+          </p:txBody>
+        </p:sp>
+        <p:sp>
+          <p:nvSpPr>
+            <p:cNvPr id="32" name="TextBox 31">
+              <a:extLst>
+                <a:ext uri="{FF2B5EF4-FFF2-40B4-BE49-F238E27FC236}">
+                  <a16:creationId xmlns:a16="http://schemas.microsoft.com/office/drawing/2014/main" id="{66FFBDBA-14AE-E987-9135-AD11AD3AEF33}"/>
+                </a:ext>
+              </a:extLst>
+            </p:cNvPr>
+            <p:cNvSpPr txBox="1"/>
+            <p:nvPr/>
+          </p:nvSpPr>
+          <p:spPr>
+            <a:xfrm>
+              <a:off x="10742524" y="694611"/>
+              <a:ext cx="915265" cy="1862048"/>
+            </a:xfrm>
+            <a:prstGeom prst="rect">
+              <a:avLst/>
+            </a:prstGeom>
+            <a:grpFill/>
+          </p:spPr>
+          <p:txBody>
+            <a:bodyPr wrap="square" rtlCol="0">
+              <a:spAutoFit/>
+            </a:bodyPr>
+            <a:lstStyle/>
+            <a:p>
+              <a:r>
+                <a:rPr lang="en-GB" sz="11500" b="1" dirty="0">
+                  <a:solidFill>
+                    <a:schemeClr val="bg1"/>
+                  </a:solidFill>
+                  <a:latin typeface="Calibri" panose="020F0502020204030204" pitchFamily="34" charset="0"/>
+                  <a:cs typeface="Calibri" panose="020F0502020204030204" pitchFamily="34" charset="0"/>
+                </a:rPr>
+                <a:t>5</a:t>
+              </a:r>
+            </a:p>
+          </p:txBody>
+        </p:sp>
+        <p:sp>
+          <p:nvSpPr>
+            <p:cNvPr id="40" name="TextBox 39">
+              <a:extLst>
+                <a:ext uri="{FF2B5EF4-FFF2-40B4-BE49-F238E27FC236}">
+                  <a16:creationId xmlns:a16="http://schemas.microsoft.com/office/drawing/2014/main" id="{04841331-B6A5-B8FF-460D-28D7340DA2A7}"/>
+                </a:ext>
+              </a:extLst>
+            </p:cNvPr>
+            <p:cNvSpPr txBox="1"/>
+            <p:nvPr/>
+          </p:nvSpPr>
+          <p:spPr>
+            <a:xfrm>
+              <a:off x="9757798" y="2556659"/>
+              <a:ext cx="2434202" cy="2062103"/>
+            </a:xfrm>
+            <a:prstGeom prst="rect">
+              <a:avLst/>
+            </a:prstGeom>
+            <a:grpFill/>
+          </p:spPr>
+          <p:txBody>
+            <a:bodyPr wrap="square" rtlCol="0">
+              <a:spAutoFit/>
+            </a:bodyPr>
+            <a:lstStyle/>
+            <a:p>
+              <a:r>
+                <a:rPr lang="en-GB" sz="3200" b="0" i="0" u="none" strike="noStrike" dirty="0">
+                  <a:solidFill>
+                    <a:schemeClr val="bg1"/>
+                  </a:solidFill>
+                  <a:effectLst/>
+                  <a:latin typeface="-webkit-standard"/>
+                </a:rPr>
+                <a:t>Training, Adoption &amp; Continuous Improvement</a:t>
+              </a:r>
+              <a:endParaRPr lang="en-GB" sz="3200" dirty="0">
+                <a:solidFill>
+                  <a:schemeClr val="bg1"/>
+                </a:solidFill>
+              </a:endParaRPr>
+            </a:p>
+          </p:txBody>
+        </p:sp>
+      </p:grpSp>
+      <p:grpSp>
+        <p:nvGrpSpPr>
+          <p:cNvPr id="6" name="Group 5">
+            <a:extLst>
+              <a:ext uri="{FF2B5EF4-FFF2-40B4-BE49-F238E27FC236}">
+                <a16:creationId xmlns:a16="http://schemas.microsoft.com/office/drawing/2014/main" id="{79C258EC-517B-004A-CD61-752A5D10AA6C}"/>
+              </a:ext>
+            </a:extLst>
+          </p:cNvPr>
+          <p:cNvGrpSpPr/>
+          <p:nvPr/>
+        </p:nvGrpSpPr>
+        <p:grpSpPr>
+          <a:xfrm>
+            <a:off x="-1469234" y="0"/>
+            <a:ext cx="3419464" cy="6858000"/>
+            <a:chOff x="7317599" y="0"/>
+            <a:chExt cx="3419464" cy="6858000"/>
+          </a:xfrm>
+          <a:solidFill>
+            <a:schemeClr val="tx2">
+              <a:lumMod val="50000"/>
+              <a:lumOff val="50000"/>
+            </a:schemeClr>
+          </a:solidFill>
+        </p:grpSpPr>
+        <p:sp>
+          <p:nvSpPr>
+            <p:cNvPr id="18" name="Rectangle 17">
+              <a:extLst>
+                <a:ext uri="{FF2B5EF4-FFF2-40B4-BE49-F238E27FC236}">
+                  <a16:creationId xmlns:a16="http://schemas.microsoft.com/office/drawing/2014/main" id="{038CB542-BB6B-68A0-8488-0C393749CD1A}"/>
+                </a:ext>
+              </a:extLst>
+            </p:cNvPr>
+            <p:cNvSpPr>
+              <a:spLocks/>
+            </p:cNvSpPr>
+            <p:nvPr/>
+          </p:nvSpPr>
+          <p:spPr>
+            <a:xfrm>
+              <a:off x="7317599" y="0"/>
+              <a:ext cx="2437200" cy="6858000"/>
+            </a:xfrm>
+            <a:prstGeom prst="rect">
+              <a:avLst/>
+            </a:prstGeom>
+            <a:grpFill/>
+            <a:ln>
+              <a:noFill/>
+            </a:ln>
+          </p:spPr>
+          <p:style>
+            <a:lnRef idx="2">
+              <a:schemeClr val="accent1">
+                <a:shade val="15000"/>
+              </a:schemeClr>
+            </a:lnRef>
+            <a:fillRef idx="1">
+              <a:schemeClr val="accent1"/>
+            </a:fillRef>
+            <a:effectRef idx="0">
+              <a:schemeClr val="accent1"/>
+            </a:effectRef>
+            <a:fontRef idx="minor">
+              <a:schemeClr val="lt1"/>
+            </a:fontRef>
+          </p:style>
+          <p:txBody>
+            <a:bodyPr rtlCol="0" anchor="ctr"/>
+            <a:lstStyle/>
+            <a:p>
+              <a:endParaRPr lang="en-GB"/>
+            </a:p>
+          </p:txBody>
+        </p:sp>
+        <p:sp>
+          <p:nvSpPr>
+            <p:cNvPr id="22" name="Triangle 21">
+              <a:extLst>
+                <a:ext uri="{FF2B5EF4-FFF2-40B4-BE49-F238E27FC236}">
+                  <a16:creationId xmlns:a16="http://schemas.microsoft.com/office/drawing/2014/main" id="{4C7017EC-9E24-500E-5A96-3105C13EDD6E}"/>
+                </a:ext>
+              </a:extLst>
+            </p:cNvPr>
+            <p:cNvSpPr/>
+            <p:nvPr/>
+          </p:nvSpPr>
+          <p:spPr>
+            <a:xfrm rot="5400000">
+              <a:off x="9619048" y="1108184"/>
+              <a:ext cx="1218600" cy="1017431"/>
+            </a:xfrm>
+            <a:prstGeom prst="triangle">
+              <a:avLst/>
+            </a:prstGeom>
+            <a:grpFill/>
+            <a:ln>
+              <a:noFill/>
+            </a:ln>
+          </p:spPr>
+          <p:style>
+            <a:lnRef idx="2">
+              <a:schemeClr val="accent1">
+                <a:shade val="15000"/>
+              </a:schemeClr>
+            </a:lnRef>
+            <a:fillRef idx="1">
+              <a:schemeClr val="accent1"/>
+            </a:fillRef>
+            <a:effectRef idx="0">
+              <a:schemeClr val="accent1"/>
+            </a:effectRef>
+            <a:fontRef idx="minor">
+              <a:schemeClr val="lt1"/>
+            </a:fontRef>
+          </p:style>
+          <p:txBody>
+            <a:bodyPr rtlCol="0" anchor="ctr"/>
+            <a:lstStyle/>
+            <a:p>
+              <a:pPr algn="ctr"/>
+              <a:endParaRPr lang="en-GB"/>
+            </a:p>
+          </p:txBody>
+        </p:sp>
+        <p:sp>
+          <p:nvSpPr>
+            <p:cNvPr id="33" name="TextBox 32">
+              <a:extLst>
+                <a:ext uri="{FF2B5EF4-FFF2-40B4-BE49-F238E27FC236}">
+                  <a16:creationId xmlns:a16="http://schemas.microsoft.com/office/drawing/2014/main" id="{A73302DB-51B5-DE40-0409-9675FA6B0A2B}"/>
+                </a:ext>
+              </a:extLst>
+            </p:cNvPr>
+            <p:cNvSpPr txBox="1"/>
+            <p:nvPr/>
+          </p:nvSpPr>
+          <p:spPr>
+            <a:xfrm>
+              <a:off x="8381902" y="685875"/>
+              <a:ext cx="915265" cy="1862048"/>
+            </a:xfrm>
+            <a:prstGeom prst="rect">
+              <a:avLst/>
+            </a:prstGeom>
+            <a:grpFill/>
+          </p:spPr>
+          <p:txBody>
+            <a:bodyPr wrap="square" rtlCol="0">
+              <a:spAutoFit/>
+            </a:bodyPr>
+            <a:lstStyle/>
+            <a:p>
+              <a:r>
+                <a:rPr lang="en-GB" sz="11500" b="1" dirty="0">
+                  <a:solidFill>
+                    <a:schemeClr val="bg1"/>
+                  </a:solidFill>
+                  <a:latin typeface="Calibri" panose="020F0502020204030204" pitchFamily="34" charset="0"/>
+                  <a:cs typeface="Calibri" panose="020F0502020204030204" pitchFamily="34" charset="0"/>
+                </a:rPr>
+                <a:t>4</a:t>
+              </a:r>
+            </a:p>
+          </p:txBody>
+        </p:sp>
+        <p:sp>
+          <p:nvSpPr>
+            <p:cNvPr id="39" name="TextBox 38">
+              <a:extLst>
+                <a:ext uri="{FF2B5EF4-FFF2-40B4-BE49-F238E27FC236}">
+                  <a16:creationId xmlns:a16="http://schemas.microsoft.com/office/drawing/2014/main" id="{ECEE45F0-E201-04E6-01E9-89CA562057F9}"/>
+                </a:ext>
+              </a:extLst>
+            </p:cNvPr>
+            <p:cNvSpPr txBox="1"/>
+            <p:nvPr/>
+          </p:nvSpPr>
+          <p:spPr>
+            <a:xfrm>
+              <a:off x="7508616" y="2514602"/>
+              <a:ext cx="2055165" cy="2554545"/>
+            </a:xfrm>
+            <a:prstGeom prst="rect">
+              <a:avLst/>
+            </a:prstGeom>
+            <a:grpFill/>
+          </p:spPr>
+          <p:txBody>
+            <a:bodyPr wrap="square" rtlCol="0">
+              <a:spAutoFit/>
+            </a:bodyPr>
+            <a:lstStyle/>
+            <a:p>
+              <a:r>
+                <a:rPr lang="en-GB" sz="3200" b="0" i="0" u="none" strike="noStrike" dirty="0">
+                  <a:solidFill>
+                    <a:schemeClr val="bg1"/>
+                  </a:solidFill>
+                  <a:effectLst/>
+                  <a:latin typeface="-webkit-standard"/>
+                </a:rPr>
+                <a:t>Clinical Decision Support &amp; Handling Ambiguity</a:t>
+              </a:r>
+              <a:endParaRPr lang="en-GB" sz="3200" dirty="0">
+                <a:solidFill>
+                  <a:schemeClr val="bg1"/>
+                </a:solidFill>
+              </a:endParaRPr>
+            </a:p>
+          </p:txBody>
+        </p:sp>
+      </p:grpSp>
+      <p:grpSp>
+        <p:nvGrpSpPr>
+          <p:cNvPr id="5" name="Group 4">
+            <a:extLst>
+              <a:ext uri="{FF2B5EF4-FFF2-40B4-BE49-F238E27FC236}">
+                <a16:creationId xmlns:a16="http://schemas.microsoft.com/office/drawing/2014/main" id="{1F4B1C26-4760-932E-7B1F-C7A89B2B05C1}"/>
+              </a:ext>
+            </a:extLst>
+          </p:cNvPr>
+          <p:cNvGrpSpPr/>
+          <p:nvPr/>
+        </p:nvGrpSpPr>
+        <p:grpSpPr>
+          <a:xfrm>
+            <a:off x="-1659492" y="0"/>
+            <a:ext cx="3460089" cy="6858000"/>
+            <a:chOff x="4859945" y="0"/>
+            <a:chExt cx="3460089" cy="6858000"/>
+          </a:xfrm>
+          <a:solidFill>
+            <a:schemeClr val="tx2">
+              <a:lumMod val="75000"/>
+              <a:lumOff val="25000"/>
+            </a:schemeClr>
+          </a:solidFill>
+        </p:grpSpPr>
+        <p:sp>
+          <p:nvSpPr>
+            <p:cNvPr id="17" name="Rectangle 16">
+              <a:extLst>
+                <a:ext uri="{FF2B5EF4-FFF2-40B4-BE49-F238E27FC236}">
+                  <a16:creationId xmlns:a16="http://schemas.microsoft.com/office/drawing/2014/main" id="{B806FB4C-2EBC-198B-EA60-68DD2C1F56D9}"/>
+                </a:ext>
+              </a:extLst>
+            </p:cNvPr>
+            <p:cNvSpPr>
+              <a:spLocks/>
+            </p:cNvSpPr>
+            <p:nvPr/>
+          </p:nvSpPr>
+          <p:spPr>
+            <a:xfrm>
+              <a:off x="4877400" y="0"/>
+              <a:ext cx="2437200" cy="6858000"/>
+            </a:xfrm>
+            <a:prstGeom prst="rect">
+              <a:avLst/>
+            </a:prstGeom>
+            <a:grpFill/>
+            <a:ln>
+              <a:noFill/>
+            </a:ln>
+          </p:spPr>
+          <p:style>
+            <a:lnRef idx="2">
+              <a:schemeClr val="accent1">
+                <a:shade val="15000"/>
+              </a:schemeClr>
+            </a:lnRef>
+            <a:fillRef idx="1">
+              <a:schemeClr val="accent1"/>
+            </a:fillRef>
+            <a:effectRef idx="0">
+              <a:schemeClr val="accent1"/>
+            </a:effectRef>
+            <a:fontRef idx="minor">
+              <a:schemeClr val="lt1"/>
+            </a:fontRef>
+          </p:style>
+          <p:txBody>
+            <a:bodyPr rtlCol="0" anchor="ctr"/>
+            <a:lstStyle/>
+            <a:p>
+              <a:endParaRPr lang="en-GB"/>
+            </a:p>
+          </p:txBody>
+        </p:sp>
+        <p:sp>
+          <p:nvSpPr>
+            <p:cNvPr id="23" name="Triangle 22">
+              <a:extLst>
+                <a:ext uri="{FF2B5EF4-FFF2-40B4-BE49-F238E27FC236}">
+                  <a16:creationId xmlns:a16="http://schemas.microsoft.com/office/drawing/2014/main" id="{D14BB43C-DF12-C18D-1166-A5AD73D9B16D}"/>
+                </a:ext>
+              </a:extLst>
+            </p:cNvPr>
+            <p:cNvSpPr/>
+            <p:nvPr/>
+          </p:nvSpPr>
+          <p:spPr>
+            <a:xfrm rot="5400000">
+              <a:off x="7202019" y="1111103"/>
+              <a:ext cx="1218600" cy="1017431"/>
+            </a:xfrm>
+            <a:prstGeom prst="triangle">
+              <a:avLst/>
+            </a:prstGeom>
+            <a:grpFill/>
+            <a:ln>
+              <a:noFill/>
+            </a:ln>
+          </p:spPr>
+          <p:style>
+            <a:lnRef idx="2">
+              <a:schemeClr val="accent1">
+                <a:shade val="15000"/>
+              </a:schemeClr>
+            </a:lnRef>
+            <a:fillRef idx="1">
+              <a:schemeClr val="accent1"/>
+            </a:fillRef>
+            <a:effectRef idx="0">
+              <a:schemeClr val="accent1"/>
+            </a:effectRef>
+            <a:fontRef idx="minor">
+              <a:schemeClr val="lt1"/>
+            </a:fontRef>
+          </p:style>
+          <p:txBody>
+            <a:bodyPr rtlCol="0" anchor="ctr"/>
+            <a:lstStyle/>
+            <a:p>
+              <a:pPr algn="ctr"/>
+              <a:endParaRPr lang="en-GB"/>
+            </a:p>
+          </p:txBody>
+        </p:sp>
+        <p:sp>
+          <p:nvSpPr>
+            <p:cNvPr id="34" name="TextBox 33">
+              <a:extLst>
+                <a:ext uri="{FF2B5EF4-FFF2-40B4-BE49-F238E27FC236}">
+                  <a16:creationId xmlns:a16="http://schemas.microsoft.com/office/drawing/2014/main" id="{F7E102D7-763B-DA37-48AD-F1E396B71079}"/>
+                </a:ext>
+              </a:extLst>
+            </p:cNvPr>
+            <p:cNvSpPr txBox="1"/>
+            <p:nvPr/>
+          </p:nvSpPr>
+          <p:spPr>
+            <a:xfrm>
+              <a:off x="5921875" y="694611"/>
+              <a:ext cx="915265" cy="1862048"/>
+            </a:xfrm>
+            <a:prstGeom prst="rect">
+              <a:avLst/>
+            </a:prstGeom>
+            <a:grpFill/>
+          </p:spPr>
+          <p:txBody>
+            <a:bodyPr wrap="square" rtlCol="0">
+              <a:spAutoFit/>
+            </a:bodyPr>
+            <a:lstStyle/>
+            <a:p>
+              <a:r>
+                <a:rPr lang="en-GB" sz="11500" b="1" dirty="0">
+                  <a:solidFill>
+                    <a:schemeClr val="bg1"/>
+                  </a:solidFill>
+                  <a:latin typeface="Calibri" panose="020F0502020204030204" pitchFamily="34" charset="0"/>
+                  <a:cs typeface="Calibri" panose="020F0502020204030204" pitchFamily="34" charset="0"/>
+                </a:rPr>
+                <a:t>3</a:t>
+              </a:r>
+            </a:p>
+          </p:txBody>
+        </p:sp>
+        <p:sp>
+          <p:nvSpPr>
+            <p:cNvPr id="38" name="TextBox 37">
+              <a:extLst>
+                <a:ext uri="{FF2B5EF4-FFF2-40B4-BE49-F238E27FC236}">
+                  <a16:creationId xmlns:a16="http://schemas.microsoft.com/office/drawing/2014/main" id="{FE53F96C-9808-EC08-E5B0-465A886534FB}"/>
+                </a:ext>
+              </a:extLst>
+            </p:cNvPr>
+            <p:cNvSpPr txBox="1"/>
+            <p:nvPr/>
+          </p:nvSpPr>
+          <p:spPr>
+            <a:xfrm>
+              <a:off x="4859945" y="2506243"/>
+              <a:ext cx="2450426" cy="1569660"/>
+            </a:xfrm>
+            <a:prstGeom prst="rect">
+              <a:avLst/>
+            </a:prstGeom>
+            <a:grpFill/>
+          </p:spPr>
+          <p:txBody>
+            <a:bodyPr wrap="square" rtlCol="0">
+              <a:spAutoFit/>
+            </a:bodyPr>
+            <a:lstStyle/>
+            <a:p>
+              <a:r>
+                <a:rPr lang="en-GB" sz="3200" b="0" i="0" u="none" strike="noStrike" dirty="0">
+                  <a:solidFill>
+                    <a:schemeClr val="bg1"/>
+                  </a:solidFill>
+                  <a:effectLst/>
+                  <a:latin typeface="-webkit-standard"/>
+                </a:rPr>
+                <a:t>Integration &amp; Secure Result Delivery</a:t>
+              </a:r>
+              <a:endParaRPr lang="en-GB" sz="3200" dirty="0">
+                <a:solidFill>
+                  <a:schemeClr val="bg1"/>
+                </a:solidFill>
+              </a:endParaRPr>
+            </a:p>
+          </p:txBody>
+        </p:sp>
+      </p:grpSp>
+      <p:grpSp>
+        <p:nvGrpSpPr>
+          <p:cNvPr id="4" name="Group 3">
+            <a:extLst>
+              <a:ext uri="{FF2B5EF4-FFF2-40B4-BE49-F238E27FC236}">
+                <a16:creationId xmlns:a16="http://schemas.microsoft.com/office/drawing/2014/main" id="{E2973F42-6E1A-1AE9-8015-E84AA97CD091}"/>
+              </a:ext>
+            </a:extLst>
+          </p:cNvPr>
+          <p:cNvGrpSpPr/>
+          <p:nvPr/>
+        </p:nvGrpSpPr>
+        <p:grpSpPr>
+          <a:xfrm>
+            <a:off x="-1793591" y="0"/>
             <a:ext cx="3448632" cy="6858000"/>
             <a:chOff x="2437201" y="0"/>
             <a:chExt cx="3448632" cy="6858000"/>
           </a:xfrm>
+          <a:solidFill>
+            <a:schemeClr val="accent1">
+              <a:lumMod val="75000"/>
+            </a:schemeClr>
+          </a:solidFill>
         </p:grpSpPr>
         <p:sp>
           <p:nvSpPr>
-            <p:cNvPr id="50" name="Rectangle 49">
+            <p:cNvPr id="16" name="Rectangle 15">
               <a:extLst>
                 <a:ext uri="{FF2B5EF4-FFF2-40B4-BE49-F238E27FC236}">
-                  <a16:creationId xmlns:a16="http://schemas.microsoft.com/office/drawing/2014/main" id="{6A66350E-CC2F-F835-7E32-783445F86A0D}"/>
+                  <a16:creationId xmlns:a16="http://schemas.microsoft.com/office/drawing/2014/main" id="{167A6A7C-7A14-2B7E-4B77-6932352789A5}"/>
                 </a:ext>
               </a:extLst>
             </p:cNvPr>
@@ -4997,12 +5525,7 @@
             <a:prstGeom prst="rect">
               <a:avLst/>
             </a:prstGeom>
-            <a:solidFill>
-              <a:schemeClr val="tx2">
-                <a:lumMod val="75000"/>
-                <a:lumOff val="25000"/>
-              </a:schemeClr>
-            </a:solidFill>
+            <a:grpFill/>
             <a:ln>
               <a:noFill/>
             </a:ln>
@@ -5033,10 +5556,10 @@
         </p:sp>
         <p:sp>
           <p:nvSpPr>
-            <p:cNvPr id="51" name="Triangle 50">
+            <p:cNvPr id="24" name="Triangle 23">
               <a:extLst>
                 <a:ext uri="{FF2B5EF4-FFF2-40B4-BE49-F238E27FC236}">
-                  <a16:creationId xmlns:a16="http://schemas.microsoft.com/office/drawing/2014/main" id="{BFA685EA-520E-9C8D-D290-9A6AE1EC05B1}"/>
+                  <a16:creationId xmlns:a16="http://schemas.microsoft.com/office/drawing/2014/main" id="{4A41A5AD-0D15-E07C-5CFE-E305E74C3E11}"/>
                 </a:ext>
               </a:extLst>
             </p:cNvPr>
@@ -5051,12 +5574,7 @@
             <a:prstGeom prst="triangle">
               <a:avLst/>
             </a:prstGeom>
-            <a:solidFill>
-              <a:schemeClr val="tx2">
-                <a:lumMod val="75000"/>
-                <a:lumOff val="25000"/>
-              </a:schemeClr>
-            </a:solidFill>
+            <a:grpFill/>
             <a:ln>
               <a:noFill/>
             </a:ln>
@@ -5088,10 +5606,10 @@
         </p:sp>
         <p:sp>
           <p:nvSpPr>
-            <p:cNvPr id="52" name="TextBox 51">
+            <p:cNvPr id="35" name="TextBox 34">
               <a:extLst>
                 <a:ext uri="{FF2B5EF4-FFF2-40B4-BE49-F238E27FC236}">
-                  <a16:creationId xmlns:a16="http://schemas.microsoft.com/office/drawing/2014/main" id="{B841FE35-BE1D-D818-C0A7-F44079EE6D4D}"/>
+                  <a16:creationId xmlns:a16="http://schemas.microsoft.com/office/drawing/2014/main" id="{980BEB22-16FA-E0C8-7085-458678FB0888}"/>
                 </a:ext>
               </a:extLst>
             </p:cNvPr>
@@ -5106,7 +5624,7 @@
             <a:prstGeom prst="rect">
               <a:avLst/>
             </a:prstGeom>
-            <a:noFill/>
+            <a:grpFill/>
           </p:spPr>
           <p:txBody>
             <a:bodyPr wrap="square" rtlCol="0">
@@ -5129,10 +5647,10 @@
         </p:sp>
         <p:sp>
           <p:nvSpPr>
-            <p:cNvPr id="53" name="TextBox 52">
+            <p:cNvPr id="37" name="TextBox 36">
               <a:extLst>
                 <a:ext uri="{FF2B5EF4-FFF2-40B4-BE49-F238E27FC236}">
-                  <a16:creationId xmlns:a16="http://schemas.microsoft.com/office/drawing/2014/main" id="{DF1317EB-2586-1F7F-CF5A-99A009021650}"/>
+                  <a16:creationId xmlns:a16="http://schemas.microsoft.com/office/drawing/2014/main" id="{D0F32EAC-FD30-F5C3-14B8-B6E209AF87A1}"/>
                 </a:ext>
               </a:extLst>
             </p:cNvPr>
@@ -5147,7 +5665,7 @@
             <a:prstGeom prst="rect">
               <a:avLst/>
             </a:prstGeom>
-            <a:noFill/>
+            <a:grpFill/>
           </p:spPr>
           <p:txBody>
             <a:bodyPr wrap="square" rtlCol="0">
@@ -5174,205 +5692,12 @@
           </p:txBody>
         </p:sp>
       </p:grpSp>
-      <p:sp>
-        <p:nvSpPr>
-          <p:cNvPr id="54" name="Rectangle 53">
+      <p:grpSp>
+        <p:nvGrpSpPr>
+          <p:cNvPr id="3" name="Group 2">
             <a:extLst>
               <a:ext uri="{FF2B5EF4-FFF2-40B4-BE49-F238E27FC236}">
-                <a16:creationId xmlns:a16="http://schemas.microsoft.com/office/drawing/2014/main" id="{FE57E1AC-7C8E-2D78-2D4A-4CD46A52AD1B}"/>
-              </a:ext>
-            </a:extLst>
-          </p:cNvPr>
-          <p:cNvSpPr/>
-          <p:nvPr/>
-        </p:nvSpPr>
-        <p:spPr>
-          <a:xfrm>
-            <a:off x="3700257" y="1201271"/>
-            <a:ext cx="2850841" cy="952886"/>
-          </a:xfrm>
-          <a:prstGeom prst="rect">
-            <a:avLst/>
-          </a:prstGeom>
-          <a:solidFill>
-            <a:schemeClr val="tx2">
-              <a:lumMod val="75000"/>
-              <a:lumOff val="25000"/>
-            </a:schemeClr>
-          </a:solidFill>
-          <a:ln>
-            <a:noFill/>
-          </a:ln>
-        </p:spPr>
-        <p:style>
-          <a:lnRef idx="2">
-            <a:schemeClr val="accent1">
-              <a:shade val="15000"/>
-            </a:schemeClr>
-          </a:lnRef>
-          <a:fillRef idx="1">
-            <a:schemeClr val="accent1"/>
-          </a:fillRef>
-          <a:effectRef idx="0">
-            <a:schemeClr val="accent1"/>
-          </a:effectRef>
-          <a:fontRef idx="minor">
-            <a:schemeClr val="lt1"/>
-          </a:fontRef>
-        </p:style>
-        <p:txBody>
-          <a:bodyPr rtlCol="0" anchor="ctr"/>
-          <a:lstStyle/>
-          <a:p>
-            <a:pPr algn="ctr"/>
-            <a:r>
-              <a:rPr lang="en-GB" sz="2400" b="1" i="0" u="none" strike="noStrike" dirty="0">
-                <a:solidFill>
-                  <a:schemeClr val="bg1"/>
-                </a:solidFill>
-                <a:effectLst/>
-                <a:latin typeface="-webkit-standard"/>
-              </a:rPr>
-              <a:t>Automated Classification</a:t>
-            </a:r>
-            <a:endParaRPr lang="en-GB" sz="2400" b="1" dirty="0">
-              <a:solidFill>
-                <a:schemeClr val="bg1"/>
-              </a:solidFill>
-            </a:endParaRPr>
-          </a:p>
-        </p:txBody>
-      </p:sp>
-      <p:sp>
-        <p:nvSpPr>
-          <p:cNvPr id="55" name="Triangle 54">
-            <a:extLst>
-              <a:ext uri="{FF2B5EF4-FFF2-40B4-BE49-F238E27FC236}">
-                <a16:creationId xmlns:a16="http://schemas.microsoft.com/office/drawing/2014/main" id="{C312584C-A2AD-6984-A54F-C8D59AC10549}"/>
-              </a:ext>
-            </a:extLst>
-          </p:cNvPr>
-          <p:cNvSpPr/>
-          <p:nvPr/>
-        </p:nvSpPr>
-        <p:spPr>
-          <a:xfrm rot="10800000">
-            <a:off x="4832514" y="2185368"/>
-            <a:ext cx="586325" cy="558654"/>
-          </a:xfrm>
-          <a:prstGeom prst="triangle">
-            <a:avLst>
-              <a:gd name="adj" fmla="val 52723"/>
-            </a:avLst>
-          </a:prstGeom>
-          <a:solidFill>
-            <a:schemeClr val="tx2">
-              <a:lumMod val="75000"/>
-              <a:lumOff val="25000"/>
-            </a:schemeClr>
-          </a:solidFill>
-          <a:ln>
-            <a:noFill/>
-          </a:ln>
-        </p:spPr>
-        <p:style>
-          <a:lnRef idx="2">
-            <a:schemeClr val="accent1">
-              <a:shade val="15000"/>
-            </a:schemeClr>
-          </a:lnRef>
-          <a:fillRef idx="1">
-            <a:schemeClr val="accent1"/>
-          </a:fillRef>
-          <a:effectRef idx="0">
-            <a:schemeClr val="accent1"/>
-          </a:effectRef>
-          <a:fontRef idx="minor">
-            <a:schemeClr val="lt1"/>
-          </a:fontRef>
-        </p:style>
-        <p:txBody>
-          <a:bodyPr rtlCol="0" anchor="ctr"/>
-          <a:lstStyle/>
-          <a:p>
-            <a:pPr algn="ctr"/>
-            <a:endParaRPr lang="en-GB"/>
-          </a:p>
-        </p:txBody>
-      </p:sp>
-      <p:sp>
-        <p:nvSpPr>
-          <p:cNvPr id="57" name="Rounded Rectangle 56">
-            <a:extLst>
-              <a:ext uri="{FF2B5EF4-FFF2-40B4-BE49-F238E27FC236}">
-                <a16:creationId xmlns:a16="http://schemas.microsoft.com/office/drawing/2014/main" id="{5AE3807D-4377-9137-2F8C-916C421CC466}"/>
-              </a:ext>
-            </a:extLst>
-          </p:cNvPr>
-          <p:cNvSpPr/>
-          <p:nvPr/>
-        </p:nvSpPr>
-        <p:spPr>
-          <a:xfrm>
-            <a:off x="12537684" y="352943"/>
-            <a:ext cx="2958353" cy="3140347"/>
-          </a:xfrm>
-          <a:prstGeom prst="roundRect">
-            <a:avLst/>
-          </a:prstGeom>
-          <a:solidFill>
-            <a:schemeClr val="bg1"/>
-          </a:solidFill>
-          <a:ln w="76200">
-            <a:solidFill>
-              <a:schemeClr val="tx2">
-                <a:lumMod val="75000"/>
-                <a:lumOff val="25000"/>
-              </a:schemeClr>
-            </a:solidFill>
-          </a:ln>
-        </p:spPr>
-        <p:style>
-          <a:lnRef idx="2">
-            <a:schemeClr val="accent1">
-              <a:shade val="15000"/>
-            </a:schemeClr>
-          </a:lnRef>
-          <a:fillRef idx="1">
-            <a:schemeClr val="accent1"/>
-          </a:fillRef>
-          <a:effectRef idx="0">
-            <a:schemeClr val="accent1"/>
-          </a:effectRef>
-          <a:fontRef idx="minor">
-            <a:schemeClr val="lt1"/>
-          </a:fontRef>
-        </p:style>
-        <p:txBody>
-          <a:bodyPr rtlCol="0" anchor="ctr"/>
-          <a:lstStyle/>
-          <a:p>
-            <a:pPr algn="ctr"/>
-            <a:r>
-              <a:rPr lang="en-GB" b="0" i="0" u="none" strike="noStrike" dirty="0">
-                <a:solidFill>
-                  <a:srgbClr val="000000"/>
-                </a:solidFill>
-                <a:effectLst/>
-                <a:latin typeface="-webkit-standard"/>
-              </a:rPr>
-              <a:t>The ML model takes in the six extracted parameters and classifies the patient’s condition as Normal, Herniated Disc, or Spondylolisthesis. This classification is generated in real-time, leveraging the model’s learned patterns from prior training and refinement.</a:t>
-            </a:r>
-            <a:endParaRPr lang="en-GB" dirty="0"/>
-          </a:p>
-        </p:txBody>
-      </p:sp>
-      <p:grpSp>
-        <p:nvGrpSpPr>
-          <p:cNvPr id="5" name="Group 4">
-            <a:extLst>
-              <a:ext uri="{FF2B5EF4-FFF2-40B4-BE49-F238E27FC236}">
-                <a16:creationId xmlns:a16="http://schemas.microsoft.com/office/drawing/2014/main" id="{6BDE308D-BF46-8E09-1044-1BA212B8D94B}"/>
+                <a16:creationId xmlns:a16="http://schemas.microsoft.com/office/drawing/2014/main" id="{4AE31F46-6CD7-50B1-0C09-2B2D245E25F6}"/>
               </a:ext>
             </a:extLst>
           </p:cNvPr>
@@ -5381,446 +5706,18 @@
         </p:nvGrpSpPr>
         <p:grpSpPr>
           <a:xfrm>
-            <a:off x="3700255" y="2775234"/>
-            <a:ext cx="3450392" cy="952886"/>
-            <a:chOff x="3700255" y="2775234"/>
-            <a:chExt cx="3450392" cy="952886"/>
+            <a:off x="-1953940" y="0"/>
+            <a:ext cx="3434804" cy="6858000"/>
+            <a:chOff x="0" y="0"/>
+            <a:chExt cx="3434804" cy="6858000"/>
           </a:xfrm>
         </p:grpSpPr>
         <p:sp>
           <p:nvSpPr>
-            <p:cNvPr id="2" name="Rectangle 1">
+            <p:cNvPr id="9" name="Rectangle 8">
               <a:extLst>
                 <a:ext uri="{FF2B5EF4-FFF2-40B4-BE49-F238E27FC236}">
-                  <a16:creationId xmlns:a16="http://schemas.microsoft.com/office/drawing/2014/main" id="{DC46A08B-5C77-626B-9F15-1B3FB6C44A5E}"/>
-                </a:ext>
-              </a:extLst>
-            </p:cNvPr>
-            <p:cNvSpPr/>
-            <p:nvPr/>
-          </p:nvSpPr>
-          <p:spPr>
-            <a:xfrm>
-              <a:off x="3700255" y="2775234"/>
-              <a:ext cx="2850841" cy="952886"/>
-            </a:xfrm>
-            <a:prstGeom prst="rect">
-              <a:avLst/>
-            </a:prstGeom>
-            <a:solidFill>
-              <a:schemeClr val="tx2">
-                <a:lumMod val="75000"/>
-                <a:lumOff val="25000"/>
-              </a:schemeClr>
-            </a:solidFill>
-            <a:ln>
-              <a:noFill/>
-            </a:ln>
-          </p:spPr>
-          <p:style>
-            <a:lnRef idx="2">
-              <a:schemeClr val="accent1">
-                <a:shade val="15000"/>
-              </a:schemeClr>
-            </a:lnRef>
-            <a:fillRef idx="1">
-              <a:schemeClr val="accent1"/>
-            </a:fillRef>
-            <a:effectRef idx="0">
-              <a:schemeClr val="accent1"/>
-            </a:effectRef>
-            <a:fontRef idx="minor">
-              <a:schemeClr val="lt1"/>
-            </a:fontRef>
-          </p:style>
-          <p:txBody>
-            <a:bodyPr rtlCol="0" anchor="ctr"/>
-            <a:lstStyle/>
-            <a:p>
-              <a:pPr algn="ctr"/>
-              <a:r>
-                <a:rPr lang="en-GB" sz="2400" b="1" i="0" u="none" strike="noStrike" dirty="0">
-                  <a:solidFill>
-                    <a:schemeClr val="bg1"/>
-                  </a:solidFill>
-                  <a:effectLst/>
-                  <a:latin typeface="-webkit-standard"/>
-                </a:rPr>
-                <a:t>Radiologist Interface for Review</a:t>
-              </a:r>
-              <a:endParaRPr lang="en-GB" sz="2400" b="1" dirty="0">
-                <a:solidFill>
-                  <a:schemeClr val="bg1"/>
-                </a:solidFill>
-              </a:endParaRPr>
-            </a:p>
-          </p:txBody>
-        </p:sp>
-        <p:sp>
-          <p:nvSpPr>
-            <p:cNvPr id="3" name="Triangle 2">
-              <a:extLst>
-                <a:ext uri="{FF2B5EF4-FFF2-40B4-BE49-F238E27FC236}">
-                  <a16:creationId xmlns:a16="http://schemas.microsoft.com/office/drawing/2014/main" id="{4A5932B9-7BBA-2723-D21F-F8B3C61542B2}"/>
-                </a:ext>
-              </a:extLst>
-            </p:cNvPr>
-            <p:cNvSpPr/>
-            <p:nvPr/>
-          </p:nvSpPr>
-          <p:spPr>
-            <a:xfrm rot="5400000">
-              <a:off x="6578157" y="2972350"/>
-              <a:ext cx="586325" cy="558654"/>
-            </a:xfrm>
-            <a:prstGeom prst="triangle">
-              <a:avLst>
-                <a:gd name="adj" fmla="val 52723"/>
-              </a:avLst>
-            </a:prstGeom>
-            <a:solidFill>
-              <a:schemeClr val="tx2">
-                <a:lumMod val="75000"/>
-                <a:lumOff val="25000"/>
-              </a:schemeClr>
-            </a:solidFill>
-            <a:ln>
-              <a:noFill/>
-            </a:ln>
-          </p:spPr>
-          <p:style>
-            <a:lnRef idx="2">
-              <a:schemeClr val="accent1">
-                <a:shade val="15000"/>
-              </a:schemeClr>
-            </a:lnRef>
-            <a:fillRef idx="1">
-              <a:schemeClr val="accent1"/>
-            </a:fillRef>
-            <a:effectRef idx="0">
-              <a:schemeClr val="accent1"/>
-            </a:effectRef>
-            <a:fontRef idx="minor">
-              <a:schemeClr val="lt1"/>
-            </a:fontRef>
-          </p:style>
-          <p:txBody>
-            <a:bodyPr rtlCol="0" anchor="ctr"/>
-            <a:lstStyle/>
-            <a:p>
-              <a:pPr algn="ctr"/>
-              <a:endParaRPr lang="en-GB"/>
-            </a:p>
-          </p:txBody>
-        </p:sp>
-      </p:grpSp>
-      <p:sp>
-        <p:nvSpPr>
-          <p:cNvPr id="4" name="Rounded Rectangle 3">
-            <a:extLst>
-              <a:ext uri="{FF2B5EF4-FFF2-40B4-BE49-F238E27FC236}">
-                <a16:creationId xmlns:a16="http://schemas.microsoft.com/office/drawing/2014/main" id="{F69E4DB0-B5AE-AB25-09BB-50ED84837C66}"/>
-              </a:ext>
-            </a:extLst>
-          </p:cNvPr>
-          <p:cNvSpPr/>
-          <p:nvPr/>
-        </p:nvSpPr>
-        <p:spPr>
-          <a:xfrm>
-            <a:off x="7418209" y="1858826"/>
-            <a:ext cx="2958353" cy="3140347"/>
-          </a:xfrm>
-          <a:prstGeom prst="roundRect">
-            <a:avLst/>
-          </a:prstGeom>
-          <a:solidFill>
-            <a:schemeClr val="bg1"/>
-          </a:solidFill>
-          <a:ln w="76200">
-            <a:solidFill>
-              <a:schemeClr val="tx2">
-                <a:lumMod val="75000"/>
-                <a:lumOff val="25000"/>
-              </a:schemeClr>
-            </a:solidFill>
-          </a:ln>
-        </p:spPr>
-        <p:style>
-          <a:lnRef idx="2">
-            <a:schemeClr val="accent1">
-              <a:shade val="15000"/>
-            </a:schemeClr>
-          </a:lnRef>
-          <a:fillRef idx="1">
-            <a:schemeClr val="accent1"/>
-          </a:fillRef>
-          <a:effectRef idx="0">
-            <a:schemeClr val="accent1"/>
-          </a:effectRef>
-          <a:fontRef idx="minor">
-            <a:schemeClr val="lt1"/>
-          </a:fontRef>
-        </p:style>
-        <p:txBody>
-          <a:bodyPr rtlCol="0" anchor="ctr"/>
-          <a:lstStyle/>
-          <a:p>
-            <a:pPr algn="ctr"/>
-            <a:r>
-              <a:rPr lang="en-GB" b="0" i="0" u="none" strike="noStrike" dirty="0">
-                <a:solidFill>
-                  <a:srgbClr val="000000"/>
-                </a:solidFill>
-                <a:effectLst/>
-                <a:latin typeface="-webkit-standard"/>
-              </a:rPr>
-              <a:t>A dedicated interface allows radiologists and spine specialists to review the automatically extracted features and the resulting classification. If they notice discrepancies, they can adjust parameters or annotate specific areas of concern.</a:t>
-            </a:r>
-            <a:endParaRPr lang="en-GB" dirty="0"/>
-          </a:p>
-        </p:txBody>
-      </p:sp>
-      <p:grpSp>
-        <p:nvGrpSpPr>
-          <p:cNvPr id="6" name="Group 5">
-            <a:extLst>
-              <a:ext uri="{FF2B5EF4-FFF2-40B4-BE49-F238E27FC236}">
-                <a16:creationId xmlns:a16="http://schemas.microsoft.com/office/drawing/2014/main" id="{08EEC2AE-FC35-D0C1-F23D-69BC20839F4C}"/>
-              </a:ext>
-            </a:extLst>
-          </p:cNvPr>
-          <p:cNvGrpSpPr/>
-          <p:nvPr/>
-        </p:nvGrpSpPr>
-        <p:grpSpPr>
-          <a:xfrm>
-            <a:off x="3448633" y="-1507826"/>
-            <a:ext cx="3459328" cy="952886"/>
-            <a:chOff x="3700255" y="4341999"/>
-            <a:chExt cx="3459328" cy="952886"/>
-          </a:xfrm>
-        </p:grpSpPr>
-        <p:sp>
-          <p:nvSpPr>
-            <p:cNvPr id="7" name="Rectangle 6">
-              <a:extLst>
-                <a:ext uri="{FF2B5EF4-FFF2-40B4-BE49-F238E27FC236}">
-                  <a16:creationId xmlns:a16="http://schemas.microsoft.com/office/drawing/2014/main" id="{B36ABD22-E138-6D69-F575-12C999B3335D}"/>
-                </a:ext>
-              </a:extLst>
-            </p:cNvPr>
-            <p:cNvSpPr/>
-            <p:nvPr/>
-          </p:nvSpPr>
-          <p:spPr>
-            <a:xfrm>
-              <a:off x="3700255" y="4341999"/>
-              <a:ext cx="2850841" cy="952886"/>
-            </a:xfrm>
-            <a:prstGeom prst="rect">
-              <a:avLst/>
-            </a:prstGeom>
-            <a:solidFill>
-              <a:schemeClr val="tx2">
-                <a:lumMod val="75000"/>
-                <a:lumOff val="25000"/>
-              </a:schemeClr>
-            </a:solidFill>
-            <a:ln>
-              <a:noFill/>
-            </a:ln>
-          </p:spPr>
-          <p:style>
-            <a:lnRef idx="2">
-              <a:schemeClr val="accent1">
-                <a:shade val="15000"/>
-              </a:schemeClr>
-            </a:lnRef>
-            <a:fillRef idx="1">
-              <a:schemeClr val="accent1"/>
-            </a:fillRef>
-            <a:effectRef idx="0">
-              <a:schemeClr val="accent1"/>
-            </a:effectRef>
-            <a:fontRef idx="minor">
-              <a:schemeClr val="lt1"/>
-            </a:fontRef>
-          </p:style>
-          <p:txBody>
-            <a:bodyPr rtlCol="0" anchor="ctr"/>
-            <a:lstStyle/>
-            <a:p>
-              <a:pPr algn="ctr"/>
-              <a:r>
-                <a:rPr lang="en-GB" sz="2400" b="1" i="0" u="none" strike="noStrike" dirty="0">
-                  <a:solidFill>
-                    <a:schemeClr val="bg1"/>
-                  </a:solidFill>
-                  <a:effectLst/>
-                  <a:latin typeface="-webkit-standard"/>
-                </a:rPr>
-                <a:t>Continuous Model Improvement</a:t>
-              </a:r>
-              <a:endParaRPr lang="en-GB" sz="2400" b="1" dirty="0">
-                <a:solidFill>
-                  <a:schemeClr val="bg1"/>
-                </a:solidFill>
-              </a:endParaRPr>
-            </a:p>
-          </p:txBody>
-        </p:sp>
-        <p:sp>
-          <p:nvSpPr>
-            <p:cNvPr id="8" name="Triangle 7">
-              <a:extLst>
-                <a:ext uri="{FF2B5EF4-FFF2-40B4-BE49-F238E27FC236}">
-                  <a16:creationId xmlns:a16="http://schemas.microsoft.com/office/drawing/2014/main" id="{6356C2C2-7AB2-727D-3575-035C4D9F9C43}"/>
-                </a:ext>
-              </a:extLst>
-            </p:cNvPr>
-            <p:cNvSpPr/>
-            <p:nvPr/>
-          </p:nvSpPr>
-          <p:spPr>
-            <a:xfrm rot="5400000">
-              <a:off x="6587093" y="4539115"/>
-              <a:ext cx="586325" cy="558654"/>
-            </a:xfrm>
-            <a:prstGeom prst="triangle">
-              <a:avLst>
-                <a:gd name="adj" fmla="val 52723"/>
-              </a:avLst>
-            </a:prstGeom>
-            <a:solidFill>
-              <a:schemeClr val="tx2">
-                <a:lumMod val="75000"/>
-                <a:lumOff val="25000"/>
-              </a:schemeClr>
-            </a:solidFill>
-            <a:ln>
-              <a:noFill/>
-            </a:ln>
-          </p:spPr>
-          <p:style>
-            <a:lnRef idx="2">
-              <a:schemeClr val="accent1">
-                <a:shade val="15000"/>
-              </a:schemeClr>
-            </a:lnRef>
-            <a:fillRef idx="1">
-              <a:schemeClr val="accent1"/>
-            </a:fillRef>
-            <a:effectRef idx="0">
-              <a:schemeClr val="accent1"/>
-            </a:effectRef>
-            <a:fontRef idx="minor">
-              <a:schemeClr val="lt1"/>
-            </a:fontRef>
-          </p:style>
-          <p:txBody>
-            <a:bodyPr rtlCol="0" anchor="ctr"/>
-            <a:lstStyle/>
-            <a:p>
-              <a:pPr algn="ctr"/>
-              <a:endParaRPr lang="en-GB"/>
-            </a:p>
-          </p:txBody>
-        </p:sp>
-      </p:grpSp>
-      <p:sp>
-        <p:nvSpPr>
-          <p:cNvPr id="9" name="Rounded Rectangle 8">
-            <a:extLst>
-              <a:ext uri="{FF2B5EF4-FFF2-40B4-BE49-F238E27FC236}">
-                <a16:creationId xmlns:a16="http://schemas.microsoft.com/office/drawing/2014/main" id="{1D81E92E-A2C4-2EE7-20F5-29DAC91FD977}"/>
-              </a:ext>
-            </a:extLst>
-          </p:cNvPr>
-          <p:cNvSpPr/>
-          <p:nvPr/>
-        </p:nvSpPr>
-        <p:spPr>
-          <a:xfrm>
-            <a:off x="12192000" y="-2894720"/>
-            <a:ext cx="2958353" cy="3140347"/>
-          </a:xfrm>
-          <a:prstGeom prst="roundRect">
-            <a:avLst/>
-          </a:prstGeom>
-          <a:solidFill>
-            <a:schemeClr val="bg1"/>
-          </a:solidFill>
-          <a:ln w="76200">
-            <a:solidFill>
-              <a:schemeClr val="tx2">
-                <a:lumMod val="75000"/>
-                <a:lumOff val="25000"/>
-              </a:schemeClr>
-            </a:solidFill>
-          </a:ln>
-        </p:spPr>
-        <p:style>
-          <a:lnRef idx="2">
-            <a:schemeClr val="accent1">
-              <a:shade val="15000"/>
-            </a:schemeClr>
-          </a:lnRef>
-          <a:fillRef idx="1">
-            <a:schemeClr val="accent1"/>
-          </a:fillRef>
-          <a:effectRef idx="0">
-            <a:schemeClr val="accent1"/>
-          </a:effectRef>
-          <a:fontRef idx="minor">
-            <a:schemeClr val="lt1"/>
-          </a:fontRef>
-        </p:style>
-        <p:txBody>
-          <a:bodyPr rtlCol="0" anchor="ctr"/>
-          <a:lstStyle/>
-          <a:p>
-            <a:pPr algn="ctr"/>
-            <a:r>
-              <a:rPr lang="en-GB" sz="1700" b="0" i="0" u="none" strike="noStrike" dirty="0">
-                <a:solidFill>
-                  <a:srgbClr val="000000"/>
-                </a:solidFill>
-                <a:effectLst/>
-                <a:latin typeface="-webkit-standard"/>
-              </a:rPr>
-              <a:t>Any refinements or corrections made by the radiologist are securely logged and later incorporated back into the model’s training data. Over time, the model becomes increasingly accurate and reliable, benefiting from real-world clinical feedback and expertise.</a:t>
-            </a:r>
-            <a:endParaRPr lang="en-GB" sz="1700" dirty="0"/>
-          </a:p>
-        </p:txBody>
-      </p:sp>
-      <p:grpSp>
-        <p:nvGrpSpPr>
-          <p:cNvPr id="10" name="Group 9">
-            <a:extLst>
-              <a:ext uri="{FF2B5EF4-FFF2-40B4-BE49-F238E27FC236}">
-                <a16:creationId xmlns:a16="http://schemas.microsoft.com/office/drawing/2014/main" id="{3C10E6C5-7A04-7A4D-2DD5-4DC47923600C}"/>
-              </a:ext>
-            </a:extLst>
-          </p:cNvPr>
-          <p:cNvGrpSpPr/>
-          <p:nvPr/>
-        </p:nvGrpSpPr>
-        <p:grpSpPr>
-          <a:xfrm>
-            <a:off x="-3520506" y="0"/>
-            <a:ext cx="3460089" cy="6858000"/>
-            <a:chOff x="4859945" y="0"/>
-            <a:chExt cx="3460089" cy="6858000"/>
-          </a:xfrm>
-        </p:grpSpPr>
-        <p:sp>
-          <p:nvSpPr>
-            <p:cNvPr id="11" name="Rectangle 10">
-              <a:extLst>
-                <a:ext uri="{FF2B5EF4-FFF2-40B4-BE49-F238E27FC236}">
-                  <a16:creationId xmlns:a16="http://schemas.microsoft.com/office/drawing/2014/main" id="{E37CCA73-BAB5-FF82-4CCC-E7DDF4AFF46F}"/>
+                  <a16:creationId xmlns:a16="http://schemas.microsoft.com/office/drawing/2014/main" id="{7AC62F65-4D92-1A88-1A4F-CB8DAB34DFC5}"/>
                 </a:ext>
               </a:extLst>
             </p:cNvPr>
@@ -5831,7 +5728,7 @@
           </p:nvSpPr>
           <p:spPr>
             <a:xfrm>
-              <a:off x="4877400" y="0"/>
+              <a:off x="0" y="0"/>
               <a:ext cx="2437200" cy="6858000"/>
             </a:xfrm>
             <a:prstGeom prst="rect">
@@ -5839,8 +5736,8 @@
             </a:prstGeom>
             <a:solidFill>
               <a:schemeClr val="tx2">
-                <a:lumMod val="50000"/>
-                <a:lumOff val="50000"/>
+                <a:lumMod val="90000"/>
+                <a:lumOff val="10000"/>
               </a:schemeClr>
             </a:solidFill>
             <a:ln>
@@ -5867,16 +5764,28 @@
             <a:bodyPr rtlCol="0" anchor="ctr"/>
             <a:lstStyle/>
             <a:p>
-              <a:endParaRPr lang="en-GB"/>
+              <a:endParaRPr lang="en-GB" dirty="0"/>
+            </a:p>
+            <a:p>
+              <a:endParaRPr lang="en-GB" dirty="0"/>
+            </a:p>
+            <a:p>
+              <a:endParaRPr lang="en-GB" dirty="0"/>
+            </a:p>
+            <a:p>
+              <a:endParaRPr lang="en-GB" dirty="0"/>
+            </a:p>
+            <a:p>
+              <a:endParaRPr lang="en-GB" dirty="0"/>
             </a:p>
           </p:txBody>
         </p:sp>
         <p:sp>
           <p:nvSpPr>
-            <p:cNvPr id="12" name="Triangle 11">
+            <p:cNvPr id="20" name="Triangle 19">
               <a:extLst>
                 <a:ext uri="{FF2B5EF4-FFF2-40B4-BE49-F238E27FC236}">
-                  <a16:creationId xmlns:a16="http://schemas.microsoft.com/office/drawing/2014/main" id="{8AA0A1A5-A895-FCEA-759E-546B8639893F}"/>
+                  <a16:creationId xmlns:a16="http://schemas.microsoft.com/office/drawing/2014/main" id="{A216C1DC-0555-E367-B242-3E08D9A846EC}"/>
                 </a:ext>
               </a:extLst>
             </p:cNvPr>
@@ -5885,7 +5794,7 @@
           </p:nvSpPr>
           <p:spPr>
             <a:xfrm rot="5400000">
-              <a:off x="7202019" y="1111103"/>
+              <a:off x="2316789" y="1108184"/>
               <a:ext cx="1218600" cy="1017431"/>
             </a:xfrm>
             <a:prstGeom prst="triangle">
@@ -5893,8 +5802,8 @@
             </a:prstGeom>
             <a:solidFill>
               <a:schemeClr val="tx2">
-                <a:lumMod val="50000"/>
-                <a:lumOff val="50000"/>
+                <a:lumMod val="90000"/>
+                <a:lumOff val="10000"/>
               </a:schemeClr>
             </a:solidFill>
             <a:ln>
@@ -5928,10 +5837,10 @@
         </p:sp>
         <p:sp>
           <p:nvSpPr>
-            <p:cNvPr id="13" name="TextBox 12">
+            <p:cNvPr id="26" name="TextBox 25">
               <a:extLst>
                 <a:ext uri="{FF2B5EF4-FFF2-40B4-BE49-F238E27FC236}">
-                  <a16:creationId xmlns:a16="http://schemas.microsoft.com/office/drawing/2014/main" id="{CF654CF1-2B2E-0BFD-6841-52D2A4D42B67}"/>
+                  <a16:creationId xmlns:a16="http://schemas.microsoft.com/office/drawing/2014/main" id="{A354782B-F55E-23FA-04B2-84A2458EB347}"/>
                 </a:ext>
               </a:extLst>
             </p:cNvPr>
@@ -5940,7 +5849,53 @@
           </p:nvSpPr>
           <p:spPr>
             <a:xfrm>
-              <a:off x="5921875" y="694611"/>
+              <a:off x="194729" y="2514602"/>
+              <a:ext cx="2047741" cy="2062103"/>
+            </a:xfrm>
+            <a:prstGeom prst="rect">
+              <a:avLst/>
+            </a:prstGeom>
+            <a:noFill/>
+          </p:spPr>
+          <p:txBody>
+            <a:bodyPr wrap="square" rtlCol="0">
+              <a:spAutoFit/>
+            </a:bodyPr>
+            <a:lstStyle/>
+            <a:p>
+              <a:r>
+                <a:rPr lang="en-GB" sz="3200" b="0" i="0" u="none" strike="noStrike" dirty="0">
+                  <a:solidFill>
+                    <a:schemeClr val="bg1"/>
+                  </a:solidFill>
+                  <a:effectLst/>
+                  <a:latin typeface="-webkit-standard"/>
+                </a:rPr>
+                <a:t>Patient Imaging &amp; Data Ingestion</a:t>
+              </a:r>
+              <a:endParaRPr lang="en-GB" sz="3200" dirty="0">
+                <a:solidFill>
+                  <a:schemeClr val="bg1"/>
+                </a:solidFill>
+              </a:endParaRPr>
+            </a:p>
+          </p:txBody>
+        </p:sp>
+        <p:sp>
+          <p:nvSpPr>
+            <p:cNvPr id="27" name="TextBox 26">
+              <a:extLst>
+                <a:ext uri="{FF2B5EF4-FFF2-40B4-BE49-F238E27FC236}">
+                  <a16:creationId xmlns:a16="http://schemas.microsoft.com/office/drawing/2014/main" id="{853108F4-8343-A39D-04A9-FB9D7BFDE826}"/>
+                </a:ext>
+              </a:extLst>
+            </p:cNvPr>
+            <p:cNvSpPr txBox="1"/>
+            <p:nvPr/>
+          </p:nvSpPr>
+          <p:spPr>
+            <a:xfrm>
+              <a:off x="656713" y="648285"/>
               <a:ext cx="915265" cy="1862048"/>
             </a:xfrm>
             <a:prstGeom prst="rect">
@@ -5962,62 +5917,56 @@
                   <a:latin typeface="Calibri" panose="020F0502020204030204" pitchFamily="34" charset="0"/>
                   <a:cs typeface="Calibri" panose="020F0502020204030204" pitchFamily="34" charset="0"/>
                 </a:rPr>
-                <a:t>3</a:t>
+                <a:t>1</a:t>
               </a:r>
-            </a:p>
-          </p:txBody>
-        </p:sp>
-        <p:sp>
-          <p:nvSpPr>
-            <p:cNvPr id="14" name="TextBox 13">
-              <a:extLst>
-                <a:ext uri="{FF2B5EF4-FFF2-40B4-BE49-F238E27FC236}">
-                  <a16:creationId xmlns:a16="http://schemas.microsoft.com/office/drawing/2014/main" id="{0895386D-60B1-8F35-8F84-8A1299E2FEE1}"/>
-                </a:ext>
-              </a:extLst>
-            </p:cNvPr>
-            <p:cNvSpPr txBox="1"/>
-            <p:nvPr/>
-          </p:nvSpPr>
-          <p:spPr>
-            <a:xfrm>
-              <a:off x="4859945" y="2506243"/>
-              <a:ext cx="2450426" cy="1569660"/>
-            </a:xfrm>
-            <a:prstGeom prst="rect">
-              <a:avLst/>
-            </a:prstGeom>
-            <a:noFill/>
-          </p:spPr>
-          <p:txBody>
-            <a:bodyPr wrap="square" rtlCol="0">
-              <a:spAutoFit/>
-            </a:bodyPr>
-            <a:lstStyle/>
-            <a:p>
-              <a:r>
-                <a:rPr lang="en-GB" sz="3200" b="0" i="0" u="none" strike="noStrike" dirty="0">
-                  <a:solidFill>
-                    <a:schemeClr val="bg1"/>
-                  </a:solidFill>
-                  <a:effectLst/>
-                  <a:latin typeface="-webkit-standard"/>
-                </a:rPr>
-                <a:t>Integration &amp; Secure Result Delivery</a:t>
-              </a:r>
-              <a:endParaRPr lang="en-GB" sz="3200" dirty="0">
-                <a:solidFill>
-                  <a:schemeClr val="bg1"/>
-                </a:solidFill>
-              </a:endParaRPr>
             </a:p>
           </p:txBody>
         </p:sp>
       </p:grpSp>
+      <p:sp>
+        <p:nvSpPr>
+          <p:cNvPr id="2" name="TextBox 1">
+            <a:extLst>
+              <a:ext uri="{FF2B5EF4-FFF2-40B4-BE49-F238E27FC236}">
+                <a16:creationId xmlns:a16="http://schemas.microsoft.com/office/drawing/2014/main" id="{6548F05C-8B34-990E-87D6-A3301F88427C}"/>
+              </a:ext>
+            </a:extLst>
+          </p:cNvPr>
+          <p:cNvSpPr txBox="1"/>
+          <p:nvPr/>
+        </p:nvSpPr>
+        <p:spPr>
+          <a:xfrm>
+            <a:off x="1477493" y="1581893"/>
+            <a:ext cx="10325307" cy="3046988"/>
+          </a:xfrm>
+          <a:prstGeom prst="rect">
+            <a:avLst/>
+          </a:prstGeom>
+          <a:noFill/>
+        </p:spPr>
+        <p:txBody>
+          <a:bodyPr wrap="square" rtlCol="0">
+            <a:spAutoFit/>
+          </a:bodyPr>
+          <a:lstStyle/>
+          <a:p>
+            <a:pPr algn="ctr"/>
+            <a:r>
+              <a:rPr lang="en-GB" sz="9600" b="1" dirty="0">
+                <a:solidFill>
+                  <a:schemeClr val="accent1"/>
+                </a:solidFill>
+              </a:rPr>
+              <a:t>Clinical Implementation </a:t>
+            </a:r>
+          </a:p>
+        </p:txBody>
+      </p:sp>
     </p:spTree>
     <p:extLst>
       <p:ext uri="{BB962C8B-B14F-4D97-AF65-F5344CB8AC3E}">
-        <p14:creationId xmlns:p14="http://schemas.microsoft.com/office/powerpoint/2010/main" val="9402828"/>
+        <p14:creationId xmlns:p14="http://schemas.microsoft.com/office/powerpoint/2010/main" val="3167499610"/>
       </p:ext>
     </p:extLst>
   </p:cSld>
@@ -6039,7 +5988,7 @@
 </p:sld>
 </file>
 
-<file path=ppt/slides/slide11.xml><?xml version="1.0" encoding="utf-8"?>
+<file path=ppt/slides/slide10.xml><?xml version="1.0" encoding="utf-8"?>
 <p:sld xmlns:a="http://schemas.openxmlformats.org/drawingml/2006/main" xmlns:r="http://schemas.openxmlformats.org/officeDocument/2006/relationships" xmlns:p="http://schemas.openxmlformats.org/presentationml/2006/main">
   <p:cSld>
     <p:spTree>
@@ -6122,6 +6071,11 @@
             <a:chOff x="2437201" y="0"/>
             <a:chExt cx="3448632" cy="6858000"/>
           </a:xfrm>
+          <a:solidFill>
+            <a:schemeClr val="accent1">
+              <a:lumMod val="75000"/>
+            </a:schemeClr>
+          </a:solidFill>
         </p:grpSpPr>
         <p:sp>
           <p:nvSpPr>
@@ -6145,12 +6099,7 @@
             <a:prstGeom prst="rect">
               <a:avLst/>
             </a:prstGeom>
-            <a:solidFill>
-              <a:schemeClr val="tx2">
-                <a:lumMod val="75000"/>
-                <a:lumOff val="25000"/>
-              </a:schemeClr>
-            </a:solidFill>
+            <a:grpFill/>
             <a:ln>
               <a:noFill/>
             </a:ln>
@@ -6199,12 +6148,7 @@
             <a:prstGeom prst="triangle">
               <a:avLst/>
             </a:prstGeom>
-            <a:solidFill>
-              <a:schemeClr val="tx2">
-                <a:lumMod val="75000"/>
-                <a:lumOff val="25000"/>
-              </a:schemeClr>
-            </a:solidFill>
+            <a:grpFill/>
             <a:ln>
               <a:noFill/>
             </a:ln>
@@ -6254,7 +6198,7 @@
             <a:prstGeom prst="rect">
               <a:avLst/>
             </a:prstGeom>
-            <a:noFill/>
+            <a:grpFill/>
           </p:spPr>
           <p:txBody>
             <a:bodyPr wrap="square" rtlCol="0">
@@ -6295,7 +6239,7 @@
             <a:prstGeom prst="rect">
               <a:avLst/>
             </a:prstGeom>
-            <a:noFill/>
+            <a:grpFill/>
           </p:spPr>
           <p:txBody>
             <a:bodyPr wrap="square" rtlCol="0">
@@ -6343,9 +6287,8 @@
             <a:avLst/>
           </a:prstGeom>
           <a:solidFill>
-            <a:schemeClr val="tx2">
+            <a:schemeClr val="accent1">
               <a:lumMod val="75000"/>
-              <a:lumOff val="25000"/>
             </a:schemeClr>
           </a:solidFill>
           <a:ln>
@@ -6414,9 +6357,8 @@
             </a:avLst>
           </a:prstGeom>
           <a:solidFill>
-            <a:schemeClr val="tx2">
+            <a:schemeClr val="accent1">
               <a:lumMod val="75000"/>
-              <a:lumOff val="25000"/>
             </a:schemeClr>
           </a:solidFill>
           <a:ln>
@@ -6536,9 +6478,8 @@
             <a:avLst/>
           </a:prstGeom>
           <a:solidFill>
-            <a:schemeClr val="tx2">
+            <a:schemeClr val="accent1">
               <a:lumMod val="75000"/>
-              <a:lumOff val="25000"/>
             </a:schemeClr>
           </a:solidFill>
           <a:ln>
@@ -6607,9 +6548,8 @@
             </a:avLst>
           </a:prstGeom>
           <a:solidFill>
-            <a:schemeClr val="tx2">
+            <a:schemeClr val="accent1">
               <a:lumMod val="75000"/>
-              <a:lumOff val="25000"/>
             </a:schemeClr>
           </a:solidFill>
           <a:ln>
@@ -6727,6 +6667,11 @@
             <a:chOff x="3700255" y="4341999"/>
             <a:chExt cx="3459328" cy="952886"/>
           </a:xfrm>
+          <a:solidFill>
+            <a:schemeClr val="accent1">
+              <a:lumMod val="75000"/>
+            </a:schemeClr>
+          </a:solidFill>
         </p:grpSpPr>
         <p:sp>
           <p:nvSpPr>
@@ -6748,12 +6693,7 @@
             <a:prstGeom prst="rect">
               <a:avLst/>
             </a:prstGeom>
-            <a:solidFill>
-              <a:schemeClr val="tx2">
-                <a:lumMod val="75000"/>
-                <a:lumOff val="25000"/>
-              </a:schemeClr>
-            </a:solidFill>
+            <a:grpFill/>
             <a:ln>
               <a:noFill/>
             </a:ln>
@@ -6819,12 +6759,7 @@
                 <a:gd name="adj" fmla="val 52723"/>
               </a:avLst>
             </a:prstGeom>
-            <a:solidFill>
-              <a:schemeClr val="tx2">
-                <a:lumMod val="75000"/>
-                <a:lumOff val="25000"/>
-              </a:schemeClr>
-            </a:solidFill>
+            <a:grpFill/>
             <a:ln>
               <a:noFill/>
             </a:ln>
@@ -6880,9 +6815,8 @@
           </a:solidFill>
           <a:ln w="76200">
             <a:solidFill>
-              <a:schemeClr val="tx2">
+              <a:schemeClr val="accent1">
                 <a:lumMod val="75000"/>
-                <a:lumOff val="25000"/>
               </a:schemeClr>
             </a:solidFill>
           </a:ln>
@@ -6941,6 +6875,12 @@
             <a:chOff x="4859945" y="0"/>
             <a:chExt cx="3460089" cy="6858000"/>
           </a:xfrm>
+          <a:solidFill>
+            <a:schemeClr val="tx2">
+              <a:lumMod val="75000"/>
+              <a:lumOff val="25000"/>
+            </a:schemeClr>
+          </a:solidFill>
         </p:grpSpPr>
         <p:sp>
           <p:nvSpPr>
@@ -6964,12 +6904,7 @@
             <a:prstGeom prst="rect">
               <a:avLst/>
             </a:prstGeom>
-            <a:solidFill>
-              <a:schemeClr val="tx2">
-                <a:lumMod val="50000"/>
-                <a:lumOff val="50000"/>
-              </a:schemeClr>
-            </a:solidFill>
+            <a:grpFill/>
             <a:ln>
               <a:noFill/>
             </a:ln>
@@ -7018,12 +6953,7 @@
             <a:prstGeom prst="triangle">
               <a:avLst/>
             </a:prstGeom>
-            <a:solidFill>
-              <a:schemeClr val="tx2">
-                <a:lumMod val="50000"/>
-                <a:lumOff val="50000"/>
-              </a:schemeClr>
-            </a:solidFill>
+            <a:grpFill/>
             <a:ln>
               <a:noFill/>
             </a:ln>
@@ -7073,7 +7003,7 @@
             <a:prstGeom prst="rect">
               <a:avLst/>
             </a:prstGeom>
-            <a:noFill/>
+            <a:grpFill/>
           </p:spPr>
           <p:txBody>
             <a:bodyPr wrap="square" rtlCol="0">
@@ -7114,7 +7044,7 @@
             <a:prstGeom prst="rect">
               <a:avLst/>
             </a:prstGeom>
-            <a:noFill/>
+            <a:grpFill/>
           </p:spPr>
           <p:txBody>
             <a:bodyPr wrap="square" rtlCol="0">
@@ -7162,8 +7092,8 @@
           </a:xfrm>
           <a:solidFill>
             <a:schemeClr val="tx2">
-              <a:lumMod val="50000"/>
-              <a:lumOff val="50000"/>
+              <a:lumMod val="75000"/>
+              <a:lumOff val="25000"/>
             </a:schemeClr>
           </a:solidFill>
         </p:grpSpPr>
@@ -7298,7 +7228,7 @@
         </p:nvSpPr>
         <p:spPr>
           <a:xfrm>
-            <a:off x="13100876" y="-2445736"/>
+            <a:off x="13120331" y="-1939076"/>
             <a:ext cx="2958353" cy="3140347"/>
           </a:xfrm>
           <a:prstGeom prst="roundRect">
@@ -7310,8 +7240,8 @@
           <a:ln w="76200">
             <a:solidFill>
               <a:schemeClr val="tx2">
-                <a:lumMod val="50000"/>
-                <a:lumOff val="50000"/>
+                <a:lumMod val="75000"/>
+                <a:lumOff val="25000"/>
               </a:schemeClr>
             </a:solidFill>
           </a:ln>
@@ -7376,7 +7306,7 @@
 </p:sld>
 </file>
 
-<file path=ppt/slides/slide12.xml><?xml version="1.0" encoding="utf-8"?>
+<file path=ppt/slides/slide11.xml><?xml version="1.0" encoding="utf-8"?>
 <p:sld xmlns:a="http://schemas.openxmlformats.org/drawingml/2006/main" xmlns:r="http://schemas.openxmlformats.org/officeDocument/2006/relationships" xmlns:p="http://schemas.openxmlformats.org/presentationml/2006/main">
   <p:cSld>
     <p:spTree>
@@ -7412,6 +7342,12 @@
             <a:chOff x="4859945" y="0"/>
             <a:chExt cx="3460089" cy="6858000"/>
           </a:xfrm>
+          <a:solidFill>
+            <a:schemeClr val="tx2">
+              <a:lumMod val="75000"/>
+              <a:lumOff val="25000"/>
+            </a:schemeClr>
+          </a:solidFill>
         </p:grpSpPr>
         <p:sp>
           <p:nvSpPr>
@@ -7435,12 +7371,7 @@
             <a:prstGeom prst="rect">
               <a:avLst/>
             </a:prstGeom>
-            <a:solidFill>
-              <a:schemeClr val="tx2">
-                <a:lumMod val="50000"/>
-                <a:lumOff val="50000"/>
-              </a:schemeClr>
-            </a:solidFill>
+            <a:grpFill/>
             <a:ln>
               <a:noFill/>
             </a:ln>
@@ -7489,12 +7420,7 @@
             <a:prstGeom prst="triangle">
               <a:avLst/>
             </a:prstGeom>
-            <a:solidFill>
-              <a:schemeClr val="tx2">
-                <a:lumMod val="50000"/>
-                <a:lumOff val="50000"/>
-              </a:schemeClr>
-            </a:solidFill>
+            <a:grpFill/>
             <a:ln>
               <a:noFill/>
             </a:ln>
@@ -7544,7 +7470,7 @@
             <a:prstGeom prst="rect">
               <a:avLst/>
             </a:prstGeom>
-            <a:noFill/>
+            <a:grpFill/>
           </p:spPr>
           <p:txBody>
             <a:bodyPr wrap="square" rtlCol="0">
@@ -7585,7 +7511,7 @@
             <a:prstGeom prst="rect">
               <a:avLst/>
             </a:prstGeom>
-            <a:noFill/>
+            <a:grpFill/>
           </p:spPr>
           <p:txBody>
             <a:bodyPr wrap="square" rtlCol="0">
@@ -7633,8 +7559,8 @@
           </a:xfrm>
           <a:solidFill>
             <a:schemeClr val="tx2">
-              <a:lumMod val="50000"/>
-              <a:lumOff val="50000"/>
+              <a:lumMod val="75000"/>
+              <a:lumOff val="25000"/>
             </a:schemeClr>
           </a:solidFill>
         </p:grpSpPr>
@@ -7781,8 +7707,8 @@
           <a:ln w="76200">
             <a:solidFill>
               <a:schemeClr val="tx2">
-                <a:lumMod val="50000"/>
-                <a:lumOff val="50000"/>
+                <a:lumMod val="75000"/>
+                <a:lumOff val="25000"/>
               </a:schemeClr>
             </a:solidFill>
           </a:ln>
@@ -7841,6 +7767,12 @@
             <a:chOff x="3700257" y="2814630"/>
             <a:chExt cx="3563723" cy="952886"/>
           </a:xfrm>
+          <a:solidFill>
+            <a:schemeClr val="tx2">
+              <a:lumMod val="75000"/>
+              <a:lumOff val="25000"/>
+            </a:schemeClr>
+          </a:solidFill>
         </p:grpSpPr>
         <p:sp>
           <p:nvSpPr>
@@ -7862,12 +7794,7 @@
             <a:prstGeom prst="rect">
               <a:avLst/>
             </a:prstGeom>
-            <a:solidFill>
-              <a:schemeClr val="tx2">
-                <a:lumMod val="50000"/>
-                <a:lumOff val="50000"/>
-              </a:schemeClr>
-            </a:solidFill>
+            <a:grpFill/>
             <a:ln>
               <a:noFill/>
             </a:ln>
@@ -7933,12 +7860,7 @@
                 <a:gd name="adj" fmla="val 52723"/>
               </a:avLst>
             </a:prstGeom>
-            <a:solidFill>
-              <a:schemeClr val="tx2">
-                <a:lumMod val="50000"/>
-                <a:lumOff val="50000"/>
-              </a:schemeClr>
-            </a:solidFill>
+            <a:grpFill/>
             <a:ln>
               <a:noFill/>
             </a:ln>
@@ -7995,8 +7917,8 @@
           <a:ln w="76200">
             <a:solidFill>
               <a:schemeClr val="tx2">
-                <a:lumMod val="50000"/>
-                <a:lumOff val="50000"/>
+                <a:lumMod val="75000"/>
+                <a:lumOff val="25000"/>
               </a:schemeClr>
             </a:solidFill>
           </a:ln>
@@ -8043,10 +7965,22 @@
   <p:clrMapOvr>
     <a:masterClrMapping/>
   </p:clrMapOvr>
+  <mc:AlternateContent xmlns:mc="http://schemas.openxmlformats.org/markup-compatibility/2006">
+    <mc:Choice xmlns:p159="http://schemas.microsoft.com/office/powerpoint/2015/09/main" Requires="p159">
+      <p:transition xmlns:p14="http://schemas.microsoft.com/office/powerpoint/2010/main" spd="slow" p14:dur="2000">
+        <p159:morph option="byObject"/>
+      </p:transition>
+    </mc:Choice>
+    <mc:Fallback>
+      <p:transition spd="slow">
+        <p:fade/>
+      </p:transition>
+    </mc:Fallback>
+  </mc:AlternateContent>
 </p:sld>
 </file>
 
-<file path=ppt/slides/slide13.xml><?xml version="1.0" encoding="utf-8"?>
+<file path=ppt/slides/slide12.xml><?xml version="1.0" encoding="utf-8"?>
 <p:sld xmlns:a="http://schemas.openxmlformats.org/drawingml/2006/main" xmlns:r="http://schemas.openxmlformats.org/officeDocument/2006/relationships" xmlns:p="http://schemas.openxmlformats.org/presentationml/2006/main">
   <p:cSld>
     <p:spTree>
@@ -8088,6 +8022,12 @@
             <a:chOff x="4859945" y="0"/>
             <a:chExt cx="3460089" cy="6858000"/>
           </a:xfrm>
+          <a:solidFill>
+            <a:schemeClr val="tx2">
+              <a:lumMod val="75000"/>
+              <a:lumOff val="25000"/>
+            </a:schemeClr>
+          </a:solidFill>
         </p:grpSpPr>
         <p:sp>
           <p:nvSpPr>
@@ -8111,12 +8051,7 @@
             <a:prstGeom prst="rect">
               <a:avLst/>
             </a:prstGeom>
-            <a:solidFill>
-              <a:schemeClr val="tx2">
-                <a:lumMod val="50000"/>
-                <a:lumOff val="50000"/>
-              </a:schemeClr>
-            </a:solidFill>
+            <a:grpFill/>
             <a:ln>
               <a:noFill/>
             </a:ln>
@@ -8165,12 +8100,7 @@
             <a:prstGeom prst="triangle">
               <a:avLst/>
             </a:prstGeom>
-            <a:solidFill>
-              <a:schemeClr val="tx2">
-                <a:lumMod val="50000"/>
-                <a:lumOff val="50000"/>
-              </a:schemeClr>
-            </a:solidFill>
+            <a:grpFill/>
             <a:ln>
               <a:noFill/>
             </a:ln>
@@ -8220,7 +8150,7 @@
             <a:prstGeom prst="rect">
               <a:avLst/>
             </a:prstGeom>
-            <a:noFill/>
+            <a:grpFill/>
           </p:spPr>
           <p:txBody>
             <a:bodyPr wrap="square" rtlCol="0">
@@ -8261,7 +8191,7 @@
             <a:prstGeom prst="rect">
               <a:avLst/>
             </a:prstGeom>
-            <a:noFill/>
+            <a:grpFill/>
           </p:spPr>
           <p:txBody>
             <a:bodyPr wrap="square" rtlCol="0">
@@ -8310,8 +8240,8 @@
           </a:prstGeom>
           <a:solidFill>
             <a:schemeClr val="tx2">
-              <a:lumMod val="50000"/>
-              <a:lumOff val="50000"/>
+              <a:lumMod val="75000"/>
+              <a:lumOff val="25000"/>
             </a:schemeClr>
           </a:solidFill>
           <a:ln>
@@ -8381,8 +8311,8 @@
           </a:prstGeom>
           <a:solidFill>
             <a:schemeClr val="tx2">
-              <a:lumMod val="50000"/>
-              <a:lumOff val="50000"/>
+              <a:lumMod val="75000"/>
+              <a:lumOff val="25000"/>
             </a:schemeClr>
           </a:solidFill>
           <a:ln>
@@ -8507,8 +8437,8 @@
           <a:ln w="76200">
             <a:solidFill>
               <a:schemeClr val="tx2">
-                <a:lumMod val="50000"/>
-                <a:lumOff val="50000"/>
+                <a:lumMod val="75000"/>
+                <a:lumOff val="25000"/>
               </a:schemeClr>
             </a:solidFill>
           </a:ln>
@@ -8564,6 +8494,12 @@
             <a:chOff x="3700257" y="2814630"/>
             <a:chExt cx="3563723" cy="952886"/>
           </a:xfrm>
+          <a:solidFill>
+            <a:schemeClr val="tx2">
+              <a:lumMod val="75000"/>
+              <a:lumOff val="25000"/>
+            </a:schemeClr>
+          </a:solidFill>
         </p:grpSpPr>
         <p:sp>
           <p:nvSpPr>
@@ -8585,12 +8521,7 @@
             <a:prstGeom prst="rect">
               <a:avLst/>
             </a:prstGeom>
-            <a:solidFill>
-              <a:schemeClr val="tx2">
-                <a:lumMod val="50000"/>
-                <a:lumOff val="50000"/>
-              </a:schemeClr>
-            </a:solidFill>
+            <a:grpFill/>
             <a:ln>
               <a:noFill/>
             </a:ln>
@@ -8656,12 +8587,7 @@
                 <a:gd name="adj" fmla="val 52723"/>
               </a:avLst>
             </a:prstGeom>
-            <a:solidFill>
-              <a:schemeClr val="tx2">
-                <a:lumMod val="50000"/>
-                <a:lumOff val="50000"/>
-              </a:schemeClr>
-            </a:solidFill>
+            <a:grpFill/>
             <a:ln>
               <a:noFill/>
             </a:ln>
@@ -8776,6 +8702,12 @@
             <a:chOff x="3700257" y="4448162"/>
             <a:chExt cx="3451699" cy="952886"/>
           </a:xfrm>
+          <a:solidFill>
+            <a:schemeClr val="tx2">
+              <a:lumMod val="75000"/>
+              <a:lumOff val="25000"/>
+            </a:schemeClr>
+          </a:solidFill>
         </p:grpSpPr>
         <p:sp>
           <p:nvSpPr>
@@ -8797,12 +8729,7 @@
             <a:prstGeom prst="rect">
               <a:avLst/>
             </a:prstGeom>
-            <a:solidFill>
-              <a:schemeClr val="tx2">
-                <a:lumMod val="50000"/>
-                <a:lumOff val="50000"/>
-              </a:schemeClr>
-            </a:solidFill>
+            <a:grpFill/>
             <a:ln>
               <a:noFill/>
             </a:ln>
@@ -8868,12 +8795,7 @@
                 <a:gd name="adj" fmla="val 52723"/>
               </a:avLst>
             </a:prstGeom>
-            <a:solidFill>
-              <a:schemeClr val="tx2">
-                <a:lumMod val="50000"/>
-                <a:lumOff val="50000"/>
-              </a:schemeClr>
-            </a:solidFill>
+            <a:grpFill/>
             <a:ln>
               <a:noFill/>
             </a:ln>
@@ -8929,7 +8851,7 @@
 </p:sld>
 </file>
 
-<file path=ppt/slides/slide14.xml><?xml version="1.0" encoding="utf-8"?>
+<file path=ppt/slides/slide13.xml><?xml version="1.0" encoding="utf-8"?>
 <p:sld xmlns:a="http://schemas.openxmlformats.org/drawingml/2006/main" xmlns:r="http://schemas.openxmlformats.org/officeDocument/2006/relationships" xmlns:p="http://schemas.openxmlformats.org/presentationml/2006/main">
   <p:cSld>
     <p:spTree>
@@ -8971,6 +8893,12 @@
             <a:chOff x="4859945" y="0"/>
             <a:chExt cx="3460089" cy="6858000"/>
           </a:xfrm>
+          <a:solidFill>
+            <a:schemeClr val="tx2">
+              <a:lumMod val="75000"/>
+              <a:lumOff val="25000"/>
+            </a:schemeClr>
+          </a:solidFill>
         </p:grpSpPr>
         <p:sp>
           <p:nvSpPr>
@@ -8994,12 +8922,7 @@
             <a:prstGeom prst="rect">
               <a:avLst/>
             </a:prstGeom>
-            <a:solidFill>
-              <a:schemeClr val="tx2">
-                <a:lumMod val="50000"/>
-                <a:lumOff val="50000"/>
-              </a:schemeClr>
-            </a:solidFill>
+            <a:grpFill/>
             <a:ln>
               <a:noFill/>
             </a:ln>
@@ -9048,12 +8971,7 @@
             <a:prstGeom prst="triangle">
               <a:avLst/>
             </a:prstGeom>
-            <a:solidFill>
-              <a:schemeClr val="tx2">
-                <a:lumMod val="50000"/>
-                <a:lumOff val="50000"/>
-              </a:schemeClr>
-            </a:solidFill>
+            <a:grpFill/>
             <a:ln>
               <a:noFill/>
             </a:ln>
@@ -9103,7 +9021,7 @@
             <a:prstGeom prst="rect">
               <a:avLst/>
             </a:prstGeom>
-            <a:noFill/>
+            <a:grpFill/>
           </p:spPr>
           <p:txBody>
             <a:bodyPr wrap="square" rtlCol="0">
@@ -9144,7 +9062,7 @@
             <a:prstGeom prst="rect">
               <a:avLst/>
             </a:prstGeom>
-            <a:noFill/>
+            <a:grpFill/>
           </p:spPr>
           <p:txBody>
             <a:bodyPr wrap="square" rtlCol="0">
@@ -9193,8 +9111,8 @@
           </a:prstGeom>
           <a:solidFill>
             <a:schemeClr val="tx2">
-              <a:lumMod val="50000"/>
-              <a:lumOff val="50000"/>
+              <a:lumMod val="75000"/>
+              <a:lumOff val="25000"/>
             </a:schemeClr>
           </a:solidFill>
           <a:ln>
@@ -9264,8 +9182,8 @@
           </a:prstGeom>
           <a:solidFill>
             <a:schemeClr val="tx2">
-              <a:lumMod val="50000"/>
-              <a:lumOff val="50000"/>
+              <a:lumMod val="75000"/>
+              <a:lumOff val="25000"/>
             </a:schemeClr>
           </a:solidFill>
           <a:ln>
@@ -9450,8 +9368,8 @@
           </a:prstGeom>
           <a:solidFill>
             <a:schemeClr val="tx2">
-              <a:lumMod val="50000"/>
-              <a:lumOff val="50000"/>
+              <a:lumMod val="75000"/>
+              <a:lumOff val="25000"/>
             </a:schemeClr>
           </a:solidFill>
           <a:ln>
@@ -9521,8 +9439,8 @@
           </a:prstGeom>
           <a:solidFill>
             <a:schemeClr val="tx2">
-              <a:lumMod val="50000"/>
-              <a:lumOff val="50000"/>
+              <a:lumMod val="75000"/>
+              <a:lumOff val="25000"/>
             </a:schemeClr>
           </a:solidFill>
           <a:ln>
@@ -9573,6 +9491,12 @@
             <a:chOff x="3700257" y="4448162"/>
             <a:chExt cx="3451699" cy="952886"/>
           </a:xfrm>
+          <a:solidFill>
+            <a:schemeClr val="tx2">
+              <a:lumMod val="75000"/>
+              <a:lumOff val="25000"/>
+            </a:schemeClr>
+          </a:solidFill>
         </p:grpSpPr>
         <p:sp>
           <p:nvSpPr>
@@ -9594,12 +9518,7 @@
             <a:prstGeom prst="rect">
               <a:avLst/>
             </a:prstGeom>
-            <a:solidFill>
-              <a:schemeClr val="tx2">
-                <a:lumMod val="50000"/>
-                <a:lumOff val="50000"/>
-              </a:schemeClr>
-            </a:solidFill>
+            <a:grpFill/>
             <a:ln>
               <a:noFill/>
             </a:ln>
@@ -9665,12 +9584,7 @@
                 <a:gd name="adj" fmla="val 52723"/>
               </a:avLst>
             </a:prstGeom>
-            <a:solidFill>
-              <a:schemeClr val="tx2">
-                <a:lumMod val="50000"/>
-                <a:lumOff val="50000"/>
-              </a:schemeClr>
-            </a:solidFill>
+            <a:grpFill/>
             <a:ln>
               <a:noFill/>
             </a:ln>
@@ -9727,8 +9641,8 @@
           <a:ln w="76200">
             <a:solidFill>
               <a:schemeClr val="tx2">
-                <a:lumMod val="50000"/>
-                <a:lumOff val="50000"/>
+                <a:lumMod val="75000"/>
+                <a:lumOff val="25000"/>
               </a:schemeClr>
             </a:solidFill>
           </a:ln>
@@ -9785,6 +9699,12 @@
             <a:chOff x="7317599" y="0"/>
             <a:chExt cx="3419464" cy="6858000"/>
           </a:xfrm>
+          <a:solidFill>
+            <a:schemeClr val="tx2">
+              <a:lumMod val="50000"/>
+              <a:lumOff val="50000"/>
+            </a:schemeClr>
+          </a:solidFill>
         </p:grpSpPr>
         <p:sp>
           <p:nvSpPr>
@@ -9808,12 +9728,7 @@
             <a:prstGeom prst="rect">
               <a:avLst/>
             </a:prstGeom>
-            <a:solidFill>
-              <a:schemeClr val="tx2">
-                <a:lumMod val="25000"/>
-                <a:lumOff val="75000"/>
-              </a:schemeClr>
-            </a:solidFill>
+            <a:grpFill/>
             <a:ln>
               <a:noFill/>
             </a:ln>
@@ -9862,12 +9777,7 @@
             <a:prstGeom prst="triangle">
               <a:avLst/>
             </a:prstGeom>
-            <a:solidFill>
-              <a:schemeClr val="tx2">
-                <a:lumMod val="25000"/>
-                <a:lumOff val="75000"/>
-              </a:schemeClr>
-            </a:solidFill>
+            <a:grpFill/>
             <a:ln>
               <a:noFill/>
             </a:ln>
@@ -9917,7 +9827,7 @@
             <a:prstGeom prst="rect">
               <a:avLst/>
             </a:prstGeom>
-            <a:noFill/>
+            <a:grpFill/>
           </p:spPr>
           <p:txBody>
             <a:bodyPr wrap="square" rtlCol="0">
@@ -9958,7 +9868,7 @@
             <a:prstGeom prst="rect">
               <a:avLst/>
             </a:prstGeom>
-            <a:noFill/>
+            <a:grpFill/>
           </p:spPr>
           <p:txBody>
             <a:bodyPr wrap="square" rtlCol="0">
@@ -10006,8 +9916,8 @@
           </a:xfrm>
           <a:solidFill>
             <a:schemeClr val="tx2">
-              <a:lumMod val="25000"/>
-              <a:lumOff val="75000"/>
+              <a:lumMod val="50000"/>
+              <a:lumOff val="50000"/>
             </a:schemeClr>
           </a:solidFill>
         </p:grpSpPr>
@@ -10154,8 +10064,8 @@
           <a:ln w="76200">
             <a:solidFill>
               <a:schemeClr val="tx2">
-                <a:lumMod val="25000"/>
-                <a:lumOff val="75000"/>
+                <a:lumMod val="50000"/>
+                <a:lumOff val="50000"/>
               </a:schemeClr>
             </a:solidFill>
           </a:ln>
@@ -10220,7 +10130,7 @@
 </p:sld>
 </file>
 
-<file path=ppt/slides/slide15.xml><?xml version="1.0" encoding="utf-8"?>
+<file path=ppt/slides/slide14.xml><?xml version="1.0" encoding="utf-8"?>
 <p:sld xmlns:a="http://schemas.openxmlformats.org/drawingml/2006/main" xmlns:r="http://schemas.openxmlformats.org/officeDocument/2006/relationships" xmlns:p="http://schemas.openxmlformats.org/presentationml/2006/main">
   <p:cSld>
     <p:spTree>
@@ -10262,6 +10172,12 @@
             <a:chOff x="7317599" y="0"/>
             <a:chExt cx="3419464" cy="6858000"/>
           </a:xfrm>
+          <a:solidFill>
+            <a:schemeClr val="tx2">
+              <a:lumMod val="50000"/>
+              <a:lumOff val="50000"/>
+            </a:schemeClr>
+          </a:solidFill>
         </p:grpSpPr>
         <p:sp>
           <p:nvSpPr>
@@ -10285,12 +10201,7 @@
             <a:prstGeom prst="rect">
               <a:avLst/>
             </a:prstGeom>
-            <a:solidFill>
-              <a:schemeClr val="tx2">
-                <a:lumMod val="25000"/>
-                <a:lumOff val="75000"/>
-              </a:schemeClr>
-            </a:solidFill>
+            <a:grpFill/>
             <a:ln>
               <a:noFill/>
             </a:ln>
@@ -10339,12 +10250,7 @@
             <a:prstGeom prst="triangle">
               <a:avLst/>
             </a:prstGeom>
-            <a:solidFill>
-              <a:schemeClr val="tx2">
-                <a:lumMod val="25000"/>
-                <a:lumOff val="75000"/>
-              </a:schemeClr>
-            </a:solidFill>
+            <a:grpFill/>
             <a:ln>
               <a:noFill/>
             </a:ln>
@@ -10394,7 +10300,7 @@
             <a:prstGeom prst="rect">
               <a:avLst/>
             </a:prstGeom>
-            <a:noFill/>
+            <a:grpFill/>
           </p:spPr>
           <p:txBody>
             <a:bodyPr wrap="square" rtlCol="0">
@@ -10435,7 +10341,7 @@
             <a:prstGeom prst="rect">
               <a:avLst/>
             </a:prstGeom>
-            <a:noFill/>
+            <a:grpFill/>
           </p:spPr>
           <p:txBody>
             <a:bodyPr wrap="square" rtlCol="0">
@@ -10483,8 +10389,8 @@
           </a:xfrm>
           <a:solidFill>
             <a:schemeClr val="tx2">
-              <a:lumMod val="25000"/>
-              <a:lumOff val="75000"/>
+              <a:lumMod val="50000"/>
+              <a:lumOff val="50000"/>
             </a:schemeClr>
           </a:solidFill>
         </p:grpSpPr>
@@ -10631,8 +10537,8 @@
           <a:ln w="76200">
             <a:solidFill>
               <a:schemeClr val="tx2">
-                <a:lumMod val="25000"/>
-                <a:lumOff val="75000"/>
+                <a:lumMod val="50000"/>
+                <a:lumOff val="50000"/>
               </a:schemeClr>
             </a:solidFill>
           </a:ln>
@@ -10907,8 +10813,8 @@
           </a:xfrm>
           <a:solidFill>
             <a:schemeClr val="tx2">
-              <a:lumMod val="25000"/>
-              <a:lumOff val="75000"/>
+              <a:lumMod val="50000"/>
+              <a:lumOff val="50000"/>
             </a:schemeClr>
           </a:solidFill>
         </p:grpSpPr>
@@ -11125,7 +11031,7 @@
 </p:sld>
 </file>
 
-<file path=ppt/slides/slide16.xml><?xml version="1.0" encoding="utf-8"?>
+<file path=ppt/slides/slide15.xml><?xml version="1.0" encoding="utf-8"?>
 <p:sld xmlns:a="http://schemas.openxmlformats.org/drawingml/2006/main" xmlns:r="http://schemas.openxmlformats.org/officeDocument/2006/relationships" xmlns:p="http://schemas.openxmlformats.org/presentationml/2006/main">
   <p:cSld>
     <p:spTree>
@@ -11167,6 +11073,12 @@
             <a:chOff x="7317599" y="0"/>
             <a:chExt cx="3419464" cy="6858000"/>
           </a:xfrm>
+          <a:solidFill>
+            <a:schemeClr val="tx2">
+              <a:lumMod val="50000"/>
+              <a:lumOff val="50000"/>
+            </a:schemeClr>
+          </a:solidFill>
         </p:grpSpPr>
         <p:sp>
           <p:nvSpPr>
@@ -11190,12 +11102,7 @@
             <a:prstGeom prst="rect">
               <a:avLst/>
             </a:prstGeom>
-            <a:solidFill>
-              <a:schemeClr val="tx2">
-                <a:lumMod val="25000"/>
-                <a:lumOff val="75000"/>
-              </a:schemeClr>
-            </a:solidFill>
+            <a:grpFill/>
             <a:ln>
               <a:noFill/>
             </a:ln>
@@ -11244,12 +11151,7 @@
             <a:prstGeom prst="triangle">
               <a:avLst/>
             </a:prstGeom>
-            <a:solidFill>
-              <a:schemeClr val="tx2">
-                <a:lumMod val="25000"/>
-                <a:lumOff val="75000"/>
-              </a:schemeClr>
-            </a:solidFill>
+            <a:grpFill/>
             <a:ln>
               <a:noFill/>
             </a:ln>
@@ -11299,7 +11201,7 @@
             <a:prstGeom prst="rect">
               <a:avLst/>
             </a:prstGeom>
-            <a:noFill/>
+            <a:grpFill/>
           </p:spPr>
           <p:txBody>
             <a:bodyPr wrap="square" rtlCol="0">
@@ -11340,7 +11242,7 @@
             <a:prstGeom prst="rect">
               <a:avLst/>
             </a:prstGeom>
-            <a:noFill/>
+            <a:grpFill/>
           </p:spPr>
           <p:txBody>
             <a:bodyPr wrap="square" rtlCol="0">
@@ -11389,8 +11291,8 @@
           </a:prstGeom>
           <a:solidFill>
             <a:schemeClr val="tx2">
-              <a:lumMod val="25000"/>
-              <a:lumOff val="75000"/>
+              <a:lumMod val="50000"/>
+              <a:lumOff val="50000"/>
             </a:schemeClr>
           </a:solidFill>
           <a:ln>
@@ -11460,8 +11362,8 @@
           </a:prstGeom>
           <a:solidFill>
             <a:schemeClr val="tx2">
-              <a:lumMod val="25000"/>
-              <a:lumOff val="75000"/>
+              <a:lumMod val="50000"/>
+              <a:lumOff val="50000"/>
             </a:schemeClr>
           </a:solidFill>
           <a:ln>
@@ -11519,8 +11421,8 @@
           <a:ln w="76200">
             <a:solidFill>
               <a:schemeClr val="tx2">
-                <a:lumMod val="25000"/>
-                <a:lumOff val="75000"/>
+                <a:lumMod val="50000"/>
+                <a:lumOff val="50000"/>
               </a:schemeClr>
             </a:solidFill>
           </a:ln>
@@ -11581,8 +11483,8 @@
           </a:xfrm>
           <a:solidFill>
             <a:schemeClr val="tx2">
-              <a:lumMod val="25000"/>
-              <a:lumOff val="75000"/>
+              <a:lumMod val="50000"/>
+              <a:lumOff val="50000"/>
             </a:schemeClr>
           </a:solidFill>
         </p:grpSpPr>
@@ -11729,8 +11631,8 @@
           <a:ln w="76200">
             <a:solidFill>
               <a:schemeClr val="tx2">
-                <a:lumMod val="25000"/>
-                <a:lumOff val="75000"/>
+                <a:lumMod val="50000"/>
+                <a:lumOff val="50000"/>
               </a:schemeClr>
             </a:solidFill>
           </a:ln>
@@ -11867,8 +11769,8 @@
           </a:xfrm>
           <a:solidFill>
             <a:schemeClr val="tx2">
-              <a:lumMod val="25000"/>
-              <a:lumOff val="75000"/>
+              <a:lumMod val="50000"/>
+              <a:lumOff val="50000"/>
             </a:schemeClr>
           </a:solidFill>
         </p:grpSpPr>
@@ -12014,7 +11916,7 @@
 </p:sld>
 </file>
 
-<file path=ppt/slides/slide17.xml><?xml version="1.0" encoding="utf-8"?>
+<file path=ppt/slides/slide16.xml><?xml version="1.0" encoding="utf-8"?>
 <p:sld xmlns:a="http://schemas.openxmlformats.org/drawingml/2006/main" xmlns:r="http://schemas.openxmlformats.org/officeDocument/2006/relationships" xmlns:p="http://schemas.openxmlformats.org/presentationml/2006/main">
   <p:cSld>
     <p:spTree>
@@ -12056,6 +11958,12 @@
             <a:chOff x="7317599" y="0"/>
             <a:chExt cx="3419464" cy="6858000"/>
           </a:xfrm>
+          <a:solidFill>
+            <a:schemeClr val="tx2">
+              <a:lumMod val="50000"/>
+              <a:lumOff val="50000"/>
+            </a:schemeClr>
+          </a:solidFill>
         </p:grpSpPr>
         <p:sp>
           <p:nvSpPr>
@@ -12079,12 +11987,7 @@
             <a:prstGeom prst="rect">
               <a:avLst/>
             </a:prstGeom>
-            <a:solidFill>
-              <a:schemeClr val="tx2">
-                <a:lumMod val="25000"/>
-                <a:lumOff val="75000"/>
-              </a:schemeClr>
-            </a:solidFill>
+            <a:grpFill/>
             <a:ln>
               <a:noFill/>
             </a:ln>
@@ -12133,12 +12036,7 @@
             <a:prstGeom prst="triangle">
               <a:avLst/>
             </a:prstGeom>
-            <a:solidFill>
-              <a:schemeClr val="tx2">
-                <a:lumMod val="25000"/>
-                <a:lumOff val="75000"/>
-              </a:schemeClr>
-            </a:solidFill>
+            <a:grpFill/>
             <a:ln>
               <a:noFill/>
             </a:ln>
@@ -12188,7 +12086,7 @@
             <a:prstGeom prst="rect">
               <a:avLst/>
             </a:prstGeom>
-            <a:noFill/>
+            <a:grpFill/>
           </p:spPr>
           <p:txBody>
             <a:bodyPr wrap="square" rtlCol="0">
@@ -12229,7 +12127,7 @@
             <a:prstGeom prst="rect">
               <a:avLst/>
             </a:prstGeom>
-            <a:noFill/>
+            <a:grpFill/>
           </p:spPr>
           <p:txBody>
             <a:bodyPr wrap="square" rtlCol="0">
@@ -12278,8 +12176,8 @@
           </a:prstGeom>
           <a:solidFill>
             <a:schemeClr val="tx2">
-              <a:lumMod val="25000"/>
-              <a:lumOff val="75000"/>
+              <a:lumMod val="50000"/>
+              <a:lumOff val="50000"/>
             </a:schemeClr>
           </a:solidFill>
           <a:ln>
@@ -12349,8 +12247,8 @@
           </a:prstGeom>
           <a:solidFill>
             <a:schemeClr val="tx2">
-              <a:lumMod val="25000"/>
-              <a:lumOff val="75000"/>
+              <a:lumMod val="50000"/>
+              <a:lumOff val="50000"/>
             </a:schemeClr>
           </a:solidFill>
           <a:ln>
@@ -12471,8 +12369,8 @@
           </a:prstGeom>
           <a:solidFill>
             <a:schemeClr val="tx2">
-              <a:lumMod val="25000"/>
-              <a:lumOff val="75000"/>
+              <a:lumMod val="50000"/>
+              <a:lumOff val="50000"/>
             </a:schemeClr>
           </a:solidFill>
           <a:ln>
@@ -12542,8 +12440,8 @@
           </a:prstGeom>
           <a:solidFill>
             <a:schemeClr val="tx2">
-              <a:lumMod val="25000"/>
-              <a:lumOff val="75000"/>
+              <a:lumMod val="50000"/>
+              <a:lumOff val="50000"/>
             </a:schemeClr>
           </a:solidFill>
           <a:ln>
@@ -12667,8 +12565,8 @@
           </a:xfrm>
           <a:solidFill>
             <a:schemeClr val="tx2">
-              <a:lumMod val="25000"/>
-              <a:lumOff val="75000"/>
+              <a:lumMod val="50000"/>
+              <a:lumOff val="50000"/>
             </a:schemeClr>
           </a:solidFill>
         </p:grpSpPr>
@@ -12815,8 +12713,8 @@
           <a:ln w="76200">
             <a:solidFill>
               <a:schemeClr val="tx2">
-                <a:lumMod val="25000"/>
-                <a:lumOff val="75000"/>
+                <a:lumMod val="50000"/>
+                <a:lumOff val="50000"/>
               </a:schemeClr>
             </a:solidFill>
           </a:ln>
@@ -12880,6 +12778,12 @@
             <a:chOff x="9754800" y="0"/>
             <a:chExt cx="3435407" cy="6858000"/>
           </a:xfrm>
+          <a:solidFill>
+            <a:schemeClr val="accent1">
+              <a:lumMod val="60000"/>
+              <a:lumOff val="40000"/>
+            </a:schemeClr>
+          </a:solidFill>
         </p:grpSpPr>
         <p:sp>
           <p:nvSpPr>
@@ -12903,12 +12807,7 @@
             <a:prstGeom prst="rect">
               <a:avLst/>
             </a:prstGeom>
-            <a:solidFill>
-              <a:schemeClr val="tx2">
-                <a:lumMod val="10000"/>
-                <a:lumOff val="90000"/>
-              </a:schemeClr>
-            </a:solidFill>
+            <a:grpFill/>
             <a:ln>
               <a:noFill/>
             </a:ln>
@@ -12957,12 +12856,7 @@
             <a:prstGeom prst="triangle">
               <a:avLst/>
             </a:prstGeom>
-            <a:solidFill>
-              <a:schemeClr val="tx2">
-                <a:lumMod val="10000"/>
-                <a:lumOff val="90000"/>
-              </a:schemeClr>
-            </a:solidFill>
+            <a:grpFill/>
             <a:ln>
               <a:noFill/>
             </a:ln>
@@ -13012,7 +12906,7 @@
             <a:prstGeom prst="rect">
               <a:avLst/>
             </a:prstGeom>
-            <a:noFill/>
+            <a:grpFill/>
           </p:spPr>
           <p:txBody>
             <a:bodyPr wrap="square" rtlCol="0">
@@ -13053,7 +12947,7 @@
             <a:prstGeom prst="rect">
               <a:avLst/>
             </a:prstGeom>
-            <a:noFill/>
+            <a:grpFill/>
           </p:spPr>
           <p:txBody>
             <a:bodyPr wrap="square" rtlCol="0">
@@ -13100,9 +12994,9 @@
             <a:chExt cx="3450544" cy="952886"/>
           </a:xfrm>
           <a:solidFill>
-            <a:schemeClr val="tx2">
-              <a:lumMod val="10000"/>
-              <a:lumOff val="90000"/>
+            <a:schemeClr val="accent1">
+              <a:lumMod val="60000"/>
+              <a:lumOff val="40000"/>
             </a:schemeClr>
           </a:solidFill>
         </p:grpSpPr>
@@ -13248,9 +13142,9 @@
           </a:solidFill>
           <a:ln w="76200">
             <a:solidFill>
-              <a:schemeClr val="tx2">
-                <a:lumMod val="10000"/>
-                <a:lumOff val="90000"/>
+              <a:schemeClr val="accent1">
+                <a:lumMod val="60000"/>
+                <a:lumOff val="40000"/>
               </a:schemeClr>
             </a:solidFill>
           </a:ln>
@@ -13315,7 +13209,7 @@
 </p:sld>
 </file>
 
-<file path=ppt/slides/slide18.xml><?xml version="1.0" encoding="utf-8"?>
+<file path=ppt/slides/slide17.xml><?xml version="1.0" encoding="utf-8"?>
 <p:sld xmlns:a="http://schemas.openxmlformats.org/drawingml/2006/main" xmlns:r="http://schemas.openxmlformats.org/officeDocument/2006/relationships" xmlns:p="http://schemas.openxmlformats.org/presentationml/2006/main">
   <p:cSld>
     <p:spTree>
@@ -13357,6 +13251,12 @@
             <a:chOff x="9754800" y="0"/>
             <a:chExt cx="3435407" cy="6858000"/>
           </a:xfrm>
+          <a:solidFill>
+            <a:schemeClr val="accent1">
+              <a:lumMod val="60000"/>
+              <a:lumOff val="40000"/>
+            </a:schemeClr>
+          </a:solidFill>
         </p:grpSpPr>
         <p:sp>
           <p:nvSpPr>
@@ -13380,12 +13280,7 @@
             <a:prstGeom prst="rect">
               <a:avLst/>
             </a:prstGeom>
-            <a:solidFill>
-              <a:schemeClr val="tx2">
-                <a:lumMod val="10000"/>
-                <a:lumOff val="90000"/>
-              </a:schemeClr>
-            </a:solidFill>
+            <a:grpFill/>
             <a:ln>
               <a:noFill/>
             </a:ln>
@@ -13434,12 +13329,7 @@
             <a:prstGeom prst="triangle">
               <a:avLst/>
             </a:prstGeom>
-            <a:solidFill>
-              <a:schemeClr val="tx2">
-                <a:lumMod val="10000"/>
-                <a:lumOff val="90000"/>
-              </a:schemeClr>
-            </a:solidFill>
+            <a:grpFill/>
             <a:ln>
               <a:noFill/>
             </a:ln>
@@ -13489,7 +13379,7 @@
             <a:prstGeom prst="rect">
               <a:avLst/>
             </a:prstGeom>
-            <a:noFill/>
+            <a:grpFill/>
           </p:spPr>
           <p:txBody>
             <a:bodyPr wrap="square" rtlCol="0">
@@ -13530,7 +13420,7 @@
             <a:prstGeom prst="rect">
               <a:avLst/>
             </a:prstGeom>
-            <a:noFill/>
+            <a:grpFill/>
           </p:spPr>
           <p:txBody>
             <a:bodyPr wrap="square" rtlCol="0">
@@ -13577,9 +13467,9 @@
             <a:chExt cx="3450544" cy="952886"/>
           </a:xfrm>
           <a:solidFill>
-            <a:schemeClr val="tx2">
-              <a:lumMod val="10000"/>
-              <a:lumOff val="90000"/>
+            <a:schemeClr val="accent1">
+              <a:lumMod val="60000"/>
+              <a:lumOff val="40000"/>
             </a:schemeClr>
           </a:solidFill>
         </p:grpSpPr>
@@ -13725,9 +13615,9 @@
           </a:solidFill>
           <a:ln w="76200">
             <a:solidFill>
-              <a:schemeClr val="tx2">
-                <a:lumMod val="10000"/>
-                <a:lumOff val="90000"/>
+              <a:schemeClr val="accent1">
+                <a:lumMod val="60000"/>
+                <a:lumOff val="40000"/>
               </a:schemeClr>
             </a:solidFill>
           </a:ln>
@@ -13787,9 +13677,9 @@
             <a:chExt cx="3563723" cy="952886"/>
           </a:xfrm>
           <a:solidFill>
-            <a:schemeClr val="tx2">
-              <a:lumMod val="10000"/>
-              <a:lumOff val="90000"/>
+            <a:schemeClr val="accent1">
+              <a:lumMod val="60000"/>
+              <a:lumOff val="40000"/>
             </a:schemeClr>
           </a:solidFill>
         </p:grpSpPr>
@@ -13935,9 +13825,9 @@
           </a:solidFill>
           <a:ln w="76200">
             <a:solidFill>
-              <a:schemeClr val="tx2">
-                <a:lumMod val="10000"/>
-                <a:lumOff val="90000"/>
+              <a:schemeClr val="accent1">
+                <a:lumMod val="60000"/>
+                <a:lumOff val="40000"/>
               </a:schemeClr>
             </a:solidFill>
           </a:ln>
@@ -14006,7 +13896,7 @@
 </p:sld>
 </file>
 
-<file path=ppt/slides/slide19.xml><?xml version="1.0" encoding="utf-8"?>
+<file path=ppt/slides/slide18.xml><?xml version="1.0" encoding="utf-8"?>
 <p:sld xmlns:a="http://schemas.openxmlformats.org/drawingml/2006/main" xmlns:r="http://schemas.openxmlformats.org/officeDocument/2006/relationships" xmlns:p="http://schemas.openxmlformats.org/presentationml/2006/main">
   <p:cSld>
     <p:spTree>
@@ -14048,6 +13938,12 @@
             <a:chOff x="9754800" y="0"/>
             <a:chExt cx="3435407" cy="6858000"/>
           </a:xfrm>
+          <a:solidFill>
+            <a:schemeClr val="accent1">
+              <a:lumMod val="60000"/>
+              <a:lumOff val="40000"/>
+            </a:schemeClr>
+          </a:solidFill>
         </p:grpSpPr>
         <p:sp>
           <p:nvSpPr>
@@ -14071,12 +13967,7 @@
             <a:prstGeom prst="rect">
               <a:avLst/>
             </a:prstGeom>
-            <a:solidFill>
-              <a:schemeClr val="tx2">
-                <a:lumMod val="10000"/>
-                <a:lumOff val="90000"/>
-              </a:schemeClr>
-            </a:solidFill>
+            <a:grpFill/>
             <a:ln>
               <a:noFill/>
             </a:ln>
@@ -14125,12 +14016,7 @@
             <a:prstGeom prst="triangle">
               <a:avLst/>
             </a:prstGeom>
-            <a:solidFill>
-              <a:schemeClr val="tx2">
-                <a:lumMod val="10000"/>
-                <a:lumOff val="90000"/>
-              </a:schemeClr>
-            </a:solidFill>
+            <a:grpFill/>
             <a:ln>
               <a:noFill/>
             </a:ln>
@@ -14180,7 +14066,7 @@
             <a:prstGeom prst="rect">
               <a:avLst/>
             </a:prstGeom>
-            <a:noFill/>
+            <a:grpFill/>
           </p:spPr>
           <p:txBody>
             <a:bodyPr wrap="square" rtlCol="0">
@@ -14221,7 +14107,7 @@
             <a:prstGeom prst="rect">
               <a:avLst/>
             </a:prstGeom>
-            <a:noFill/>
+            <a:grpFill/>
           </p:spPr>
           <p:txBody>
             <a:bodyPr wrap="square" rtlCol="0">
@@ -14269,9 +14155,9 @@
             <a:avLst/>
           </a:prstGeom>
           <a:solidFill>
-            <a:schemeClr val="tx2">
-              <a:lumMod val="10000"/>
-              <a:lumOff val="90000"/>
+            <a:schemeClr val="accent1">
+              <a:lumMod val="60000"/>
+              <a:lumOff val="40000"/>
             </a:schemeClr>
           </a:solidFill>
           <a:ln>
@@ -14340,9 +14226,9 @@
             </a:avLst>
           </a:prstGeom>
           <a:solidFill>
-            <a:schemeClr val="tx2">
-              <a:lumMod val="10000"/>
-              <a:lumOff val="90000"/>
+            <a:schemeClr val="accent1">
+              <a:lumMod val="60000"/>
+              <a:lumOff val="40000"/>
             </a:schemeClr>
           </a:solidFill>
           <a:ln>
@@ -14399,9 +14285,9 @@
           </a:solidFill>
           <a:ln w="76200">
             <a:solidFill>
-              <a:schemeClr val="tx2">
-                <a:lumMod val="10000"/>
-                <a:lumOff val="90000"/>
+              <a:schemeClr val="accent1">
+                <a:lumMod val="60000"/>
+                <a:lumOff val="40000"/>
               </a:schemeClr>
             </a:solidFill>
           </a:ln>
@@ -14461,9 +14347,9 @@
             <a:chExt cx="3563723" cy="952886"/>
           </a:xfrm>
           <a:solidFill>
-            <a:schemeClr val="tx2">
-              <a:lumMod val="10000"/>
-              <a:lumOff val="90000"/>
+            <a:schemeClr val="accent1">
+              <a:lumMod val="60000"/>
+              <a:lumOff val="40000"/>
             </a:schemeClr>
           </a:solidFill>
         </p:grpSpPr>
@@ -14609,9 +14495,9 @@
           </a:solidFill>
           <a:ln w="76200">
             <a:solidFill>
-              <a:schemeClr val="tx2">
-                <a:lumMod val="10000"/>
-                <a:lumOff val="90000"/>
+              <a:schemeClr val="accent1">
+                <a:lumMod val="60000"/>
+                <a:lumOff val="40000"/>
               </a:schemeClr>
             </a:solidFill>
           </a:ln>
@@ -14680,9 +14566,9 @@
           </a:solidFill>
           <a:ln w="76200">
             <a:solidFill>
-              <a:schemeClr val="tx2">
-                <a:lumMod val="10000"/>
-                <a:lumOff val="90000"/>
+              <a:schemeClr val="accent1">
+                <a:lumMod val="60000"/>
+                <a:lumOff val="40000"/>
               </a:schemeClr>
             </a:solidFill>
           </a:ln>
@@ -14747,9 +14633,9 @@
             <a:chExt cx="3451699" cy="952886"/>
           </a:xfrm>
           <a:solidFill>
-            <a:schemeClr val="tx2">
-              <a:lumMod val="10000"/>
-              <a:lumOff val="90000"/>
+            <a:schemeClr val="accent1">
+              <a:lumMod val="60000"/>
+              <a:lumOff val="40000"/>
             </a:schemeClr>
           </a:solidFill>
         </p:grpSpPr>
@@ -14895,1202 +14781,7 @@
 </p:sld>
 </file>
 
-<file path=ppt/slides/slide2.xml><?xml version="1.0" encoding="utf-8"?>
-<p:sld xmlns:a="http://schemas.openxmlformats.org/drawingml/2006/main" xmlns:r="http://schemas.openxmlformats.org/officeDocument/2006/relationships" xmlns:p="http://schemas.openxmlformats.org/presentationml/2006/main">
-  <p:cSld>
-    <p:spTree>
-      <p:nvGrpSpPr>
-        <p:cNvPr id="1" name="">
-          <a:extLst>
-            <a:ext uri="{FF2B5EF4-FFF2-40B4-BE49-F238E27FC236}">
-              <a16:creationId xmlns:a16="http://schemas.microsoft.com/office/drawing/2014/main" id="{4EFF4D4A-1E36-0FCF-FFA1-865C01E7934D}"/>
-            </a:ext>
-          </a:extLst>
-        </p:cNvPr>
-        <p:cNvGrpSpPr/>
-        <p:nvPr/>
-      </p:nvGrpSpPr>
-      <p:grpSpPr>
-        <a:xfrm>
-          <a:off x="0" y="0"/>
-          <a:ext cx="0" cy="0"/>
-          <a:chOff x="0" y="0"/>
-          <a:chExt cx="0" cy="0"/>
-        </a:xfrm>
-      </p:grpSpPr>
-      <p:grpSp>
-        <p:nvGrpSpPr>
-          <p:cNvPr id="7" name="Group 6">
-            <a:extLst>
-              <a:ext uri="{FF2B5EF4-FFF2-40B4-BE49-F238E27FC236}">
-                <a16:creationId xmlns:a16="http://schemas.microsoft.com/office/drawing/2014/main" id="{99DCE73B-B54A-3E2D-AF11-262ECA1AFAE5}"/>
-              </a:ext>
-            </a:extLst>
-          </p:cNvPr>
-          <p:cNvGrpSpPr/>
-          <p:nvPr/>
-        </p:nvGrpSpPr>
-        <p:grpSpPr>
-          <a:xfrm>
-            <a:off x="-1352752" y="0"/>
-            <a:ext cx="3435407" cy="6858000"/>
-            <a:chOff x="9754800" y="0"/>
-            <a:chExt cx="3435407" cy="6858000"/>
-          </a:xfrm>
-        </p:grpSpPr>
-        <p:sp>
-          <p:nvSpPr>
-            <p:cNvPr id="19" name="Rectangle 18">
-              <a:extLst>
-                <a:ext uri="{FF2B5EF4-FFF2-40B4-BE49-F238E27FC236}">
-                  <a16:creationId xmlns:a16="http://schemas.microsoft.com/office/drawing/2014/main" id="{787BA7D8-2278-B45A-30EC-EFC045071D81}"/>
-                </a:ext>
-              </a:extLst>
-            </p:cNvPr>
-            <p:cNvSpPr>
-              <a:spLocks/>
-            </p:cNvSpPr>
-            <p:nvPr/>
-          </p:nvSpPr>
-          <p:spPr>
-            <a:xfrm>
-              <a:off x="9754800" y="0"/>
-              <a:ext cx="2437200" cy="6858000"/>
-            </a:xfrm>
-            <a:prstGeom prst="rect">
-              <a:avLst/>
-            </a:prstGeom>
-            <a:solidFill>
-              <a:schemeClr val="tx2">
-                <a:lumMod val="10000"/>
-                <a:lumOff val="90000"/>
-              </a:schemeClr>
-            </a:solidFill>
-            <a:ln>
-              <a:noFill/>
-            </a:ln>
-          </p:spPr>
-          <p:style>
-            <a:lnRef idx="2">
-              <a:schemeClr val="accent1">
-                <a:shade val="15000"/>
-              </a:schemeClr>
-            </a:lnRef>
-            <a:fillRef idx="1">
-              <a:schemeClr val="accent1"/>
-            </a:fillRef>
-            <a:effectRef idx="0">
-              <a:schemeClr val="accent1"/>
-            </a:effectRef>
-            <a:fontRef idx="minor">
-              <a:schemeClr val="lt1"/>
-            </a:fontRef>
-          </p:style>
-          <p:txBody>
-            <a:bodyPr rtlCol="0" anchor="ctr"/>
-            <a:lstStyle/>
-            <a:p>
-              <a:endParaRPr lang="en-GB"/>
-            </a:p>
-          </p:txBody>
-        </p:sp>
-        <p:sp>
-          <p:nvSpPr>
-            <p:cNvPr id="25" name="Triangle 24">
-              <a:extLst>
-                <a:ext uri="{FF2B5EF4-FFF2-40B4-BE49-F238E27FC236}">
-                  <a16:creationId xmlns:a16="http://schemas.microsoft.com/office/drawing/2014/main" id="{1D9F50EE-7C79-E8AC-27D2-B85932C7652D}"/>
-                </a:ext>
-              </a:extLst>
-            </p:cNvPr>
-            <p:cNvSpPr/>
-            <p:nvPr/>
-          </p:nvSpPr>
-          <p:spPr>
-            <a:xfrm rot="5400000">
-              <a:off x="12072192" y="1108184"/>
-              <a:ext cx="1218600" cy="1017431"/>
-            </a:xfrm>
-            <a:prstGeom prst="triangle">
-              <a:avLst/>
-            </a:prstGeom>
-            <a:solidFill>
-              <a:schemeClr val="tx2">
-                <a:lumMod val="10000"/>
-                <a:lumOff val="90000"/>
-              </a:schemeClr>
-            </a:solidFill>
-            <a:ln>
-              <a:noFill/>
-            </a:ln>
-          </p:spPr>
-          <p:style>
-            <a:lnRef idx="2">
-              <a:schemeClr val="accent1">
-                <a:shade val="15000"/>
-              </a:schemeClr>
-            </a:lnRef>
-            <a:fillRef idx="1">
-              <a:schemeClr val="accent1"/>
-            </a:fillRef>
-            <a:effectRef idx="0">
-              <a:schemeClr val="accent1"/>
-            </a:effectRef>
-            <a:fontRef idx="minor">
-              <a:schemeClr val="lt1"/>
-            </a:fontRef>
-          </p:style>
-          <p:txBody>
-            <a:bodyPr rtlCol="0" anchor="ctr"/>
-            <a:lstStyle/>
-            <a:p>
-              <a:pPr algn="ctr"/>
-              <a:endParaRPr lang="en-GB"/>
-            </a:p>
-          </p:txBody>
-        </p:sp>
-        <p:sp>
-          <p:nvSpPr>
-            <p:cNvPr id="32" name="TextBox 31">
-              <a:extLst>
-                <a:ext uri="{FF2B5EF4-FFF2-40B4-BE49-F238E27FC236}">
-                  <a16:creationId xmlns:a16="http://schemas.microsoft.com/office/drawing/2014/main" id="{66FFBDBA-14AE-E987-9135-AD11AD3AEF33}"/>
-                </a:ext>
-              </a:extLst>
-            </p:cNvPr>
-            <p:cNvSpPr txBox="1"/>
-            <p:nvPr/>
-          </p:nvSpPr>
-          <p:spPr>
-            <a:xfrm>
-              <a:off x="10742524" y="694611"/>
-              <a:ext cx="915265" cy="1862048"/>
-            </a:xfrm>
-            <a:prstGeom prst="rect">
-              <a:avLst/>
-            </a:prstGeom>
-            <a:noFill/>
-          </p:spPr>
-          <p:txBody>
-            <a:bodyPr wrap="square" rtlCol="0">
-              <a:spAutoFit/>
-            </a:bodyPr>
-            <a:lstStyle/>
-            <a:p>
-              <a:r>
-                <a:rPr lang="en-GB" sz="11500" b="1" dirty="0">
-                  <a:solidFill>
-                    <a:schemeClr val="bg1"/>
-                  </a:solidFill>
-                  <a:latin typeface="Calibri" panose="020F0502020204030204" pitchFamily="34" charset="0"/>
-                  <a:cs typeface="Calibri" panose="020F0502020204030204" pitchFamily="34" charset="0"/>
-                </a:rPr>
-                <a:t>5</a:t>
-              </a:r>
-            </a:p>
-          </p:txBody>
-        </p:sp>
-        <p:sp>
-          <p:nvSpPr>
-            <p:cNvPr id="40" name="TextBox 39">
-              <a:extLst>
-                <a:ext uri="{FF2B5EF4-FFF2-40B4-BE49-F238E27FC236}">
-                  <a16:creationId xmlns:a16="http://schemas.microsoft.com/office/drawing/2014/main" id="{04841331-B6A5-B8FF-460D-28D7340DA2A7}"/>
-                </a:ext>
-              </a:extLst>
-            </p:cNvPr>
-            <p:cNvSpPr txBox="1"/>
-            <p:nvPr/>
-          </p:nvSpPr>
-          <p:spPr>
-            <a:xfrm>
-              <a:off x="9757798" y="2556659"/>
-              <a:ext cx="2434202" cy="2062103"/>
-            </a:xfrm>
-            <a:prstGeom prst="rect">
-              <a:avLst/>
-            </a:prstGeom>
-            <a:noFill/>
-          </p:spPr>
-          <p:txBody>
-            <a:bodyPr wrap="square" rtlCol="0">
-              <a:spAutoFit/>
-            </a:bodyPr>
-            <a:lstStyle/>
-            <a:p>
-              <a:r>
-                <a:rPr lang="en-GB" sz="3200" b="0" i="0" u="none" strike="noStrike" dirty="0">
-                  <a:solidFill>
-                    <a:schemeClr val="bg1"/>
-                  </a:solidFill>
-                  <a:effectLst/>
-                  <a:latin typeface="-webkit-standard"/>
-                </a:rPr>
-                <a:t>Training, Adoption &amp; Continuous Improvement</a:t>
-              </a:r>
-              <a:endParaRPr lang="en-GB" sz="3200" dirty="0">
-                <a:solidFill>
-                  <a:schemeClr val="bg1"/>
-                </a:solidFill>
-              </a:endParaRPr>
-            </a:p>
-          </p:txBody>
-        </p:sp>
-      </p:grpSp>
-      <p:grpSp>
-        <p:nvGrpSpPr>
-          <p:cNvPr id="6" name="Group 5">
-            <a:extLst>
-              <a:ext uri="{FF2B5EF4-FFF2-40B4-BE49-F238E27FC236}">
-                <a16:creationId xmlns:a16="http://schemas.microsoft.com/office/drawing/2014/main" id="{79C258EC-517B-004A-CD61-752A5D10AA6C}"/>
-              </a:ext>
-            </a:extLst>
-          </p:cNvPr>
-          <p:cNvGrpSpPr/>
-          <p:nvPr/>
-        </p:nvGrpSpPr>
-        <p:grpSpPr>
-          <a:xfrm>
-            <a:off x="-1469234" y="0"/>
-            <a:ext cx="3419464" cy="6858000"/>
-            <a:chOff x="7317599" y="0"/>
-            <a:chExt cx="3419464" cy="6858000"/>
-          </a:xfrm>
-        </p:grpSpPr>
-        <p:sp>
-          <p:nvSpPr>
-            <p:cNvPr id="18" name="Rectangle 17">
-              <a:extLst>
-                <a:ext uri="{FF2B5EF4-FFF2-40B4-BE49-F238E27FC236}">
-                  <a16:creationId xmlns:a16="http://schemas.microsoft.com/office/drawing/2014/main" id="{038CB542-BB6B-68A0-8488-0C393749CD1A}"/>
-                </a:ext>
-              </a:extLst>
-            </p:cNvPr>
-            <p:cNvSpPr>
-              <a:spLocks/>
-            </p:cNvSpPr>
-            <p:nvPr/>
-          </p:nvSpPr>
-          <p:spPr>
-            <a:xfrm>
-              <a:off x="7317599" y="0"/>
-              <a:ext cx="2437200" cy="6858000"/>
-            </a:xfrm>
-            <a:prstGeom prst="rect">
-              <a:avLst/>
-            </a:prstGeom>
-            <a:solidFill>
-              <a:schemeClr val="tx2">
-                <a:lumMod val="25000"/>
-                <a:lumOff val="75000"/>
-              </a:schemeClr>
-            </a:solidFill>
-            <a:ln>
-              <a:noFill/>
-            </a:ln>
-          </p:spPr>
-          <p:style>
-            <a:lnRef idx="2">
-              <a:schemeClr val="accent1">
-                <a:shade val="15000"/>
-              </a:schemeClr>
-            </a:lnRef>
-            <a:fillRef idx="1">
-              <a:schemeClr val="accent1"/>
-            </a:fillRef>
-            <a:effectRef idx="0">
-              <a:schemeClr val="accent1"/>
-            </a:effectRef>
-            <a:fontRef idx="minor">
-              <a:schemeClr val="lt1"/>
-            </a:fontRef>
-          </p:style>
-          <p:txBody>
-            <a:bodyPr rtlCol="0" anchor="ctr"/>
-            <a:lstStyle/>
-            <a:p>
-              <a:endParaRPr lang="en-GB"/>
-            </a:p>
-          </p:txBody>
-        </p:sp>
-        <p:sp>
-          <p:nvSpPr>
-            <p:cNvPr id="22" name="Triangle 21">
-              <a:extLst>
-                <a:ext uri="{FF2B5EF4-FFF2-40B4-BE49-F238E27FC236}">
-                  <a16:creationId xmlns:a16="http://schemas.microsoft.com/office/drawing/2014/main" id="{4C7017EC-9E24-500E-5A96-3105C13EDD6E}"/>
-                </a:ext>
-              </a:extLst>
-            </p:cNvPr>
-            <p:cNvSpPr/>
-            <p:nvPr/>
-          </p:nvSpPr>
-          <p:spPr>
-            <a:xfrm rot="5400000">
-              <a:off x="9619048" y="1108184"/>
-              <a:ext cx="1218600" cy="1017431"/>
-            </a:xfrm>
-            <a:prstGeom prst="triangle">
-              <a:avLst/>
-            </a:prstGeom>
-            <a:solidFill>
-              <a:schemeClr val="tx2">
-                <a:lumMod val="25000"/>
-                <a:lumOff val="75000"/>
-              </a:schemeClr>
-            </a:solidFill>
-            <a:ln>
-              <a:noFill/>
-            </a:ln>
-          </p:spPr>
-          <p:style>
-            <a:lnRef idx="2">
-              <a:schemeClr val="accent1">
-                <a:shade val="15000"/>
-              </a:schemeClr>
-            </a:lnRef>
-            <a:fillRef idx="1">
-              <a:schemeClr val="accent1"/>
-            </a:fillRef>
-            <a:effectRef idx="0">
-              <a:schemeClr val="accent1"/>
-            </a:effectRef>
-            <a:fontRef idx="minor">
-              <a:schemeClr val="lt1"/>
-            </a:fontRef>
-          </p:style>
-          <p:txBody>
-            <a:bodyPr rtlCol="0" anchor="ctr"/>
-            <a:lstStyle/>
-            <a:p>
-              <a:pPr algn="ctr"/>
-              <a:endParaRPr lang="en-GB"/>
-            </a:p>
-          </p:txBody>
-        </p:sp>
-        <p:sp>
-          <p:nvSpPr>
-            <p:cNvPr id="33" name="TextBox 32">
-              <a:extLst>
-                <a:ext uri="{FF2B5EF4-FFF2-40B4-BE49-F238E27FC236}">
-                  <a16:creationId xmlns:a16="http://schemas.microsoft.com/office/drawing/2014/main" id="{A73302DB-51B5-DE40-0409-9675FA6B0A2B}"/>
-                </a:ext>
-              </a:extLst>
-            </p:cNvPr>
-            <p:cNvSpPr txBox="1"/>
-            <p:nvPr/>
-          </p:nvSpPr>
-          <p:spPr>
-            <a:xfrm>
-              <a:off x="8381902" y="685875"/>
-              <a:ext cx="915265" cy="1862048"/>
-            </a:xfrm>
-            <a:prstGeom prst="rect">
-              <a:avLst/>
-            </a:prstGeom>
-            <a:noFill/>
-          </p:spPr>
-          <p:txBody>
-            <a:bodyPr wrap="square" rtlCol="0">
-              <a:spAutoFit/>
-            </a:bodyPr>
-            <a:lstStyle/>
-            <a:p>
-              <a:r>
-                <a:rPr lang="en-GB" sz="11500" b="1" dirty="0">
-                  <a:solidFill>
-                    <a:schemeClr val="bg1"/>
-                  </a:solidFill>
-                  <a:latin typeface="Calibri" panose="020F0502020204030204" pitchFamily="34" charset="0"/>
-                  <a:cs typeface="Calibri" panose="020F0502020204030204" pitchFamily="34" charset="0"/>
-                </a:rPr>
-                <a:t>4</a:t>
-              </a:r>
-            </a:p>
-          </p:txBody>
-        </p:sp>
-        <p:sp>
-          <p:nvSpPr>
-            <p:cNvPr id="39" name="TextBox 38">
-              <a:extLst>
-                <a:ext uri="{FF2B5EF4-FFF2-40B4-BE49-F238E27FC236}">
-                  <a16:creationId xmlns:a16="http://schemas.microsoft.com/office/drawing/2014/main" id="{ECEE45F0-E201-04E6-01E9-89CA562057F9}"/>
-                </a:ext>
-              </a:extLst>
-            </p:cNvPr>
-            <p:cNvSpPr txBox="1"/>
-            <p:nvPr/>
-          </p:nvSpPr>
-          <p:spPr>
-            <a:xfrm>
-              <a:off x="7508616" y="2514602"/>
-              <a:ext cx="2055165" cy="2554545"/>
-            </a:xfrm>
-            <a:prstGeom prst="rect">
-              <a:avLst/>
-            </a:prstGeom>
-            <a:noFill/>
-          </p:spPr>
-          <p:txBody>
-            <a:bodyPr wrap="square" rtlCol="0">
-              <a:spAutoFit/>
-            </a:bodyPr>
-            <a:lstStyle/>
-            <a:p>
-              <a:r>
-                <a:rPr lang="en-GB" sz="3200" b="0" i="0" u="none" strike="noStrike" dirty="0">
-                  <a:solidFill>
-                    <a:schemeClr val="bg1"/>
-                  </a:solidFill>
-                  <a:effectLst/>
-                  <a:latin typeface="-webkit-standard"/>
-                </a:rPr>
-                <a:t>Clinical Decision Support &amp; Handling Ambiguity</a:t>
-              </a:r>
-              <a:endParaRPr lang="en-GB" sz="3200" dirty="0">
-                <a:solidFill>
-                  <a:schemeClr val="bg1"/>
-                </a:solidFill>
-              </a:endParaRPr>
-            </a:p>
-          </p:txBody>
-        </p:sp>
-      </p:grpSp>
-      <p:grpSp>
-        <p:nvGrpSpPr>
-          <p:cNvPr id="5" name="Group 4">
-            <a:extLst>
-              <a:ext uri="{FF2B5EF4-FFF2-40B4-BE49-F238E27FC236}">
-                <a16:creationId xmlns:a16="http://schemas.microsoft.com/office/drawing/2014/main" id="{1F4B1C26-4760-932E-7B1F-C7A89B2B05C1}"/>
-              </a:ext>
-            </a:extLst>
-          </p:cNvPr>
-          <p:cNvGrpSpPr/>
-          <p:nvPr/>
-        </p:nvGrpSpPr>
-        <p:grpSpPr>
-          <a:xfrm>
-            <a:off x="-1659492" y="0"/>
-            <a:ext cx="3460089" cy="6858000"/>
-            <a:chOff x="4859945" y="0"/>
-            <a:chExt cx="3460089" cy="6858000"/>
-          </a:xfrm>
-        </p:grpSpPr>
-        <p:sp>
-          <p:nvSpPr>
-            <p:cNvPr id="17" name="Rectangle 16">
-              <a:extLst>
-                <a:ext uri="{FF2B5EF4-FFF2-40B4-BE49-F238E27FC236}">
-                  <a16:creationId xmlns:a16="http://schemas.microsoft.com/office/drawing/2014/main" id="{B806FB4C-2EBC-198B-EA60-68DD2C1F56D9}"/>
-                </a:ext>
-              </a:extLst>
-            </p:cNvPr>
-            <p:cNvSpPr>
-              <a:spLocks/>
-            </p:cNvSpPr>
-            <p:nvPr/>
-          </p:nvSpPr>
-          <p:spPr>
-            <a:xfrm>
-              <a:off x="4877400" y="0"/>
-              <a:ext cx="2437200" cy="6858000"/>
-            </a:xfrm>
-            <a:prstGeom prst="rect">
-              <a:avLst/>
-            </a:prstGeom>
-            <a:solidFill>
-              <a:schemeClr val="tx2">
-                <a:lumMod val="50000"/>
-                <a:lumOff val="50000"/>
-              </a:schemeClr>
-            </a:solidFill>
-            <a:ln>
-              <a:noFill/>
-            </a:ln>
-          </p:spPr>
-          <p:style>
-            <a:lnRef idx="2">
-              <a:schemeClr val="accent1">
-                <a:shade val="15000"/>
-              </a:schemeClr>
-            </a:lnRef>
-            <a:fillRef idx="1">
-              <a:schemeClr val="accent1"/>
-            </a:fillRef>
-            <a:effectRef idx="0">
-              <a:schemeClr val="accent1"/>
-            </a:effectRef>
-            <a:fontRef idx="minor">
-              <a:schemeClr val="lt1"/>
-            </a:fontRef>
-          </p:style>
-          <p:txBody>
-            <a:bodyPr rtlCol="0" anchor="ctr"/>
-            <a:lstStyle/>
-            <a:p>
-              <a:endParaRPr lang="en-GB"/>
-            </a:p>
-          </p:txBody>
-        </p:sp>
-        <p:sp>
-          <p:nvSpPr>
-            <p:cNvPr id="23" name="Triangle 22">
-              <a:extLst>
-                <a:ext uri="{FF2B5EF4-FFF2-40B4-BE49-F238E27FC236}">
-                  <a16:creationId xmlns:a16="http://schemas.microsoft.com/office/drawing/2014/main" id="{D14BB43C-DF12-C18D-1166-A5AD73D9B16D}"/>
-                </a:ext>
-              </a:extLst>
-            </p:cNvPr>
-            <p:cNvSpPr/>
-            <p:nvPr/>
-          </p:nvSpPr>
-          <p:spPr>
-            <a:xfrm rot="5400000">
-              <a:off x="7202019" y="1111103"/>
-              <a:ext cx="1218600" cy="1017431"/>
-            </a:xfrm>
-            <a:prstGeom prst="triangle">
-              <a:avLst/>
-            </a:prstGeom>
-            <a:solidFill>
-              <a:schemeClr val="tx2">
-                <a:lumMod val="50000"/>
-                <a:lumOff val="50000"/>
-              </a:schemeClr>
-            </a:solidFill>
-            <a:ln>
-              <a:noFill/>
-            </a:ln>
-          </p:spPr>
-          <p:style>
-            <a:lnRef idx="2">
-              <a:schemeClr val="accent1">
-                <a:shade val="15000"/>
-              </a:schemeClr>
-            </a:lnRef>
-            <a:fillRef idx="1">
-              <a:schemeClr val="accent1"/>
-            </a:fillRef>
-            <a:effectRef idx="0">
-              <a:schemeClr val="accent1"/>
-            </a:effectRef>
-            <a:fontRef idx="minor">
-              <a:schemeClr val="lt1"/>
-            </a:fontRef>
-          </p:style>
-          <p:txBody>
-            <a:bodyPr rtlCol="0" anchor="ctr"/>
-            <a:lstStyle/>
-            <a:p>
-              <a:pPr algn="ctr"/>
-              <a:endParaRPr lang="en-GB"/>
-            </a:p>
-          </p:txBody>
-        </p:sp>
-        <p:sp>
-          <p:nvSpPr>
-            <p:cNvPr id="34" name="TextBox 33">
-              <a:extLst>
-                <a:ext uri="{FF2B5EF4-FFF2-40B4-BE49-F238E27FC236}">
-                  <a16:creationId xmlns:a16="http://schemas.microsoft.com/office/drawing/2014/main" id="{F7E102D7-763B-DA37-48AD-F1E396B71079}"/>
-                </a:ext>
-              </a:extLst>
-            </p:cNvPr>
-            <p:cNvSpPr txBox="1"/>
-            <p:nvPr/>
-          </p:nvSpPr>
-          <p:spPr>
-            <a:xfrm>
-              <a:off x="5921875" y="694611"/>
-              <a:ext cx="915265" cy="1862048"/>
-            </a:xfrm>
-            <a:prstGeom prst="rect">
-              <a:avLst/>
-            </a:prstGeom>
-            <a:noFill/>
-          </p:spPr>
-          <p:txBody>
-            <a:bodyPr wrap="square" rtlCol="0">
-              <a:spAutoFit/>
-            </a:bodyPr>
-            <a:lstStyle/>
-            <a:p>
-              <a:r>
-                <a:rPr lang="en-GB" sz="11500" b="1" dirty="0">
-                  <a:solidFill>
-                    <a:schemeClr val="bg1"/>
-                  </a:solidFill>
-                  <a:latin typeface="Calibri" panose="020F0502020204030204" pitchFamily="34" charset="0"/>
-                  <a:cs typeface="Calibri" panose="020F0502020204030204" pitchFamily="34" charset="0"/>
-                </a:rPr>
-                <a:t>3</a:t>
-              </a:r>
-            </a:p>
-          </p:txBody>
-        </p:sp>
-        <p:sp>
-          <p:nvSpPr>
-            <p:cNvPr id="38" name="TextBox 37">
-              <a:extLst>
-                <a:ext uri="{FF2B5EF4-FFF2-40B4-BE49-F238E27FC236}">
-                  <a16:creationId xmlns:a16="http://schemas.microsoft.com/office/drawing/2014/main" id="{FE53F96C-9808-EC08-E5B0-465A886534FB}"/>
-                </a:ext>
-              </a:extLst>
-            </p:cNvPr>
-            <p:cNvSpPr txBox="1"/>
-            <p:nvPr/>
-          </p:nvSpPr>
-          <p:spPr>
-            <a:xfrm>
-              <a:off x="4859945" y="2506243"/>
-              <a:ext cx="2450426" cy="1569660"/>
-            </a:xfrm>
-            <a:prstGeom prst="rect">
-              <a:avLst/>
-            </a:prstGeom>
-            <a:noFill/>
-          </p:spPr>
-          <p:txBody>
-            <a:bodyPr wrap="square" rtlCol="0">
-              <a:spAutoFit/>
-            </a:bodyPr>
-            <a:lstStyle/>
-            <a:p>
-              <a:r>
-                <a:rPr lang="en-GB" sz="3200" b="0" i="0" u="none" strike="noStrike" dirty="0">
-                  <a:solidFill>
-                    <a:schemeClr val="bg1"/>
-                  </a:solidFill>
-                  <a:effectLst/>
-                  <a:latin typeface="-webkit-standard"/>
-                </a:rPr>
-                <a:t>Integration &amp; Secure Result Delivery</a:t>
-              </a:r>
-              <a:endParaRPr lang="en-GB" sz="3200" dirty="0">
-                <a:solidFill>
-                  <a:schemeClr val="bg1"/>
-                </a:solidFill>
-              </a:endParaRPr>
-            </a:p>
-          </p:txBody>
-        </p:sp>
-      </p:grpSp>
-      <p:grpSp>
-        <p:nvGrpSpPr>
-          <p:cNvPr id="4" name="Group 3">
-            <a:extLst>
-              <a:ext uri="{FF2B5EF4-FFF2-40B4-BE49-F238E27FC236}">
-                <a16:creationId xmlns:a16="http://schemas.microsoft.com/office/drawing/2014/main" id="{E2973F42-6E1A-1AE9-8015-E84AA97CD091}"/>
-              </a:ext>
-            </a:extLst>
-          </p:cNvPr>
-          <p:cNvGrpSpPr/>
-          <p:nvPr/>
-        </p:nvGrpSpPr>
-        <p:grpSpPr>
-          <a:xfrm>
-            <a:off x="-1793591" y="0"/>
-            <a:ext cx="3448632" cy="6858000"/>
-            <a:chOff x="2437201" y="0"/>
-            <a:chExt cx="3448632" cy="6858000"/>
-          </a:xfrm>
-        </p:grpSpPr>
-        <p:sp>
-          <p:nvSpPr>
-            <p:cNvPr id="16" name="Rectangle 15">
-              <a:extLst>
-                <a:ext uri="{FF2B5EF4-FFF2-40B4-BE49-F238E27FC236}">
-                  <a16:creationId xmlns:a16="http://schemas.microsoft.com/office/drawing/2014/main" id="{167A6A7C-7A14-2B7E-4B77-6932352789A5}"/>
-                </a:ext>
-              </a:extLst>
-            </p:cNvPr>
-            <p:cNvSpPr>
-              <a:spLocks/>
-            </p:cNvSpPr>
-            <p:nvPr/>
-          </p:nvSpPr>
-          <p:spPr>
-            <a:xfrm>
-              <a:off x="2437201" y="0"/>
-              <a:ext cx="2437200" cy="6858000"/>
-            </a:xfrm>
-            <a:prstGeom prst="rect">
-              <a:avLst/>
-            </a:prstGeom>
-            <a:solidFill>
-              <a:schemeClr val="tx2">
-                <a:lumMod val="75000"/>
-                <a:lumOff val="25000"/>
-              </a:schemeClr>
-            </a:solidFill>
-            <a:ln>
-              <a:noFill/>
-            </a:ln>
-          </p:spPr>
-          <p:style>
-            <a:lnRef idx="2">
-              <a:schemeClr val="accent1">
-                <a:shade val="15000"/>
-              </a:schemeClr>
-            </a:lnRef>
-            <a:fillRef idx="1">
-              <a:schemeClr val="accent1"/>
-            </a:fillRef>
-            <a:effectRef idx="0">
-              <a:schemeClr val="accent1"/>
-            </a:effectRef>
-            <a:fontRef idx="minor">
-              <a:schemeClr val="lt1"/>
-            </a:fontRef>
-          </p:style>
-          <p:txBody>
-            <a:bodyPr rtlCol="0" anchor="ctr"/>
-            <a:lstStyle/>
-            <a:p>
-              <a:endParaRPr lang="en-GB" dirty="0"/>
-            </a:p>
-          </p:txBody>
-        </p:sp>
-        <p:sp>
-          <p:nvSpPr>
-            <p:cNvPr id="24" name="Triangle 23">
-              <a:extLst>
-                <a:ext uri="{FF2B5EF4-FFF2-40B4-BE49-F238E27FC236}">
-                  <a16:creationId xmlns:a16="http://schemas.microsoft.com/office/drawing/2014/main" id="{4A41A5AD-0D15-E07C-5CFE-E305E74C3E11}"/>
-                </a:ext>
-              </a:extLst>
-            </p:cNvPr>
-            <p:cNvSpPr/>
-            <p:nvPr/>
-          </p:nvSpPr>
-          <p:spPr>
-            <a:xfrm rot="5400000">
-              <a:off x="4767818" y="1111104"/>
-              <a:ext cx="1218600" cy="1017431"/>
-            </a:xfrm>
-            <a:prstGeom prst="triangle">
-              <a:avLst/>
-            </a:prstGeom>
-            <a:solidFill>
-              <a:schemeClr val="tx2">
-                <a:lumMod val="75000"/>
-                <a:lumOff val="25000"/>
-              </a:schemeClr>
-            </a:solidFill>
-            <a:ln>
-              <a:noFill/>
-            </a:ln>
-          </p:spPr>
-          <p:style>
-            <a:lnRef idx="2">
-              <a:schemeClr val="accent1">
-                <a:shade val="15000"/>
-              </a:schemeClr>
-            </a:lnRef>
-            <a:fillRef idx="1">
-              <a:schemeClr val="accent1"/>
-            </a:fillRef>
-            <a:effectRef idx="0">
-              <a:schemeClr val="accent1"/>
-            </a:effectRef>
-            <a:fontRef idx="minor">
-              <a:schemeClr val="lt1"/>
-            </a:fontRef>
-          </p:style>
-          <p:txBody>
-            <a:bodyPr rtlCol="0" anchor="ctr"/>
-            <a:lstStyle/>
-            <a:p>
-              <a:pPr algn="ctr"/>
-              <a:endParaRPr lang="en-GB"/>
-            </a:p>
-          </p:txBody>
-        </p:sp>
-        <p:sp>
-          <p:nvSpPr>
-            <p:cNvPr id="35" name="TextBox 34">
-              <a:extLst>
-                <a:ext uri="{FF2B5EF4-FFF2-40B4-BE49-F238E27FC236}">
-                  <a16:creationId xmlns:a16="http://schemas.microsoft.com/office/drawing/2014/main" id="{980BEB22-16FA-E0C8-7085-458678FB0888}"/>
-                </a:ext>
-              </a:extLst>
-            </p:cNvPr>
-            <p:cNvSpPr txBox="1"/>
-            <p:nvPr/>
-          </p:nvSpPr>
-          <p:spPr>
-            <a:xfrm>
-              <a:off x="3496672" y="648285"/>
-              <a:ext cx="915265" cy="1862048"/>
-            </a:xfrm>
-            <a:prstGeom prst="rect">
-              <a:avLst/>
-            </a:prstGeom>
-            <a:noFill/>
-          </p:spPr>
-          <p:txBody>
-            <a:bodyPr wrap="square" rtlCol="0">
-              <a:spAutoFit/>
-            </a:bodyPr>
-            <a:lstStyle/>
-            <a:p>
-              <a:r>
-                <a:rPr lang="en-GB" sz="11500" b="1" dirty="0">
-                  <a:solidFill>
-                    <a:schemeClr val="bg1"/>
-                  </a:solidFill>
-                  <a:latin typeface="Calibri" panose="020F0502020204030204" pitchFamily="34" charset="0"/>
-                  <a:cs typeface="Calibri" panose="020F0502020204030204" pitchFamily="34" charset="0"/>
-                </a:rPr>
-                <a:t>2</a:t>
-              </a:r>
-            </a:p>
-          </p:txBody>
-        </p:sp>
-        <p:sp>
-          <p:nvSpPr>
-            <p:cNvPr id="37" name="TextBox 36">
-              <a:extLst>
-                <a:ext uri="{FF2B5EF4-FFF2-40B4-BE49-F238E27FC236}">
-                  <a16:creationId xmlns:a16="http://schemas.microsoft.com/office/drawing/2014/main" id="{D0F32EAC-FD30-F5C3-14B8-B6E209AF87A1}"/>
-                </a:ext>
-              </a:extLst>
-            </p:cNvPr>
-            <p:cNvSpPr txBox="1"/>
-            <p:nvPr/>
-          </p:nvSpPr>
-          <p:spPr>
-            <a:xfrm>
-              <a:off x="2442660" y="2514602"/>
-              <a:ext cx="2450426" cy="2062103"/>
-            </a:xfrm>
-            <a:prstGeom prst="rect">
-              <a:avLst/>
-            </a:prstGeom>
-            <a:noFill/>
-          </p:spPr>
-          <p:txBody>
-            <a:bodyPr wrap="square" rtlCol="0">
-              <a:spAutoFit/>
-            </a:bodyPr>
-            <a:lstStyle/>
-            <a:p>
-              <a:r>
-                <a:rPr lang="en-GB" sz="3200" b="0" i="0" u="none" strike="noStrike" dirty="0">
-                  <a:solidFill>
-                    <a:schemeClr val="bg1"/>
-                  </a:solidFill>
-                  <a:effectLst/>
-                  <a:latin typeface="-webkit-standard"/>
-                </a:rPr>
-                <a:t>Model Classification &amp; Radiologist Validation</a:t>
-              </a:r>
-              <a:endParaRPr lang="en-GB" sz="3200" dirty="0">
-                <a:solidFill>
-                  <a:schemeClr val="bg1"/>
-                </a:solidFill>
-              </a:endParaRPr>
-            </a:p>
-          </p:txBody>
-        </p:sp>
-      </p:grpSp>
-      <p:grpSp>
-        <p:nvGrpSpPr>
-          <p:cNvPr id="3" name="Group 2">
-            <a:extLst>
-              <a:ext uri="{FF2B5EF4-FFF2-40B4-BE49-F238E27FC236}">
-                <a16:creationId xmlns:a16="http://schemas.microsoft.com/office/drawing/2014/main" id="{4AE31F46-6CD7-50B1-0C09-2B2D245E25F6}"/>
-              </a:ext>
-            </a:extLst>
-          </p:cNvPr>
-          <p:cNvGrpSpPr/>
-          <p:nvPr/>
-        </p:nvGrpSpPr>
-        <p:grpSpPr>
-          <a:xfrm>
-            <a:off x="-1953940" y="0"/>
-            <a:ext cx="3434804" cy="6858000"/>
-            <a:chOff x="0" y="0"/>
-            <a:chExt cx="3434804" cy="6858000"/>
-          </a:xfrm>
-        </p:grpSpPr>
-        <p:sp>
-          <p:nvSpPr>
-            <p:cNvPr id="9" name="Rectangle 8">
-              <a:extLst>
-                <a:ext uri="{FF2B5EF4-FFF2-40B4-BE49-F238E27FC236}">
-                  <a16:creationId xmlns:a16="http://schemas.microsoft.com/office/drawing/2014/main" id="{7AC62F65-4D92-1A88-1A4F-CB8DAB34DFC5}"/>
-                </a:ext>
-              </a:extLst>
-            </p:cNvPr>
-            <p:cNvSpPr>
-              <a:spLocks/>
-            </p:cNvSpPr>
-            <p:nvPr/>
-          </p:nvSpPr>
-          <p:spPr>
-            <a:xfrm>
-              <a:off x="0" y="0"/>
-              <a:ext cx="2437200" cy="6858000"/>
-            </a:xfrm>
-            <a:prstGeom prst="rect">
-              <a:avLst/>
-            </a:prstGeom>
-            <a:solidFill>
-              <a:schemeClr val="tx2">
-                <a:lumMod val="90000"/>
-                <a:lumOff val="10000"/>
-              </a:schemeClr>
-            </a:solidFill>
-            <a:ln>
-              <a:noFill/>
-            </a:ln>
-          </p:spPr>
-          <p:style>
-            <a:lnRef idx="2">
-              <a:schemeClr val="accent1">
-                <a:shade val="15000"/>
-              </a:schemeClr>
-            </a:lnRef>
-            <a:fillRef idx="1">
-              <a:schemeClr val="accent1"/>
-            </a:fillRef>
-            <a:effectRef idx="0">
-              <a:schemeClr val="accent1"/>
-            </a:effectRef>
-            <a:fontRef idx="minor">
-              <a:schemeClr val="lt1"/>
-            </a:fontRef>
-          </p:style>
-          <p:txBody>
-            <a:bodyPr rtlCol="0" anchor="ctr"/>
-            <a:lstStyle/>
-            <a:p>
-              <a:endParaRPr lang="en-GB" dirty="0"/>
-            </a:p>
-            <a:p>
-              <a:endParaRPr lang="en-GB" dirty="0"/>
-            </a:p>
-            <a:p>
-              <a:endParaRPr lang="en-GB" dirty="0"/>
-            </a:p>
-            <a:p>
-              <a:endParaRPr lang="en-GB" dirty="0"/>
-            </a:p>
-            <a:p>
-              <a:endParaRPr lang="en-GB" dirty="0"/>
-            </a:p>
-          </p:txBody>
-        </p:sp>
-        <p:sp>
-          <p:nvSpPr>
-            <p:cNvPr id="20" name="Triangle 19">
-              <a:extLst>
-                <a:ext uri="{FF2B5EF4-FFF2-40B4-BE49-F238E27FC236}">
-                  <a16:creationId xmlns:a16="http://schemas.microsoft.com/office/drawing/2014/main" id="{A216C1DC-0555-E367-B242-3E08D9A846EC}"/>
-                </a:ext>
-              </a:extLst>
-            </p:cNvPr>
-            <p:cNvSpPr/>
-            <p:nvPr/>
-          </p:nvSpPr>
-          <p:spPr>
-            <a:xfrm rot="5400000">
-              <a:off x="2316789" y="1108184"/>
-              <a:ext cx="1218600" cy="1017431"/>
-            </a:xfrm>
-            <a:prstGeom prst="triangle">
-              <a:avLst/>
-            </a:prstGeom>
-            <a:solidFill>
-              <a:schemeClr val="tx2">
-                <a:lumMod val="90000"/>
-                <a:lumOff val="10000"/>
-              </a:schemeClr>
-            </a:solidFill>
-            <a:ln>
-              <a:noFill/>
-            </a:ln>
-          </p:spPr>
-          <p:style>
-            <a:lnRef idx="2">
-              <a:schemeClr val="accent1">
-                <a:shade val="15000"/>
-              </a:schemeClr>
-            </a:lnRef>
-            <a:fillRef idx="1">
-              <a:schemeClr val="accent1"/>
-            </a:fillRef>
-            <a:effectRef idx="0">
-              <a:schemeClr val="accent1"/>
-            </a:effectRef>
-            <a:fontRef idx="minor">
-              <a:schemeClr val="lt1"/>
-            </a:fontRef>
-          </p:style>
-          <p:txBody>
-            <a:bodyPr rtlCol="0" anchor="ctr"/>
-            <a:lstStyle/>
-            <a:p>
-              <a:pPr algn="ctr"/>
-              <a:endParaRPr lang="en-GB"/>
-            </a:p>
-          </p:txBody>
-        </p:sp>
-        <p:sp>
-          <p:nvSpPr>
-            <p:cNvPr id="26" name="TextBox 25">
-              <a:extLst>
-                <a:ext uri="{FF2B5EF4-FFF2-40B4-BE49-F238E27FC236}">
-                  <a16:creationId xmlns:a16="http://schemas.microsoft.com/office/drawing/2014/main" id="{A354782B-F55E-23FA-04B2-84A2458EB347}"/>
-                </a:ext>
-              </a:extLst>
-            </p:cNvPr>
-            <p:cNvSpPr txBox="1"/>
-            <p:nvPr/>
-          </p:nvSpPr>
-          <p:spPr>
-            <a:xfrm>
-              <a:off x="194729" y="2514602"/>
-              <a:ext cx="2047741" cy="2062103"/>
-            </a:xfrm>
-            <a:prstGeom prst="rect">
-              <a:avLst/>
-            </a:prstGeom>
-            <a:noFill/>
-          </p:spPr>
-          <p:txBody>
-            <a:bodyPr wrap="square" rtlCol="0">
-              <a:spAutoFit/>
-            </a:bodyPr>
-            <a:lstStyle/>
-            <a:p>
-              <a:r>
-                <a:rPr lang="en-GB" sz="3200" b="0" i="0" u="none" strike="noStrike" dirty="0">
-                  <a:solidFill>
-                    <a:schemeClr val="bg1"/>
-                  </a:solidFill>
-                  <a:effectLst/>
-                  <a:latin typeface="-webkit-standard"/>
-                </a:rPr>
-                <a:t>Patient Imaging &amp; Data Ingestion</a:t>
-              </a:r>
-              <a:endParaRPr lang="en-GB" sz="3200" dirty="0">
-                <a:solidFill>
-                  <a:schemeClr val="bg1"/>
-                </a:solidFill>
-              </a:endParaRPr>
-            </a:p>
-          </p:txBody>
-        </p:sp>
-        <p:sp>
-          <p:nvSpPr>
-            <p:cNvPr id="27" name="TextBox 26">
-              <a:extLst>
-                <a:ext uri="{FF2B5EF4-FFF2-40B4-BE49-F238E27FC236}">
-                  <a16:creationId xmlns:a16="http://schemas.microsoft.com/office/drawing/2014/main" id="{853108F4-8343-A39D-04A9-FB9D7BFDE826}"/>
-                </a:ext>
-              </a:extLst>
-            </p:cNvPr>
-            <p:cNvSpPr txBox="1"/>
-            <p:nvPr/>
-          </p:nvSpPr>
-          <p:spPr>
-            <a:xfrm>
-              <a:off x="656713" y="648285"/>
-              <a:ext cx="915265" cy="1862048"/>
-            </a:xfrm>
-            <a:prstGeom prst="rect">
-              <a:avLst/>
-            </a:prstGeom>
-            <a:noFill/>
-          </p:spPr>
-          <p:txBody>
-            <a:bodyPr wrap="square" rtlCol="0">
-              <a:spAutoFit/>
-            </a:bodyPr>
-            <a:lstStyle/>
-            <a:p>
-              <a:r>
-                <a:rPr lang="en-GB" sz="11500" b="1" dirty="0">
-                  <a:solidFill>
-                    <a:schemeClr val="bg1"/>
-                  </a:solidFill>
-                  <a:latin typeface="Calibri" panose="020F0502020204030204" pitchFamily="34" charset="0"/>
-                  <a:cs typeface="Calibri" panose="020F0502020204030204" pitchFamily="34" charset="0"/>
-                </a:rPr>
-                <a:t>1</a:t>
-              </a:r>
-            </a:p>
-          </p:txBody>
-        </p:sp>
-      </p:grpSp>
-      <p:sp>
-        <p:nvSpPr>
-          <p:cNvPr id="2" name="TextBox 1">
-            <a:extLst>
-              <a:ext uri="{FF2B5EF4-FFF2-40B4-BE49-F238E27FC236}">
-                <a16:creationId xmlns:a16="http://schemas.microsoft.com/office/drawing/2014/main" id="{6548F05C-8B34-990E-87D6-A3301F88427C}"/>
-              </a:ext>
-            </a:extLst>
-          </p:cNvPr>
-          <p:cNvSpPr txBox="1"/>
-          <p:nvPr/>
-        </p:nvSpPr>
-        <p:spPr>
-          <a:xfrm>
-            <a:off x="1477493" y="1581893"/>
-            <a:ext cx="10325307" cy="3046988"/>
-          </a:xfrm>
-          <a:prstGeom prst="rect">
-            <a:avLst/>
-          </a:prstGeom>
-          <a:noFill/>
-        </p:spPr>
-        <p:txBody>
-          <a:bodyPr wrap="square" rtlCol="0">
-            <a:spAutoFit/>
-          </a:bodyPr>
-          <a:lstStyle/>
-          <a:p>
-            <a:pPr algn="ctr"/>
-            <a:r>
-              <a:rPr lang="en-GB" sz="9600" b="1" dirty="0">
-                <a:solidFill>
-                  <a:schemeClr val="accent1"/>
-                </a:solidFill>
-              </a:rPr>
-              <a:t>Clinical Implementation </a:t>
-            </a:r>
-          </a:p>
-        </p:txBody>
-      </p:sp>
-    </p:spTree>
-    <p:extLst>
-      <p:ext uri="{BB962C8B-B14F-4D97-AF65-F5344CB8AC3E}">
-        <p14:creationId xmlns:p14="http://schemas.microsoft.com/office/powerpoint/2010/main" val="3167499610"/>
-      </p:ext>
-    </p:extLst>
-  </p:cSld>
-  <p:clrMapOvr>
-    <a:masterClrMapping/>
-  </p:clrMapOvr>
-  <mc:AlternateContent xmlns:mc="http://schemas.openxmlformats.org/markup-compatibility/2006" xmlns:p159="http://schemas.microsoft.com/office/powerpoint/2015/09/main">
-    <mc:Choice Requires="p159">
-      <p:transition xmlns:p14="http://schemas.microsoft.com/office/powerpoint/2010/main" spd="slow" p14:dur="2000">
-        <p159:morph option="byObject"/>
-      </p:transition>
-    </mc:Choice>
-    <mc:Fallback xmlns="">
-      <p:transition spd="slow">
-        <p:fade/>
-      </p:transition>
-    </mc:Fallback>
-  </mc:AlternateContent>
-</p:sld>
-</file>
-
-<file path=ppt/slides/slide20.xml><?xml version="1.0" encoding="utf-8"?>
+<file path=ppt/slides/slide19.xml><?xml version="1.0" encoding="utf-8"?>
 <p:sld xmlns:a="http://schemas.openxmlformats.org/drawingml/2006/main" xmlns:r="http://schemas.openxmlformats.org/officeDocument/2006/relationships" xmlns:p="http://schemas.openxmlformats.org/presentationml/2006/main">
   <p:cSld>
     <p:spTree>
@@ -16132,6 +14823,12 @@
             <a:chOff x="9754800" y="0"/>
             <a:chExt cx="3435407" cy="6858000"/>
           </a:xfrm>
+          <a:solidFill>
+            <a:schemeClr val="accent1">
+              <a:lumMod val="60000"/>
+              <a:lumOff val="40000"/>
+            </a:schemeClr>
+          </a:solidFill>
         </p:grpSpPr>
         <p:sp>
           <p:nvSpPr>
@@ -16155,12 +14852,7 @@
             <a:prstGeom prst="rect">
               <a:avLst/>
             </a:prstGeom>
-            <a:solidFill>
-              <a:schemeClr val="tx2">
-                <a:lumMod val="10000"/>
-                <a:lumOff val="90000"/>
-              </a:schemeClr>
-            </a:solidFill>
+            <a:grpFill/>
             <a:ln>
               <a:noFill/>
             </a:ln>
@@ -16209,12 +14901,7 @@
             <a:prstGeom prst="triangle">
               <a:avLst/>
             </a:prstGeom>
-            <a:solidFill>
-              <a:schemeClr val="tx2">
-                <a:lumMod val="10000"/>
-                <a:lumOff val="90000"/>
-              </a:schemeClr>
-            </a:solidFill>
+            <a:grpFill/>
             <a:ln>
               <a:noFill/>
             </a:ln>
@@ -16264,7 +14951,7 @@
             <a:prstGeom prst="rect">
               <a:avLst/>
             </a:prstGeom>
-            <a:noFill/>
+            <a:grpFill/>
           </p:spPr>
           <p:txBody>
             <a:bodyPr wrap="square" rtlCol="0">
@@ -16305,7 +14992,7 @@
             <a:prstGeom prst="rect">
               <a:avLst/>
             </a:prstGeom>
-            <a:noFill/>
+            <a:grpFill/>
           </p:spPr>
           <p:txBody>
             <a:bodyPr wrap="square" rtlCol="0">
@@ -16353,9 +15040,9 @@
             <a:avLst/>
           </a:prstGeom>
           <a:solidFill>
-            <a:schemeClr val="tx2">
-              <a:lumMod val="10000"/>
-              <a:lumOff val="90000"/>
+            <a:schemeClr val="accent1">
+              <a:lumMod val="60000"/>
+              <a:lumOff val="40000"/>
             </a:schemeClr>
           </a:solidFill>
           <a:ln>
@@ -16424,9 +15111,9 @@
             </a:avLst>
           </a:prstGeom>
           <a:solidFill>
-            <a:schemeClr val="tx2">
-              <a:lumMod val="10000"/>
-              <a:lumOff val="90000"/>
+            <a:schemeClr val="accent1">
+              <a:lumMod val="60000"/>
+              <a:lumOff val="40000"/>
             </a:schemeClr>
           </a:solidFill>
           <a:ln>
@@ -16483,9 +15170,9 @@
           </a:solidFill>
           <a:ln w="76200">
             <a:solidFill>
-              <a:schemeClr val="tx2">
-                <a:lumMod val="10000"/>
-                <a:lumOff val="90000"/>
+              <a:schemeClr val="accent1">
+                <a:lumMod val="60000"/>
+                <a:lumOff val="40000"/>
               </a:schemeClr>
             </a:solidFill>
           </a:ln>
@@ -16546,9 +15233,9 @@
             <a:avLst/>
           </a:prstGeom>
           <a:solidFill>
-            <a:schemeClr val="tx2">
-              <a:lumMod val="10000"/>
-              <a:lumOff val="90000"/>
+            <a:schemeClr val="accent1">
+              <a:lumMod val="60000"/>
+              <a:lumOff val="40000"/>
             </a:schemeClr>
           </a:solidFill>
           <a:ln>
@@ -16617,9 +15304,9 @@
             </a:avLst>
           </a:prstGeom>
           <a:solidFill>
-            <a:schemeClr val="tx2">
-              <a:lumMod val="10000"/>
-              <a:lumOff val="90000"/>
+            <a:schemeClr val="accent1">
+              <a:lumMod val="60000"/>
+              <a:lumOff val="40000"/>
             </a:schemeClr>
           </a:solidFill>
           <a:ln>
@@ -16676,9 +15363,9 @@
           </a:solidFill>
           <a:ln w="76200">
             <a:solidFill>
-              <a:schemeClr val="tx2">
-                <a:lumMod val="10000"/>
-                <a:lumOff val="90000"/>
+              <a:schemeClr val="accent1">
+                <a:lumMod val="60000"/>
+                <a:lumOff val="40000"/>
               </a:schemeClr>
             </a:solidFill>
           </a:ln>
@@ -16742,9 +15429,9 @@
             <a:chExt cx="3451699" cy="952886"/>
           </a:xfrm>
           <a:solidFill>
-            <a:schemeClr val="tx2">
-              <a:lumMod val="10000"/>
-              <a:lumOff val="90000"/>
+            <a:schemeClr val="accent1">
+              <a:lumMod val="60000"/>
+              <a:lumOff val="40000"/>
             </a:schemeClr>
           </a:solidFill>
         </p:grpSpPr>
@@ -16890,9 +15577,9 @@
           </a:solidFill>
           <a:ln w="76200">
             <a:solidFill>
-              <a:schemeClr val="tx2">
-                <a:lumMod val="10000"/>
-                <a:lumOff val="90000"/>
+              <a:schemeClr val="accent1">
+                <a:lumMod val="60000"/>
+                <a:lumOff val="40000"/>
               </a:schemeClr>
             </a:solidFill>
           </a:ln>
@@ -16937,6 +15624,226 @@
           </a:p>
         </p:txBody>
       </p:sp>
+      <p:sp>
+        <p:nvSpPr>
+          <p:cNvPr id="2" name="Oval 1">
+            <a:extLst>
+              <a:ext uri="{FF2B5EF4-FFF2-40B4-BE49-F238E27FC236}">
+                <a16:creationId xmlns:a16="http://schemas.microsoft.com/office/drawing/2014/main" id="{80185E34-285F-F9C2-CFF7-F4507EEE17E8}"/>
+              </a:ext>
+            </a:extLst>
+          </p:cNvPr>
+          <p:cNvSpPr/>
+          <p:nvPr/>
+        </p:nvSpPr>
+        <p:spPr>
+          <a:xfrm>
+            <a:off x="-2717800" y="-2489200"/>
+            <a:ext cx="2717800" cy="2489200"/>
+          </a:xfrm>
+          <a:prstGeom prst="ellipse">
+            <a:avLst/>
+          </a:prstGeom>
+          <a:solidFill>
+            <a:schemeClr val="accent1">
+              <a:lumMod val="20000"/>
+              <a:lumOff val="80000"/>
+            </a:schemeClr>
+          </a:solidFill>
+          <a:ln>
+            <a:noFill/>
+          </a:ln>
+        </p:spPr>
+        <p:style>
+          <a:lnRef idx="2">
+            <a:schemeClr val="accent1">
+              <a:shade val="15000"/>
+            </a:schemeClr>
+          </a:lnRef>
+          <a:fillRef idx="1">
+            <a:schemeClr val="accent1"/>
+          </a:fillRef>
+          <a:effectRef idx="0">
+            <a:schemeClr val="accent1"/>
+          </a:effectRef>
+          <a:fontRef idx="minor">
+            <a:schemeClr val="lt1"/>
+          </a:fontRef>
+        </p:style>
+        <p:txBody>
+          <a:bodyPr rtlCol="0" anchor="ctr"/>
+          <a:lstStyle/>
+          <a:p>
+            <a:pPr algn="ctr"/>
+            <a:endParaRPr lang="en-GB" dirty="0"/>
+          </a:p>
+        </p:txBody>
+      </p:sp>
+      <p:sp>
+        <p:nvSpPr>
+          <p:cNvPr id="17" name="Oval 16">
+            <a:extLst>
+              <a:ext uri="{FF2B5EF4-FFF2-40B4-BE49-F238E27FC236}">
+                <a16:creationId xmlns:a16="http://schemas.microsoft.com/office/drawing/2014/main" id="{59D47211-7322-1CDA-D766-821E0C5880AD}"/>
+              </a:ext>
+            </a:extLst>
+          </p:cNvPr>
+          <p:cNvSpPr/>
+          <p:nvPr/>
+        </p:nvSpPr>
+        <p:spPr>
+          <a:xfrm>
+            <a:off x="11696700" y="-2489200"/>
+            <a:ext cx="2717800" cy="2489200"/>
+          </a:xfrm>
+          <a:prstGeom prst="ellipse">
+            <a:avLst/>
+          </a:prstGeom>
+          <a:solidFill>
+            <a:schemeClr val="tx2">
+              <a:lumMod val="10000"/>
+              <a:lumOff val="90000"/>
+            </a:schemeClr>
+          </a:solidFill>
+          <a:ln>
+            <a:noFill/>
+          </a:ln>
+        </p:spPr>
+        <p:style>
+          <a:lnRef idx="2">
+            <a:schemeClr val="accent1">
+              <a:shade val="15000"/>
+            </a:schemeClr>
+          </a:lnRef>
+          <a:fillRef idx="1">
+            <a:schemeClr val="accent1"/>
+          </a:fillRef>
+          <a:effectRef idx="0">
+            <a:schemeClr val="accent1"/>
+          </a:effectRef>
+          <a:fontRef idx="minor">
+            <a:schemeClr val="lt1"/>
+          </a:fontRef>
+        </p:style>
+        <p:txBody>
+          <a:bodyPr rtlCol="0" anchor="ctr"/>
+          <a:lstStyle/>
+          <a:p>
+            <a:pPr algn="ctr"/>
+            <a:endParaRPr lang="en-GB"/>
+          </a:p>
+        </p:txBody>
+      </p:sp>
+      <p:sp>
+        <p:nvSpPr>
+          <p:cNvPr id="19" name="Rounded Rectangle 18">
+            <a:extLst>
+              <a:ext uri="{FF2B5EF4-FFF2-40B4-BE49-F238E27FC236}">
+                <a16:creationId xmlns:a16="http://schemas.microsoft.com/office/drawing/2014/main" id="{4BEE7910-DDC2-0375-E510-E10C9B9D95D7}"/>
+              </a:ext>
+            </a:extLst>
+          </p:cNvPr>
+          <p:cNvSpPr/>
+          <p:nvPr/>
+        </p:nvSpPr>
+        <p:spPr>
+          <a:xfrm>
+            <a:off x="-2884917" y="6858000"/>
+            <a:ext cx="2794000" cy="2512219"/>
+          </a:xfrm>
+          <a:prstGeom prst="roundRect">
+            <a:avLst/>
+          </a:prstGeom>
+          <a:solidFill>
+            <a:schemeClr val="tx2">
+              <a:lumMod val="10000"/>
+              <a:lumOff val="90000"/>
+            </a:schemeClr>
+          </a:solidFill>
+          <a:ln>
+            <a:noFill/>
+          </a:ln>
+        </p:spPr>
+        <p:style>
+          <a:lnRef idx="2">
+            <a:schemeClr val="accent1">
+              <a:shade val="15000"/>
+            </a:schemeClr>
+          </a:lnRef>
+          <a:fillRef idx="1">
+            <a:schemeClr val="accent1"/>
+          </a:fillRef>
+          <a:effectRef idx="0">
+            <a:schemeClr val="accent1"/>
+          </a:effectRef>
+          <a:fontRef idx="minor">
+            <a:schemeClr val="lt1"/>
+          </a:fontRef>
+        </p:style>
+        <p:txBody>
+          <a:bodyPr rtlCol="0" anchor="ctr"/>
+          <a:lstStyle/>
+          <a:p>
+            <a:pPr algn="ctr"/>
+            <a:endParaRPr lang="en-GB"/>
+          </a:p>
+        </p:txBody>
+      </p:sp>
+      <p:sp>
+        <p:nvSpPr>
+          <p:cNvPr id="20" name="Rounded Rectangle 19">
+            <a:extLst>
+              <a:ext uri="{FF2B5EF4-FFF2-40B4-BE49-F238E27FC236}">
+                <a16:creationId xmlns:a16="http://schemas.microsoft.com/office/drawing/2014/main" id="{479A1C6A-1A89-1294-DF42-031D8D49ACB2}"/>
+              </a:ext>
+            </a:extLst>
+          </p:cNvPr>
+          <p:cNvSpPr/>
+          <p:nvPr/>
+        </p:nvSpPr>
+        <p:spPr>
+          <a:xfrm>
+            <a:off x="12192000" y="7235709"/>
+            <a:ext cx="2794000" cy="2512219"/>
+          </a:xfrm>
+          <a:prstGeom prst="roundRect">
+            <a:avLst/>
+          </a:prstGeom>
+          <a:solidFill>
+            <a:schemeClr val="accent1">
+              <a:lumMod val="20000"/>
+              <a:lumOff val="80000"/>
+            </a:schemeClr>
+          </a:solidFill>
+          <a:ln>
+            <a:noFill/>
+          </a:ln>
+        </p:spPr>
+        <p:style>
+          <a:lnRef idx="2">
+            <a:schemeClr val="accent1">
+              <a:shade val="15000"/>
+            </a:schemeClr>
+          </a:lnRef>
+          <a:fillRef idx="1">
+            <a:schemeClr val="accent1"/>
+          </a:fillRef>
+          <a:effectRef idx="0">
+            <a:schemeClr val="accent1"/>
+          </a:effectRef>
+          <a:fontRef idx="minor">
+            <a:schemeClr val="lt1"/>
+          </a:fontRef>
+        </p:style>
+        <p:txBody>
+          <a:bodyPr rtlCol="0" anchor="ctr"/>
+          <a:lstStyle/>
+          <a:p>
+            <a:pPr algn="ctr"/>
+            <a:endParaRPr lang="en-GB"/>
+          </a:p>
+        </p:txBody>
+      </p:sp>
     </p:spTree>
     <p:extLst>
       <p:ext uri="{BB962C8B-B14F-4D97-AF65-F5344CB8AC3E}">
@@ -16962,87 +15869,7 @@
 </p:sld>
 </file>
 
-<file path=ppt/slides/slide21.xml><?xml version="1.0" encoding="utf-8"?>
-<p:sld xmlns:a="http://schemas.openxmlformats.org/drawingml/2006/main" xmlns:r="http://schemas.openxmlformats.org/officeDocument/2006/relationships" xmlns:p="http://schemas.openxmlformats.org/presentationml/2006/main">
-  <p:cSld>
-    <p:spTree>
-      <p:nvGrpSpPr>
-        <p:cNvPr id="1" name=""/>
-        <p:cNvGrpSpPr/>
-        <p:nvPr/>
-      </p:nvGrpSpPr>
-      <p:grpSpPr>
-        <a:xfrm>
-          <a:off x="0" y="0"/>
-          <a:ext cx="0" cy="0"/>
-          <a:chOff x="0" y="0"/>
-          <a:chExt cx="0" cy="0"/>
-        </a:xfrm>
-      </p:grpSpPr>
-      <p:sp>
-        <p:nvSpPr>
-          <p:cNvPr id="2" name="Title 1">
-            <a:extLst>
-              <a:ext uri="{FF2B5EF4-FFF2-40B4-BE49-F238E27FC236}">
-                <a16:creationId xmlns:a16="http://schemas.microsoft.com/office/drawing/2014/main" id="{C76BEBD8-CEA3-0BA0-3287-A6065CAB091F}"/>
-              </a:ext>
-            </a:extLst>
-          </p:cNvPr>
-          <p:cNvSpPr>
-            <a:spLocks noGrp="1"/>
-          </p:cNvSpPr>
-          <p:nvPr>
-            <p:ph type="title"/>
-          </p:nvPr>
-        </p:nvSpPr>
-        <p:spPr/>
-        <p:txBody>
-          <a:bodyPr/>
-          <a:lstStyle/>
-          <a:p>
-            <a:endParaRPr lang="en-GB"/>
-          </a:p>
-        </p:txBody>
-      </p:sp>
-      <p:sp>
-        <p:nvSpPr>
-          <p:cNvPr id="3" name="Content Placeholder 2">
-            <a:extLst>
-              <a:ext uri="{FF2B5EF4-FFF2-40B4-BE49-F238E27FC236}">
-                <a16:creationId xmlns:a16="http://schemas.microsoft.com/office/drawing/2014/main" id="{EC18DA0B-DDC3-BED0-2673-9ADEFFBFBE62}"/>
-              </a:ext>
-            </a:extLst>
-          </p:cNvPr>
-          <p:cNvSpPr>
-            <a:spLocks noGrp="1"/>
-          </p:cNvSpPr>
-          <p:nvPr>
-            <p:ph idx="1"/>
-          </p:nvPr>
-        </p:nvSpPr>
-        <p:spPr/>
-        <p:txBody>
-          <a:bodyPr/>
-          <a:lstStyle/>
-          <a:p>
-            <a:endParaRPr lang="en-GB"/>
-          </a:p>
-        </p:txBody>
-      </p:sp>
-    </p:spTree>
-    <p:extLst>
-      <p:ext uri="{BB962C8B-B14F-4D97-AF65-F5344CB8AC3E}">
-        <p14:creationId xmlns:p14="http://schemas.microsoft.com/office/powerpoint/2010/main" val="1455083735"/>
-      </p:ext>
-    </p:extLst>
-  </p:cSld>
-  <p:clrMapOvr>
-    <a:masterClrMapping/>
-  </p:clrMapOvr>
-</p:sld>
-</file>
-
-<file path=ppt/slides/slide3.xml><?xml version="1.0" encoding="utf-8"?>
+<file path=ppt/slides/slide2.xml><?xml version="1.0" encoding="utf-8"?>
 <p:sld xmlns:a="http://schemas.openxmlformats.org/drawingml/2006/main" xmlns:r="http://schemas.openxmlformats.org/officeDocument/2006/relationships" xmlns:p="http://schemas.openxmlformats.org/presentationml/2006/main">
   <p:cSld>
     <p:spTree>
@@ -17079,11 +15906,17 @@
         </p:nvGrpSpPr>
         <p:grpSpPr>
           <a:xfrm>
-            <a:off x="9754800" y="0"/>
-            <a:ext cx="3435407" cy="6858000"/>
+            <a:off x="9673159" y="0"/>
+            <a:ext cx="3560973" cy="6858000"/>
             <a:chOff x="9754800" y="0"/>
             <a:chExt cx="3435407" cy="6858000"/>
           </a:xfrm>
+          <a:solidFill>
+            <a:schemeClr val="accent1">
+              <a:lumMod val="60000"/>
+              <a:lumOff val="40000"/>
+            </a:schemeClr>
+          </a:solidFill>
         </p:grpSpPr>
         <p:sp>
           <p:nvSpPr>
@@ -17107,12 +15940,7 @@
             <a:prstGeom prst="rect">
               <a:avLst/>
             </a:prstGeom>
-            <a:solidFill>
-              <a:schemeClr val="tx2">
-                <a:lumMod val="10000"/>
-                <a:lumOff val="90000"/>
-              </a:schemeClr>
-            </a:solidFill>
+            <a:grpFill/>
             <a:ln>
               <a:noFill/>
             </a:ln>
@@ -17161,12 +15989,7 @@
             <a:prstGeom prst="triangle">
               <a:avLst/>
             </a:prstGeom>
-            <a:solidFill>
-              <a:schemeClr val="tx2">
-                <a:lumMod val="10000"/>
-                <a:lumOff val="90000"/>
-              </a:schemeClr>
-            </a:solidFill>
+            <a:grpFill/>
             <a:ln>
               <a:noFill/>
             </a:ln>
@@ -17216,7 +16039,7 @@
             <a:prstGeom prst="rect">
               <a:avLst/>
             </a:prstGeom>
-            <a:noFill/>
+            <a:grpFill/>
           </p:spPr>
           <p:txBody>
             <a:bodyPr wrap="square" rtlCol="0">
@@ -17257,7 +16080,7 @@
             <a:prstGeom prst="rect">
               <a:avLst/>
             </a:prstGeom>
-            <a:noFill/>
+            <a:grpFill/>
           </p:spPr>
           <p:txBody>
             <a:bodyPr wrap="square" rtlCol="0">
@@ -17298,11 +16121,17 @@
         </p:nvGrpSpPr>
         <p:grpSpPr>
           <a:xfrm>
-            <a:off x="7317599" y="0"/>
+            <a:off x="7292920" y="0"/>
             <a:ext cx="3419464" cy="6858000"/>
             <a:chOff x="7317599" y="0"/>
             <a:chExt cx="3419464" cy="6858000"/>
           </a:xfrm>
+          <a:solidFill>
+            <a:schemeClr val="tx2">
+              <a:lumMod val="50000"/>
+              <a:lumOff val="50000"/>
+            </a:schemeClr>
+          </a:solidFill>
         </p:grpSpPr>
         <p:sp>
           <p:nvSpPr>
@@ -17326,12 +16155,7 @@
             <a:prstGeom prst="rect">
               <a:avLst/>
             </a:prstGeom>
-            <a:solidFill>
-              <a:schemeClr val="tx2">
-                <a:lumMod val="25000"/>
-                <a:lumOff val="75000"/>
-              </a:schemeClr>
-            </a:solidFill>
+            <a:grpFill/>
             <a:ln>
               <a:noFill/>
             </a:ln>
@@ -17380,12 +16204,7 @@
             <a:prstGeom prst="triangle">
               <a:avLst/>
             </a:prstGeom>
-            <a:solidFill>
-              <a:schemeClr val="tx2">
-                <a:lumMod val="25000"/>
-                <a:lumOff val="75000"/>
-              </a:schemeClr>
-            </a:solidFill>
+            <a:grpFill/>
             <a:ln>
               <a:noFill/>
             </a:ln>
@@ -17435,7 +16254,7 @@
             <a:prstGeom prst="rect">
               <a:avLst/>
             </a:prstGeom>
-            <a:noFill/>
+            <a:grpFill/>
           </p:spPr>
           <p:txBody>
             <a:bodyPr wrap="square" rtlCol="0">
@@ -17476,7 +16295,7 @@
             <a:prstGeom prst="rect">
               <a:avLst/>
             </a:prstGeom>
-            <a:noFill/>
+            <a:grpFill/>
           </p:spPr>
           <p:txBody>
             <a:bodyPr wrap="square" rtlCol="0">
@@ -17517,11 +16336,17 @@
         </p:nvGrpSpPr>
         <p:grpSpPr>
           <a:xfrm>
-            <a:off x="4859945" y="0"/>
+            <a:off x="4849554" y="0"/>
             <a:ext cx="3460089" cy="6858000"/>
             <a:chOff x="4859945" y="0"/>
             <a:chExt cx="3460089" cy="6858000"/>
           </a:xfrm>
+          <a:solidFill>
+            <a:schemeClr val="tx2">
+              <a:lumMod val="75000"/>
+              <a:lumOff val="25000"/>
+            </a:schemeClr>
+          </a:solidFill>
         </p:grpSpPr>
         <p:sp>
           <p:nvSpPr>
@@ -17545,12 +16370,7 @@
             <a:prstGeom prst="rect">
               <a:avLst/>
             </a:prstGeom>
-            <a:solidFill>
-              <a:schemeClr val="tx2">
-                <a:lumMod val="50000"/>
-                <a:lumOff val="50000"/>
-              </a:schemeClr>
-            </a:solidFill>
+            <a:grpFill/>
             <a:ln>
               <a:noFill/>
             </a:ln>
@@ -17599,12 +16419,7 @@
             <a:prstGeom prst="triangle">
               <a:avLst/>
             </a:prstGeom>
-            <a:solidFill>
-              <a:schemeClr val="tx2">
-                <a:lumMod val="50000"/>
-                <a:lumOff val="50000"/>
-              </a:schemeClr>
-            </a:solidFill>
+            <a:grpFill/>
             <a:ln>
               <a:noFill/>
             </a:ln>
@@ -17654,7 +16469,7 @@
             <a:prstGeom prst="rect">
               <a:avLst/>
             </a:prstGeom>
-            <a:noFill/>
+            <a:grpFill/>
           </p:spPr>
           <p:txBody>
             <a:bodyPr wrap="square" rtlCol="0">
@@ -17695,7 +16510,7 @@
             <a:prstGeom prst="rect">
               <a:avLst/>
             </a:prstGeom>
-            <a:noFill/>
+            <a:grpFill/>
           </p:spPr>
           <p:txBody>
             <a:bodyPr wrap="square" rtlCol="0">
@@ -18257,6 +17072,11 @@
             <a:chOff x="2437201" y="0"/>
             <a:chExt cx="3448632" cy="6858000"/>
           </a:xfrm>
+          <a:solidFill>
+            <a:schemeClr val="accent1">
+              <a:lumMod val="75000"/>
+            </a:schemeClr>
+          </a:solidFill>
         </p:grpSpPr>
         <p:sp>
           <p:nvSpPr>
@@ -18280,12 +17100,7 @@
             <a:prstGeom prst="rect">
               <a:avLst/>
             </a:prstGeom>
-            <a:solidFill>
-              <a:schemeClr val="tx2">
-                <a:lumMod val="75000"/>
-                <a:lumOff val="25000"/>
-              </a:schemeClr>
-            </a:solidFill>
+            <a:grpFill/>
             <a:ln>
               <a:noFill/>
             </a:ln>
@@ -18334,12 +17149,7 @@
             <a:prstGeom prst="triangle">
               <a:avLst/>
             </a:prstGeom>
-            <a:solidFill>
-              <a:schemeClr val="tx2">
-                <a:lumMod val="75000"/>
-                <a:lumOff val="25000"/>
-              </a:schemeClr>
-            </a:solidFill>
+            <a:grpFill/>
             <a:ln>
               <a:noFill/>
             </a:ln>
@@ -18389,7 +17199,7 @@
             <a:prstGeom prst="rect">
               <a:avLst/>
             </a:prstGeom>
-            <a:noFill/>
+            <a:grpFill/>
           </p:spPr>
           <p:txBody>
             <a:bodyPr wrap="square" rtlCol="0">
@@ -18430,7 +17240,7 @@
             <a:prstGeom prst="rect">
               <a:avLst/>
             </a:prstGeom>
-            <a:noFill/>
+            <a:grpFill/>
           </p:spPr>
           <p:txBody>
             <a:bodyPr wrap="square" rtlCol="0">
@@ -18471,7 +17281,7 @@
         </p:nvGrpSpPr>
         <p:grpSpPr>
           <a:xfrm>
-            <a:off x="3434805" y="-1409112"/>
+            <a:off x="3434805" y="-1809717"/>
             <a:ext cx="3450544" cy="952886"/>
             <a:chOff x="3700257" y="1201271"/>
             <a:chExt cx="3450544" cy="952886"/>
@@ -18899,7 +17709,1115 @@
 </p:sld>
 </file>
 
-<file path=ppt/slides/slide4.xml><?xml version="1.0" encoding="utf-8"?>
+<file path=ppt/slides/slide20.xml><?xml version="1.0" encoding="utf-8"?>
+<p:sld xmlns:a="http://schemas.openxmlformats.org/drawingml/2006/main" xmlns:r="http://schemas.openxmlformats.org/officeDocument/2006/relationships" xmlns:p="http://schemas.openxmlformats.org/presentationml/2006/main">
+  <p:cSld>
+    <p:spTree>
+      <p:nvGrpSpPr>
+        <p:cNvPr id="1" name="">
+          <a:extLst>
+            <a:ext uri="{FF2B5EF4-FFF2-40B4-BE49-F238E27FC236}">
+              <a16:creationId xmlns:a16="http://schemas.microsoft.com/office/drawing/2014/main" id="{1DF958C4-AF08-22C8-B337-21A24B9D903C}"/>
+            </a:ext>
+          </a:extLst>
+        </p:cNvPr>
+        <p:cNvGrpSpPr/>
+        <p:nvPr/>
+      </p:nvGrpSpPr>
+      <p:grpSpPr>
+        <a:xfrm>
+          <a:off x="0" y="0"/>
+          <a:ext cx="0" cy="0"/>
+          <a:chOff x="0" y="0"/>
+          <a:chExt cx="0" cy="0"/>
+        </a:xfrm>
+      </p:grpSpPr>
+      <p:grpSp>
+        <p:nvGrpSpPr>
+          <p:cNvPr id="10" name="Group 9">
+            <a:extLst>
+              <a:ext uri="{FF2B5EF4-FFF2-40B4-BE49-F238E27FC236}">
+                <a16:creationId xmlns:a16="http://schemas.microsoft.com/office/drawing/2014/main" id="{CE2477AA-B745-5ABD-803D-AA94FAAA9899}"/>
+              </a:ext>
+            </a:extLst>
+          </p:cNvPr>
+          <p:cNvGrpSpPr/>
+          <p:nvPr/>
+        </p:nvGrpSpPr>
+        <p:grpSpPr>
+          <a:xfrm>
+            <a:off x="-3881499" y="-694612"/>
+            <a:ext cx="3435407" cy="6858000"/>
+            <a:chOff x="9754800" y="0"/>
+            <a:chExt cx="3435407" cy="6858000"/>
+          </a:xfrm>
+          <a:solidFill>
+            <a:schemeClr val="accent1">
+              <a:lumMod val="60000"/>
+              <a:lumOff val="40000"/>
+            </a:schemeClr>
+          </a:solidFill>
+        </p:grpSpPr>
+        <p:sp>
+          <p:nvSpPr>
+            <p:cNvPr id="11" name="Rectangle 10">
+              <a:extLst>
+                <a:ext uri="{FF2B5EF4-FFF2-40B4-BE49-F238E27FC236}">
+                  <a16:creationId xmlns:a16="http://schemas.microsoft.com/office/drawing/2014/main" id="{8D7A4A68-96C6-622A-70AC-8E5F8EBBDC77}"/>
+                </a:ext>
+              </a:extLst>
+            </p:cNvPr>
+            <p:cNvSpPr>
+              <a:spLocks/>
+            </p:cNvSpPr>
+            <p:nvPr/>
+          </p:nvSpPr>
+          <p:spPr>
+            <a:xfrm>
+              <a:off x="9754800" y="0"/>
+              <a:ext cx="2437200" cy="6858000"/>
+            </a:xfrm>
+            <a:prstGeom prst="rect">
+              <a:avLst/>
+            </a:prstGeom>
+            <a:grpFill/>
+            <a:ln>
+              <a:noFill/>
+            </a:ln>
+          </p:spPr>
+          <p:style>
+            <a:lnRef idx="2">
+              <a:schemeClr val="accent1">
+                <a:shade val="15000"/>
+              </a:schemeClr>
+            </a:lnRef>
+            <a:fillRef idx="1">
+              <a:schemeClr val="accent1"/>
+            </a:fillRef>
+            <a:effectRef idx="0">
+              <a:schemeClr val="accent1"/>
+            </a:effectRef>
+            <a:fontRef idx="minor">
+              <a:schemeClr val="lt1"/>
+            </a:fontRef>
+          </p:style>
+          <p:txBody>
+            <a:bodyPr rtlCol="0" anchor="ctr"/>
+            <a:lstStyle/>
+            <a:p>
+              <a:endParaRPr lang="en-GB"/>
+            </a:p>
+          </p:txBody>
+        </p:sp>
+        <p:sp>
+          <p:nvSpPr>
+            <p:cNvPr id="12" name="Triangle 11">
+              <a:extLst>
+                <a:ext uri="{FF2B5EF4-FFF2-40B4-BE49-F238E27FC236}">
+                  <a16:creationId xmlns:a16="http://schemas.microsoft.com/office/drawing/2014/main" id="{68607FCC-251D-7AC4-7DED-9C3ACB9B0CA8}"/>
+                </a:ext>
+              </a:extLst>
+            </p:cNvPr>
+            <p:cNvSpPr/>
+            <p:nvPr/>
+          </p:nvSpPr>
+          <p:spPr>
+            <a:xfrm rot="5400000">
+              <a:off x="12072192" y="1108184"/>
+              <a:ext cx="1218600" cy="1017431"/>
+            </a:xfrm>
+            <a:prstGeom prst="triangle">
+              <a:avLst/>
+            </a:prstGeom>
+            <a:grpFill/>
+            <a:ln>
+              <a:noFill/>
+            </a:ln>
+          </p:spPr>
+          <p:style>
+            <a:lnRef idx="2">
+              <a:schemeClr val="accent1">
+                <a:shade val="15000"/>
+              </a:schemeClr>
+            </a:lnRef>
+            <a:fillRef idx="1">
+              <a:schemeClr val="accent1"/>
+            </a:fillRef>
+            <a:effectRef idx="0">
+              <a:schemeClr val="accent1"/>
+            </a:effectRef>
+            <a:fontRef idx="minor">
+              <a:schemeClr val="lt1"/>
+            </a:fontRef>
+          </p:style>
+          <p:txBody>
+            <a:bodyPr rtlCol="0" anchor="ctr"/>
+            <a:lstStyle/>
+            <a:p>
+              <a:pPr algn="ctr"/>
+              <a:endParaRPr lang="en-GB"/>
+            </a:p>
+          </p:txBody>
+        </p:sp>
+        <p:sp>
+          <p:nvSpPr>
+            <p:cNvPr id="13" name="TextBox 12">
+              <a:extLst>
+                <a:ext uri="{FF2B5EF4-FFF2-40B4-BE49-F238E27FC236}">
+                  <a16:creationId xmlns:a16="http://schemas.microsoft.com/office/drawing/2014/main" id="{6832276C-9440-D890-85E9-DE6FB75F3DD9}"/>
+                </a:ext>
+              </a:extLst>
+            </p:cNvPr>
+            <p:cNvSpPr txBox="1"/>
+            <p:nvPr/>
+          </p:nvSpPr>
+          <p:spPr>
+            <a:xfrm>
+              <a:off x="10742524" y="694611"/>
+              <a:ext cx="915265" cy="1862048"/>
+            </a:xfrm>
+            <a:prstGeom prst="rect">
+              <a:avLst/>
+            </a:prstGeom>
+            <a:grpFill/>
+          </p:spPr>
+          <p:txBody>
+            <a:bodyPr wrap="square" rtlCol="0">
+              <a:spAutoFit/>
+            </a:bodyPr>
+            <a:lstStyle/>
+            <a:p>
+              <a:r>
+                <a:rPr lang="en-GB" sz="11500" b="1" dirty="0">
+                  <a:solidFill>
+                    <a:schemeClr val="bg1"/>
+                  </a:solidFill>
+                  <a:latin typeface="Calibri" panose="020F0502020204030204" pitchFamily="34" charset="0"/>
+                  <a:cs typeface="Calibri" panose="020F0502020204030204" pitchFamily="34" charset="0"/>
+                </a:rPr>
+                <a:t>5</a:t>
+              </a:r>
+            </a:p>
+          </p:txBody>
+        </p:sp>
+        <p:sp>
+          <p:nvSpPr>
+            <p:cNvPr id="14" name="TextBox 13">
+              <a:extLst>
+                <a:ext uri="{FF2B5EF4-FFF2-40B4-BE49-F238E27FC236}">
+                  <a16:creationId xmlns:a16="http://schemas.microsoft.com/office/drawing/2014/main" id="{D49FEE53-FC67-E907-4D9A-D9B96E0D6F8F}"/>
+                </a:ext>
+              </a:extLst>
+            </p:cNvPr>
+            <p:cNvSpPr txBox="1"/>
+            <p:nvPr/>
+          </p:nvSpPr>
+          <p:spPr>
+            <a:xfrm>
+              <a:off x="9757798" y="2556659"/>
+              <a:ext cx="2434202" cy="2062103"/>
+            </a:xfrm>
+            <a:prstGeom prst="rect">
+              <a:avLst/>
+            </a:prstGeom>
+            <a:grpFill/>
+          </p:spPr>
+          <p:txBody>
+            <a:bodyPr wrap="square" rtlCol="0">
+              <a:spAutoFit/>
+            </a:bodyPr>
+            <a:lstStyle/>
+            <a:p>
+              <a:r>
+                <a:rPr lang="en-GB" sz="3200" b="0" i="0" u="none" strike="noStrike" dirty="0">
+                  <a:solidFill>
+                    <a:schemeClr val="bg1"/>
+                  </a:solidFill>
+                  <a:effectLst/>
+                  <a:latin typeface="-webkit-standard"/>
+                </a:rPr>
+                <a:t>Training, Adoption &amp; Continuous Improvement</a:t>
+              </a:r>
+              <a:endParaRPr lang="en-GB" sz="3200" dirty="0">
+                <a:solidFill>
+                  <a:schemeClr val="bg1"/>
+                </a:solidFill>
+              </a:endParaRPr>
+            </a:p>
+          </p:txBody>
+        </p:sp>
+      </p:grpSp>
+      <p:sp>
+        <p:nvSpPr>
+          <p:cNvPr id="15" name="Rectangle 14">
+            <a:extLst>
+              <a:ext uri="{FF2B5EF4-FFF2-40B4-BE49-F238E27FC236}">
+                <a16:creationId xmlns:a16="http://schemas.microsoft.com/office/drawing/2014/main" id="{8D769176-0205-412B-B3AA-8B55E3A9631B}"/>
+              </a:ext>
+            </a:extLst>
+          </p:cNvPr>
+          <p:cNvSpPr/>
+          <p:nvPr/>
+        </p:nvSpPr>
+        <p:spPr>
+          <a:xfrm>
+            <a:off x="4670579" y="-1171055"/>
+            <a:ext cx="2850841" cy="952886"/>
+          </a:xfrm>
+          <a:prstGeom prst="rect">
+            <a:avLst/>
+          </a:prstGeom>
+          <a:solidFill>
+            <a:schemeClr val="accent1">
+              <a:lumMod val="60000"/>
+              <a:lumOff val="40000"/>
+            </a:schemeClr>
+          </a:solidFill>
+          <a:ln>
+            <a:noFill/>
+          </a:ln>
+        </p:spPr>
+        <p:style>
+          <a:lnRef idx="2">
+            <a:schemeClr val="accent1">
+              <a:shade val="15000"/>
+            </a:schemeClr>
+          </a:lnRef>
+          <a:fillRef idx="1">
+            <a:schemeClr val="accent1"/>
+          </a:fillRef>
+          <a:effectRef idx="0">
+            <a:schemeClr val="accent1"/>
+          </a:effectRef>
+          <a:fontRef idx="minor">
+            <a:schemeClr val="lt1"/>
+          </a:fontRef>
+        </p:style>
+        <p:txBody>
+          <a:bodyPr rtlCol="0" anchor="ctr"/>
+          <a:lstStyle/>
+          <a:p>
+            <a:pPr algn="ctr"/>
+            <a:r>
+              <a:rPr lang="en-GB" sz="2400" b="1" i="0" u="none" strike="noStrike" dirty="0">
+                <a:solidFill>
+                  <a:schemeClr val="bg1"/>
+                </a:solidFill>
+                <a:effectLst/>
+                <a:latin typeface="-webkit-standard"/>
+              </a:rPr>
+              <a:t>Workshops and Training Sessions</a:t>
+            </a:r>
+            <a:endParaRPr lang="en-GB" sz="2400" b="1" dirty="0">
+              <a:solidFill>
+                <a:schemeClr val="bg1"/>
+              </a:solidFill>
+            </a:endParaRPr>
+          </a:p>
+        </p:txBody>
+      </p:sp>
+      <p:sp>
+        <p:nvSpPr>
+          <p:cNvPr id="16" name="Triangle 15">
+            <a:extLst>
+              <a:ext uri="{FF2B5EF4-FFF2-40B4-BE49-F238E27FC236}">
+                <a16:creationId xmlns:a16="http://schemas.microsoft.com/office/drawing/2014/main" id="{097B9E16-4E6D-020F-E58B-478D95F6A4E6}"/>
+              </a:ext>
+            </a:extLst>
+          </p:cNvPr>
+          <p:cNvSpPr/>
+          <p:nvPr/>
+        </p:nvSpPr>
+        <p:spPr>
+          <a:xfrm rot="10800000">
+            <a:off x="-47433" y="-958952"/>
+            <a:ext cx="586325" cy="558654"/>
+          </a:xfrm>
+          <a:prstGeom prst="triangle">
+            <a:avLst>
+              <a:gd name="adj" fmla="val 52723"/>
+            </a:avLst>
+          </a:prstGeom>
+          <a:solidFill>
+            <a:schemeClr val="accent1">
+              <a:lumMod val="60000"/>
+              <a:lumOff val="40000"/>
+            </a:schemeClr>
+          </a:solidFill>
+          <a:ln>
+            <a:noFill/>
+          </a:ln>
+        </p:spPr>
+        <p:style>
+          <a:lnRef idx="2">
+            <a:schemeClr val="accent1">
+              <a:shade val="15000"/>
+            </a:schemeClr>
+          </a:lnRef>
+          <a:fillRef idx="1">
+            <a:schemeClr val="accent1"/>
+          </a:fillRef>
+          <a:effectRef idx="0">
+            <a:schemeClr val="accent1"/>
+          </a:effectRef>
+          <a:fontRef idx="minor">
+            <a:schemeClr val="lt1"/>
+          </a:fontRef>
+        </p:style>
+        <p:txBody>
+          <a:bodyPr rtlCol="0" anchor="ctr"/>
+          <a:lstStyle/>
+          <a:p>
+            <a:pPr algn="ctr"/>
+            <a:endParaRPr lang="en-GB"/>
+          </a:p>
+        </p:txBody>
+      </p:sp>
+      <p:sp>
+        <p:nvSpPr>
+          <p:cNvPr id="18" name="Rounded Rectangle 17">
+            <a:extLst>
+              <a:ext uri="{FF2B5EF4-FFF2-40B4-BE49-F238E27FC236}">
+                <a16:creationId xmlns:a16="http://schemas.microsoft.com/office/drawing/2014/main" id="{C0396618-3C33-9D13-BDCE-78AC50AD6959}"/>
+              </a:ext>
+            </a:extLst>
+          </p:cNvPr>
+          <p:cNvSpPr/>
+          <p:nvPr/>
+        </p:nvSpPr>
+        <p:spPr>
+          <a:xfrm>
+            <a:off x="13438477" y="694611"/>
+            <a:ext cx="2958353" cy="3140347"/>
+          </a:xfrm>
+          <a:prstGeom prst="roundRect">
+            <a:avLst/>
+          </a:prstGeom>
+          <a:solidFill>
+            <a:schemeClr val="bg1"/>
+          </a:solidFill>
+          <a:ln w="76200">
+            <a:solidFill>
+              <a:schemeClr val="accent1">
+                <a:lumMod val="60000"/>
+                <a:lumOff val="40000"/>
+              </a:schemeClr>
+            </a:solidFill>
+          </a:ln>
+        </p:spPr>
+        <p:style>
+          <a:lnRef idx="2">
+            <a:schemeClr val="accent1">
+              <a:shade val="15000"/>
+            </a:schemeClr>
+          </a:lnRef>
+          <a:fillRef idx="1">
+            <a:schemeClr val="accent1"/>
+          </a:fillRef>
+          <a:effectRef idx="0">
+            <a:schemeClr val="accent1"/>
+          </a:effectRef>
+          <a:fontRef idx="minor">
+            <a:schemeClr val="lt1"/>
+          </a:fontRef>
+        </p:style>
+        <p:txBody>
+          <a:bodyPr rtlCol="0" anchor="ctr"/>
+          <a:lstStyle/>
+          <a:p>
+            <a:pPr algn="ctr"/>
+            <a:r>
+              <a:rPr lang="en-GB" sz="1550" b="0" i="0" u="none" strike="noStrike" dirty="0">
+                <a:solidFill>
+                  <a:srgbClr val="000000"/>
+                </a:solidFill>
+                <a:effectLst/>
+                <a:latin typeface="-webkit-standard"/>
+              </a:rPr>
+              <a:t>To ensure smooth adoption, practical workshops and hands-on sessions are conducted, led by technical specialists and experienced radiologists who have tested the system in pilot environments. These sessions provide clinicians with insights on interpreting confidence scores, understanding visual overlays, and offering corrective feedback.</a:t>
+            </a:r>
+            <a:endParaRPr lang="en-GB" sz="1550" dirty="0"/>
+          </a:p>
+        </p:txBody>
+      </p:sp>
+      <p:sp>
+        <p:nvSpPr>
+          <p:cNvPr id="4" name="Rectangle 3">
+            <a:extLst>
+              <a:ext uri="{FF2B5EF4-FFF2-40B4-BE49-F238E27FC236}">
+                <a16:creationId xmlns:a16="http://schemas.microsoft.com/office/drawing/2014/main" id="{89093ED0-774D-5F3E-0A51-8756E348B2C8}"/>
+              </a:ext>
+            </a:extLst>
+          </p:cNvPr>
+          <p:cNvSpPr/>
+          <p:nvPr/>
+        </p:nvSpPr>
+        <p:spPr>
+          <a:xfrm>
+            <a:off x="1151929" y="-1156068"/>
+            <a:ext cx="2850841" cy="952886"/>
+          </a:xfrm>
+          <a:prstGeom prst="rect">
+            <a:avLst/>
+          </a:prstGeom>
+          <a:solidFill>
+            <a:schemeClr val="accent1">
+              <a:lumMod val="60000"/>
+              <a:lumOff val="40000"/>
+            </a:schemeClr>
+          </a:solidFill>
+          <a:ln>
+            <a:noFill/>
+          </a:ln>
+        </p:spPr>
+        <p:style>
+          <a:lnRef idx="2">
+            <a:schemeClr val="accent1">
+              <a:shade val="15000"/>
+            </a:schemeClr>
+          </a:lnRef>
+          <a:fillRef idx="1">
+            <a:schemeClr val="accent1"/>
+          </a:fillRef>
+          <a:effectRef idx="0">
+            <a:schemeClr val="accent1"/>
+          </a:effectRef>
+          <a:fontRef idx="minor">
+            <a:schemeClr val="lt1"/>
+          </a:fontRef>
+        </p:style>
+        <p:txBody>
+          <a:bodyPr rtlCol="0" anchor="ctr"/>
+          <a:lstStyle/>
+          <a:p>
+            <a:pPr algn="ctr"/>
+            <a:r>
+              <a:rPr lang="en-GB" sz="2400" b="1" i="0" u="none" strike="noStrike" dirty="0">
+                <a:solidFill>
+                  <a:schemeClr val="bg1"/>
+                </a:solidFill>
+                <a:effectLst/>
+                <a:latin typeface="-webkit-standard"/>
+              </a:rPr>
+              <a:t>Ongoing Support and Communication</a:t>
+            </a:r>
+            <a:endParaRPr lang="en-GB" sz="2400" b="1" dirty="0">
+              <a:solidFill>
+                <a:schemeClr val="bg1"/>
+              </a:solidFill>
+            </a:endParaRPr>
+          </a:p>
+        </p:txBody>
+      </p:sp>
+      <p:sp>
+        <p:nvSpPr>
+          <p:cNvPr id="5" name="Triangle 4">
+            <a:extLst>
+              <a:ext uri="{FF2B5EF4-FFF2-40B4-BE49-F238E27FC236}">
+                <a16:creationId xmlns:a16="http://schemas.microsoft.com/office/drawing/2014/main" id="{3890828E-A13B-EBB2-4E07-53A48E2A4B86}"/>
+              </a:ext>
+            </a:extLst>
+          </p:cNvPr>
+          <p:cNvSpPr/>
+          <p:nvPr/>
+        </p:nvSpPr>
+        <p:spPr>
+          <a:xfrm rot="10800000">
+            <a:off x="11254818" y="-1253266"/>
+            <a:ext cx="586325" cy="558654"/>
+          </a:xfrm>
+          <a:prstGeom prst="triangle">
+            <a:avLst>
+              <a:gd name="adj" fmla="val 52723"/>
+            </a:avLst>
+          </a:prstGeom>
+          <a:solidFill>
+            <a:schemeClr val="accent1">
+              <a:lumMod val="60000"/>
+              <a:lumOff val="40000"/>
+            </a:schemeClr>
+          </a:solidFill>
+          <a:ln>
+            <a:noFill/>
+          </a:ln>
+        </p:spPr>
+        <p:style>
+          <a:lnRef idx="2">
+            <a:schemeClr val="accent1">
+              <a:shade val="15000"/>
+            </a:schemeClr>
+          </a:lnRef>
+          <a:fillRef idx="1">
+            <a:schemeClr val="accent1"/>
+          </a:fillRef>
+          <a:effectRef idx="0">
+            <a:schemeClr val="accent1"/>
+          </a:effectRef>
+          <a:fontRef idx="minor">
+            <a:schemeClr val="lt1"/>
+          </a:fontRef>
+        </p:style>
+        <p:txBody>
+          <a:bodyPr rtlCol="0" anchor="ctr"/>
+          <a:lstStyle/>
+          <a:p>
+            <a:pPr algn="ctr"/>
+            <a:endParaRPr lang="en-GB" dirty="0"/>
+          </a:p>
+        </p:txBody>
+      </p:sp>
+      <p:sp>
+        <p:nvSpPr>
+          <p:cNvPr id="7" name="Rounded Rectangle 6">
+            <a:extLst>
+              <a:ext uri="{FF2B5EF4-FFF2-40B4-BE49-F238E27FC236}">
+                <a16:creationId xmlns:a16="http://schemas.microsoft.com/office/drawing/2014/main" id="{999624EE-60BD-E39D-CCFE-6BC13DC83099}"/>
+              </a:ext>
+            </a:extLst>
+          </p:cNvPr>
+          <p:cNvSpPr/>
+          <p:nvPr/>
+        </p:nvSpPr>
+        <p:spPr>
+          <a:xfrm>
+            <a:off x="13438476" y="4593215"/>
+            <a:ext cx="2958353" cy="3140347"/>
+          </a:xfrm>
+          <a:prstGeom prst="roundRect">
+            <a:avLst/>
+          </a:prstGeom>
+          <a:solidFill>
+            <a:schemeClr val="bg1"/>
+          </a:solidFill>
+          <a:ln w="76200">
+            <a:solidFill>
+              <a:schemeClr val="accent1">
+                <a:lumMod val="60000"/>
+                <a:lumOff val="40000"/>
+              </a:schemeClr>
+            </a:solidFill>
+          </a:ln>
+        </p:spPr>
+        <p:style>
+          <a:lnRef idx="2">
+            <a:schemeClr val="accent1">
+              <a:shade val="15000"/>
+            </a:schemeClr>
+          </a:lnRef>
+          <a:fillRef idx="1">
+            <a:schemeClr val="accent1"/>
+          </a:fillRef>
+          <a:effectRef idx="0">
+            <a:schemeClr val="accent1"/>
+          </a:effectRef>
+          <a:fontRef idx="minor">
+            <a:schemeClr val="lt1"/>
+          </a:fontRef>
+        </p:style>
+        <p:txBody>
+          <a:bodyPr rtlCol="0" anchor="ctr"/>
+          <a:lstStyle/>
+          <a:p>
+            <a:pPr algn="ctr"/>
+            <a:r>
+              <a:rPr lang="en-GB" b="0" i="0" u="none" strike="noStrike" dirty="0">
+                <a:solidFill>
+                  <a:srgbClr val="000000"/>
+                </a:solidFill>
+                <a:effectLst/>
+                <a:latin typeface="-webkit-standard"/>
+              </a:rPr>
+              <a:t>A dedicated help desk and periodic system updates guarantee that clinicians remain well-supported. Regular communication ensures users understand that this technology complements, rather than replaces, their clinical judgment and expertise.</a:t>
+            </a:r>
+            <a:endParaRPr lang="en-GB" dirty="0">
+              <a:solidFill>
+                <a:schemeClr val="tx1"/>
+              </a:solidFill>
+            </a:endParaRPr>
+          </a:p>
+        </p:txBody>
+      </p:sp>
+      <p:sp>
+        <p:nvSpPr>
+          <p:cNvPr id="6" name="Rectangle 5">
+            <a:extLst>
+              <a:ext uri="{FF2B5EF4-FFF2-40B4-BE49-F238E27FC236}">
+                <a16:creationId xmlns:a16="http://schemas.microsoft.com/office/drawing/2014/main" id="{A80D8CCF-DBF8-F18E-1FFB-EBFB1A12EAAB}"/>
+              </a:ext>
+            </a:extLst>
+          </p:cNvPr>
+          <p:cNvSpPr/>
+          <p:nvPr/>
+        </p:nvSpPr>
+        <p:spPr>
+          <a:xfrm>
+            <a:off x="8109280" y="-1171055"/>
+            <a:ext cx="2850841" cy="952886"/>
+          </a:xfrm>
+          <a:prstGeom prst="rect">
+            <a:avLst/>
+          </a:prstGeom>
+          <a:solidFill>
+            <a:schemeClr val="accent1">
+              <a:lumMod val="60000"/>
+              <a:lumOff val="40000"/>
+            </a:schemeClr>
+          </a:solidFill>
+          <a:ln>
+            <a:noFill/>
+          </a:ln>
+        </p:spPr>
+        <p:style>
+          <a:lnRef idx="2">
+            <a:schemeClr val="accent1">
+              <a:shade val="15000"/>
+            </a:schemeClr>
+          </a:lnRef>
+          <a:fillRef idx="1">
+            <a:schemeClr val="accent1"/>
+          </a:fillRef>
+          <a:effectRef idx="0">
+            <a:schemeClr val="accent1"/>
+          </a:effectRef>
+          <a:fontRef idx="minor">
+            <a:schemeClr val="lt1"/>
+          </a:fontRef>
+        </p:style>
+        <p:txBody>
+          <a:bodyPr rtlCol="0" anchor="ctr"/>
+          <a:lstStyle/>
+          <a:p>
+            <a:pPr algn="ctr"/>
+            <a:r>
+              <a:rPr lang="en-GB" sz="2400" b="1" i="0" u="none" strike="noStrike" dirty="0">
+                <a:solidFill>
+                  <a:schemeClr val="bg1"/>
+                </a:solidFill>
+                <a:effectLst/>
+                <a:latin typeface="-webkit-standard"/>
+              </a:rPr>
+              <a:t>Feedback-Driven Evolution</a:t>
+            </a:r>
+            <a:endParaRPr lang="en-GB" sz="2400" b="1" dirty="0">
+              <a:solidFill>
+                <a:schemeClr val="bg1"/>
+              </a:solidFill>
+            </a:endParaRPr>
+          </a:p>
+        </p:txBody>
+      </p:sp>
+      <p:sp>
+        <p:nvSpPr>
+          <p:cNvPr id="8" name="Triangle 7">
+            <a:extLst>
+              <a:ext uri="{FF2B5EF4-FFF2-40B4-BE49-F238E27FC236}">
+                <a16:creationId xmlns:a16="http://schemas.microsoft.com/office/drawing/2014/main" id="{39919AF5-8A21-4063-E805-46B066B94081}"/>
+              </a:ext>
+            </a:extLst>
+          </p:cNvPr>
+          <p:cNvSpPr/>
+          <p:nvPr/>
+        </p:nvSpPr>
+        <p:spPr>
+          <a:xfrm rot="5400000">
+            <a:off x="5802836" y="-2814758"/>
+            <a:ext cx="586325" cy="558654"/>
+          </a:xfrm>
+          <a:prstGeom prst="triangle">
+            <a:avLst>
+              <a:gd name="adj" fmla="val 52723"/>
+            </a:avLst>
+          </a:prstGeom>
+          <a:solidFill>
+            <a:schemeClr val="accent1">
+              <a:lumMod val="60000"/>
+              <a:lumOff val="40000"/>
+            </a:schemeClr>
+          </a:solidFill>
+          <a:ln>
+            <a:noFill/>
+          </a:ln>
+        </p:spPr>
+        <p:style>
+          <a:lnRef idx="2">
+            <a:schemeClr val="accent1">
+              <a:shade val="15000"/>
+            </a:schemeClr>
+          </a:lnRef>
+          <a:fillRef idx="1">
+            <a:schemeClr val="accent1"/>
+          </a:fillRef>
+          <a:effectRef idx="0">
+            <a:schemeClr val="accent1"/>
+          </a:effectRef>
+          <a:fontRef idx="minor">
+            <a:schemeClr val="lt1"/>
+          </a:fontRef>
+        </p:style>
+        <p:txBody>
+          <a:bodyPr rtlCol="0" anchor="ctr"/>
+          <a:lstStyle/>
+          <a:p>
+            <a:pPr algn="ctr"/>
+            <a:endParaRPr lang="en-GB" dirty="0"/>
+          </a:p>
+        </p:txBody>
+      </p:sp>
+      <p:sp>
+        <p:nvSpPr>
+          <p:cNvPr id="9" name="Rounded Rectangle 8">
+            <a:extLst>
+              <a:ext uri="{FF2B5EF4-FFF2-40B4-BE49-F238E27FC236}">
+                <a16:creationId xmlns:a16="http://schemas.microsoft.com/office/drawing/2014/main" id="{477F9011-F619-FC79-ECBB-954442E2D85F}"/>
+              </a:ext>
+            </a:extLst>
+          </p:cNvPr>
+          <p:cNvSpPr/>
+          <p:nvPr/>
+        </p:nvSpPr>
+        <p:spPr>
+          <a:xfrm>
+            <a:off x="10236520" y="7733562"/>
+            <a:ext cx="3209246" cy="3140347"/>
+          </a:xfrm>
+          <a:prstGeom prst="roundRect">
+            <a:avLst/>
+          </a:prstGeom>
+          <a:solidFill>
+            <a:schemeClr val="bg1"/>
+          </a:solidFill>
+          <a:ln w="76200">
+            <a:solidFill>
+              <a:schemeClr val="accent1">
+                <a:lumMod val="60000"/>
+                <a:lumOff val="40000"/>
+              </a:schemeClr>
+            </a:solidFill>
+          </a:ln>
+        </p:spPr>
+        <p:style>
+          <a:lnRef idx="2">
+            <a:schemeClr val="accent1">
+              <a:shade val="15000"/>
+            </a:schemeClr>
+          </a:lnRef>
+          <a:fillRef idx="1">
+            <a:schemeClr val="accent1"/>
+          </a:fillRef>
+          <a:effectRef idx="0">
+            <a:schemeClr val="accent1"/>
+          </a:effectRef>
+          <a:fontRef idx="minor">
+            <a:schemeClr val="lt1"/>
+          </a:fontRef>
+        </p:style>
+        <p:txBody>
+          <a:bodyPr rtlCol="0" anchor="ctr"/>
+          <a:lstStyle/>
+          <a:p>
+            <a:pPr algn="l"/>
+            <a:r>
+              <a:rPr lang="en-GB" sz="1600" b="0" i="0" u="none" strike="noStrike" dirty="0">
+                <a:solidFill>
+                  <a:srgbClr val="000000"/>
+                </a:solidFill>
+                <a:effectLst/>
+                <a:latin typeface="-webkit-standard"/>
+              </a:rPr>
+              <a:t>Difficult or ambiguous cases, once flagged and corrected by radiologists, feed back into the model’s training data. Over time, this continuous refinement process improves the system’s accuracy, adaptability, and clinical value, resulting in an evolving, learning tool that keeps pace with real-world clinical demands.</a:t>
+            </a:r>
+            <a:endParaRPr lang="en-GB" sz="1650" b="0" i="0" u="none" strike="noStrike" dirty="0">
+              <a:solidFill>
+                <a:srgbClr val="000000"/>
+              </a:solidFill>
+              <a:effectLst/>
+            </a:endParaRPr>
+          </a:p>
+        </p:txBody>
+      </p:sp>
+      <p:sp>
+        <p:nvSpPr>
+          <p:cNvPr id="2" name="Title 1">
+            <a:extLst>
+              <a:ext uri="{FF2B5EF4-FFF2-40B4-BE49-F238E27FC236}">
+                <a16:creationId xmlns:a16="http://schemas.microsoft.com/office/drawing/2014/main" id="{1970C9AE-1BF0-EAE4-2754-CBA36DCC1198}"/>
+              </a:ext>
+            </a:extLst>
+          </p:cNvPr>
+          <p:cNvSpPr>
+            <a:spLocks noGrp="1"/>
+          </p:cNvSpPr>
+          <p:nvPr>
+            <p:ph type="title"/>
+          </p:nvPr>
+        </p:nvSpPr>
+        <p:spPr>
+          <a:xfrm>
+            <a:off x="4470400" y="2766218"/>
+            <a:ext cx="3251200" cy="1325563"/>
+          </a:xfrm>
+        </p:spPr>
+        <p:txBody>
+          <a:bodyPr/>
+          <a:lstStyle/>
+          <a:p>
+            <a:r>
+              <a:rPr lang="en-GB" b="1" dirty="0">
+                <a:solidFill>
+                  <a:srgbClr val="0070C0"/>
+                </a:solidFill>
+              </a:rPr>
+              <a:t>THANK YOU</a:t>
+            </a:r>
+          </a:p>
+        </p:txBody>
+      </p:sp>
+      <p:sp>
+        <p:nvSpPr>
+          <p:cNvPr id="17" name="Oval 16">
+            <a:extLst>
+              <a:ext uri="{FF2B5EF4-FFF2-40B4-BE49-F238E27FC236}">
+                <a16:creationId xmlns:a16="http://schemas.microsoft.com/office/drawing/2014/main" id="{8737F38E-5D88-FF31-AEF4-21C7EB6E94D9}"/>
+              </a:ext>
+            </a:extLst>
+          </p:cNvPr>
+          <p:cNvSpPr/>
+          <p:nvPr/>
+        </p:nvSpPr>
+        <p:spPr>
+          <a:xfrm>
+            <a:off x="-993784" y="-931613"/>
+            <a:ext cx="2717800" cy="2489200"/>
+          </a:xfrm>
+          <a:prstGeom prst="ellipse">
+            <a:avLst/>
+          </a:prstGeom>
+          <a:solidFill>
+            <a:schemeClr val="accent1">
+              <a:lumMod val="20000"/>
+              <a:lumOff val="80000"/>
+            </a:schemeClr>
+          </a:solidFill>
+          <a:ln>
+            <a:noFill/>
+          </a:ln>
+        </p:spPr>
+        <p:style>
+          <a:lnRef idx="2">
+            <a:schemeClr val="accent1">
+              <a:shade val="15000"/>
+            </a:schemeClr>
+          </a:lnRef>
+          <a:fillRef idx="1">
+            <a:schemeClr val="accent1"/>
+          </a:fillRef>
+          <a:effectRef idx="0">
+            <a:schemeClr val="accent1"/>
+          </a:effectRef>
+          <a:fontRef idx="minor">
+            <a:schemeClr val="lt1"/>
+          </a:fontRef>
+        </p:style>
+        <p:txBody>
+          <a:bodyPr rtlCol="0" anchor="ctr"/>
+          <a:lstStyle/>
+          <a:p>
+            <a:pPr algn="ctr"/>
+            <a:endParaRPr lang="en-GB" dirty="0"/>
+          </a:p>
+        </p:txBody>
+      </p:sp>
+      <p:sp>
+        <p:nvSpPr>
+          <p:cNvPr id="19" name="Oval 18">
+            <a:extLst>
+              <a:ext uri="{FF2B5EF4-FFF2-40B4-BE49-F238E27FC236}">
+                <a16:creationId xmlns:a16="http://schemas.microsoft.com/office/drawing/2014/main" id="{D157A728-8A5D-3472-0F6F-1A4ACEC4F031}"/>
+              </a:ext>
+            </a:extLst>
+          </p:cNvPr>
+          <p:cNvSpPr/>
+          <p:nvPr/>
+        </p:nvSpPr>
+        <p:spPr>
+          <a:xfrm>
+            <a:off x="10833100" y="-931613"/>
+            <a:ext cx="2717800" cy="2489200"/>
+          </a:xfrm>
+          <a:prstGeom prst="ellipse">
+            <a:avLst/>
+          </a:prstGeom>
+          <a:solidFill>
+            <a:schemeClr val="tx2">
+              <a:lumMod val="10000"/>
+              <a:lumOff val="90000"/>
+            </a:schemeClr>
+          </a:solidFill>
+          <a:ln>
+            <a:noFill/>
+          </a:ln>
+        </p:spPr>
+        <p:style>
+          <a:lnRef idx="2">
+            <a:schemeClr val="accent1">
+              <a:shade val="15000"/>
+            </a:schemeClr>
+          </a:lnRef>
+          <a:fillRef idx="1">
+            <a:schemeClr val="accent1"/>
+          </a:fillRef>
+          <a:effectRef idx="0">
+            <a:schemeClr val="accent1"/>
+          </a:effectRef>
+          <a:fontRef idx="minor">
+            <a:schemeClr val="lt1"/>
+          </a:fontRef>
+        </p:style>
+        <p:txBody>
+          <a:bodyPr rtlCol="0" anchor="ctr"/>
+          <a:lstStyle/>
+          <a:p>
+            <a:pPr algn="ctr"/>
+            <a:endParaRPr lang="en-GB"/>
+          </a:p>
+        </p:txBody>
+      </p:sp>
+      <p:sp>
+        <p:nvSpPr>
+          <p:cNvPr id="20" name="Rounded Rectangle 19">
+            <a:extLst>
+              <a:ext uri="{FF2B5EF4-FFF2-40B4-BE49-F238E27FC236}">
+                <a16:creationId xmlns:a16="http://schemas.microsoft.com/office/drawing/2014/main" id="{5FB19FBC-03CF-0729-7D7A-BBB9F80DDD45}"/>
+              </a:ext>
+            </a:extLst>
+          </p:cNvPr>
+          <p:cNvSpPr/>
+          <p:nvPr/>
+        </p:nvSpPr>
+        <p:spPr>
+          <a:xfrm>
+            <a:off x="-589562" y="4907278"/>
+            <a:ext cx="2794000" cy="2512219"/>
+          </a:xfrm>
+          <a:prstGeom prst="roundRect">
+            <a:avLst/>
+          </a:prstGeom>
+          <a:solidFill>
+            <a:schemeClr val="tx2">
+              <a:lumMod val="10000"/>
+              <a:lumOff val="90000"/>
+            </a:schemeClr>
+          </a:solidFill>
+          <a:ln>
+            <a:noFill/>
+          </a:ln>
+        </p:spPr>
+        <p:style>
+          <a:lnRef idx="2">
+            <a:schemeClr val="accent1">
+              <a:shade val="15000"/>
+            </a:schemeClr>
+          </a:lnRef>
+          <a:fillRef idx="1">
+            <a:schemeClr val="accent1"/>
+          </a:fillRef>
+          <a:effectRef idx="0">
+            <a:schemeClr val="accent1"/>
+          </a:effectRef>
+          <a:fontRef idx="minor">
+            <a:schemeClr val="lt1"/>
+          </a:fontRef>
+        </p:style>
+        <p:txBody>
+          <a:bodyPr rtlCol="0" anchor="ctr"/>
+          <a:lstStyle/>
+          <a:p>
+            <a:pPr algn="ctr"/>
+            <a:endParaRPr lang="en-GB"/>
+          </a:p>
+        </p:txBody>
+      </p:sp>
+      <p:sp>
+        <p:nvSpPr>
+          <p:cNvPr id="21" name="Rounded Rectangle 20">
+            <a:extLst>
+              <a:ext uri="{FF2B5EF4-FFF2-40B4-BE49-F238E27FC236}">
+                <a16:creationId xmlns:a16="http://schemas.microsoft.com/office/drawing/2014/main" id="{2695CDB0-52A4-3559-97F5-A89C453567E2}"/>
+              </a:ext>
+            </a:extLst>
+          </p:cNvPr>
+          <p:cNvSpPr/>
+          <p:nvPr/>
+        </p:nvSpPr>
+        <p:spPr>
+          <a:xfrm>
+            <a:off x="9857818" y="4907278"/>
+            <a:ext cx="2794000" cy="2512219"/>
+          </a:xfrm>
+          <a:prstGeom prst="roundRect">
+            <a:avLst/>
+          </a:prstGeom>
+          <a:solidFill>
+            <a:schemeClr val="accent1">
+              <a:lumMod val="20000"/>
+              <a:lumOff val="80000"/>
+            </a:schemeClr>
+          </a:solidFill>
+          <a:ln>
+            <a:noFill/>
+          </a:ln>
+        </p:spPr>
+        <p:style>
+          <a:lnRef idx="2">
+            <a:schemeClr val="accent1">
+              <a:shade val="15000"/>
+            </a:schemeClr>
+          </a:lnRef>
+          <a:fillRef idx="1">
+            <a:schemeClr val="accent1"/>
+          </a:fillRef>
+          <a:effectRef idx="0">
+            <a:schemeClr val="accent1"/>
+          </a:effectRef>
+          <a:fontRef idx="minor">
+            <a:schemeClr val="lt1"/>
+          </a:fontRef>
+        </p:style>
+        <p:txBody>
+          <a:bodyPr rtlCol="0" anchor="ctr"/>
+          <a:lstStyle/>
+          <a:p>
+            <a:pPr algn="ctr"/>
+            <a:endParaRPr lang="en-GB"/>
+          </a:p>
+        </p:txBody>
+      </p:sp>
+    </p:spTree>
+    <p:extLst>
+      <p:ext uri="{BB962C8B-B14F-4D97-AF65-F5344CB8AC3E}">
+        <p14:creationId xmlns:p14="http://schemas.microsoft.com/office/powerpoint/2010/main" val="4064611146"/>
+      </p:ext>
+    </p:extLst>
+  </p:cSld>
+  <p:clrMapOvr>
+    <a:masterClrMapping/>
+  </p:clrMapOvr>
+  <mc:AlternateContent xmlns:mc="http://schemas.openxmlformats.org/markup-compatibility/2006">
+    <mc:Choice xmlns:p159="http://schemas.microsoft.com/office/powerpoint/2015/09/main" Requires="p159">
+      <p:transition xmlns:p14="http://schemas.microsoft.com/office/powerpoint/2010/main" spd="slow" p14:dur="2000">
+        <p159:morph option="byObject"/>
+      </p:transition>
+    </mc:Choice>
+    <mc:Fallback>
+      <p:transition spd="slow">
+        <p:fade/>
+      </p:transition>
+    </mc:Fallback>
+  </mc:AlternateContent>
+</p:sld>
+</file>
+
+<file path=ppt/slides/slide3.xml><?xml version="1.0" encoding="utf-8"?>
 <p:sld xmlns:a="http://schemas.openxmlformats.org/drawingml/2006/main" xmlns:r="http://schemas.openxmlformats.org/officeDocument/2006/relationships" xmlns:p="http://schemas.openxmlformats.org/presentationml/2006/main">
   <p:cSld>
     <p:spTree>
@@ -19374,7 +19292,7 @@
         </p:nvGrpSpPr>
         <p:grpSpPr>
           <a:xfrm>
-            <a:off x="15704615" y="0"/>
+            <a:off x="15092824" y="-72043"/>
             <a:ext cx="3460089" cy="6858000"/>
             <a:chOff x="4859945" y="0"/>
             <a:chExt cx="3460089" cy="6858000"/>
@@ -19593,7 +19511,7 @@
         </p:nvGrpSpPr>
         <p:grpSpPr>
           <a:xfrm>
-            <a:off x="17582422" y="0"/>
+            <a:off x="14716635" y="-62520"/>
             <a:ext cx="3448632" cy="6858000"/>
             <a:chOff x="2437201" y="0"/>
             <a:chExt cx="3448632" cy="6858000"/>
@@ -20640,6 +20558,220 @@
           </a:p>
         </p:txBody>
       </p:sp>
+      <p:grpSp>
+        <p:nvGrpSpPr>
+          <p:cNvPr id="3" name="Group 2">
+            <a:extLst>
+              <a:ext uri="{FF2B5EF4-FFF2-40B4-BE49-F238E27FC236}">
+                <a16:creationId xmlns:a16="http://schemas.microsoft.com/office/drawing/2014/main" id="{9E70A330-8088-2E4C-3DC0-37CFF83244F9}"/>
+              </a:ext>
+            </a:extLst>
+          </p:cNvPr>
+          <p:cNvGrpSpPr/>
+          <p:nvPr/>
+        </p:nvGrpSpPr>
+        <p:grpSpPr>
+          <a:xfrm>
+            <a:off x="14631975" y="-72043"/>
+            <a:ext cx="3448632" cy="6858000"/>
+            <a:chOff x="2437201" y="0"/>
+            <a:chExt cx="3448632" cy="6858000"/>
+          </a:xfrm>
+          <a:solidFill>
+            <a:schemeClr val="accent1">
+              <a:lumMod val="75000"/>
+            </a:schemeClr>
+          </a:solidFill>
+        </p:grpSpPr>
+        <p:sp>
+          <p:nvSpPr>
+            <p:cNvPr id="8" name="Rectangle 7">
+              <a:extLst>
+                <a:ext uri="{FF2B5EF4-FFF2-40B4-BE49-F238E27FC236}">
+                  <a16:creationId xmlns:a16="http://schemas.microsoft.com/office/drawing/2014/main" id="{EC9BF60A-29C3-6589-CA6C-42D7061B0A70}"/>
+                </a:ext>
+              </a:extLst>
+            </p:cNvPr>
+            <p:cNvSpPr>
+              <a:spLocks/>
+            </p:cNvSpPr>
+            <p:nvPr/>
+          </p:nvSpPr>
+          <p:spPr>
+            <a:xfrm>
+              <a:off x="2437201" y="0"/>
+              <a:ext cx="2437200" cy="6858000"/>
+            </a:xfrm>
+            <a:prstGeom prst="rect">
+              <a:avLst/>
+            </a:prstGeom>
+            <a:grpFill/>
+            <a:ln>
+              <a:noFill/>
+            </a:ln>
+          </p:spPr>
+          <p:style>
+            <a:lnRef idx="2">
+              <a:schemeClr val="accent1">
+                <a:shade val="15000"/>
+              </a:schemeClr>
+            </a:lnRef>
+            <a:fillRef idx="1">
+              <a:schemeClr val="accent1"/>
+            </a:fillRef>
+            <a:effectRef idx="0">
+              <a:schemeClr val="accent1"/>
+            </a:effectRef>
+            <a:fontRef idx="minor">
+              <a:schemeClr val="lt1"/>
+            </a:fontRef>
+          </p:style>
+          <p:txBody>
+            <a:bodyPr rtlCol="0" anchor="ctr"/>
+            <a:lstStyle/>
+            <a:p>
+              <a:endParaRPr lang="en-GB" dirty="0"/>
+            </a:p>
+          </p:txBody>
+        </p:sp>
+        <p:sp>
+          <p:nvSpPr>
+            <p:cNvPr id="10" name="Triangle 9">
+              <a:extLst>
+                <a:ext uri="{FF2B5EF4-FFF2-40B4-BE49-F238E27FC236}">
+                  <a16:creationId xmlns:a16="http://schemas.microsoft.com/office/drawing/2014/main" id="{ED19E235-1B6E-69EA-D98A-8DAB8129F2F3}"/>
+                </a:ext>
+              </a:extLst>
+            </p:cNvPr>
+            <p:cNvSpPr/>
+            <p:nvPr/>
+          </p:nvSpPr>
+          <p:spPr>
+            <a:xfrm rot="5400000">
+              <a:off x="4767818" y="1111104"/>
+              <a:ext cx="1218600" cy="1017431"/>
+            </a:xfrm>
+            <a:prstGeom prst="triangle">
+              <a:avLst/>
+            </a:prstGeom>
+            <a:grpFill/>
+            <a:ln>
+              <a:noFill/>
+            </a:ln>
+          </p:spPr>
+          <p:style>
+            <a:lnRef idx="2">
+              <a:schemeClr val="accent1">
+                <a:shade val="15000"/>
+              </a:schemeClr>
+            </a:lnRef>
+            <a:fillRef idx="1">
+              <a:schemeClr val="accent1"/>
+            </a:fillRef>
+            <a:effectRef idx="0">
+              <a:schemeClr val="accent1"/>
+            </a:effectRef>
+            <a:fontRef idx="minor">
+              <a:schemeClr val="lt1"/>
+            </a:fontRef>
+          </p:style>
+          <p:txBody>
+            <a:bodyPr rtlCol="0" anchor="ctr"/>
+            <a:lstStyle/>
+            <a:p>
+              <a:pPr algn="ctr"/>
+              <a:endParaRPr lang="en-GB"/>
+            </a:p>
+          </p:txBody>
+        </p:sp>
+        <p:sp>
+          <p:nvSpPr>
+            <p:cNvPr id="11" name="TextBox 10">
+              <a:extLst>
+                <a:ext uri="{FF2B5EF4-FFF2-40B4-BE49-F238E27FC236}">
+                  <a16:creationId xmlns:a16="http://schemas.microsoft.com/office/drawing/2014/main" id="{740AD7EB-66BF-681C-B976-52B88123C00C}"/>
+                </a:ext>
+              </a:extLst>
+            </p:cNvPr>
+            <p:cNvSpPr txBox="1"/>
+            <p:nvPr/>
+          </p:nvSpPr>
+          <p:spPr>
+            <a:xfrm>
+              <a:off x="3496672" y="648285"/>
+              <a:ext cx="915265" cy="1862048"/>
+            </a:xfrm>
+            <a:prstGeom prst="rect">
+              <a:avLst/>
+            </a:prstGeom>
+            <a:grpFill/>
+          </p:spPr>
+          <p:txBody>
+            <a:bodyPr wrap="square" rtlCol="0">
+              <a:spAutoFit/>
+            </a:bodyPr>
+            <a:lstStyle/>
+            <a:p>
+              <a:r>
+                <a:rPr lang="en-GB" sz="11500" b="1" dirty="0">
+                  <a:solidFill>
+                    <a:schemeClr val="bg1"/>
+                  </a:solidFill>
+                  <a:latin typeface="Calibri" panose="020F0502020204030204" pitchFamily="34" charset="0"/>
+                  <a:cs typeface="Calibri" panose="020F0502020204030204" pitchFamily="34" charset="0"/>
+                </a:rPr>
+                <a:t>2</a:t>
+              </a:r>
+            </a:p>
+          </p:txBody>
+        </p:sp>
+        <p:sp>
+          <p:nvSpPr>
+            <p:cNvPr id="12" name="TextBox 11">
+              <a:extLst>
+                <a:ext uri="{FF2B5EF4-FFF2-40B4-BE49-F238E27FC236}">
+                  <a16:creationId xmlns:a16="http://schemas.microsoft.com/office/drawing/2014/main" id="{B7F29D7D-2684-977E-B977-6CA08B67F72F}"/>
+                </a:ext>
+              </a:extLst>
+            </p:cNvPr>
+            <p:cNvSpPr txBox="1"/>
+            <p:nvPr/>
+          </p:nvSpPr>
+          <p:spPr>
+            <a:xfrm>
+              <a:off x="2442660" y="2514602"/>
+              <a:ext cx="2450426" cy="2062103"/>
+            </a:xfrm>
+            <a:prstGeom prst="rect">
+              <a:avLst/>
+            </a:prstGeom>
+            <a:grpFill/>
+          </p:spPr>
+          <p:txBody>
+            <a:bodyPr wrap="square" rtlCol="0">
+              <a:spAutoFit/>
+            </a:bodyPr>
+            <a:lstStyle/>
+            <a:p>
+              <a:r>
+                <a:rPr lang="en-GB" sz="3200" b="0" i="0" u="none" strike="noStrike" dirty="0">
+                  <a:solidFill>
+                    <a:schemeClr val="bg1"/>
+                  </a:solidFill>
+                  <a:effectLst/>
+                  <a:latin typeface="-webkit-standard"/>
+                </a:rPr>
+                <a:t>Model Classification &amp; Radiologist Validation</a:t>
+              </a:r>
+              <a:endParaRPr lang="en-GB" sz="3200" dirty="0">
+                <a:solidFill>
+                  <a:schemeClr val="bg1"/>
+                </a:solidFill>
+              </a:endParaRPr>
+            </a:p>
+          </p:txBody>
+        </p:sp>
+      </p:grpSp>
     </p:spTree>
     <p:extLst>
       <p:ext uri="{BB962C8B-B14F-4D97-AF65-F5344CB8AC3E}">
@@ -20665,7 +20797,7 @@
 </p:sld>
 </file>
 
-<file path=ppt/slides/slide5.xml><?xml version="1.0" encoding="utf-8"?>
+<file path=ppt/slides/slide4.xml><?xml version="1.0" encoding="utf-8"?>
 <p:sld xmlns:a="http://schemas.openxmlformats.org/drawingml/2006/main" xmlns:r="http://schemas.openxmlformats.org/officeDocument/2006/relationships" xmlns:p="http://schemas.openxmlformats.org/presentationml/2006/main">
   <p:cSld>
     <p:spTree>
@@ -22623,7 +22755,7 @@
 </p:sld>
 </file>
 
-<file path=ppt/slides/slide6.xml><?xml version="1.0" encoding="utf-8"?>
+<file path=ppt/slides/slide5.xml><?xml version="1.0" encoding="utf-8"?>
 <p:sld xmlns:a="http://schemas.openxmlformats.org/drawingml/2006/main" xmlns:r="http://schemas.openxmlformats.org/officeDocument/2006/relationships" xmlns:p="http://schemas.openxmlformats.org/presentationml/2006/main">
   <p:cSld>
     <p:spTree>
@@ -24707,7 +24839,7 @@
 </p:sld>
 </file>
 
-<file path=ppt/slides/slide7.xml><?xml version="1.0" encoding="utf-8"?>
+<file path=ppt/slides/slide6.xml><?xml version="1.0" encoding="utf-8"?>
 <p:sld xmlns:a="http://schemas.openxmlformats.org/drawingml/2006/main" xmlns:r="http://schemas.openxmlformats.org/officeDocument/2006/relationships" xmlns:p="http://schemas.openxmlformats.org/presentationml/2006/main">
   <p:cSld>
     <p:spTree>
@@ -27043,7 +27175,7 @@
 </p:sld>
 </file>
 
-<file path=ppt/slides/slide8.xml><?xml version="1.0" encoding="utf-8"?>
+<file path=ppt/slides/slide7.xml><?xml version="1.0" encoding="utf-8"?>
 <p:sld xmlns:a="http://schemas.openxmlformats.org/drawingml/2006/main" xmlns:r="http://schemas.openxmlformats.org/officeDocument/2006/relationships" xmlns:p="http://schemas.openxmlformats.org/presentationml/2006/main">
   <p:cSld>
     <p:spTree>
@@ -29352,6 +29484,11 @@
             <a:chOff x="2437201" y="0"/>
             <a:chExt cx="3448632" cy="6858000"/>
           </a:xfrm>
+          <a:solidFill>
+            <a:schemeClr val="accent1">
+              <a:lumMod val="75000"/>
+            </a:schemeClr>
+          </a:solidFill>
         </p:grpSpPr>
         <p:sp>
           <p:nvSpPr>
@@ -29375,12 +29512,7 @@
             <a:prstGeom prst="rect">
               <a:avLst/>
             </a:prstGeom>
-            <a:solidFill>
-              <a:schemeClr val="tx2">
-                <a:lumMod val="75000"/>
-                <a:lumOff val="25000"/>
-              </a:schemeClr>
-            </a:solidFill>
+            <a:grpFill/>
             <a:ln>
               <a:noFill/>
             </a:ln>
@@ -29429,12 +29561,7 @@
             <a:prstGeom prst="triangle">
               <a:avLst/>
             </a:prstGeom>
-            <a:solidFill>
-              <a:schemeClr val="tx2">
-                <a:lumMod val="75000"/>
-                <a:lumOff val="25000"/>
-              </a:schemeClr>
-            </a:solidFill>
+            <a:grpFill/>
             <a:ln>
               <a:noFill/>
             </a:ln>
@@ -29484,7 +29611,7 @@
             <a:prstGeom prst="rect">
               <a:avLst/>
             </a:prstGeom>
-            <a:noFill/>
+            <a:grpFill/>
           </p:spPr>
           <p:txBody>
             <a:bodyPr wrap="square" rtlCol="0">
@@ -29525,7 +29652,7 @@
             <a:prstGeom prst="rect">
               <a:avLst/>
             </a:prstGeom>
-            <a:noFill/>
+            <a:grpFill/>
           </p:spPr>
           <p:txBody>
             <a:bodyPr wrap="square" rtlCol="0">
@@ -29572,9 +29699,8 @@
             <a:chExt cx="3450544" cy="952886"/>
           </a:xfrm>
           <a:solidFill>
-            <a:schemeClr val="tx2">
+            <a:schemeClr val="accent1">
               <a:lumMod val="75000"/>
-              <a:lumOff val="25000"/>
             </a:schemeClr>
           </a:solidFill>
         </p:grpSpPr>
@@ -29749,7 +29875,7 @@
         </p:nvSpPr>
         <p:spPr>
           <a:xfrm>
-            <a:off x="11884659" y="-3284774"/>
+            <a:off x="12443069" y="-2887637"/>
             <a:ext cx="2958353" cy="3140347"/>
           </a:xfrm>
           <a:prstGeom prst="roundRect">
@@ -29760,9 +29886,8 @@
           </a:solidFill>
           <a:ln w="76200">
             <a:solidFill>
-              <a:schemeClr val="tx2">
+              <a:schemeClr val="accent1">
                 <a:lumMod val="75000"/>
-                <a:lumOff val="25000"/>
               </a:schemeClr>
             </a:solidFill>
           </a:ln>
@@ -29827,7 +29952,7 @@
 </p:sld>
 </file>
 
-<file path=ppt/slides/slide9.xml><?xml version="1.0" encoding="utf-8"?>
+<file path=ppt/slides/slide8.xml><?xml version="1.0" encoding="utf-8"?>
 <p:sld xmlns:a="http://schemas.openxmlformats.org/drawingml/2006/main" xmlns:r="http://schemas.openxmlformats.org/officeDocument/2006/relationships" xmlns:p="http://schemas.openxmlformats.org/presentationml/2006/main">
   <p:cSld>
     <p:spTree>
@@ -29910,6 +30035,11 @@
             <a:chOff x="2437201" y="0"/>
             <a:chExt cx="3448632" cy="6858000"/>
           </a:xfrm>
+          <a:solidFill>
+            <a:schemeClr val="accent1">
+              <a:lumMod val="75000"/>
+            </a:schemeClr>
+          </a:solidFill>
         </p:grpSpPr>
         <p:sp>
           <p:nvSpPr>
@@ -29933,12 +30063,7 @@
             <a:prstGeom prst="rect">
               <a:avLst/>
             </a:prstGeom>
-            <a:solidFill>
-              <a:schemeClr val="tx2">
-                <a:lumMod val="75000"/>
-                <a:lumOff val="25000"/>
-              </a:schemeClr>
-            </a:solidFill>
+            <a:grpFill/>
             <a:ln>
               <a:noFill/>
             </a:ln>
@@ -29987,12 +30112,7 @@
             <a:prstGeom prst="triangle">
               <a:avLst/>
             </a:prstGeom>
-            <a:solidFill>
-              <a:schemeClr val="tx2">
-                <a:lumMod val="75000"/>
-                <a:lumOff val="25000"/>
-              </a:schemeClr>
-            </a:solidFill>
+            <a:grpFill/>
             <a:ln>
               <a:noFill/>
             </a:ln>
@@ -30042,7 +30162,7 @@
             <a:prstGeom prst="rect">
               <a:avLst/>
             </a:prstGeom>
-            <a:noFill/>
+            <a:grpFill/>
           </p:spPr>
           <p:txBody>
             <a:bodyPr wrap="square" rtlCol="0">
@@ -30083,7 +30203,7 @@
             <a:prstGeom prst="rect">
               <a:avLst/>
             </a:prstGeom>
-            <a:noFill/>
+            <a:grpFill/>
           </p:spPr>
           <p:txBody>
             <a:bodyPr wrap="square" rtlCol="0">
@@ -30130,9 +30250,8 @@
             <a:chExt cx="3450544" cy="952886"/>
           </a:xfrm>
           <a:solidFill>
-            <a:schemeClr val="tx2">
+            <a:schemeClr val="accent1">
               <a:lumMod val="75000"/>
-              <a:lumOff val="25000"/>
             </a:schemeClr>
           </a:solidFill>
         </p:grpSpPr>
@@ -30278,9 +30397,8 @@
           </a:solidFill>
           <a:ln w="76200">
             <a:solidFill>
-              <a:schemeClr val="tx2">
+              <a:schemeClr val="accent1">
                 <a:lumMod val="75000"/>
-                <a:lumOff val="25000"/>
               </a:schemeClr>
             </a:solidFill>
           </a:ln>
@@ -30339,6 +30457,11 @@
             <a:chOff x="3700255" y="2775234"/>
             <a:chExt cx="3450392" cy="952886"/>
           </a:xfrm>
+          <a:solidFill>
+            <a:schemeClr val="accent1">
+              <a:lumMod val="75000"/>
+            </a:schemeClr>
+          </a:solidFill>
         </p:grpSpPr>
         <p:sp>
           <p:nvSpPr>
@@ -30360,12 +30483,7 @@
             <a:prstGeom prst="rect">
               <a:avLst/>
             </a:prstGeom>
-            <a:solidFill>
-              <a:schemeClr val="tx2">
-                <a:lumMod val="75000"/>
-                <a:lumOff val="25000"/>
-              </a:schemeClr>
-            </a:solidFill>
+            <a:grpFill/>
             <a:ln>
               <a:noFill/>
             </a:ln>
@@ -30431,12 +30549,7 @@
                 <a:gd name="adj" fmla="val 52723"/>
               </a:avLst>
             </a:prstGeom>
-            <a:solidFill>
-              <a:schemeClr val="tx2">
-                <a:lumMod val="75000"/>
-                <a:lumOff val="25000"/>
-              </a:schemeClr>
-            </a:solidFill>
+            <a:grpFill/>
             <a:ln>
               <a:noFill/>
             </a:ln>
@@ -30538,6 +30651,1136 @@
     <p:extLst>
       <p:ext uri="{BB962C8B-B14F-4D97-AF65-F5344CB8AC3E}">
         <p14:creationId xmlns:p14="http://schemas.microsoft.com/office/powerpoint/2010/main" val="2822419937"/>
+      </p:ext>
+    </p:extLst>
+  </p:cSld>
+  <p:clrMapOvr>
+    <a:masterClrMapping/>
+  </p:clrMapOvr>
+  <mc:AlternateContent xmlns:mc="http://schemas.openxmlformats.org/markup-compatibility/2006" xmlns:p159="http://schemas.microsoft.com/office/powerpoint/2015/09/main">
+    <mc:Choice Requires="p159">
+      <p:transition xmlns:p14="http://schemas.microsoft.com/office/powerpoint/2010/main" spd="slow" p14:dur="2000">
+        <p159:morph option="byObject"/>
+      </p:transition>
+    </mc:Choice>
+    <mc:Fallback xmlns="">
+      <p:transition spd="slow">
+        <p:fade/>
+      </p:transition>
+    </mc:Fallback>
+  </mc:AlternateContent>
+</p:sld>
+</file>
+
+<file path=ppt/slides/slide9.xml><?xml version="1.0" encoding="utf-8"?>
+<p:sld xmlns:a="http://schemas.openxmlformats.org/drawingml/2006/main" xmlns:r="http://schemas.openxmlformats.org/officeDocument/2006/relationships" xmlns:p="http://schemas.openxmlformats.org/presentationml/2006/main">
+  <p:cSld>
+    <p:spTree>
+      <p:nvGrpSpPr>
+        <p:cNvPr id="1" name="">
+          <a:extLst>
+            <a:ext uri="{FF2B5EF4-FFF2-40B4-BE49-F238E27FC236}">
+              <a16:creationId xmlns:a16="http://schemas.microsoft.com/office/drawing/2014/main" id="{4FAC6CF5-EB1D-BF5B-CCFE-95078980EF45}"/>
+            </a:ext>
+          </a:extLst>
+        </p:cNvPr>
+        <p:cNvGrpSpPr/>
+        <p:nvPr/>
+      </p:nvGrpSpPr>
+      <p:grpSpPr>
+        <a:xfrm>
+          <a:off x="0" y="0"/>
+          <a:ext cx="0" cy="0"/>
+          <a:chOff x="0" y="0"/>
+          <a:chExt cx="0" cy="0"/>
+        </a:xfrm>
+      </p:grpSpPr>
+      <p:sp>
+        <p:nvSpPr>
+          <p:cNvPr id="27" name="TextBox 26">
+            <a:extLst>
+              <a:ext uri="{FF2B5EF4-FFF2-40B4-BE49-F238E27FC236}">
+                <a16:creationId xmlns:a16="http://schemas.microsoft.com/office/drawing/2014/main" id="{C98FAFE0-DDA1-B80A-E7EC-0DD528DAB6D3}"/>
+              </a:ext>
+            </a:extLst>
+          </p:cNvPr>
+          <p:cNvSpPr txBox="1"/>
+          <p:nvPr/>
+        </p:nvSpPr>
+        <p:spPr>
+          <a:xfrm>
+            <a:off x="656713" y="648285"/>
+            <a:ext cx="915265" cy="1862048"/>
+          </a:xfrm>
+          <a:prstGeom prst="rect">
+            <a:avLst/>
+          </a:prstGeom>
+          <a:noFill/>
+        </p:spPr>
+        <p:txBody>
+          <a:bodyPr wrap="square" rtlCol="0">
+            <a:spAutoFit/>
+          </a:bodyPr>
+          <a:lstStyle/>
+          <a:p>
+            <a:r>
+              <a:rPr lang="en-GB" sz="11500" b="1" dirty="0">
+                <a:solidFill>
+                  <a:schemeClr val="bg1"/>
+                </a:solidFill>
+                <a:latin typeface="Calibri" panose="020F0502020204030204" pitchFamily="34" charset="0"/>
+                <a:cs typeface="Calibri" panose="020F0502020204030204" pitchFamily="34" charset="0"/>
+              </a:rPr>
+              <a:t>1</a:t>
+            </a:r>
+          </a:p>
+        </p:txBody>
+      </p:sp>
+      <p:grpSp>
+        <p:nvGrpSpPr>
+          <p:cNvPr id="49" name="Group 48">
+            <a:extLst>
+              <a:ext uri="{FF2B5EF4-FFF2-40B4-BE49-F238E27FC236}">
+                <a16:creationId xmlns:a16="http://schemas.microsoft.com/office/drawing/2014/main" id="{94D24ECA-3536-C9D3-8C93-371CEF6160CB}"/>
+              </a:ext>
+            </a:extLst>
+          </p:cNvPr>
+          <p:cNvGrpSpPr/>
+          <p:nvPr/>
+        </p:nvGrpSpPr>
+        <p:grpSpPr>
+          <a:xfrm>
+            <a:off x="0" y="0"/>
+            <a:ext cx="3448632" cy="6858000"/>
+            <a:chOff x="2437201" y="0"/>
+            <a:chExt cx="3448632" cy="6858000"/>
+          </a:xfrm>
+          <a:solidFill>
+            <a:schemeClr val="accent1">
+              <a:lumMod val="75000"/>
+            </a:schemeClr>
+          </a:solidFill>
+        </p:grpSpPr>
+        <p:sp>
+          <p:nvSpPr>
+            <p:cNvPr id="50" name="Rectangle 49">
+              <a:extLst>
+                <a:ext uri="{FF2B5EF4-FFF2-40B4-BE49-F238E27FC236}">
+                  <a16:creationId xmlns:a16="http://schemas.microsoft.com/office/drawing/2014/main" id="{6A66350E-CC2F-F835-7E32-783445F86A0D}"/>
+                </a:ext>
+              </a:extLst>
+            </p:cNvPr>
+            <p:cNvSpPr>
+              <a:spLocks/>
+            </p:cNvSpPr>
+            <p:nvPr/>
+          </p:nvSpPr>
+          <p:spPr>
+            <a:xfrm>
+              <a:off x="2437201" y="0"/>
+              <a:ext cx="2437200" cy="6858000"/>
+            </a:xfrm>
+            <a:prstGeom prst="rect">
+              <a:avLst/>
+            </a:prstGeom>
+            <a:grpFill/>
+            <a:ln>
+              <a:noFill/>
+            </a:ln>
+          </p:spPr>
+          <p:style>
+            <a:lnRef idx="2">
+              <a:schemeClr val="accent1">
+                <a:shade val="15000"/>
+              </a:schemeClr>
+            </a:lnRef>
+            <a:fillRef idx="1">
+              <a:schemeClr val="accent1"/>
+            </a:fillRef>
+            <a:effectRef idx="0">
+              <a:schemeClr val="accent1"/>
+            </a:effectRef>
+            <a:fontRef idx="minor">
+              <a:schemeClr val="lt1"/>
+            </a:fontRef>
+          </p:style>
+          <p:txBody>
+            <a:bodyPr rtlCol="0" anchor="ctr"/>
+            <a:lstStyle/>
+            <a:p>
+              <a:endParaRPr lang="en-GB" dirty="0"/>
+            </a:p>
+          </p:txBody>
+        </p:sp>
+        <p:sp>
+          <p:nvSpPr>
+            <p:cNvPr id="51" name="Triangle 50">
+              <a:extLst>
+                <a:ext uri="{FF2B5EF4-FFF2-40B4-BE49-F238E27FC236}">
+                  <a16:creationId xmlns:a16="http://schemas.microsoft.com/office/drawing/2014/main" id="{BFA685EA-520E-9C8D-D290-9A6AE1EC05B1}"/>
+                </a:ext>
+              </a:extLst>
+            </p:cNvPr>
+            <p:cNvSpPr/>
+            <p:nvPr/>
+          </p:nvSpPr>
+          <p:spPr>
+            <a:xfrm rot="5400000">
+              <a:off x="4767818" y="1111104"/>
+              <a:ext cx="1218600" cy="1017431"/>
+            </a:xfrm>
+            <a:prstGeom prst="triangle">
+              <a:avLst/>
+            </a:prstGeom>
+            <a:grpFill/>
+            <a:ln>
+              <a:noFill/>
+            </a:ln>
+          </p:spPr>
+          <p:style>
+            <a:lnRef idx="2">
+              <a:schemeClr val="accent1">
+                <a:shade val="15000"/>
+              </a:schemeClr>
+            </a:lnRef>
+            <a:fillRef idx="1">
+              <a:schemeClr val="accent1"/>
+            </a:fillRef>
+            <a:effectRef idx="0">
+              <a:schemeClr val="accent1"/>
+            </a:effectRef>
+            <a:fontRef idx="minor">
+              <a:schemeClr val="lt1"/>
+            </a:fontRef>
+          </p:style>
+          <p:txBody>
+            <a:bodyPr rtlCol="0" anchor="ctr"/>
+            <a:lstStyle/>
+            <a:p>
+              <a:pPr algn="ctr"/>
+              <a:endParaRPr lang="en-GB"/>
+            </a:p>
+          </p:txBody>
+        </p:sp>
+        <p:sp>
+          <p:nvSpPr>
+            <p:cNvPr id="52" name="TextBox 51">
+              <a:extLst>
+                <a:ext uri="{FF2B5EF4-FFF2-40B4-BE49-F238E27FC236}">
+                  <a16:creationId xmlns:a16="http://schemas.microsoft.com/office/drawing/2014/main" id="{B841FE35-BE1D-D818-C0A7-F44079EE6D4D}"/>
+                </a:ext>
+              </a:extLst>
+            </p:cNvPr>
+            <p:cNvSpPr txBox="1"/>
+            <p:nvPr/>
+          </p:nvSpPr>
+          <p:spPr>
+            <a:xfrm>
+              <a:off x="3496672" y="648285"/>
+              <a:ext cx="915265" cy="1862048"/>
+            </a:xfrm>
+            <a:prstGeom prst="rect">
+              <a:avLst/>
+            </a:prstGeom>
+            <a:grpFill/>
+          </p:spPr>
+          <p:txBody>
+            <a:bodyPr wrap="square" rtlCol="0">
+              <a:spAutoFit/>
+            </a:bodyPr>
+            <a:lstStyle/>
+            <a:p>
+              <a:r>
+                <a:rPr lang="en-GB" sz="11500" b="1" dirty="0">
+                  <a:solidFill>
+                    <a:schemeClr val="bg1"/>
+                  </a:solidFill>
+                  <a:latin typeface="Calibri" panose="020F0502020204030204" pitchFamily="34" charset="0"/>
+                  <a:cs typeface="Calibri" panose="020F0502020204030204" pitchFamily="34" charset="0"/>
+                </a:rPr>
+                <a:t>2</a:t>
+              </a:r>
+            </a:p>
+          </p:txBody>
+        </p:sp>
+        <p:sp>
+          <p:nvSpPr>
+            <p:cNvPr id="53" name="TextBox 52">
+              <a:extLst>
+                <a:ext uri="{FF2B5EF4-FFF2-40B4-BE49-F238E27FC236}">
+                  <a16:creationId xmlns:a16="http://schemas.microsoft.com/office/drawing/2014/main" id="{DF1317EB-2586-1F7F-CF5A-99A009021650}"/>
+                </a:ext>
+              </a:extLst>
+            </p:cNvPr>
+            <p:cNvSpPr txBox="1"/>
+            <p:nvPr/>
+          </p:nvSpPr>
+          <p:spPr>
+            <a:xfrm>
+              <a:off x="2442660" y="2514602"/>
+              <a:ext cx="2450426" cy="2062103"/>
+            </a:xfrm>
+            <a:prstGeom prst="rect">
+              <a:avLst/>
+            </a:prstGeom>
+            <a:grpFill/>
+          </p:spPr>
+          <p:txBody>
+            <a:bodyPr wrap="square" rtlCol="0">
+              <a:spAutoFit/>
+            </a:bodyPr>
+            <a:lstStyle/>
+            <a:p>
+              <a:r>
+                <a:rPr lang="en-GB" sz="3200" b="0" i="0" u="none" strike="noStrike" dirty="0">
+                  <a:solidFill>
+                    <a:schemeClr val="bg1"/>
+                  </a:solidFill>
+                  <a:effectLst/>
+                  <a:latin typeface="-webkit-standard"/>
+                </a:rPr>
+                <a:t>Model Classification &amp; Radiologist Validation</a:t>
+              </a:r>
+              <a:endParaRPr lang="en-GB" sz="3200" dirty="0">
+                <a:solidFill>
+                  <a:schemeClr val="bg1"/>
+                </a:solidFill>
+              </a:endParaRPr>
+            </a:p>
+          </p:txBody>
+        </p:sp>
+      </p:grpSp>
+      <p:sp>
+        <p:nvSpPr>
+          <p:cNvPr id="54" name="Rectangle 53">
+            <a:extLst>
+              <a:ext uri="{FF2B5EF4-FFF2-40B4-BE49-F238E27FC236}">
+                <a16:creationId xmlns:a16="http://schemas.microsoft.com/office/drawing/2014/main" id="{FE57E1AC-7C8E-2D78-2D4A-4CD46A52AD1B}"/>
+              </a:ext>
+            </a:extLst>
+          </p:cNvPr>
+          <p:cNvSpPr/>
+          <p:nvPr/>
+        </p:nvSpPr>
+        <p:spPr>
+          <a:xfrm>
+            <a:off x="3700257" y="1201271"/>
+            <a:ext cx="2850841" cy="952886"/>
+          </a:xfrm>
+          <a:prstGeom prst="rect">
+            <a:avLst/>
+          </a:prstGeom>
+          <a:solidFill>
+            <a:schemeClr val="accent1">
+              <a:lumMod val="75000"/>
+            </a:schemeClr>
+          </a:solidFill>
+          <a:ln>
+            <a:noFill/>
+          </a:ln>
+        </p:spPr>
+        <p:style>
+          <a:lnRef idx="2">
+            <a:schemeClr val="accent1">
+              <a:shade val="15000"/>
+            </a:schemeClr>
+          </a:lnRef>
+          <a:fillRef idx="1">
+            <a:schemeClr val="accent1"/>
+          </a:fillRef>
+          <a:effectRef idx="0">
+            <a:schemeClr val="accent1"/>
+          </a:effectRef>
+          <a:fontRef idx="minor">
+            <a:schemeClr val="lt1"/>
+          </a:fontRef>
+        </p:style>
+        <p:txBody>
+          <a:bodyPr rtlCol="0" anchor="ctr"/>
+          <a:lstStyle/>
+          <a:p>
+            <a:pPr algn="ctr"/>
+            <a:r>
+              <a:rPr lang="en-GB" sz="2400" b="1" i="0" u="none" strike="noStrike" dirty="0">
+                <a:solidFill>
+                  <a:schemeClr val="bg1"/>
+                </a:solidFill>
+                <a:effectLst/>
+                <a:latin typeface="-webkit-standard"/>
+              </a:rPr>
+              <a:t>Automated Classification</a:t>
+            </a:r>
+            <a:endParaRPr lang="en-GB" sz="2400" b="1" dirty="0">
+              <a:solidFill>
+                <a:schemeClr val="bg1"/>
+              </a:solidFill>
+            </a:endParaRPr>
+          </a:p>
+        </p:txBody>
+      </p:sp>
+      <p:sp>
+        <p:nvSpPr>
+          <p:cNvPr id="55" name="Triangle 54">
+            <a:extLst>
+              <a:ext uri="{FF2B5EF4-FFF2-40B4-BE49-F238E27FC236}">
+                <a16:creationId xmlns:a16="http://schemas.microsoft.com/office/drawing/2014/main" id="{C312584C-A2AD-6984-A54F-C8D59AC10549}"/>
+              </a:ext>
+            </a:extLst>
+          </p:cNvPr>
+          <p:cNvSpPr/>
+          <p:nvPr/>
+        </p:nvSpPr>
+        <p:spPr>
+          <a:xfrm rot="10800000">
+            <a:off x="4832514" y="2185368"/>
+            <a:ext cx="586325" cy="558654"/>
+          </a:xfrm>
+          <a:prstGeom prst="triangle">
+            <a:avLst>
+              <a:gd name="adj" fmla="val 52723"/>
+            </a:avLst>
+          </a:prstGeom>
+          <a:solidFill>
+            <a:schemeClr val="accent1">
+              <a:lumMod val="75000"/>
+            </a:schemeClr>
+          </a:solidFill>
+          <a:ln>
+            <a:noFill/>
+          </a:ln>
+        </p:spPr>
+        <p:style>
+          <a:lnRef idx="2">
+            <a:schemeClr val="accent1">
+              <a:shade val="15000"/>
+            </a:schemeClr>
+          </a:lnRef>
+          <a:fillRef idx="1">
+            <a:schemeClr val="accent1"/>
+          </a:fillRef>
+          <a:effectRef idx="0">
+            <a:schemeClr val="accent1"/>
+          </a:effectRef>
+          <a:fontRef idx="minor">
+            <a:schemeClr val="lt1"/>
+          </a:fontRef>
+        </p:style>
+        <p:txBody>
+          <a:bodyPr rtlCol="0" anchor="ctr"/>
+          <a:lstStyle/>
+          <a:p>
+            <a:pPr algn="ctr"/>
+            <a:endParaRPr lang="en-GB"/>
+          </a:p>
+        </p:txBody>
+      </p:sp>
+      <p:sp>
+        <p:nvSpPr>
+          <p:cNvPr id="57" name="Rounded Rectangle 56">
+            <a:extLst>
+              <a:ext uri="{FF2B5EF4-FFF2-40B4-BE49-F238E27FC236}">
+                <a16:creationId xmlns:a16="http://schemas.microsoft.com/office/drawing/2014/main" id="{5AE3807D-4377-9137-2F8C-916C421CC466}"/>
+              </a:ext>
+            </a:extLst>
+          </p:cNvPr>
+          <p:cNvSpPr/>
+          <p:nvPr/>
+        </p:nvSpPr>
+        <p:spPr>
+          <a:xfrm>
+            <a:off x="12537684" y="352943"/>
+            <a:ext cx="2958353" cy="3140347"/>
+          </a:xfrm>
+          <a:prstGeom prst="roundRect">
+            <a:avLst/>
+          </a:prstGeom>
+          <a:solidFill>
+            <a:schemeClr val="bg1"/>
+          </a:solidFill>
+          <a:ln w="76200">
+            <a:solidFill>
+              <a:schemeClr val="tx2">
+                <a:lumMod val="75000"/>
+                <a:lumOff val="25000"/>
+              </a:schemeClr>
+            </a:solidFill>
+          </a:ln>
+        </p:spPr>
+        <p:style>
+          <a:lnRef idx="2">
+            <a:schemeClr val="accent1">
+              <a:shade val="15000"/>
+            </a:schemeClr>
+          </a:lnRef>
+          <a:fillRef idx="1">
+            <a:schemeClr val="accent1"/>
+          </a:fillRef>
+          <a:effectRef idx="0">
+            <a:schemeClr val="accent1"/>
+          </a:effectRef>
+          <a:fontRef idx="minor">
+            <a:schemeClr val="lt1"/>
+          </a:fontRef>
+        </p:style>
+        <p:txBody>
+          <a:bodyPr rtlCol="0" anchor="ctr"/>
+          <a:lstStyle/>
+          <a:p>
+            <a:pPr algn="ctr"/>
+            <a:r>
+              <a:rPr lang="en-GB" b="0" i="0" u="none" strike="noStrike" dirty="0">
+                <a:solidFill>
+                  <a:srgbClr val="000000"/>
+                </a:solidFill>
+                <a:effectLst/>
+                <a:latin typeface="-webkit-standard"/>
+              </a:rPr>
+              <a:t>The ML model takes in the six extracted parameters and classifies the patient’s condition as Normal, Herniated Disc, or Spondylolisthesis. This classification is generated in real-time, leveraging the model’s learned patterns from prior training and refinement.</a:t>
+            </a:r>
+            <a:endParaRPr lang="en-GB" dirty="0"/>
+          </a:p>
+        </p:txBody>
+      </p:sp>
+      <p:grpSp>
+        <p:nvGrpSpPr>
+          <p:cNvPr id="5" name="Group 4">
+            <a:extLst>
+              <a:ext uri="{FF2B5EF4-FFF2-40B4-BE49-F238E27FC236}">
+                <a16:creationId xmlns:a16="http://schemas.microsoft.com/office/drawing/2014/main" id="{6BDE308D-BF46-8E09-1044-1BA212B8D94B}"/>
+              </a:ext>
+            </a:extLst>
+          </p:cNvPr>
+          <p:cNvGrpSpPr/>
+          <p:nvPr/>
+        </p:nvGrpSpPr>
+        <p:grpSpPr>
+          <a:xfrm>
+            <a:off x="3700255" y="2775234"/>
+            <a:ext cx="3450392" cy="952886"/>
+            <a:chOff x="3700255" y="2775234"/>
+            <a:chExt cx="3450392" cy="952886"/>
+          </a:xfrm>
+          <a:solidFill>
+            <a:schemeClr val="accent1">
+              <a:lumMod val="75000"/>
+            </a:schemeClr>
+          </a:solidFill>
+        </p:grpSpPr>
+        <p:sp>
+          <p:nvSpPr>
+            <p:cNvPr id="2" name="Rectangle 1">
+              <a:extLst>
+                <a:ext uri="{FF2B5EF4-FFF2-40B4-BE49-F238E27FC236}">
+                  <a16:creationId xmlns:a16="http://schemas.microsoft.com/office/drawing/2014/main" id="{DC46A08B-5C77-626B-9F15-1B3FB6C44A5E}"/>
+                </a:ext>
+              </a:extLst>
+            </p:cNvPr>
+            <p:cNvSpPr/>
+            <p:nvPr/>
+          </p:nvSpPr>
+          <p:spPr>
+            <a:xfrm>
+              <a:off x="3700255" y="2775234"/>
+              <a:ext cx="2850841" cy="952886"/>
+            </a:xfrm>
+            <a:prstGeom prst="rect">
+              <a:avLst/>
+            </a:prstGeom>
+            <a:grpFill/>
+            <a:ln>
+              <a:noFill/>
+            </a:ln>
+          </p:spPr>
+          <p:style>
+            <a:lnRef idx="2">
+              <a:schemeClr val="accent1">
+                <a:shade val="15000"/>
+              </a:schemeClr>
+            </a:lnRef>
+            <a:fillRef idx="1">
+              <a:schemeClr val="accent1"/>
+            </a:fillRef>
+            <a:effectRef idx="0">
+              <a:schemeClr val="accent1"/>
+            </a:effectRef>
+            <a:fontRef idx="minor">
+              <a:schemeClr val="lt1"/>
+            </a:fontRef>
+          </p:style>
+          <p:txBody>
+            <a:bodyPr rtlCol="0" anchor="ctr"/>
+            <a:lstStyle/>
+            <a:p>
+              <a:pPr algn="ctr"/>
+              <a:r>
+                <a:rPr lang="en-GB" sz="2400" b="1" i="0" u="none" strike="noStrike" dirty="0">
+                  <a:solidFill>
+                    <a:schemeClr val="bg1"/>
+                  </a:solidFill>
+                  <a:effectLst/>
+                  <a:latin typeface="-webkit-standard"/>
+                </a:rPr>
+                <a:t>Radiologist Interface for Review</a:t>
+              </a:r>
+              <a:endParaRPr lang="en-GB" sz="2400" b="1" dirty="0">
+                <a:solidFill>
+                  <a:schemeClr val="bg1"/>
+                </a:solidFill>
+              </a:endParaRPr>
+            </a:p>
+          </p:txBody>
+        </p:sp>
+        <p:sp>
+          <p:nvSpPr>
+            <p:cNvPr id="3" name="Triangle 2">
+              <a:extLst>
+                <a:ext uri="{FF2B5EF4-FFF2-40B4-BE49-F238E27FC236}">
+                  <a16:creationId xmlns:a16="http://schemas.microsoft.com/office/drawing/2014/main" id="{4A5932B9-7BBA-2723-D21F-F8B3C61542B2}"/>
+                </a:ext>
+              </a:extLst>
+            </p:cNvPr>
+            <p:cNvSpPr/>
+            <p:nvPr/>
+          </p:nvSpPr>
+          <p:spPr>
+            <a:xfrm rot="5400000">
+              <a:off x="6578157" y="2972350"/>
+              <a:ext cx="586325" cy="558654"/>
+            </a:xfrm>
+            <a:prstGeom prst="triangle">
+              <a:avLst>
+                <a:gd name="adj" fmla="val 52723"/>
+              </a:avLst>
+            </a:prstGeom>
+            <a:grpFill/>
+            <a:ln>
+              <a:noFill/>
+            </a:ln>
+          </p:spPr>
+          <p:style>
+            <a:lnRef idx="2">
+              <a:schemeClr val="accent1">
+                <a:shade val="15000"/>
+              </a:schemeClr>
+            </a:lnRef>
+            <a:fillRef idx="1">
+              <a:schemeClr val="accent1"/>
+            </a:fillRef>
+            <a:effectRef idx="0">
+              <a:schemeClr val="accent1"/>
+            </a:effectRef>
+            <a:fontRef idx="minor">
+              <a:schemeClr val="lt1"/>
+            </a:fontRef>
+          </p:style>
+          <p:txBody>
+            <a:bodyPr rtlCol="0" anchor="ctr"/>
+            <a:lstStyle/>
+            <a:p>
+              <a:pPr algn="ctr"/>
+              <a:endParaRPr lang="en-GB"/>
+            </a:p>
+          </p:txBody>
+        </p:sp>
+      </p:grpSp>
+      <p:sp>
+        <p:nvSpPr>
+          <p:cNvPr id="4" name="Rounded Rectangle 3">
+            <a:extLst>
+              <a:ext uri="{FF2B5EF4-FFF2-40B4-BE49-F238E27FC236}">
+                <a16:creationId xmlns:a16="http://schemas.microsoft.com/office/drawing/2014/main" id="{F69E4DB0-B5AE-AB25-09BB-50ED84837C66}"/>
+              </a:ext>
+            </a:extLst>
+          </p:cNvPr>
+          <p:cNvSpPr/>
+          <p:nvPr/>
+        </p:nvSpPr>
+        <p:spPr>
+          <a:xfrm>
+            <a:off x="7418209" y="1858826"/>
+            <a:ext cx="2958353" cy="3140347"/>
+          </a:xfrm>
+          <a:prstGeom prst="roundRect">
+            <a:avLst/>
+          </a:prstGeom>
+          <a:solidFill>
+            <a:schemeClr val="bg1"/>
+          </a:solidFill>
+          <a:ln w="76200">
+            <a:solidFill>
+              <a:schemeClr val="accent1">
+                <a:lumMod val="75000"/>
+              </a:schemeClr>
+            </a:solidFill>
+          </a:ln>
+        </p:spPr>
+        <p:style>
+          <a:lnRef idx="2">
+            <a:schemeClr val="accent1">
+              <a:shade val="15000"/>
+            </a:schemeClr>
+          </a:lnRef>
+          <a:fillRef idx="1">
+            <a:schemeClr val="accent1"/>
+          </a:fillRef>
+          <a:effectRef idx="0">
+            <a:schemeClr val="accent1"/>
+          </a:effectRef>
+          <a:fontRef idx="minor">
+            <a:schemeClr val="lt1"/>
+          </a:fontRef>
+        </p:style>
+        <p:txBody>
+          <a:bodyPr rtlCol="0" anchor="ctr"/>
+          <a:lstStyle/>
+          <a:p>
+            <a:pPr algn="ctr"/>
+            <a:r>
+              <a:rPr lang="en-GB" b="0" i="0" u="none" strike="noStrike" dirty="0">
+                <a:solidFill>
+                  <a:srgbClr val="000000"/>
+                </a:solidFill>
+                <a:effectLst/>
+                <a:latin typeface="-webkit-standard"/>
+              </a:rPr>
+              <a:t>A dedicated interface allows radiologists and spine specialists to review the automatically extracted features and the resulting classification. If they notice discrepancies, they can adjust parameters or annotate specific areas of concern.</a:t>
+            </a:r>
+            <a:endParaRPr lang="en-GB" dirty="0"/>
+          </a:p>
+        </p:txBody>
+      </p:sp>
+      <p:grpSp>
+        <p:nvGrpSpPr>
+          <p:cNvPr id="6" name="Group 5">
+            <a:extLst>
+              <a:ext uri="{FF2B5EF4-FFF2-40B4-BE49-F238E27FC236}">
+                <a16:creationId xmlns:a16="http://schemas.microsoft.com/office/drawing/2014/main" id="{08EEC2AE-FC35-D0C1-F23D-69BC20839F4C}"/>
+              </a:ext>
+            </a:extLst>
+          </p:cNvPr>
+          <p:cNvGrpSpPr/>
+          <p:nvPr/>
+        </p:nvGrpSpPr>
+        <p:grpSpPr>
+          <a:xfrm>
+            <a:off x="3448633" y="-1507826"/>
+            <a:ext cx="3459328" cy="952886"/>
+            <a:chOff x="3700255" y="4341999"/>
+            <a:chExt cx="3459328" cy="952886"/>
+          </a:xfrm>
+          <a:solidFill>
+            <a:schemeClr val="accent1">
+              <a:lumMod val="75000"/>
+            </a:schemeClr>
+          </a:solidFill>
+        </p:grpSpPr>
+        <p:sp>
+          <p:nvSpPr>
+            <p:cNvPr id="7" name="Rectangle 6">
+              <a:extLst>
+                <a:ext uri="{FF2B5EF4-FFF2-40B4-BE49-F238E27FC236}">
+                  <a16:creationId xmlns:a16="http://schemas.microsoft.com/office/drawing/2014/main" id="{B36ABD22-E138-6D69-F575-12C999B3335D}"/>
+                </a:ext>
+              </a:extLst>
+            </p:cNvPr>
+            <p:cNvSpPr/>
+            <p:nvPr/>
+          </p:nvSpPr>
+          <p:spPr>
+            <a:xfrm>
+              <a:off x="3700255" y="4341999"/>
+              <a:ext cx="2850841" cy="952886"/>
+            </a:xfrm>
+            <a:prstGeom prst="rect">
+              <a:avLst/>
+            </a:prstGeom>
+            <a:grpFill/>
+            <a:ln>
+              <a:noFill/>
+            </a:ln>
+          </p:spPr>
+          <p:style>
+            <a:lnRef idx="2">
+              <a:schemeClr val="accent1">
+                <a:shade val="15000"/>
+              </a:schemeClr>
+            </a:lnRef>
+            <a:fillRef idx="1">
+              <a:schemeClr val="accent1"/>
+            </a:fillRef>
+            <a:effectRef idx="0">
+              <a:schemeClr val="accent1"/>
+            </a:effectRef>
+            <a:fontRef idx="minor">
+              <a:schemeClr val="lt1"/>
+            </a:fontRef>
+          </p:style>
+          <p:txBody>
+            <a:bodyPr rtlCol="0" anchor="ctr"/>
+            <a:lstStyle/>
+            <a:p>
+              <a:pPr algn="ctr"/>
+              <a:r>
+                <a:rPr lang="en-GB" sz="2400" b="1" i="0" u="none" strike="noStrike" dirty="0">
+                  <a:solidFill>
+                    <a:schemeClr val="bg1"/>
+                  </a:solidFill>
+                  <a:effectLst/>
+                  <a:latin typeface="-webkit-standard"/>
+                </a:rPr>
+                <a:t>Continuous Model Improvement</a:t>
+              </a:r>
+              <a:endParaRPr lang="en-GB" sz="2400" b="1" dirty="0">
+                <a:solidFill>
+                  <a:schemeClr val="bg1"/>
+                </a:solidFill>
+              </a:endParaRPr>
+            </a:p>
+          </p:txBody>
+        </p:sp>
+        <p:sp>
+          <p:nvSpPr>
+            <p:cNvPr id="8" name="Triangle 7">
+              <a:extLst>
+                <a:ext uri="{FF2B5EF4-FFF2-40B4-BE49-F238E27FC236}">
+                  <a16:creationId xmlns:a16="http://schemas.microsoft.com/office/drawing/2014/main" id="{6356C2C2-7AB2-727D-3575-035C4D9F9C43}"/>
+                </a:ext>
+              </a:extLst>
+            </p:cNvPr>
+            <p:cNvSpPr/>
+            <p:nvPr/>
+          </p:nvSpPr>
+          <p:spPr>
+            <a:xfrm rot="5400000">
+              <a:off x="6587093" y="4539115"/>
+              <a:ext cx="586325" cy="558654"/>
+            </a:xfrm>
+            <a:prstGeom prst="triangle">
+              <a:avLst>
+                <a:gd name="adj" fmla="val 52723"/>
+              </a:avLst>
+            </a:prstGeom>
+            <a:grpFill/>
+            <a:ln>
+              <a:noFill/>
+            </a:ln>
+          </p:spPr>
+          <p:style>
+            <a:lnRef idx="2">
+              <a:schemeClr val="accent1">
+                <a:shade val="15000"/>
+              </a:schemeClr>
+            </a:lnRef>
+            <a:fillRef idx="1">
+              <a:schemeClr val="accent1"/>
+            </a:fillRef>
+            <a:effectRef idx="0">
+              <a:schemeClr val="accent1"/>
+            </a:effectRef>
+            <a:fontRef idx="minor">
+              <a:schemeClr val="lt1"/>
+            </a:fontRef>
+          </p:style>
+          <p:txBody>
+            <a:bodyPr rtlCol="0" anchor="ctr"/>
+            <a:lstStyle/>
+            <a:p>
+              <a:pPr algn="ctr"/>
+              <a:endParaRPr lang="en-GB"/>
+            </a:p>
+          </p:txBody>
+        </p:sp>
+      </p:grpSp>
+      <p:sp>
+        <p:nvSpPr>
+          <p:cNvPr id="9" name="Rounded Rectangle 8">
+            <a:extLst>
+              <a:ext uri="{FF2B5EF4-FFF2-40B4-BE49-F238E27FC236}">
+                <a16:creationId xmlns:a16="http://schemas.microsoft.com/office/drawing/2014/main" id="{1D81E92E-A2C4-2EE7-20F5-29DAC91FD977}"/>
+              </a:ext>
+            </a:extLst>
+          </p:cNvPr>
+          <p:cNvSpPr/>
+          <p:nvPr/>
+        </p:nvSpPr>
+        <p:spPr>
+          <a:xfrm>
+            <a:off x="12192000" y="-2894720"/>
+            <a:ext cx="2958353" cy="3140347"/>
+          </a:xfrm>
+          <a:prstGeom prst="roundRect">
+            <a:avLst/>
+          </a:prstGeom>
+          <a:solidFill>
+            <a:schemeClr val="bg1"/>
+          </a:solidFill>
+          <a:ln w="76200">
+            <a:solidFill>
+              <a:schemeClr val="tx2">
+                <a:lumMod val="75000"/>
+                <a:lumOff val="25000"/>
+              </a:schemeClr>
+            </a:solidFill>
+          </a:ln>
+        </p:spPr>
+        <p:style>
+          <a:lnRef idx="2">
+            <a:schemeClr val="accent1">
+              <a:shade val="15000"/>
+            </a:schemeClr>
+          </a:lnRef>
+          <a:fillRef idx="1">
+            <a:schemeClr val="accent1"/>
+          </a:fillRef>
+          <a:effectRef idx="0">
+            <a:schemeClr val="accent1"/>
+          </a:effectRef>
+          <a:fontRef idx="minor">
+            <a:schemeClr val="lt1"/>
+          </a:fontRef>
+        </p:style>
+        <p:txBody>
+          <a:bodyPr rtlCol="0" anchor="ctr"/>
+          <a:lstStyle/>
+          <a:p>
+            <a:pPr algn="ctr"/>
+            <a:r>
+              <a:rPr lang="en-GB" sz="1700" b="0" i="0" u="none" strike="noStrike" dirty="0">
+                <a:solidFill>
+                  <a:srgbClr val="000000"/>
+                </a:solidFill>
+                <a:effectLst/>
+                <a:latin typeface="-webkit-standard"/>
+              </a:rPr>
+              <a:t>Any refinements or corrections made by the radiologist are securely logged and later incorporated back into the model’s training data. Over time, the model becomes increasingly accurate and reliable, benefiting from real-world clinical feedback and expertise.</a:t>
+            </a:r>
+            <a:endParaRPr lang="en-GB" sz="1700" dirty="0"/>
+          </a:p>
+        </p:txBody>
+      </p:sp>
+      <p:grpSp>
+        <p:nvGrpSpPr>
+          <p:cNvPr id="10" name="Group 9">
+            <a:extLst>
+              <a:ext uri="{FF2B5EF4-FFF2-40B4-BE49-F238E27FC236}">
+                <a16:creationId xmlns:a16="http://schemas.microsoft.com/office/drawing/2014/main" id="{3C10E6C5-7A04-7A4D-2DD5-4DC47923600C}"/>
+              </a:ext>
+            </a:extLst>
+          </p:cNvPr>
+          <p:cNvGrpSpPr/>
+          <p:nvPr/>
+        </p:nvGrpSpPr>
+        <p:grpSpPr>
+          <a:xfrm>
+            <a:off x="-3520506" y="0"/>
+            <a:ext cx="3460089" cy="6858000"/>
+            <a:chOff x="4859945" y="0"/>
+            <a:chExt cx="3460089" cy="6858000"/>
+          </a:xfrm>
+        </p:grpSpPr>
+        <p:sp>
+          <p:nvSpPr>
+            <p:cNvPr id="11" name="Rectangle 10">
+              <a:extLst>
+                <a:ext uri="{FF2B5EF4-FFF2-40B4-BE49-F238E27FC236}">
+                  <a16:creationId xmlns:a16="http://schemas.microsoft.com/office/drawing/2014/main" id="{E37CCA73-BAB5-FF82-4CCC-E7DDF4AFF46F}"/>
+                </a:ext>
+              </a:extLst>
+            </p:cNvPr>
+            <p:cNvSpPr>
+              <a:spLocks/>
+            </p:cNvSpPr>
+            <p:nvPr/>
+          </p:nvSpPr>
+          <p:spPr>
+            <a:xfrm>
+              <a:off x="4877400" y="0"/>
+              <a:ext cx="2437200" cy="6858000"/>
+            </a:xfrm>
+            <a:prstGeom prst="rect">
+              <a:avLst/>
+            </a:prstGeom>
+            <a:solidFill>
+              <a:schemeClr val="tx2">
+                <a:lumMod val="50000"/>
+                <a:lumOff val="50000"/>
+              </a:schemeClr>
+            </a:solidFill>
+            <a:ln>
+              <a:noFill/>
+            </a:ln>
+          </p:spPr>
+          <p:style>
+            <a:lnRef idx="2">
+              <a:schemeClr val="accent1">
+                <a:shade val="15000"/>
+              </a:schemeClr>
+            </a:lnRef>
+            <a:fillRef idx="1">
+              <a:schemeClr val="accent1"/>
+            </a:fillRef>
+            <a:effectRef idx="0">
+              <a:schemeClr val="accent1"/>
+            </a:effectRef>
+            <a:fontRef idx="minor">
+              <a:schemeClr val="lt1"/>
+            </a:fontRef>
+          </p:style>
+          <p:txBody>
+            <a:bodyPr rtlCol="0" anchor="ctr"/>
+            <a:lstStyle/>
+            <a:p>
+              <a:endParaRPr lang="en-GB"/>
+            </a:p>
+          </p:txBody>
+        </p:sp>
+        <p:sp>
+          <p:nvSpPr>
+            <p:cNvPr id="12" name="Triangle 11">
+              <a:extLst>
+                <a:ext uri="{FF2B5EF4-FFF2-40B4-BE49-F238E27FC236}">
+                  <a16:creationId xmlns:a16="http://schemas.microsoft.com/office/drawing/2014/main" id="{8AA0A1A5-A895-FCEA-759E-546B8639893F}"/>
+                </a:ext>
+              </a:extLst>
+            </p:cNvPr>
+            <p:cNvSpPr/>
+            <p:nvPr/>
+          </p:nvSpPr>
+          <p:spPr>
+            <a:xfrm rot="5400000">
+              <a:off x="7202019" y="1111103"/>
+              <a:ext cx="1218600" cy="1017431"/>
+            </a:xfrm>
+            <a:prstGeom prst="triangle">
+              <a:avLst/>
+            </a:prstGeom>
+            <a:solidFill>
+              <a:schemeClr val="tx2">
+                <a:lumMod val="50000"/>
+                <a:lumOff val="50000"/>
+              </a:schemeClr>
+            </a:solidFill>
+            <a:ln>
+              <a:noFill/>
+            </a:ln>
+          </p:spPr>
+          <p:style>
+            <a:lnRef idx="2">
+              <a:schemeClr val="accent1">
+                <a:shade val="15000"/>
+              </a:schemeClr>
+            </a:lnRef>
+            <a:fillRef idx="1">
+              <a:schemeClr val="accent1"/>
+            </a:fillRef>
+            <a:effectRef idx="0">
+              <a:schemeClr val="accent1"/>
+            </a:effectRef>
+            <a:fontRef idx="minor">
+              <a:schemeClr val="lt1"/>
+            </a:fontRef>
+          </p:style>
+          <p:txBody>
+            <a:bodyPr rtlCol="0" anchor="ctr"/>
+            <a:lstStyle/>
+            <a:p>
+              <a:pPr algn="ctr"/>
+              <a:endParaRPr lang="en-GB"/>
+            </a:p>
+          </p:txBody>
+        </p:sp>
+        <p:sp>
+          <p:nvSpPr>
+            <p:cNvPr id="13" name="TextBox 12">
+              <a:extLst>
+                <a:ext uri="{FF2B5EF4-FFF2-40B4-BE49-F238E27FC236}">
+                  <a16:creationId xmlns:a16="http://schemas.microsoft.com/office/drawing/2014/main" id="{CF654CF1-2B2E-0BFD-6841-52D2A4D42B67}"/>
+                </a:ext>
+              </a:extLst>
+            </p:cNvPr>
+            <p:cNvSpPr txBox="1"/>
+            <p:nvPr/>
+          </p:nvSpPr>
+          <p:spPr>
+            <a:xfrm>
+              <a:off x="5921875" y="694611"/>
+              <a:ext cx="915265" cy="1862048"/>
+            </a:xfrm>
+            <a:prstGeom prst="rect">
+              <a:avLst/>
+            </a:prstGeom>
+            <a:noFill/>
+          </p:spPr>
+          <p:txBody>
+            <a:bodyPr wrap="square" rtlCol="0">
+              <a:spAutoFit/>
+            </a:bodyPr>
+            <a:lstStyle/>
+            <a:p>
+              <a:r>
+                <a:rPr lang="en-GB" sz="11500" b="1" dirty="0">
+                  <a:solidFill>
+                    <a:schemeClr val="bg1"/>
+                  </a:solidFill>
+                  <a:latin typeface="Calibri" panose="020F0502020204030204" pitchFamily="34" charset="0"/>
+                  <a:cs typeface="Calibri" panose="020F0502020204030204" pitchFamily="34" charset="0"/>
+                </a:rPr>
+                <a:t>3</a:t>
+              </a:r>
+            </a:p>
+          </p:txBody>
+        </p:sp>
+        <p:sp>
+          <p:nvSpPr>
+            <p:cNvPr id="14" name="TextBox 13">
+              <a:extLst>
+                <a:ext uri="{FF2B5EF4-FFF2-40B4-BE49-F238E27FC236}">
+                  <a16:creationId xmlns:a16="http://schemas.microsoft.com/office/drawing/2014/main" id="{0895386D-60B1-8F35-8F84-8A1299E2FEE1}"/>
+                </a:ext>
+              </a:extLst>
+            </p:cNvPr>
+            <p:cNvSpPr txBox="1"/>
+            <p:nvPr/>
+          </p:nvSpPr>
+          <p:spPr>
+            <a:xfrm>
+              <a:off x="4859945" y="2506243"/>
+              <a:ext cx="2450426" cy="1569660"/>
+            </a:xfrm>
+            <a:prstGeom prst="rect">
+              <a:avLst/>
+            </a:prstGeom>
+            <a:noFill/>
+          </p:spPr>
+          <p:txBody>
+            <a:bodyPr wrap="square" rtlCol="0">
+              <a:spAutoFit/>
+            </a:bodyPr>
+            <a:lstStyle/>
+            <a:p>
+              <a:r>
+                <a:rPr lang="en-GB" sz="3200" b="0" i="0" u="none" strike="noStrike" dirty="0">
+                  <a:solidFill>
+                    <a:schemeClr val="bg1"/>
+                  </a:solidFill>
+                  <a:effectLst/>
+                  <a:latin typeface="-webkit-standard"/>
+                </a:rPr>
+                <a:t>Integration &amp; Secure Result Delivery</a:t>
+              </a:r>
+              <a:endParaRPr lang="en-GB" sz="3200" dirty="0">
+                <a:solidFill>
+                  <a:schemeClr val="bg1"/>
+                </a:solidFill>
+              </a:endParaRPr>
+            </a:p>
+          </p:txBody>
+        </p:sp>
+      </p:grpSp>
+    </p:spTree>
+    <p:extLst>
+      <p:ext uri="{BB962C8B-B14F-4D97-AF65-F5344CB8AC3E}">
+        <p14:creationId xmlns:p14="http://schemas.microsoft.com/office/powerpoint/2010/main" val="9402828"/>
       </p:ext>
     </p:extLst>
   </p:cSld>

--- a/SubmissionResources/ClinicalImplementationPowerPoint.pptx
+++ b/SubmissionResources/ClinicalImplementationPowerPoint.pptx
@@ -5,7 +5,7 @@
     <p:sldMasterId id="2147483648" r:id="rId1"/>
   </p:sldMasterIdLst>
   <p:notesMasterIdLst>
-    <p:notesMasterId r:id="rId22"/>
+    <p:notesMasterId r:id="rId27"/>
   </p:notesMasterIdLst>
   <p:sldIdLst>
     <p:sldId id="261" r:id="rId2"/>
@@ -28,6 +28,11 @@
     <p:sldId id="278" r:id="rId19"/>
     <p:sldId id="279" r:id="rId20"/>
     <p:sldId id="281" r:id="rId21"/>
+    <p:sldId id="284" r:id="rId22"/>
+    <p:sldId id="285" r:id="rId23"/>
+    <p:sldId id="286" r:id="rId24"/>
+    <p:sldId id="287" r:id="rId25"/>
+    <p:sldId id="282" r:id="rId26"/>
   </p:sldIdLst>
   <p:sldSz cx="12192000" cy="6858000"/>
   <p:notesSz cx="6858000" cy="9144000"/>
@@ -7965,13 +7970,13 @@
   <p:clrMapOvr>
     <a:masterClrMapping/>
   </p:clrMapOvr>
-  <mc:AlternateContent xmlns:mc="http://schemas.openxmlformats.org/markup-compatibility/2006">
-    <mc:Choice xmlns:p159="http://schemas.microsoft.com/office/powerpoint/2015/09/main" Requires="p159">
+  <mc:AlternateContent xmlns:mc="http://schemas.openxmlformats.org/markup-compatibility/2006" xmlns:p159="http://schemas.microsoft.com/office/powerpoint/2015/09/main">
+    <mc:Choice Requires="p159">
       <p:transition xmlns:p14="http://schemas.microsoft.com/office/powerpoint/2010/main" spd="slow" p14:dur="2000">
         <p159:morph option="byObject"/>
       </p:transition>
     </mc:Choice>
-    <mc:Fallback>
+    <mc:Fallback xmlns="">
       <p:transition spd="slow">
         <p:fade/>
       </p:transition>
@@ -15626,10 +15631,10 @@
       </p:sp>
       <p:sp>
         <p:nvSpPr>
-          <p:cNvPr id="2" name="Oval 1">
-            <a:extLst>
-              <a:ext uri="{FF2B5EF4-FFF2-40B4-BE49-F238E27FC236}">
-                <a16:creationId xmlns:a16="http://schemas.microsoft.com/office/drawing/2014/main" id="{80185E34-285F-F9C2-CFF7-F4507EEE17E8}"/>
+          <p:cNvPr id="22" name="Rectangle 21">
+            <a:extLst>
+              <a:ext uri="{FF2B5EF4-FFF2-40B4-BE49-F238E27FC236}">
+                <a16:creationId xmlns:a16="http://schemas.microsoft.com/office/drawing/2014/main" id="{D82BC333-60F0-D8A6-CE7B-6CB4F83B3969}"/>
               </a:ext>
             </a:extLst>
           </p:cNvPr>
@@ -15638,75 +15643,25 @@
         </p:nvSpPr>
         <p:spPr>
           <a:xfrm>
-            <a:off x="-2717800" y="-2489200"/>
-            <a:ext cx="2717800" cy="2489200"/>
+            <a:off x="12969227" y="2438400"/>
+            <a:ext cx="5927000" cy="1396558"/>
           </a:xfrm>
-          <a:prstGeom prst="ellipse">
+          <a:prstGeom prst="rect">
             <a:avLst/>
           </a:prstGeom>
           <a:solidFill>
-            <a:schemeClr val="accent1">
+            <a:schemeClr val="accent4">
               <a:lumMod val="20000"/>
               <a:lumOff val="80000"/>
             </a:schemeClr>
           </a:solidFill>
           <a:ln>
-            <a:noFill/>
-          </a:ln>
-        </p:spPr>
-        <p:style>
-          <a:lnRef idx="2">
-            <a:schemeClr val="accent1">
-              <a:shade val="15000"/>
-            </a:schemeClr>
-          </a:lnRef>
-          <a:fillRef idx="1">
-            <a:schemeClr val="accent1"/>
-          </a:fillRef>
-          <a:effectRef idx="0">
-            <a:schemeClr val="accent1"/>
-          </a:effectRef>
-          <a:fontRef idx="minor">
-            <a:schemeClr val="lt1"/>
-          </a:fontRef>
-        </p:style>
-        <p:txBody>
-          <a:bodyPr rtlCol="0" anchor="ctr"/>
-          <a:lstStyle/>
-          <a:p>
-            <a:pPr algn="ctr"/>
-            <a:endParaRPr lang="en-GB" dirty="0"/>
-          </a:p>
-        </p:txBody>
-      </p:sp>
-      <p:sp>
-        <p:nvSpPr>
-          <p:cNvPr id="17" name="Oval 16">
-            <a:extLst>
-              <a:ext uri="{FF2B5EF4-FFF2-40B4-BE49-F238E27FC236}">
-                <a16:creationId xmlns:a16="http://schemas.microsoft.com/office/drawing/2014/main" id="{59D47211-7322-1CDA-D766-821E0C5880AD}"/>
-              </a:ext>
-            </a:extLst>
-          </p:cNvPr>
-          <p:cNvSpPr/>
-          <p:nvPr/>
-        </p:nvSpPr>
-        <p:spPr>
-          <a:xfrm>
-            <a:off x="11696700" y="-2489200"/>
-            <a:ext cx="2717800" cy="2489200"/>
-          </a:xfrm>
-          <a:prstGeom prst="ellipse">
-            <a:avLst/>
-          </a:prstGeom>
-          <a:solidFill>
-            <a:schemeClr val="tx2">
-              <a:lumMod val="10000"/>
-              <a:lumOff val="90000"/>
-            </a:schemeClr>
-          </a:solidFill>
-          <a:ln>
-            <a:noFill/>
+            <a:solidFill>
+              <a:schemeClr val="accent1">
+                <a:lumMod val="20000"/>
+                <a:lumOff val="80000"/>
+              </a:schemeClr>
+            </a:solidFill>
           </a:ln>
         </p:spPr>
         <p:style>
@@ -15736,10 +15691,10 @@
       </p:sp>
       <p:sp>
         <p:nvSpPr>
-          <p:cNvPr id="19" name="Rounded Rectangle 18">
-            <a:extLst>
-              <a:ext uri="{FF2B5EF4-FFF2-40B4-BE49-F238E27FC236}">
-                <a16:creationId xmlns:a16="http://schemas.microsoft.com/office/drawing/2014/main" id="{4BEE7910-DDC2-0375-E510-E10C9B9D95D7}"/>
+          <p:cNvPr id="23" name="Rectangle 22">
+            <a:extLst>
+              <a:ext uri="{FF2B5EF4-FFF2-40B4-BE49-F238E27FC236}">
+                <a16:creationId xmlns:a16="http://schemas.microsoft.com/office/drawing/2014/main" id="{E80EDFC5-CD87-E6D8-B4D4-CA729F64FE8F}"/>
               </a:ext>
             </a:extLst>
           </p:cNvPr>
@@ -15748,75 +15703,25 @@
         </p:nvSpPr>
         <p:spPr>
           <a:xfrm>
-            <a:off x="-2884917" y="6858000"/>
-            <a:ext cx="2794000" cy="2512219"/>
+            <a:off x="-9250305" y="2438400"/>
+            <a:ext cx="5927000" cy="1396558"/>
           </a:xfrm>
-          <a:prstGeom prst="roundRect">
+          <a:prstGeom prst="rect">
             <a:avLst/>
           </a:prstGeom>
           <a:solidFill>
-            <a:schemeClr val="tx2">
-              <a:lumMod val="10000"/>
-              <a:lumOff val="90000"/>
-            </a:schemeClr>
-          </a:solidFill>
-          <a:ln>
-            <a:noFill/>
-          </a:ln>
-        </p:spPr>
-        <p:style>
-          <a:lnRef idx="2">
-            <a:schemeClr val="accent1">
-              <a:shade val="15000"/>
-            </a:schemeClr>
-          </a:lnRef>
-          <a:fillRef idx="1">
-            <a:schemeClr val="accent1"/>
-          </a:fillRef>
-          <a:effectRef idx="0">
-            <a:schemeClr val="accent1"/>
-          </a:effectRef>
-          <a:fontRef idx="minor">
-            <a:schemeClr val="lt1"/>
-          </a:fontRef>
-        </p:style>
-        <p:txBody>
-          <a:bodyPr rtlCol="0" anchor="ctr"/>
-          <a:lstStyle/>
-          <a:p>
-            <a:pPr algn="ctr"/>
-            <a:endParaRPr lang="en-GB"/>
-          </a:p>
-        </p:txBody>
-      </p:sp>
-      <p:sp>
-        <p:nvSpPr>
-          <p:cNvPr id="20" name="Rounded Rectangle 19">
-            <a:extLst>
-              <a:ext uri="{FF2B5EF4-FFF2-40B4-BE49-F238E27FC236}">
-                <a16:creationId xmlns:a16="http://schemas.microsoft.com/office/drawing/2014/main" id="{479A1C6A-1A89-1294-DF42-031D8D49ACB2}"/>
-              </a:ext>
-            </a:extLst>
-          </p:cNvPr>
-          <p:cNvSpPr/>
-          <p:nvPr/>
-        </p:nvSpPr>
-        <p:spPr>
-          <a:xfrm>
-            <a:off x="12192000" y="7235709"/>
-            <a:ext cx="2794000" cy="2512219"/>
-          </a:xfrm>
-          <a:prstGeom prst="roundRect">
-            <a:avLst/>
-          </a:prstGeom>
-          <a:solidFill>
-            <a:schemeClr val="accent1">
+            <a:schemeClr val="accent4">
               <a:lumMod val="20000"/>
               <a:lumOff val="80000"/>
             </a:schemeClr>
           </a:solidFill>
           <a:ln>
-            <a:noFill/>
+            <a:solidFill>
+              <a:schemeClr val="accent1">
+                <a:lumMod val="20000"/>
+                <a:lumOff val="80000"/>
+              </a:schemeClr>
+            </a:solidFill>
           </a:ln>
         </p:spPr>
         <p:style>
@@ -18535,12 +18440,2184 @@
           </a:p>
         </p:txBody>
       </p:sp>
+      <p:pic>
+        <p:nvPicPr>
+          <p:cNvPr id="23" name="Picture 22">
+            <a:extLst>
+              <a:ext uri="{FF2B5EF4-FFF2-40B4-BE49-F238E27FC236}">
+                <a16:creationId xmlns:a16="http://schemas.microsoft.com/office/drawing/2014/main" id="{686C02AD-7439-41BF-FFC3-E88F935CAB2F}"/>
+              </a:ext>
+            </a:extLst>
+          </p:cNvPr>
+          <p:cNvPicPr>
+            <a:picLocks noChangeAspect="1"/>
+          </p:cNvPicPr>
+          <p:nvPr/>
+        </p:nvPicPr>
+        <p:blipFill>
+          <a:blip r:embed="rId2"/>
+          <a:stretch>
+            <a:fillRect/>
+          </a:stretch>
+        </p:blipFill>
+        <p:spPr>
+          <a:xfrm>
+            <a:off x="2209800" y="328872"/>
+            <a:ext cx="7772400" cy="6200255"/>
+          </a:xfrm>
+          <a:prstGeom prst="rect">
+            <a:avLst/>
+          </a:prstGeom>
+          <a:ln w="76200">
+            <a:solidFill>
+              <a:schemeClr val="accent4">
+                <a:lumMod val="75000"/>
+              </a:schemeClr>
+            </a:solidFill>
+          </a:ln>
+        </p:spPr>
+      </p:pic>
+      <p:sp>
+        <p:nvSpPr>
+          <p:cNvPr id="24" name="Rectangle 23">
+            <a:extLst>
+              <a:ext uri="{FF2B5EF4-FFF2-40B4-BE49-F238E27FC236}">
+                <a16:creationId xmlns:a16="http://schemas.microsoft.com/office/drawing/2014/main" id="{167FC476-1627-9E9B-EE92-18F7B226C508}"/>
+              </a:ext>
+            </a:extLst>
+          </p:cNvPr>
+          <p:cNvSpPr/>
+          <p:nvPr/>
+        </p:nvSpPr>
+        <p:spPr>
+          <a:xfrm>
+            <a:off x="-3804007" y="2438400"/>
+            <a:ext cx="5927000" cy="1396558"/>
+          </a:xfrm>
+          <a:prstGeom prst="rect">
+            <a:avLst/>
+          </a:prstGeom>
+          <a:solidFill>
+            <a:schemeClr val="accent4">
+              <a:lumMod val="20000"/>
+              <a:lumOff val="80000"/>
+            </a:schemeClr>
+          </a:solidFill>
+          <a:ln>
+            <a:solidFill>
+              <a:schemeClr val="accent1">
+                <a:lumMod val="20000"/>
+                <a:lumOff val="80000"/>
+              </a:schemeClr>
+            </a:solidFill>
+          </a:ln>
+        </p:spPr>
+        <p:style>
+          <a:lnRef idx="2">
+            <a:schemeClr val="accent1">
+              <a:shade val="15000"/>
+            </a:schemeClr>
+          </a:lnRef>
+          <a:fillRef idx="1">
+            <a:schemeClr val="accent1"/>
+          </a:fillRef>
+          <a:effectRef idx="0">
+            <a:schemeClr val="accent1"/>
+          </a:effectRef>
+          <a:fontRef idx="minor">
+            <a:schemeClr val="lt1"/>
+          </a:fontRef>
+        </p:style>
+        <p:txBody>
+          <a:bodyPr rtlCol="0" anchor="ctr"/>
+          <a:lstStyle/>
+          <a:p>
+            <a:pPr algn="ctr"/>
+            <a:endParaRPr lang="en-GB"/>
+          </a:p>
+        </p:txBody>
+      </p:sp>
+      <p:sp>
+        <p:nvSpPr>
+          <p:cNvPr id="25" name="Rectangle 24">
+            <a:extLst>
+              <a:ext uri="{FF2B5EF4-FFF2-40B4-BE49-F238E27FC236}">
+                <a16:creationId xmlns:a16="http://schemas.microsoft.com/office/drawing/2014/main" id="{9C94FEFA-CC83-CDC4-7827-32DE67FA8F8F}"/>
+              </a:ext>
+            </a:extLst>
+          </p:cNvPr>
+          <p:cNvSpPr/>
+          <p:nvPr/>
+        </p:nvSpPr>
+        <p:spPr>
+          <a:xfrm>
+            <a:off x="10069007" y="2438400"/>
+            <a:ext cx="5927000" cy="1396558"/>
+          </a:xfrm>
+          <a:prstGeom prst="rect">
+            <a:avLst/>
+          </a:prstGeom>
+          <a:solidFill>
+            <a:schemeClr val="accent4">
+              <a:lumMod val="20000"/>
+              <a:lumOff val="80000"/>
+            </a:schemeClr>
+          </a:solidFill>
+          <a:ln>
+            <a:solidFill>
+              <a:schemeClr val="accent1">
+                <a:lumMod val="20000"/>
+                <a:lumOff val="80000"/>
+              </a:schemeClr>
+            </a:solidFill>
+          </a:ln>
+        </p:spPr>
+        <p:style>
+          <a:lnRef idx="2">
+            <a:schemeClr val="accent1">
+              <a:shade val="15000"/>
+            </a:schemeClr>
+          </a:lnRef>
+          <a:fillRef idx="1">
+            <a:schemeClr val="accent1"/>
+          </a:fillRef>
+          <a:effectRef idx="0">
+            <a:schemeClr val="accent1"/>
+          </a:effectRef>
+          <a:fontRef idx="minor">
+            <a:schemeClr val="lt1"/>
+          </a:fontRef>
+        </p:style>
+        <p:txBody>
+          <a:bodyPr rtlCol="0" anchor="ctr"/>
+          <a:lstStyle/>
+          <a:p>
+            <a:pPr algn="ctr"/>
+            <a:endParaRPr lang="en-GB"/>
+          </a:p>
+        </p:txBody>
+      </p:sp>
+    </p:spTree>
+    <p:extLst>
+      <p:ext uri="{BB962C8B-B14F-4D97-AF65-F5344CB8AC3E}">
+        <p14:creationId xmlns:p14="http://schemas.microsoft.com/office/powerpoint/2010/main" val="4064611146"/>
+      </p:ext>
+    </p:extLst>
+  </p:cSld>
+  <p:clrMapOvr>
+    <a:masterClrMapping/>
+  </p:clrMapOvr>
+  <mc:AlternateContent xmlns:mc="http://schemas.openxmlformats.org/markup-compatibility/2006">
+    <mc:Choice xmlns:p159="http://schemas.microsoft.com/office/powerpoint/2015/09/main" Requires="p159">
+      <p:transition xmlns:p14="http://schemas.microsoft.com/office/powerpoint/2010/main" spd="slow" p14:dur="2000">
+        <p159:morph option="byObject"/>
+      </p:transition>
+    </mc:Choice>
+    <mc:Fallback>
+      <p:transition spd="slow">
+        <p:fade/>
+      </p:transition>
+    </mc:Fallback>
+  </mc:AlternateContent>
+</p:sld>
+</file>
+
+<file path=ppt/slides/slide21.xml><?xml version="1.0" encoding="utf-8"?>
+<p:sld xmlns:a="http://schemas.openxmlformats.org/drawingml/2006/main" xmlns:r="http://schemas.openxmlformats.org/officeDocument/2006/relationships" xmlns:p="http://schemas.openxmlformats.org/presentationml/2006/main">
+  <p:cSld>
+    <p:spTree>
+      <p:nvGrpSpPr>
+        <p:cNvPr id="1" name=""/>
+        <p:cNvGrpSpPr/>
+        <p:nvPr/>
+      </p:nvGrpSpPr>
+      <p:grpSpPr>
+        <a:xfrm>
+          <a:off x="0" y="0"/>
+          <a:ext cx="0" cy="0"/>
+          <a:chOff x="0" y="0"/>
+          <a:chExt cx="0" cy="0"/>
+        </a:xfrm>
+      </p:grpSpPr>
+      <p:pic>
+        <p:nvPicPr>
+          <p:cNvPr id="4" name="Picture 3">
+            <a:extLst>
+              <a:ext uri="{FF2B5EF4-FFF2-40B4-BE49-F238E27FC236}">
+                <a16:creationId xmlns:a16="http://schemas.microsoft.com/office/drawing/2014/main" id="{D68B430E-5B00-CBD7-122E-F2110AF7E6EE}"/>
+              </a:ext>
+            </a:extLst>
+          </p:cNvPr>
+          <p:cNvPicPr>
+            <a:picLocks noChangeAspect="1"/>
+          </p:cNvPicPr>
+          <p:nvPr/>
+        </p:nvPicPr>
+        <p:blipFill>
+          <a:blip r:embed="rId2"/>
+          <a:stretch>
+            <a:fillRect/>
+          </a:stretch>
+        </p:blipFill>
+        <p:spPr>
+          <a:xfrm>
+            <a:off x="1279127" y="717177"/>
+            <a:ext cx="9633745" cy="4936102"/>
+          </a:xfrm>
+          <a:prstGeom prst="rect">
+            <a:avLst/>
+          </a:prstGeom>
+          <a:ln w="76200">
+            <a:solidFill>
+              <a:schemeClr val="accent4">
+                <a:lumMod val="75000"/>
+              </a:schemeClr>
+            </a:solidFill>
+          </a:ln>
+        </p:spPr>
+      </p:pic>
+      <p:sp>
+        <p:nvSpPr>
+          <p:cNvPr id="5" name="Rectangle 4">
+            <a:extLst>
+              <a:ext uri="{FF2B5EF4-FFF2-40B4-BE49-F238E27FC236}">
+                <a16:creationId xmlns:a16="http://schemas.microsoft.com/office/drawing/2014/main" id="{A89877C3-75F4-29FE-0AC3-0389B988C87C}"/>
+              </a:ext>
+            </a:extLst>
+          </p:cNvPr>
+          <p:cNvSpPr/>
+          <p:nvPr/>
+        </p:nvSpPr>
+        <p:spPr>
+          <a:xfrm>
+            <a:off x="-4731537" y="2438400"/>
+            <a:ext cx="5927000" cy="1396558"/>
+          </a:xfrm>
+          <a:prstGeom prst="rect">
+            <a:avLst/>
+          </a:prstGeom>
+          <a:solidFill>
+            <a:schemeClr val="accent4">
+              <a:lumMod val="20000"/>
+              <a:lumOff val="80000"/>
+            </a:schemeClr>
+          </a:solidFill>
+          <a:ln>
+            <a:solidFill>
+              <a:schemeClr val="accent1">
+                <a:lumMod val="20000"/>
+                <a:lumOff val="80000"/>
+              </a:schemeClr>
+            </a:solidFill>
+          </a:ln>
+        </p:spPr>
+        <p:style>
+          <a:lnRef idx="2">
+            <a:schemeClr val="accent1">
+              <a:shade val="15000"/>
+            </a:schemeClr>
+          </a:lnRef>
+          <a:fillRef idx="1">
+            <a:schemeClr val="accent1"/>
+          </a:fillRef>
+          <a:effectRef idx="0">
+            <a:schemeClr val="accent1"/>
+          </a:effectRef>
+          <a:fontRef idx="minor">
+            <a:schemeClr val="lt1"/>
+          </a:fontRef>
+        </p:style>
+        <p:txBody>
+          <a:bodyPr rtlCol="0" anchor="ctr"/>
+          <a:lstStyle/>
+          <a:p>
+            <a:pPr algn="ctr"/>
+            <a:endParaRPr lang="en-GB"/>
+          </a:p>
+        </p:txBody>
+      </p:sp>
+      <p:sp>
+        <p:nvSpPr>
+          <p:cNvPr id="6" name="Rectangle 5">
+            <a:extLst>
+              <a:ext uri="{FF2B5EF4-FFF2-40B4-BE49-F238E27FC236}">
+                <a16:creationId xmlns:a16="http://schemas.microsoft.com/office/drawing/2014/main" id="{9DAB248C-36E3-981C-988F-770502C0C579}"/>
+              </a:ext>
+            </a:extLst>
+          </p:cNvPr>
+          <p:cNvSpPr/>
+          <p:nvPr/>
+        </p:nvSpPr>
+        <p:spPr>
+          <a:xfrm>
+            <a:off x="10996536" y="2438400"/>
+            <a:ext cx="5927000" cy="1396558"/>
+          </a:xfrm>
+          <a:prstGeom prst="rect">
+            <a:avLst/>
+          </a:prstGeom>
+          <a:solidFill>
+            <a:schemeClr val="accent4">
+              <a:lumMod val="20000"/>
+              <a:lumOff val="80000"/>
+            </a:schemeClr>
+          </a:solidFill>
+          <a:ln>
+            <a:solidFill>
+              <a:schemeClr val="accent1">
+                <a:lumMod val="20000"/>
+                <a:lumOff val="80000"/>
+              </a:schemeClr>
+            </a:solidFill>
+          </a:ln>
+        </p:spPr>
+        <p:style>
+          <a:lnRef idx="2">
+            <a:schemeClr val="accent1">
+              <a:shade val="15000"/>
+            </a:schemeClr>
+          </a:lnRef>
+          <a:fillRef idx="1">
+            <a:schemeClr val="accent1"/>
+          </a:fillRef>
+          <a:effectRef idx="0">
+            <a:schemeClr val="accent1"/>
+          </a:effectRef>
+          <a:fontRef idx="minor">
+            <a:schemeClr val="lt1"/>
+          </a:fontRef>
+        </p:style>
+        <p:txBody>
+          <a:bodyPr rtlCol="0" anchor="ctr"/>
+          <a:lstStyle/>
+          <a:p>
+            <a:pPr algn="ctr"/>
+            <a:endParaRPr lang="en-GB"/>
+          </a:p>
+        </p:txBody>
+      </p:sp>
+      <p:pic>
+        <p:nvPicPr>
+          <p:cNvPr id="7" name="Picture 6">
+            <a:extLst>
+              <a:ext uri="{FF2B5EF4-FFF2-40B4-BE49-F238E27FC236}">
+                <a16:creationId xmlns:a16="http://schemas.microsoft.com/office/drawing/2014/main" id="{E1104A1F-8238-00E1-852D-394D17899C18}"/>
+              </a:ext>
+            </a:extLst>
+          </p:cNvPr>
+          <p:cNvPicPr>
+            <a:picLocks noChangeAspect="1"/>
+          </p:cNvPicPr>
+          <p:nvPr/>
+        </p:nvPicPr>
+        <p:blipFill>
+          <a:blip r:embed="rId3"/>
+          <a:stretch>
+            <a:fillRect/>
+          </a:stretch>
+        </p:blipFill>
+        <p:spPr>
+          <a:xfrm>
+            <a:off x="2209799" y="-6856991"/>
+            <a:ext cx="7772400" cy="6200255"/>
+          </a:xfrm>
+          <a:prstGeom prst="rect">
+            <a:avLst/>
+          </a:prstGeom>
+          <a:ln w="76200">
+            <a:solidFill>
+              <a:schemeClr val="accent4">
+                <a:lumMod val="75000"/>
+              </a:schemeClr>
+            </a:solidFill>
+          </a:ln>
+        </p:spPr>
+      </p:pic>
+    </p:spTree>
+    <p:extLst>
+      <p:ext uri="{BB962C8B-B14F-4D97-AF65-F5344CB8AC3E}">
+        <p14:creationId xmlns:p14="http://schemas.microsoft.com/office/powerpoint/2010/main" val="2464508614"/>
+      </p:ext>
+    </p:extLst>
+  </p:cSld>
+  <p:clrMapOvr>
+    <a:masterClrMapping/>
+  </p:clrMapOvr>
+  <mc:AlternateContent xmlns:mc="http://schemas.openxmlformats.org/markup-compatibility/2006">
+    <mc:Choice xmlns:p159="http://schemas.microsoft.com/office/powerpoint/2015/09/main" Requires="p159">
+      <p:transition xmlns:p14="http://schemas.microsoft.com/office/powerpoint/2010/main" spd="slow" p14:dur="2000">
+        <p159:morph option="byObject"/>
+      </p:transition>
+    </mc:Choice>
+    <mc:Fallback>
+      <p:transition spd="slow">
+        <p:fade/>
+      </p:transition>
+    </mc:Fallback>
+  </mc:AlternateContent>
+</p:sld>
+</file>
+
+<file path=ppt/slides/slide22.xml><?xml version="1.0" encoding="utf-8"?>
+<p:sld xmlns:a="http://schemas.openxmlformats.org/drawingml/2006/main" xmlns:r="http://schemas.openxmlformats.org/officeDocument/2006/relationships" xmlns:p="http://schemas.openxmlformats.org/presentationml/2006/main">
+  <p:cSld>
+    <p:spTree>
+      <p:nvGrpSpPr>
+        <p:cNvPr id="1" name=""/>
+        <p:cNvGrpSpPr/>
+        <p:nvPr/>
+      </p:nvGrpSpPr>
+      <p:grpSpPr>
+        <a:xfrm>
+          <a:off x="0" y="0"/>
+          <a:ext cx="0" cy="0"/>
+          <a:chOff x="0" y="0"/>
+          <a:chExt cx="0" cy="0"/>
+        </a:xfrm>
+      </p:grpSpPr>
+      <p:pic>
+        <p:nvPicPr>
+          <p:cNvPr id="4" name="Picture 3">
+            <a:extLst>
+              <a:ext uri="{FF2B5EF4-FFF2-40B4-BE49-F238E27FC236}">
+                <a16:creationId xmlns:a16="http://schemas.microsoft.com/office/drawing/2014/main" id="{28DDC283-1CC7-BF2A-F2AD-76AA671FED35}"/>
+              </a:ext>
+            </a:extLst>
+          </p:cNvPr>
+          <p:cNvPicPr>
+            <a:picLocks noChangeAspect="1"/>
+          </p:cNvPicPr>
+          <p:nvPr/>
+        </p:nvPicPr>
+        <p:blipFill>
+          <a:blip r:embed="rId2"/>
+          <a:stretch>
+            <a:fillRect/>
+          </a:stretch>
+        </p:blipFill>
+        <p:spPr>
+          <a:xfrm>
+            <a:off x="3213507" y="157501"/>
+            <a:ext cx="5500187" cy="6542998"/>
+          </a:xfrm>
+          <a:prstGeom prst="rect">
+            <a:avLst/>
+          </a:prstGeom>
+          <a:ln w="76200">
+            <a:solidFill>
+              <a:schemeClr val="accent4">
+                <a:lumMod val="75000"/>
+              </a:schemeClr>
+            </a:solidFill>
+          </a:ln>
+        </p:spPr>
+      </p:pic>
+      <p:sp>
+        <p:nvSpPr>
+          <p:cNvPr id="5" name="Rectangle 4">
+            <a:extLst>
+              <a:ext uri="{FF2B5EF4-FFF2-40B4-BE49-F238E27FC236}">
+                <a16:creationId xmlns:a16="http://schemas.microsoft.com/office/drawing/2014/main" id="{1CEF58F3-D633-D979-667E-361F22648104}"/>
+              </a:ext>
+            </a:extLst>
+          </p:cNvPr>
+          <p:cNvSpPr/>
+          <p:nvPr/>
+        </p:nvSpPr>
+        <p:spPr>
+          <a:xfrm>
+            <a:off x="-2800593" y="2438400"/>
+            <a:ext cx="5927000" cy="1396558"/>
+          </a:xfrm>
+          <a:prstGeom prst="rect">
+            <a:avLst/>
+          </a:prstGeom>
+          <a:solidFill>
+            <a:schemeClr val="accent4">
+              <a:lumMod val="20000"/>
+              <a:lumOff val="80000"/>
+            </a:schemeClr>
+          </a:solidFill>
+          <a:ln>
+            <a:solidFill>
+              <a:schemeClr val="accent1">
+                <a:lumMod val="20000"/>
+                <a:lumOff val="80000"/>
+              </a:schemeClr>
+            </a:solidFill>
+          </a:ln>
+        </p:spPr>
+        <p:style>
+          <a:lnRef idx="2">
+            <a:schemeClr val="accent1">
+              <a:shade val="15000"/>
+            </a:schemeClr>
+          </a:lnRef>
+          <a:fillRef idx="1">
+            <a:schemeClr val="accent1"/>
+          </a:fillRef>
+          <a:effectRef idx="0">
+            <a:schemeClr val="accent1"/>
+          </a:effectRef>
+          <a:fontRef idx="minor">
+            <a:schemeClr val="lt1"/>
+          </a:fontRef>
+        </p:style>
+        <p:txBody>
+          <a:bodyPr rtlCol="0" anchor="ctr"/>
+          <a:lstStyle/>
+          <a:p>
+            <a:pPr algn="ctr"/>
+            <a:endParaRPr lang="en-GB"/>
+          </a:p>
+        </p:txBody>
+      </p:sp>
+      <p:sp>
+        <p:nvSpPr>
+          <p:cNvPr id="6" name="Rectangle 5">
+            <a:extLst>
+              <a:ext uri="{FF2B5EF4-FFF2-40B4-BE49-F238E27FC236}">
+                <a16:creationId xmlns:a16="http://schemas.microsoft.com/office/drawing/2014/main" id="{33305720-CB90-A3FB-76E8-3A465CE5A670}"/>
+              </a:ext>
+            </a:extLst>
+          </p:cNvPr>
+          <p:cNvSpPr/>
+          <p:nvPr/>
+        </p:nvSpPr>
+        <p:spPr>
+          <a:xfrm>
+            <a:off x="8800794" y="2438400"/>
+            <a:ext cx="5927000" cy="1396558"/>
+          </a:xfrm>
+          <a:prstGeom prst="rect">
+            <a:avLst/>
+          </a:prstGeom>
+          <a:solidFill>
+            <a:schemeClr val="accent4">
+              <a:lumMod val="20000"/>
+              <a:lumOff val="80000"/>
+            </a:schemeClr>
+          </a:solidFill>
+          <a:ln>
+            <a:solidFill>
+              <a:schemeClr val="accent1">
+                <a:lumMod val="20000"/>
+                <a:lumOff val="80000"/>
+              </a:schemeClr>
+            </a:solidFill>
+          </a:ln>
+        </p:spPr>
+        <p:style>
+          <a:lnRef idx="2">
+            <a:schemeClr val="accent1">
+              <a:shade val="15000"/>
+            </a:schemeClr>
+          </a:lnRef>
+          <a:fillRef idx="1">
+            <a:schemeClr val="accent1"/>
+          </a:fillRef>
+          <a:effectRef idx="0">
+            <a:schemeClr val="accent1"/>
+          </a:effectRef>
+          <a:fontRef idx="minor">
+            <a:schemeClr val="lt1"/>
+          </a:fontRef>
+        </p:style>
+        <p:txBody>
+          <a:bodyPr rtlCol="0" anchor="ctr"/>
+          <a:lstStyle/>
+          <a:p>
+            <a:pPr algn="ctr"/>
+            <a:endParaRPr lang="en-GB"/>
+          </a:p>
+        </p:txBody>
+      </p:sp>
+      <p:pic>
+        <p:nvPicPr>
+          <p:cNvPr id="7" name="Picture 6">
+            <a:extLst>
+              <a:ext uri="{FF2B5EF4-FFF2-40B4-BE49-F238E27FC236}">
+                <a16:creationId xmlns:a16="http://schemas.microsoft.com/office/drawing/2014/main" id="{77B2403F-A343-2BCE-9834-71FDDAEDB49C}"/>
+              </a:ext>
+            </a:extLst>
+          </p:cNvPr>
+          <p:cNvPicPr>
+            <a:picLocks noChangeAspect="1"/>
+          </p:cNvPicPr>
+          <p:nvPr/>
+        </p:nvPicPr>
+        <p:blipFill>
+          <a:blip r:embed="rId3"/>
+          <a:stretch>
+            <a:fillRect/>
+          </a:stretch>
+        </p:blipFill>
+        <p:spPr>
+          <a:xfrm>
+            <a:off x="1279127" y="8260977"/>
+            <a:ext cx="9633745" cy="4936102"/>
+          </a:xfrm>
+          <a:prstGeom prst="rect">
+            <a:avLst/>
+          </a:prstGeom>
+          <a:ln w="76200">
+            <a:solidFill>
+              <a:schemeClr val="accent4">
+                <a:lumMod val="75000"/>
+              </a:schemeClr>
+            </a:solidFill>
+          </a:ln>
+        </p:spPr>
+      </p:pic>
+    </p:spTree>
+    <p:extLst>
+      <p:ext uri="{BB962C8B-B14F-4D97-AF65-F5344CB8AC3E}">
+        <p14:creationId xmlns:p14="http://schemas.microsoft.com/office/powerpoint/2010/main" val="1400035755"/>
+      </p:ext>
+    </p:extLst>
+  </p:cSld>
+  <p:clrMapOvr>
+    <a:masterClrMapping/>
+  </p:clrMapOvr>
+  <mc:AlternateContent xmlns:mc="http://schemas.openxmlformats.org/markup-compatibility/2006">
+    <mc:Choice xmlns:p159="http://schemas.microsoft.com/office/powerpoint/2015/09/main" Requires="p159">
+      <p:transition xmlns:p14="http://schemas.microsoft.com/office/powerpoint/2010/main" spd="slow" p14:dur="2000">
+        <p159:morph option="byObject"/>
+      </p:transition>
+    </mc:Choice>
+    <mc:Fallback>
+      <p:transition spd="slow">
+        <p:fade/>
+      </p:transition>
+    </mc:Fallback>
+  </mc:AlternateContent>
+</p:sld>
+</file>
+
+<file path=ppt/slides/slide23.xml><?xml version="1.0" encoding="utf-8"?>
+<p:sld xmlns:a="http://schemas.openxmlformats.org/drawingml/2006/main" xmlns:r="http://schemas.openxmlformats.org/officeDocument/2006/relationships" xmlns:p="http://schemas.openxmlformats.org/presentationml/2006/main">
+  <p:cSld>
+    <p:spTree>
+      <p:nvGrpSpPr>
+        <p:cNvPr id="1" name=""/>
+        <p:cNvGrpSpPr/>
+        <p:nvPr/>
+      </p:nvGrpSpPr>
+      <p:grpSpPr>
+        <a:xfrm>
+          <a:off x="0" y="0"/>
+          <a:ext cx="0" cy="0"/>
+          <a:chOff x="0" y="0"/>
+          <a:chExt cx="0" cy="0"/>
+        </a:xfrm>
+      </p:grpSpPr>
+      <p:pic>
+        <p:nvPicPr>
+          <p:cNvPr id="4" name="Picture 3">
+            <a:extLst>
+              <a:ext uri="{FF2B5EF4-FFF2-40B4-BE49-F238E27FC236}">
+                <a16:creationId xmlns:a16="http://schemas.microsoft.com/office/drawing/2014/main" id="{8CDEA0B6-54CB-B04B-7E97-44E24897D9CC}"/>
+              </a:ext>
+            </a:extLst>
+          </p:cNvPr>
+          <p:cNvPicPr>
+            <a:picLocks noChangeAspect="1"/>
+          </p:cNvPicPr>
+          <p:nvPr/>
+        </p:nvPicPr>
+        <p:blipFill>
+          <a:blip r:embed="rId2"/>
+          <a:stretch>
+            <a:fillRect/>
+          </a:stretch>
+        </p:blipFill>
+        <p:spPr>
+          <a:xfrm>
+            <a:off x="2209800" y="640558"/>
+            <a:ext cx="7772400" cy="5576883"/>
+          </a:xfrm>
+          <a:prstGeom prst="rect">
+            <a:avLst/>
+          </a:prstGeom>
+          <a:ln w="76200">
+            <a:solidFill>
+              <a:schemeClr val="accent4">
+                <a:lumMod val="75000"/>
+              </a:schemeClr>
+            </a:solidFill>
+          </a:ln>
+        </p:spPr>
+      </p:pic>
+      <p:pic>
+        <p:nvPicPr>
+          <p:cNvPr id="5" name="Picture 4">
+            <a:extLst>
+              <a:ext uri="{FF2B5EF4-FFF2-40B4-BE49-F238E27FC236}">
+                <a16:creationId xmlns:a16="http://schemas.microsoft.com/office/drawing/2014/main" id="{54CD635D-4A95-7274-4083-002615C835D5}"/>
+              </a:ext>
+            </a:extLst>
+          </p:cNvPr>
+          <p:cNvPicPr>
+            <a:picLocks noChangeAspect="1"/>
+          </p:cNvPicPr>
+          <p:nvPr/>
+        </p:nvPicPr>
+        <p:blipFill>
+          <a:blip r:embed="rId3"/>
+          <a:stretch>
+            <a:fillRect/>
+          </a:stretch>
+        </p:blipFill>
+        <p:spPr>
+          <a:xfrm>
+            <a:off x="3345906" y="8223815"/>
+            <a:ext cx="5500187" cy="6542998"/>
+          </a:xfrm>
+          <a:prstGeom prst="rect">
+            <a:avLst/>
+          </a:prstGeom>
+          <a:ln w="76200">
+            <a:solidFill>
+              <a:schemeClr val="accent4">
+                <a:lumMod val="75000"/>
+              </a:schemeClr>
+            </a:solidFill>
+          </a:ln>
+        </p:spPr>
+      </p:pic>
+      <p:sp>
+        <p:nvSpPr>
+          <p:cNvPr id="6" name="Rectangle 5">
+            <a:extLst>
+              <a:ext uri="{FF2B5EF4-FFF2-40B4-BE49-F238E27FC236}">
+                <a16:creationId xmlns:a16="http://schemas.microsoft.com/office/drawing/2014/main" id="{C1ED845D-D284-AFEE-F225-988C7B0F5AAF}"/>
+              </a:ext>
+            </a:extLst>
+          </p:cNvPr>
+          <p:cNvSpPr/>
+          <p:nvPr/>
+        </p:nvSpPr>
+        <p:spPr>
+          <a:xfrm>
+            <a:off x="-3801976" y="2438400"/>
+            <a:ext cx="5927000" cy="1396558"/>
+          </a:xfrm>
+          <a:prstGeom prst="rect">
+            <a:avLst/>
+          </a:prstGeom>
+          <a:solidFill>
+            <a:schemeClr val="accent4">
+              <a:lumMod val="20000"/>
+              <a:lumOff val="80000"/>
+            </a:schemeClr>
+          </a:solidFill>
+          <a:ln>
+            <a:solidFill>
+              <a:schemeClr val="accent1">
+                <a:lumMod val="20000"/>
+                <a:lumOff val="80000"/>
+              </a:schemeClr>
+            </a:solidFill>
+          </a:ln>
+        </p:spPr>
+        <p:style>
+          <a:lnRef idx="2">
+            <a:schemeClr val="accent1">
+              <a:shade val="15000"/>
+            </a:schemeClr>
+          </a:lnRef>
+          <a:fillRef idx="1">
+            <a:schemeClr val="accent1"/>
+          </a:fillRef>
+          <a:effectRef idx="0">
+            <a:schemeClr val="accent1"/>
+          </a:effectRef>
+          <a:fontRef idx="minor">
+            <a:schemeClr val="lt1"/>
+          </a:fontRef>
+        </p:style>
+        <p:txBody>
+          <a:bodyPr rtlCol="0" anchor="ctr"/>
+          <a:lstStyle/>
+          <a:p>
+            <a:pPr algn="ctr"/>
+            <a:endParaRPr lang="en-GB"/>
+          </a:p>
+        </p:txBody>
+      </p:sp>
+      <p:sp>
+        <p:nvSpPr>
+          <p:cNvPr id="7" name="Rectangle 6">
+            <a:extLst>
+              <a:ext uri="{FF2B5EF4-FFF2-40B4-BE49-F238E27FC236}">
+                <a16:creationId xmlns:a16="http://schemas.microsoft.com/office/drawing/2014/main" id="{E228023A-D09D-F994-417A-660A10AF7B7E}"/>
+              </a:ext>
+            </a:extLst>
+          </p:cNvPr>
+          <p:cNvSpPr/>
+          <p:nvPr/>
+        </p:nvSpPr>
+        <p:spPr>
+          <a:xfrm>
+            <a:off x="10066976" y="2438400"/>
+            <a:ext cx="5927000" cy="1396558"/>
+          </a:xfrm>
+          <a:prstGeom prst="rect">
+            <a:avLst/>
+          </a:prstGeom>
+          <a:solidFill>
+            <a:schemeClr val="accent4">
+              <a:lumMod val="20000"/>
+              <a:lumOff val="80000"/>
+            </a:schemeClr>
+          </a:solidFill>
+          <a:ln>
+            <a:solidFill>
+              <a:schemeClr val="accent1">
+                <a:lumMod val="20000"/>
+                <a:lumOff val="80000"/>
+              </a:schemeClr>
+            </a:solidFill>
+          </a:ln>
+        </p:spPr>
+        <p:style>
+          <a:lnRef idx="2">
+            <a:schemeClr val="accent1">
+              <a:shade val="15000"/>
+            </a:schemeClr>
+          </a:lnRef>
+          <a:fillRef idx="1">
+            <a:schemeClr val="accent1"/>
+          </a:fillRef>
+          <a:effectRef idx="0">
+            <a:schemeClr val="accent1"/>
+          </a:effectRef>
+          <a:fontRef idx="minor">
+            <a:schemeClr val="lt1"/>
+          </a:fontRef>
+        </p:style>
+        <p:txBody>
+          <a:bodyPr rtlCol="0" anchor="ctr"/>
+          <a:lstStyle/>
+          <a:p>
+            <a:pPr algn="ctr"/>
+            <a:endParaRPr lang="en-GB"/>
+          </a:p>
+        </p:txBody>
+      </p:sp>
+    </p:spTree>
+    <p:extLst>
+      <p:ext uri="{BB962C8B-B14F-4D97-AF65-F5344CB8AC3E}">
+        <p14:creationId xmlns:p14="http://schemas.microsoft.com/office/powerpoint/2010/main" val="2371075283"/>
+      </p:ext>
+    </p:extLst>
+  </p:cSld>
+  <p:clrMapOvr>
+    <a:masterClrMapping/>
+  </p:clrMapOvr>
+  <mc:AlternateContent xmlns:mc="http://schemas.openxmlformats.org/markup-compatibility/2006">
+    <mc:Choice xmlns:p159="http://schemas.microsoft.com/office/powerpoint/2015/09/main" Requires="p159">
+      <p:transition xmlns:p14="http://schemas.microsoft.com/office/powerpoint/2010/main" spd="slow" p14:dur="2000">
+        <p159:morph option="byObject"/>
+      </p:transition>
+    </mc:Choice>
+    <mc:Fallback>
+      <p:transition spd="slow">
+        <p:fade/>
+      </p:transition>
+    </mc:Fallback>
+  </mc:AlternateContent>
+</p:sld>
+</file>
+
+<file path=ppt/slides/slide24.xml><?xml version="1.0" encoding="utf-8"?>
+<p:sld xmlns:a="http://schemas.openxmlformats.org/drawingml/2006/main" xmlns:r="http://schemas.openxmlformats.org/officeDocument/2006/relationships" xmlns:p="http://schemas.openxmlformats.org/presentationml/2006/main">
+  <p:cSld>
+    <p:spTree>
+      <p:nvGrpSpPr>
+        <p:cNvPr id="1" name=""/>
+        <p:cNvGrpSpPr/>
+        <p:nvPr/>
+      </p:nvGrpSpPr>
+      <p:grpSpPr>
+        <a:xfrm>
+          <a:off x="0" y="0"/>
+          <a:ext cx="0" cy="0"/>
+          <a:chOff x="0" y="0"/>
+          <a:chExt cx="0" cy="0"/>
+        </a:xfrm>
+      </p:grpSpPr>
+      <p:pic>
+        <p:nvPicPr>
+          <p:cNvPr id="4" name="Picture 3">
+            <a:extLst>
+              <a:ext uri="{FF2B5EF4-FFF2-40B4-BE49-F238E27FC236}">
+                <a16:creationId xmlns:a16="http://schemas.microsoft.com/office/drawing/2014/main" id="{F0E35412-0B2F-479E-16A8-096D82BC73AC}"/>
+              </a:ext>
+            </a:extLst>
+          </p:cNvPr>
+          <p:cNvPicPr>
+            <a:picLocks noChangeAspect="1"/>
+          </p:cNvPicPr>
+          <p:nvPr/>
+        </p:nvPicPr>
+        <p:blipFill>
+          <a:blip r:embed="rId2"/>
+          <a:stretch>
+            <a:fillRect/>
+          </a:stretch>
+        </p:blipFill>
+        <p:spPr>
+          <a:xfrm>
+            <a:off x="2899949" y="203687"/>
+            <a:ext cx="6392102" cy="6450626"/>
+          </a:xfrm>
+          <a:prstGeom prst="rect">
+            <a:avLst/>
+          </a:prstGeom>
+          <a:ln w="76200">
+            <a:solidFill>
+              <a:schemeClr val="accent4">
+                <a:lumMod val="75000"/>
+              </a:schemeClr>
+            </a:solidFill>
+          </a:ln>
+        </p:spPr>
+      </p:pic>
+      <p:sp>
+        <p:nvSpPr>
+          <p:cNvPr id="5" name="Oval 4">
+            <a:extLst>
+              <a:ext uri="{FF2B5EF4-FFF2-40B4-BE49-F238E27FC236}">
+                <a16:creationId xmlns:a16="http://schemas.microsoft.com/office/drawing/2014/main" id="{2A8BE2EF-D8EC-A4A4-1A50-602243E0449F}"/>
+              </a:ext>
+            </a:extLst>
+          </p:cNvPr>
+          <p:cNvSpPr/>
+          <p:nvPr/>
+        </p:nvSpPr>
+        <p:spPr>
+          <a:xfrm>
+            <a:off x="-3958657" y="-1929141"/>
+            <a:ext cx="2717800" cy="2489200"/>
+          </a:xfrm>
+          <a:prstGeom prst="ellipse">
+            <a:avLst/>
+          </a:prstGeom>
+          <a:solidFill>
+            <a:schemeClr val="accent1">
+              <a:lumMod val="20000"/>
+              <a:lumOff val="80000"/>
+            </a:schemeClr>
+          </a:solidFill>
+          <a:ln>
+            <a:noFill/>
+          </a:ln>
+        </p:spPr>
+        <p:style>
+          <a:lnRef idx="2">
+            <a:schemeClr val="accent1">
+              <a:shade val="15000"/>
+            </a:schemeClr>
+          </a:lnRef>
+          <a:fillRef idx="1">
+            <a:schemeClr val="accent1"/>
+          </a:fillRef>
+          <a:effectRef idx="0">
+            <a:schemeClr val="accent1"/>
+          </a:effectRef>
+          <a:fontRef idx="minor">
+            <a:schemeClr val="lt1"/>
+          </a:fontRef>
+        </p:style>
+        <p:txBody>
+          <a:bodyPr rtlCol="0" anchor="ctr"/>
+          <a:lstStyle/>
+          <a:p>
+            <a:pPr algn="ctr"/>
+            <a:endParaRPr lang="en-GB" dirty="0"/>
+          </a:p>
+        </p:txBody>
+      </p:sp>
+      <p:sp>
+        <p:nvSpPr>
+          <p:cNvPr id="6" name="Rounded Rectangle 5">
+            <a:extLst>
+              <a:ext uri="{FF2B5EF4-FFF2-40B4-BE49-F238E27FC236}">
+                <a16:creationId xmlns:a16="http://schemas.microsoft.com/office/drawing/2014/main" id="{34F5AB08-E7FE-C061-9062-526435DA6270}"/>
+              </a:ext>
+            </a:extLst>
+          </p:cNvPr>
+          <p:cNvSpPr/>
+          <p:nvPr/>
+        </p:nvSpPr>
+        <p:spPr>
+          <a:xfrm>
+            <a:off x="-3305053" y="7484224"/>
+            <a:ext cx="2794000" cy="2512219"/>
+          </a:xfrm>
+          <a:prstGeom prst="roundRect">
+            <a:avLst/>
+          </a:prstGeom>
+          <a:solidFill>
+            <a:schemeClr val="tx2">
+              <a:lumMod val="10000"/>
+              <a:lumOff val="90000"/>
+            </a:schemeClr>
+          </a:solidFill>
+          <a:ln>
+            <a:noFill/>
+          </a:ln>
+        </p:spPr>
+        <p:style>
+          <a:lnRef idx="2">
+            <a:schemeClr val="accent1">
+              <a:shade val="15000"/>
+            </a:schemeClr>
+          </a:lnRef>
+          <a:fillRef idx="1">
+            <a:schemeClr val="accent1"/>
+          </a:fillRef>
+          <a:effectRef idx="0">
+            <a:schemeClr val="accent1"/>
+          </a:effectRef>
+          <a:fontRef idx="minor">
+            <a:schemeClr val="lt1"/>
+          </a:fontRef>
+        </p:style>
+        <p:txBody>
+          <a:bodyPr rtlCol="0" anchor="ctr"/>
+          <a:lstStyle/>
+          <a:p>
+            <a:pPr algn="ctr"/>
+            <a:endParaRPr lang="en-GB"/>
+          </a:p>
+        </p:txBody>
+      </p:sp>
+      <p:sp>
+        <p:nvSpPr>
+          <p:cNvPr id="7" name="Oval 6">
+            <a:extLst>
+              <a:ext uri="{FF2B5EF4-FFF2-40B4-BE49-F238E27FC236}">
+                <a16:creationId xmlns:a16="http://schemas.microsoft.com/office/drawing/2014/main" id="{0BBEB96C-B928-5034-3087-D37B0748B5DA}"/>
+              </a:ext>
+            </a:extLst>
+          </p:cNvPr>
+          <p:cNvSpPr/>
+          <p:nvPr/>
+        </p:nvSpPr>
+        <p:spPr>
+          <a:xfrm>
+            <a:off x="12192000" y="-2572327"/>
+            <a:ext cx="2717800" cy="2489200"/>
+          </a:xfrm>
+          <a:prstGeom prst="ellipse">
+            <a:avLst/>
+          </a:prstGeom>
+          <a:solidFill>
+            <a:schemeClr val="tx2">
+              <a:lumMod val="10000"/>
+              <a:lumOff val="90000"/>
+            </a:schemeClr>
+          </a:solidFill>
+          <a:ln>
+            <a:noFill/>
+          </a:ln>
+        </p:spPr>
+        <p:style>
+          <a:lnRef idx="2">
+            <a:schemeClr val="accent1">
+              <a:shade val="15000"/>
+            </a:schemeClr>
+          </a:lnRef>
+          <a:fillRef idx="1">
+            <a:schemeClr val="accent1"/>
+          </a:fillRef>
+          <a:effectRef idx="0">
+            <a:schemeClr val="accent1"/>
+          </a:effectRef>
+          <a:fontRef idx="minor">
+            <a:schemeClr val="lt1"/>
+          </a:fontRef>
+        </p:style>
+        <p:txBody>
+          <a:bodyPr rtlCol="0" anchor="ctr"/>
+          <a:lstStyle/>
+          <a:p>
+            <a:pPr algn="ctr"/>
+            <a:endParaRPr lang="en-GB"/>
+          </a:p>
+        </p:txBody>
+      </p:sp>
+      <p:sp>
+        <p:nvSpPr>
+          <p:cNvPr id="8" name="Rounded Rectangle 7">
+            <a:extLst>
+              <a:ext uri="{FF2B5EF4-FFF2-40B4-BE49-F238E27FC236}">
+                <a16:creationId xmlns:a16="http://schemas.microsoft.com/office/drawing/2014/main" id="{AA299528-44BF-A79F-32F9-AA2DE264178F}"/>
+              </a:ext>
+            </a:extLst>
+          </p:cNvPr>
+          <p:cNvSpPr/>
+          <p:nvPr/>
+        </p:nvSpPr>
+        <p:spPr>
+          <a:xfrm>
+            <a:off x="12656436" y="7028386"/>
+            <a:ext cx="2794000" cy="2512219"/>
+          </a:xfrm>
+          <a:prstGeom prst="roundRect">
+            <a:avLst/>
+          </a:prstGeom>
+          <a:solidFill>
+            <a:schemeClr val="accent1">
+              <a:lumMod val="20000"/>
+              <a:lumOff val="80000"/>
+            </a:schemeClr>
+          </a:solidFill>
+          <a:ln>
+            <a:noFill/>
+          </a:ln>
+        </p:spPr>
+        <p:style>
+          <a:lnRef idx="2">
+            <a:schemeClr val="accent1">
+              <a:shade val="15000"/>
+            </a:schemeClr>
+          </a:lnRef>
+          <a:fillRef idx="1">
+            <a:schemeClr val="accent1"/>
+          </a:fillRef>
+          <a:effectRef idx="0">
+            <a:schemeClr val="accent1"/>
+          </a:effectRef>
+          <a:fontRef idx="minor">
+            <a:schemeClr val="lt1"/>
+          </a:fontRef>
+        </p:style>
+        <p:txBody>
+          <a:bodyPr rtlCol="0" anchor="ctr"/>
+          <a:lstStyle/>
+          <a:p>
+            <a:pPr algn="ctr"/>
+            <a:endParaRPr lang="en-GB"/>
+          </a:p>
+        </p:txBody>
+      </p:sp>
+      <p:pic>
+        <p:nvPicPr>
+          <p:cNvPr id="9" name="Picture 8">
+            <a:extLst>
+              <a:ext uri="{FF2B5EF4-FFF2-40B4-BE49-F238E27FC236}">
+                <a16:creationId xmlns:a16="http://schemas.microsoft.com/office/drawing/2014/main" id="{03C574FD-39F1-CA49-263F-C51EEB948831}"/>
+              </a:ext>
+            </a:extLst>
+          </p:cNvPr>
+          <p:cNvPicPr>
+            <a:picLocks noChangeAspect="1"/>
+          </p:cNvPicPr>
+          <p:nvPr/>
+        </p:nvPicPr>
+        <p:blipFill>
+          <a:blip r:embed="rId3"/>
+          <a:stretch>
+            <a:fillRect/>
+          </a:stretch>
+        </p:blipFill>
+        <p:spPr>
+          <a:xfrm>
+            <a:off x="2209800" y="7208001"/>
+            <a:ext cx="7772400" cy="5576883"/>
+          </a:xfrm>
+          <a:prstGeom prst="rect">
+            <a:avLst/>
+          </a:prstGeom>
+          <a:ln w="76200">
+            <a:solidFill>
+              <a:schemeClr val="accent4">
+                <a:lumMod val="75000"/>
+              </a:schemeClr>
+            </a:solidFill>
+          </a:ln>
+        </p:spPr>
+      </p:pic>
+      <p:sp>
+        <p:nvSpPr>
+          <p:cNvPr id="10" name="Rectangle 9">
+            <a:extLst>
+              <a:ext uri="{FF2B5EF4-FFF2-40B4-BE49-F238E27FC236}">
+                <a16:creationId xmlns:a16="http://schemas.microsoft.com/office/drawing/2014/main" id="{6467E2F5-2D64-F491-0FEF-BE8B065F39BC}"/>
+              </a:ext>
+            </a:extLst>
+          </p:cNvPr>
+          <p:cNvSpPr/>
+          <p:nvPr/>
+        </p:nvSpPr>
+        <p:spPr>
+          <a:xfrm>
+            <a:off x="-3111840" y="2438400"/>
+            <a:ext cx="5927000" cy="1396558"/>
+          </a:xfrm>
+          <a:prstGeom prst="rect">
+            <a:avLst/>
+          </a:prstGeom>
+          <a:solidFill>
+            <a:schemeClr val="accent4">
+              <a:lumMod val="20000"/>
+              <a:lumOff val="80000"/>
+            </a:schemeClr>
+          </a:solidFill>
+          <a:ln>
+            <a:solidFill>
+              <a:schemeClr val="accent1">
+                <a:lumMod val="20000"/>
+                <a:lumOff val="80000"/>
+              </a:schemeClr>
+            </a:solidFill>
+          </a:ln>
+        </p:spPr>
+        <p:style>
+          <a:lnRef idx="2">
+            <a:schemeClr val="accent1">
+              <a:shade val="15000"/>
+            </a:schemeClr>
+          </a:lnRef>
+          <a:fillRef idx="1">
+            <a:schemeClr val="accent1"/>
+          </a:fillRef>
+          <a:effectRef idx="0">
+            <a:schemeClr val="accent1"/>
+          </a:effectRef>
+          <a:fontRef idx="minor">
+            <a:schemeClr val="lt1"/>
+          </a:fontRef>
+        </p:style>
+        <p:txBody>
+          <a:bodyPr rtlCol="0" anchor="ctr"/>
+          <a:lstStyle/>
+          <a:p>
+            <a:pPr algn="ctr"/>
+            <a:endParaRPr lang="en-GB"/>
+          </a:p>
+        </p:txBody>
+      </p:sp>
+      <p:sp>
+        <p:nvSpPr>
+          <p:cNvPr id="11" name="Rectangle 10">
+            <a:extLst>
+              <a:ext uri="{FF2B5EF4-FFF2-40B4-BE49-F238E27FC236}">
+                <a16:creationId xmlns:a16="http://schemas.microsoft.com/office/drawing/2014/main" id="{631D9481-77E8-C811-1DEC-D6A1FF7EE0D2}"/>
+              </a:ext>
+            </a:extLst>
+          </p:cNvPr>
+          <p:cNvSpPr/>
+          <p:nvPr/>
+        </p:nvSpPr>
+        <p:spPr>
+          <a:xfrm>
+            <a:off x="9376840" y="2438400"/>
+            <a:ext cx="5927000" cy="1396558"/>
+          </a:xfrm>
+          <a:prstGeom prst="rect">
+            <a:avLst/>
+          </a:prstGeom>
+          <a:solidFill>
+            <a:schemeClr val="accent4">
+              <a:lumMod val="20000"/>
+              <a:lumOff val="80000"/>
+            </a:schemeClr>
+          </a:solidFill>
+          <a:ln>
+            <a:solidFill>
+              <a:schemeClr val="accent1">
+                <a:lumMod val="20000"/>
+                <a:lumOff val="80000"/>
+              </a:schemeClr>
+            </a:solidFill>
+          </a:ln>
+        </p:spPr>
+        <p:style>
+          <a:lnRef idx="2">
+            <a:schemeClr val="accent1">
+              <a:shade val="15000"/>
+            </a:schemeClr>
+          </a:lnRef>
+          <a:fillRef idx="1">
+            <a:schemeClr val="accent1"/>
+          </a:fillRef>
+          <a:effectRef idx="0">
+            <a:schemeClr val="accent1"/>
+          </a:effectRef>
+          <a:fontRef idx="minor">
+            <a:schemeClr val="lt1"/>
+          </a:fontRef>
+        </p:style>
+        <p:txBody>
+          <a:bodyPr rtlCol="0" anchor="ctr"/>
+          <a:lstStyle/>
+          <a:p>
+            <a:pPr algn="ctr"/>
+            <a:endParaRPr lang="en-GB"/>
+          </a:p>
+        </p:txBody>
+      </p:sp>
+    </p:spTree>
+    <p:extLst>
+      <p:ext uri="{BB962C8B-B14F-4D97-AF65-F5344CB8AC3E}">
+        <p14:creationId xmlns:p14="http://schemas.microsoft.com/office/powerpoint/2010/main" val="1149729925"/>
+      </p:ext>
+    </p:extLst>
+  </p:cSld>
+  <p:clrMapOvr>
+    <a:masterClrMapping/>
+  </p:clrMapOvr>
+  <mc:AlternateContent xmlns:mc="http://schemas.openxmlformats.org/markup-compatibility/2006">
+    <mc:Choice xmlns:p159="http://schemas.microsoft.com/office/powerpoint/2015/09/main" Requires="p159">
+      <p:transition xmlns:p14="http://schemas.microsoft.com/office/powerpoint/2010/main" spd="slow" p14:dur="2000">
+        <p159:morph option="byObject"/>
+      </p:transition>
+    </mc:Choice>
+    <mc:Fallback>
+      <p:transition spd="slow">
+        <p:fade/>
+      </p:transition>
+    </mc:Fallback>
+  </mc:AlternateContent>
+</p:sld>
+</file>
+
+<file path=ppt/slides/slide25.xml><?xml version="1.0" encoding="utf-8"?>
+<p:sld xmlns:a="http://schemas.openxmlformats.org/drawingml/2006/main" xmlns:r="http://schemas.openxmlformats.org/officeDocument/2006/relationships" xmlns:p="http://schemas.openxmlformats.org/presentationml/2006/main">
+  <p:cSld>
+    <p:spTree>
+      <p:nvGrpSpPr>
+        <p:cNvPr id="1" name="">
+          <a:extLst>
+            <a:ext uri="{FF2B5EF4-FFF2-40B4-BE49-F238E27FC236}">
+              <a16:creationId xmlns:a16="http://schemas.microsoft.com/office/drawing/2014/main" id="{8A160263-9207-D78F-58F4-720AE9A2B9DB}"/>
+            </a:ext>
+          </a:extLst>
+        </p:cNvPr>
+        <p:cNvGrpSpPr/>
+        <p:nvPr/>
+      </p:nvGrpSpPr>
+      <p:grpSpPr>
+        <a:xfrm>
+          <a:off x="0" y="0"/>
+          <a:ext cx="0" cy="0"/>
+          <a:chOff x="0" y="0"/>
+          <a:chExt cx="0" cy="0"/>
+        </a:xfrm>
+      </p:grpSpPr>
+      <p:grpSp>
+        <p:nvGrpSpPr>
+          <p:cNvPr id="10" name="Group 9">
+            <a:extLst>
+              <a:ext uri="{FF2B5EF4-FFF2-40B4-BE49-F238E27FC236}">
+                <a16:creationId xmlns:a16="http://schemas.microsoft.com/office/drawing/2014/main" id="{C2ED8D75-23CD-461A-9E67-9605FAA7FA88}"/>
+              </a:ext>
+            </a:extLst>
+          </p:cNvPr>
+          <p:cNvGrpSpPr/>
+          <p:nvPr/>
+        </p:nvGrpSpPr>
+        <p:grpSpPr>
+          <a:xfrm>
+            <a:off x="-3881499" y="-694612"/>
+            <a:ext cx="3435407" cy="6858000"/>
+            <a:chOff x="9754800" y="0"/>
+            <a:chExt cx="3435407" cy="6858000"/>
+          </a:xfrm>
+          <a:solidFill>
+            <a:schemeClr val="accent1">
+              <a:lumMod val="60000"/>
+              <a:lumOff val="40000"/>
+            </a:schemeClr>
+          </a:solidFill>
+        </p:grpSpPr>
+        <p:sp>
+          <p:nvSpPr>
+            <p:cNvPr id="11" name="Rectangle 10">
+              <a:extLst>
+                <a:ext uri="{FF2B5EF4-FFF2-40B4-BE49-F238E27FC236}">
+                  <a16:creationId xmlns:a16="http://schemas.microsoft.com/office/drawing/2014/main" id="{783AE371-FDAA-4545-54A6-24881F44E891}"/>
+                </a:ext>
+              </a:extLst>
+            </p:cNvPr>
+            <p:cNvSpPr>
+              <a:spLocks/>
+            </p:cNvSpPr>
+            <p:nvPr/>
+          </p:nvSpPr>
+          <p:spPr>
+            <a:xfrm>
+              <a:off x="9754800" y="0"/>
+              <a:ext cx="2437200" cy="6858000"/>
+            </a:xfrm>
+            <a:prstGeom prst="rect">
+              <a:avLst/>
+            </a:prstGeom>
+            <a:grpFill/>
+            <a:ln>
+              <a:noFill/>
+            </a:ln>
+          </p:spPr>
+          <p:style>
+            <a:lnRef idx="2">
+              <a:schemeClr val="accent1">
+                <a:shade val="15000"/>
+              </a:schemeClr>
+            </a:lnRef>
+            <a:fillRef idx="1">
+              <a:schemeClr val="accent1"/>
+            </a:fillRef>
+            <a:effectRef idx="0">
+              <a:schemeClr val="accent1"/>
+            </a:effectRef>
+            <a:fontRef idx="minor">
+              <a:schemeClr val="lt1"/>
+            </a:fontRef>
+          </p:style>
+          <p:txBody>
+            <a:bodyPr rtlCol="0" anchor="ctr"/>
+            <a:lstStyle/>
+            <a:p>
+              <a:endParaRPr lang="en-GB"/>
+            </a:p>
+          </p:txBody>
+        </p:sp>
+        <p:sp>
+          <p:nvSpPr>
+            <p:cNvPr id="12" name="Triangle 11">
+              <a:extLst>
+                <a:ext uri="{FF2B5EF4-FFF2-40B4-BE49-F238E27FC236}">
+                  <a16:creationId xmlns:a16="http://schemas.microsoft.com/office/drawing/2014/main" id="{FA15A296-D6CB-2AB1-C155-C9B9FAD297DF}"/>
+                </a:ext>
+              </a:extLst>
+            </p:cNvPr>
+            <p:cNvSpPr/>
+            <p:nvPr/>
+          </p:nvSpPr>
+          <p:spPr>
+            <a:xfrm rot="5400000">
+              <a:off x="12072192" y="1108184"/>
+              <a:ext cx="1218600" cy="1017431"/>
+            </a:xfrm>
+            <a:prstGeom prst="triangle">
+              <a:avLst/>
+            </a:prstGeom>
+            <a:grpFill/>
+            <a:ln>
+              <a:noFill/>
+            </a:ln>
+          </p:spPr>
+          <p:style>
+            <a:lnRef idx="2">
+              <a:schemeClr val="accent1">
+                <a:shade val="15000"/>
+              </a:schemeClr>
+            </a:lnRef>
+            <a:fillRef idx="1">
+              <a:schemeClr val="accent1"/>
+            </a:fillRef>
+            <a:effectRef idx="0">
+              <a:schemeClr val="accent1"/>
+            </a:effectRef>
+            <a:fontRef idx="minor">
+              <a:schemeClr val="lt1"/>
+            </a:fontRef>
+          </p:style>
+          <p:txBody>
+            <a:bodyPr rtlCol="0" anchor="ctr"/>
+            <a:lstStyle/>
+            <a:p>
+              <a:pPr algn="ctr"/>
+              <a:endParaRPr lang="en-GB"/>
+            </a:p>
+          </p:txBody>
+        </p:sp>
+        <p:sp>
+          <p:nvSpPr>
+            <p:cNvPr id="13" name="TextBox 12">
+              <a:extLst>
+                <a:ext uri="{FF2B5EF4-FFF2-40B4-BE49-F238E27FC236}">
+                  <a16:creationId xmlns:a16="http://schemas.microsoft.com/office/drawing/2014/main" id="{66E73A99-EFA3-532A-379C-4D2BD6DA0DC4}"/>
+                </a:ext>
+              </a:extLst>
+            </p:cNvPr>
+            <p:cNvSpPr txBox="1"/>
+            <p:nvPr/>
+          </p:nvSpPr>
+          <p:spPr>
+            <a:xfrm>
+              <a:off x="10742524" y="694611"/>
+              <a:ext cx="915265" cy="1862048"/>
+            </a:xfrm>
+            <a:prstGeom prst="rect">
+              <a:avLst/>
+            </a:prstGeom>
+            <a:grpFill/>
+          </p:spPr>
+          <p:txBody>
+            <a:bodyPr wrap="square" rtlCol="0">
+              <a:spAutoFit/>
+            </a:bodyPr>
+            <a:lstStyle/>
+            <a:p>
+              <a:r>
+                <a:rPr lang="en-GB" sz="11500" b="1" dirty="0">
+                  <a:solidFill>
+                    <a:schemeClr val="bg1"/>
+                  </a:solidFill>
+                  <a:latin typeface="Calibri" panose="020F0502020204030204" pitchFamily="34" charset="0"/>
+                  <a:cs typeface="Calibri" panose="020F0502020204030204" pitchFamily="34" charset="0"/>
+                </a:rPr>
+                <a:t>5</a:t>
+              </a:r>
+            </a:p>
+          </p:txBody>
+        </p:sp>
+        <p:sp>
+          <p:nvSpPr>
+            <p:cNvPr id="14" name="TextBox 13">
+              <a:extLst>
+                <a:ext uri="{FF2B5EF4-FFF2-40B4-BE49-F238E27FC236}">
+                  <a16:creationId xmlns:a16="http://schemas.microsoft.com/office/drawing/2014/main" id="{D9B32E79-FE9F-6233-625B-DE5F01684697}"/>
+                </a:ext>
+              </a:extLst>
+            </p:cNvPr>
+            <p:cNvSpPr txBox="1"/>
+            <p:nvPr/>
+          </p:nvSpPr>
+          <p:spPr>
+            <a:xfrm>
+              <a:off x="9757798" y="2556659"/>
+              <a:ext cx="2434202" cy="2062103"/>
+            </a:xfrm>
+            <a:prstGeom prst="rect">
+              <a:avLst/>
+            </a:prstGeom>
+            <a:grpFill/>
+          </p:spPr>
+          <p:txBody>
+            <a:bodyPr wrap="square" rtlCol="0">
+              <a:spAutoFit/>
+            </a:bodyPr>
+            <a:lstStyle/>
+            <a:p>
+              <a:r>
+                <a:rPr lang="en-GB" sz="3200" b="0" i="0" u="none" strike="noStrike" dirty="0">
+                  <a:solidFill>
+                    <a:schemeClr val="bg1"/>
+                  </a:solidFill>
+                  <a:effectLst/>
+                  <a:latin typeface="-webkit-standard"/>
+                </a:rPr>
+                <a:t>Training, Adoption &amp; Continuous Improvement</a:t>
+              </a:r>
+              <a:endParaRPr lang="en-GB" sz="3200" dirty="0">
+                <a:solidFill>
+                  <a:schemeClr val="bg1"/>
+                </a:solidFill>
+              </a:endParaRPr>
+            </a:p>
+          </p:txBody>
+        </p:sp>
+      </p:grpSp>
+      <p:sp>
+        <p:nvSpPr>
+          <p:cNvPr id="15" name="Rectangle 14">
+            <a:extLst>
+              <a:ext uri="{FF2B5EF4-FFF2-40B4-BE49-F238E27FC236}">
+                <a16:creationId xmlns:a16="http://schemas.microsoft.com/office/drawing/2014/main" id="{04A1E56D-DA45-DF77-236B-CF9AD46BC10B}"/>
+              </a:ext>
+            </a:extLst>
+          </p:cNvPr>
+          <p:cNvSpPr/>
+          <p:nvPr/>
+        </p:nvSpPr>
+        <p:spPr>
+          <a:xfrm>
+            <a:off x="4670579" y="-1171055"/>
+            <a:ext cx="2850841" cy="952886"/>
+          </a:xfrm>
+          <a:prstGeom prst="rect">
+            <a:avLst/>
+          </a:prstGeom>
+          <a:solidFill>
+            <a:schemeClr val="accent1">
+              <a:lumMod val="60000"/>
+              <a:lumOff val="40000"/>
+            </a:schemeClr>
+          </a:solidFill>
+          <a:ln>
+            <a:noFill/>
+          </a:ln>
+        </p:spPr>
+        <p:style>
+          <a:lnRef idx="2">
+            <a:schemeClr val="accent1">
+              <a:shade val="15000"/>
+            </a:schemeClr>
+          </a:lnRef>
+          <a:fillRef idx="1">
+            <a:schemeClr val="accent1"/>
+          </a:fillRef>
+          <a:effectRef idx="0">
+            <a:schemeClr val="accent1"/>
+          </a:effectRef>
+          <a:fontRef idx="minor">
+            <a:schemeClr val="lt1"/>
+          </a:fontRef>
+        </p:style>
+        <p:txBody>
+          <a:bodyPr rtlCol="0" anchor="ctr"/>
+          <a:lstStyle/>
+          <a:p>
+            <a:pPr algn="ctr"/>
+            <a:r>
+              <a:rPr lang="en-GB" sz="2400" b="1" i="0" u="none" strike="noStrike" dirty="0">
+                <a:solidFill>
+                  <a:schemeClr val="bg1"/>
+                </a:solidFill>
+                <a:effectLst/>
+                <a:latin typeface="-webkit-standard"/>
+              </a:rPr>
+              <a:t>Workshops and Training Sessions</a:t>
+            </a:r>
+            <a:endParaRPr lang="en-GB" sz="2400" b="1" dirty="0">
+              <a:solidFill>
+                <a:schemeClr val="bg1"/>
+              </a:solidFill>
+            </a:endParaRPr>
+          </a:p>
+        </p:txBody>
+      </p:sp>
+      <p:sp>
+        <p:nvSpPr>
+          <p:cNvPr id="16" name="Triangle 15">
+            <a:extLst>
+              <a:ext uri="{FF2B5EF4-FFF2-40B4-BE49-F238E27FC236}">
+                <a16:creationId xmlns:a16="http://schemas.microsoft.com/office/drawing/2014/main" id="{CCD6BE7D-16B8-05A0-3A36-C5F063C11406}"/>
+              </a:ext>
+            </a:extLst>
+          </p:cNvPr>
+          <p:cNvSpPr/>
+          <p:nvPr/>
+        </p:nvSpPr>
+        <p:spPr>
+          <a:xfrm rot="10800000">
+            <a:off x="-47433" y="-958952"/>
+            <a:ext cx="586325" cy="558654"/>
+          </a:xfrm>
+          <a:prstGeom prst="triangle">
+            <a:avLst>
+              <a:gd name="adj" fmla="val 52723"/>
+            </a:avLst>
+          </a:prstGeom>
+          <a:solidFill>
+            <a:schemeClr val="accent1">
+              <a:lumMod val="60000"/>
+              <a:lumOff val="40000"/>
+            </a:schemeClr>
+          </a:solidFill>
+          <a:ln>
+            <a:noFill/>
+          </a:ln>
+        </p:spPr>
+        <p:style>
+          <a:lnRef idx="2">
+            <a:schemeClr val="accent1">
+              <a:shade val="15000"/>
+            </a:schemeClr>
+          </a:lnRef>
+          <a:fillRef idx="1">
+            <a:schemeClr val="accent1"/>
+          </a:fillRef>
+          <a:effectRef idx="0">
+            <a:schemeClr val="accent1"/>
+          </a:effectRef>
+          <a:fontRef idx="minor">
+            <a:schemeClr val="lt1"/>
+          </a:fontRef>
+        </p:style>
+        <p:txBody>
+          <a:bodyPr rtlCol="0" anchor="ctr"/>
+          <a:lstStyle/>
+          <a:p>
+            <a:pPr algn="ctr"/>
+            <a:endParaRPr lang="en-GB"/>
+          </a:p>
+        </p:txBody>
+      </p:sp>
+      <p:sp>
+        <p:nvSpPr>
+          <p:cNvPr id="18" name="Rounded Rectangle 17">
+            <a:extLst>
+              <a:ext uri="{FF2B5EF4-FFF2-40B4-BE49-F238E27FC236}">
+                <a16:creationId xmlns:a16="http://schemas.microsoft.com/office/drawing/2014/main" id="{21AAD695-BAE4-0B6F-35AB-E82F6181223A}"/>
+              </a:ext>
+            </a:extLst>
+          </p:cNvPr>
+          <p:cNvSpPr/>
+          <p:nvPr/>
+        </p:nvSpPr>
+        <p:spPr>
+          <a:xfrm>
+            <a:off x="13438477" y="694611"/>
+            <a:ext cx="2958353" cy="3140347"/>
+          </a:xfrm>
+          <a:prstGeom prst="roundRect">
+            <a:avLst/>
+          </a:prstGeom>
+          <a:solidFill>
+            <a:schemeClr val="bg1"/>
+          </a:solidFill>
+          <a:ln w="76200">
+            <a:solidFill>
+              <a:schemeClr val="accent1">
+                <a:lumMod val="60000"/>
+                <a:lumOff val="40000"/>
+              </a:schemeClr>
+            </a:solidFill>
+          </a:ln>
+        </p:spPr>
+        <p:style>
+          <a:lnRef idx="2">
+            <a:schemeClr val="accent1">
+              <a:shade val="15000"/>
+            </a:schemeClr>
+          </a:lnRef>
+          <a:fillRef idx="1">
+            <a:schemeClr val="accent1"/>
+          </a:fillRef>
+          <a:effectRef idx="0">
+            <a:schemeClr val="accent1"/>
+          </a:effectRef>
+          <a:fontRef idx="minor">
+            <a:schemeClr val="lt1"/>
+          </a:fontRef>
+        </p:style>
+        <p:txBody>
+          <a:bodyPr rtlCol="0" anchor="ctr"/>
+          <a:lstStyle/>
+          <a:p>
+            <a:pPr algn="ctr"/>
+            <a:r>
+              <a:rPr lang="en-GB" sz="1550" b="0" i="0" u="none" strike="noStrike" dirty="0">
+                <a:solidFill>
+                  <a:srgbClr val="000000"/>
+                </a:solidFill>
+                <a:effectLst/>
+                <a:latin typeface="-webkit-standard"/>
+              </a:rPr>
+              <a:t>To ensure smooth adoption, practical workshops and hands-on sessions are conducted, led by technical specialists and experienced radiologists who have tested the system in pilot environments. These sessions provide clinicians with insights on interpreting confidence scores, understanding visual overlays, and offering corrective feedback.</a:t>
+            </a:r>
+            <a:endParaRPr lang="en-GB" sz="1550" dirty="0"/>
+          </a:p>
+        </p:txBody>
+      </p:sp>
+      <p:sp>
+        <p:nvSpPr>
+          <p:cNvPr id="4" name="Rectangle 3">
+            <a:extLst>
+              <a:ext uri="{FF2B5EF4-FFF2-40B4-BE49-F238E27FC236}">
+                <a16:creationId xmlns:a16="http://schemas.microsoft.com/office/drawing/2014/main" id="{7A44F2AC-466A-78C4-9263-D58B343C1187}"/>
+              </a:ext>
+            </a:extLst>
+          </p:cNvPr>
+          <p:cNvSpPr/>
+          <p:nvPr/>
+        </p:nvSpPr>
+        <p:spPr>
+          <a:xfrm>
+            <a:off x="1151929" y="-1156068"/>
+            <a:ext cx="2850841" cy="952886"/>
+          </a:xfrm>
+          <a:prstGeom prst="rect">
+            <a:avLst/>
+          </a:prstGeom>
+          <a:solidFill>
+            <a:schemeClr val="accent1">
+              <a:lumMod val="60000"/>
+              <a:lumOff val="40000"/>
+            </a:schemeClr>
+          </a:solidFill>
+          <a:ln>
+            <a:noFill/>
+          </a:ln>
+        </p:spPr>
+        <p:style>
+          <a:lnRef idx="2">
+            <a:schemeClr val="accent1">
+              <a:shade val="15000"/>
+            </a:schemeClr>
+          </a:lnRef>
+          <a:fillRef idx="1">
+            <a:schemeClr val="accent1"/>
+          </a:fillRef>
+          <a:effectRef idx="0">
+            <a:schemeClr val="accent1"/>
+          </a:effectRef>
+          <a:fontRef idx="minor">
+            <a:schemeClr val="lt1"/>
+          </a:fontRef>
+        </p:style>
+        <p:txBody>
+          <a:bodyPr rtlCol="0" anchor="ctr"/>
+          <a:lstStyle/>
+          <a:p>
+            <a:pPr algn="ctr"/>
+            <a:r>
+              <a:rPr lang="en-GB" sz="2400" b="1" i="0" u="none" strike="noStrike" dirty="0">
+                <a:solidFill>
+                  <a:schemeClr val="bg1"/>
+                </a:solidFill>
+                <a:effectLst/>
+                <a:latin typeface="-webkit-standard"/>
+              </a:rPr>
+              <a:t>Ongoing Support and Communication</a:t>
+            </a:r>
+            <a:endParaRPr lang="en-GB" sz="2400" b="1" dirty="0">
+              <a:solidFill>
+                <a:schemeClr val="bg1"/>
+              </a:solidFill>
+            </a:endParaRPr>
+          </a:p>
+        </p:txBody>
+      </p:sp>
+      <p:sp>
+        <p:nvSpPr>
+          <p:cNvPr id="5" name="Triangle 4">
+            <a:extLst>
+              <a:ext uri="{FF2B5EF4-FFF2-40B4-BE49-F238E27FC236}">
+                <a16:creationId xmlns:a16="http://schemas.microsoft.com/office/drawing/2014/main" id="{4E307584-EC2E-D338-E0D0-AD4318424F4F}"/>
+              </a:ext>
+            </a:extLst>
+          </p:cNvPr>
+          <p:cNvSpPr/>
+          <p:nvPr/>
+        </p:nvSpPr>
+        <p:spPr>
+          <a:xfrm rot="10800000">
+            <a:off x="11254818" y="-1253266"/>
+            <a:ext cx="586325" cy="558654"/>
+          </a:xfrm>
+          <a:prstGeom prst="triangle">
+            <a:avLst>
+              <a:gd name="adj" fmla="val 52723"/>
+            </a:avLst>
+          </a:prstGeom>
+          <a:solidFill>
+            <a:schemeClr val="accent1">
+              <a:lumMod val="60000"/>
+              <a:lumOff val="40000"/>
+            </a:schemeClr>
+          </a:solidFill>
+          <a:ln>
+            <a:noFill/>
+          </a:ln>
+        </p:spPr>
+        <p:style>
+          <a:lnRef idx="2">
+            <a:schemeClr val="accent1">
+              <a:shade val="15000"/>
+            </a:schemeClr>
+          </a:lnRef>
+          <a:fillRef idx="1">
+            <a:schemeClr val="accent1"/>
+          </a:fillRef>
+          <a:effectRef idx="0">
+            <a:schemeClr val="accent1"/>
+          </a:effectRef>
+          <a:fontRef idx="minor">
+            <a:schemeClr val="lt1"/>
+          </a:fontRef>
+        </p:style>
+        <p:txBody>
+          <a:bodyPr rtlCol="0" anchor="ctr"/>
+          <a:lstStyle/>
+          <a:p>
+            <a:pPr algn="ctr"/>
+            <a:endParaRPr lang="en-GB" dirty="0"/>
+          </a:p>
+        </p:txBody>
+      </p:sp>
+      <p:sp>
+        <p:nvSpPr>
+          <p:cNvPr id="7" name="Rounded Rectangle 6">
+            <a:extLst>
+              <a:ext uri="{FF2B5EF4-FFF2-40B4-BE49-F238E27FC236}">
+                <a16:creationId xmlns:a16="http://schemas.microsoft.com/office/drawing/2014/main" id="{90205E96-F427-0170-1034-F9FB077A6244}"/>
+              </a:ext>
+            </a:extLst>
+          </p:cNvPr>
+          <p:cNvSpPr/>
+          <p:nvPr/>
+        </p:nvSpPr>
+        <p:spPr>
+          <a:xfrm>
+            <a:off x="13438476" y="4593215"/>
+            <a:ext cx="2958353" cy="3140347"/>
+          </a:xfrm>
+          <a:prstGeom prst="roundRect">
+            <a:avLst/>
+          </a:prstGeom>
+          <a:solidFill>
+            <a:schemeClr val="bg1"/>
+          </a:solidFill>
+          <a:ln w="76200">
+            <a:solidFill>
+              <a:schemeClr val="accent1">
+                <a:lumMod val="60000"/>
+                <a:lumOff val="40000"/>
+              </a:schemeClr>
+            </a:solidFill>
+          </a:ln>
+        </p:spPr>
+        <p:style>
+          <a:lnRef idx="2">
+            <a:schemeClr val="accent1">
+              <a:shade val="15000"/>
+            </a:schemeClr>
+          </a:lnRef>
+          <a:fillRef idx="1">
+            <a:schemeClr val="accent1"/>
+          </a:fillRef>
+          <a:effectRef idx="0">
+            <a:schemeClr val="accent1"/>
+          </a:effectRef>
+          <a:fontRef idx="minor">
+            <a:schemeClr val="lt1"/>
+          </a:fontRef>
+        </p:style>
+        <p:txBody>
+          <a:bodyPr rtlCol="0" anchor="ctr"/>
+          <a:lstStyle/>
+          <a:p>
+            <a:pPr algn="ctr"/>
+            <a:r>
+              <a:rPr lang="en-GB" b="0" i="0" u="none" strike="noStrike" dirty="0">
+                <a:solidFill>
+                  <a:srgbClr val="000000"/>
+                </a:solidFill>
+                <a:effectLst/>
+                <a:latin typeface="-webkit-standard"/>
+              </a:rPr>
+              <a:t>A dedicated help desk and periodic system updates guarantee that clinicians remain well-supported. Regular communication ensures users understand that this technology complements, rather than replaces, their clinical judgment and expertise.</a:t>
+            </a:r>
+            <a:endParaRPr lang="en-GB" dirty="0">
+              <a:solidFill>
+                <a:schemeClr val="tx1"/>
+              </a:solidFill>
+            </a:endParaRPr>
+          </a:p>
+        </p:txBody>
+      </p:sp>
+      <p:sp>
+        <p:nvSpPr>
+          <p:cNvPr id="6" name="Rectangle 5">
+            <a:extLst>
+              <a:ext uri="{FF2B5EF4-FFF2-40B4-BE49-F238E27FC236}">
+                <a16:creationId xmlns:a16="http://schemas.microsoft.com/office/drawing/2014/main" id="{F3436B9D-F1BB-17AD-618C-B316E0543149}"/>
+              </a:ext>
+            </a:extLst>
+          </p:cNvPr>
+          <p:cNvSpPr/>
+          <p:nvPr/>
+        </p:nvSpPr>
+        <p:spPr>
+          <a:xfrm>
+            <a:off x="8109280" y="-1171055"/>
+            <a:ext cx="2850841" cy="952886"/>
+          </a:xfrm>
+          <a:prstGeom prst="rect">
+            <a:avLst/>
+          </a:prstGeom>
+          <a:solidFill>
+            <a:schemeClr val="accent1">
+              <a:lumMod val="60000"/>
+              <a:lumOff val="40000"/>
+            </a:schemeClr>
+          </a:solidFill>
+          <a:ln>
+            <a:noFill/>
+          </a:ln>
+        </p:spPr>
+        <p:style>
+          <a:lnRef idx="2">
+            <a:schemeClr val="accent1">
+              <a:shade val="15000"/>
+            </a:schemeClr>
+          </a:lnRef>
+          <a:fillRef idx="1">
+            <a:schemeClr val="accent1"/>
+          </a:fillRef>
+          <a:effectRef idx="0">
+            <a:schemeClr val="accent1"/>
+          </a:effectRef>
+          <a:fontRef idx="minor">
+            <a:schemeClr val="lt1"/>
+          </a:fontRef>
+        </p:style>
+        <p:txBody>
+          <a:bodyPr rtlCol="0" anchor="ctr"/>
+          <a:lstStyle/>
+          <a:p>
+            <a:pPr algn="ctr"/>
+            <a:r>
+              <a:rPr lang="en-GB" sz="2400" b="1" i="0" u="none" strike="noStrike" dirty="0">
+                <a:solidFill>
+                  <a:schemeClr val="bg1"/>
+                </a:solidFill>
+                <a:effectLst/>
+                <a:latin typeface="-webkit-standard"/>
+              </a:rPr>
+              <a:t>Feedback-Driven Evolution</a:t>
+            </a:r>
+            <a:endParaRPr lang="en-GB" sz="2400" b="1" dirty="0">
+              <a:solidFill>
+                <a:schemeClr val="bg1"/>
+              </a:solidFill>
+            </a:endParaRPr>
+          </a:p>
+        </p:txBody>
+      </p:sp>
+      <p:sp>
+        <p:nvSpPr>
+          <p:cNvPr id="8" name="Triangle 7">
+            <a:extLst>
+              <a:ext uri="{FF2B5EF4-FFF2-40B4-BE49-F238E27FC236}">
+                <a16:creationId xmlns:a16="http://schemas.microsoft.com/office/drawing/2014/main" id="{827B9ED9-E081-D2DA-8577-C6A278FCE735}"/>
+              </a:ext>
+            </a:extLst>
+          </p:cNvPr>
+          <p:cNvSpPr/>
+          <p:nvPr/>
+        </p:nvSpPr>
+        <p:spPr>
+          <a:xfrm rot="5400000">
+            <a:off x="5802836" y="-2814758"/>
+            <a:ext cx="586325" cy="558654"/>
+          </a:xfrm>
+          <a:prstGeom prst="triangle">
+            <a:avLst>
+              <a:gd name="adj" fmla="val 52723"/>
+            </a:avLst>
+          </a:prstGeom>
+          <a:solidFill>
+            <a:schemeClr val="accent1">
+              <a:lumMod val="60000"/>
+              <a:lumOff val="40000"/>
+            </a:schemeClr>
+          </a:solidFill>
+          <a:ln>
+            <a:noFill/>
+          </a:ln>
+        </p:spPr>
+        <p:style>
+          <a:lnRef idx="2">
+            <a:schemeClr val="accent1">
+              <a:shade val="15000"/>
+            </a:schemeClr>
+          </a:lnRef>
+          <a:fillRef idx="1">
+            <a:schemeClr val="accent1"/>
+          </a:fillRef>
+          <a:effectRef idx="0">
+            <a:schemeClr val="accent1"/>
+          </a:effectRef>
+          <a:fontRef idx="minor">
+            <a:schemeClr val="lt1"/>
+          </a:fontRef>
+        </p:style>
+        <p:txBody>
+          <a:bodyPr rtlCol="0" anchor="ctr"/>
+          <a:lstStyle/>
+          <a:p>
+            <a:pPr algn="ctr"/>
+            <a:endParaRPr lang="en-GB" dirty="0"/>
+          </a:p>
+        </p:txBody>
+      </p:sp>
+      <p:sp>
+        <p:nvSpPr>
+          <p:cNvPr id="9" name="Rounded Rectangle 8">
+            <a:extLst>
+              <a:ext uri="{FF2B5EF4-FFF2-40B4-BE49-F238E27FC236}">
+                <a16:creationId xmlns:a16="http://schemas.microsoft.com/office/drawing/2014/main" id="{ABF51C35-457A-DFEE-D772-CDB29AD40757}"/>
+              </a:ext>
+            </a:extLst>
+          </p:cNvPr>
+          <p:cNvSpPr/>
+          <p:nvPr/>
+        </p:nvSpPr>
+        <p:spPr>
+          <a:xfrm>
+            <a:off x="10236520" y="7733562"/>
+            <a:ext cx="3209246" cy="3140347"/>
+          </a:xfrm>
+          <a:prstGeom prst="roundRect">
+            <a:avLst/>
+          </a:prstGeom>
+          <a:solidFill>
+            <a:schemeClr val="bg1"/>
+          </a:solidFill>
+          <a:ln w="76200">
+            <a:solidFill>
+              <a:schemeClr val="accent1">
+                <a:lumMod val="60000"/>
+                <a:lumOff val="40000"/>
+              </a:schemeClr>
+            </a:solidFill>
+          </a:ln>
+        </p:spPr>
+        <p:style>
+          <a:lnRef idx="2">
+            <a:schemeClr val="accent1">
+              <a:shade val="15000"/>
+            </a:schemeClr>
+          </a:lnRef>
+          <a:fillRef idx="1">
+            <a:schemeClr val="accent1"/>
+          </a:fillRef>
+          <a:effectRef idx="0">
+            <a:schemeClr val="accent1"/>
+          </a:effectRef>
+          <a:fontRef idx="minor">
+            <a:schemeClr val="lt1"/>
+          </a:fontRef>
+        </p:style>
+        <p:txBody>
+          <a:bodyPr rtlCol="0" anchor="ctr"/>
+          <a:lstStyle/>
+          <a:p>
+            <a:pPr algn="l"/>
+            <a:r>
+              <a:rPr lang="en-GB" sz="1600" b="0" i="0" u="none" strike="noStrike" dirty="0">
+                <a:solidFill>
+                  <a:srgbClr val="000000"/>
+                </a:solidFill>
+                <a:effectLst/>
+                <a:latin typeface="-webkit-standard"/>
+              </a:rPr>
+              <a:t>Difficult or ambiguous cases, once flagged and corrected by radiologists, feed back into the model’s training data. Over time, this continuous refinement process improves the system’s accuracy, adaptability, and clinical value, resulting in an evolving, learning tool that keeps pace with real-world clinical demands.</a:t>
+            </a:r>
+            <a:endParaRPr lang="en-GB" sz="1650" b="0" i="0" u="none" strike="noStrike" dirty="0">
+              <a:solidFill>
+                <a:srgbClr val="000000"/>
+              </a:solidFill>
+              <a:effectLst/>
+            </a:endParaRPr>
+          </a:p>
+        </p:txBody>
+      </p:sp>
       <p:sp>
         <p:nvSpPr>
           <p:cNvPr id="2" name="Title 1">
             <a:extLst>
               <a:ext uri="{FF2B5EF4-FFF2-40B4-BE49-F238E27FC236}">
-                <a16:creationId xmlns:a16="http://schemas.microsoft.com/office/drawing/2014/main" id="{1970C9AE-1BF0-EAE4-2754-CBA36DCC1198}"/>
+                <a16:creationId xmlns:a16="http://schemas.microsoft.com/office/drawing/2014/main" id="{74DDFA41-07A2-6288-B41A-ACC83F3FBA57}"/>
               </a:ext>
             </a:extLst>
           </p:cNvPr>
@@ -18577,7 +20654,7 @@
           <p:cNvPr id="17" name="Oval 16">
             <a:extLst>
               <a:ext uri="{FF2B5EF4-FFF2-40B4-BE49-F238E27FC236}">
-                <a16:creationId xmlns:a16="http://schemas.microsoft.com/office/drawing/2014/main" id="{8737F38E-5D88-FF31-AEF4-21C7EB6E94D9}"/>
+                <a16:creationId xmlns:a16="http://schemas.microsoft.com/office/drawing/2014/main" id="{25B5B871-3C25-452F-B929-A4BEFCED1D0E}"/>
               </a:ext>
             </a:extLst>
           </p:cNvPr>
@@ -18632,7 +20709,7 @@
           <p:cNvPr id="19" name="Oval 18">
             <a:extLst>
               <a:ext uri="{FF2B5EF4-FFF2-40B4-BE49-F238E27FC236}">
-                <a16:creationId xmlns:a16="http://schemas.microsoft.com/office/drawing/2014/main" id="{D157A728-8A5D-3472-0F6F-1A4ACEC4F031}"/>
+                <a16:creationId xmlns:a16="http://schemas.microsoft.com/office/drawing/2014/main" id="{CB3B4DD8-E823-D2FC-57FE-126B93B7DCD8}"/>
               </a:ext>
             </a:extLst>
           </p:cNvPr>
@@ -18687,7 +20764,7 @@
           <p:cNvPr id="20" name="Rounded Rectangle 19">
             <a:extLst>
               <a:ext uri="{FF2B5EF4-FFF2-40B4-BE49-F238E27FC236}">
-                <a16:creationId xmlns:a16="http://schemas.microsoft.com/office/drawing/2014/main" id="{5FB19FBC-03CF-0729-7D7A-BBB9F80DDD45}"/>
+                <a16:creationId xmlns:a16="http://schemas.microsoft.com/office/drawing/2014/main" id="{231C3338-83E8-11AE-74A4-3CDE8A9CC360}"/>
               </a:ext>
             </a:extLst>
           </p:cNvPr>
@@ -18742,7 +20819,7 @@
           <p:cNvPr id="21" name="Rounded Rectangle 20">
             <a:extLst>
               <a:ext uri="{FF2B5EF4-FFF2-40B4-BE49-F238E27FC236}">
-                <a16:creationId xmlns:a16="http://schemas.microsoft.com/office/drawing/2014/main" id="{2695CDB0-52A4-3559-97F5-A89C453567E2}"/>
+                <a16:creationId xmlns:a16="http://schemas.microsoft.com/office/drawing/2014/main" id="{847266F1-3711-E3F3-F5FA-21AB6DCA08C0}"/>
               </a:ext>
             </a:extLst>
           </p:cNvPr>
@@ -18792,10 +20869,167 @@
           </a:p>
         </p:txBody>
       </p:sp>
+      <p:pic>
+        <p:nvPicPr>
+          <p:cNvPr id="3" name="Picture 2">
+            <a:extLst>
+              <a:ext uri="{FF2B5EF4-FFF2-40B4-BE49-F238E27FC236}">
+                <a16:creationId xmlns:a16="http://schemas.microsoft.com/office/drawing/2014/main" id="{5A98F267-D618-2939-EF01-33A0DE824C81}"/>
+              </a:ext>
+            </a:extLst>
+          </p:cNvPr>
+          <p:cNvPicPr>
+            <a:picLocks noChangeAspect="1"/>
+          </p:cNvPicPr>
+          <p:nvPr/>
+        </p:nvPicPr>
+        <p:blipFill>
+          <a:blip r:embed="rId2"/>
+          <a:stretch>
+            <a:fillRect/>
+          </a:stretch>
+        </p:blipFill>
+        <p:spPr>
+          <a:xfrm>
+            <a:off x="2679058" y="7419497"/>
+            <a:ext cx="6392102" cy="6450626"/>
+          </a:xfrm>
+          <a:prstGeom prst="rect">
+            <a:avLst/>
+          </a:prstGeom>
+          <a:ln w="76200">
+            <a:solidFill>
+              <a:schemeClr val="accent4">
+                <a:lumMod val="75000"/>
+              </a:schemeClr>
+            </a:solidFill>
+          </a:ln>
+        </p:spPr>
+      </p:pic>
+      <p:sp>
+        <p:nvSpPr>
+          <p:cNvPr id="22" name="Rectangle 21">
+            <a:extLst>
+              <a:ext uri="{FF2B5EF4-FFF2-40B4-BE49-F238E27FC236}">
+                <a16:creationId xmlns:a16="http://schemas.microsoft.com/office/drawing/2014/main" id="{5EC0F510-1898-F98A-4D02-0F5F0B3AF84D}"/>
+              </a:ext>
+            </a:extLst>
+          </p:cNvPr>
+          <p:cNvSpPr/>
+          <p:nvPr/>
+        </p:nvSpPr>
+        <p:spPr>
+          <a:xfrm>
+            <a:off x="-6516562" y="2264784"/>
+            <a:ext cx="5927000" cy="1396558"/>
+          </a:xfrm>
+          <a:prstGeom prst="rect">
+            <a:avLst/>
+          </a:prstGeom>
+          <a:solidFill>
+            <a:schemeClr val="accent4">
+              <a:lumMod val="20000"/>
+              <a:lumOff val="80000"/>
+            </a:schemeClr>
+          </a:solidFill>
+          <a:ln>
+            <a:solidFill>
+              <a:schemeClr val="accent1">
+                <a:lumMod val="20000"/>
+                <a:lumOff val="80000"/>
+              </a:schemeClr>
+            </a:solidFill>
+          </a:ln>
+        </p:spPr>
+        <p:style>
+          <a:lnRef idx="2">
+            <a:schemeClr val="accent1">
+              <a:shade val="15000"/>
+            </a:schemeClr>
+          </a:lnRef>
+          <a:fillRef idx="1">
+            <a:schemeClr val="accent1"/>
+          </a:fillRef>
+          <a:effectRef idx="0">
+            <a:schemeClr val="accent1"/>
+          </a:effectRef>
+          <a:fontRef idx="minor">
+            <a:schemeClr val="lt1"/>
+          </a:fontRef>
+        </p:style>
+        <p:txBody>
+          <a:bodyPr rtlCol="0" anchor="ctr"/>
+          <a:lstStyle/>
+          <a:p>
+            <a:pPr algn="ctr"/>
+            <a:endParaRPr lang="en-GB"/>
+          </a:p>
+        </p:txBody>
+      </p:sp>
+      <p:sp>
+        <p:nvSpPr>
+          <p:cNvPr id="23" name="Rectangle 22">
+            <a:extLst>
+              <a:ext uri="{FF2B5EF4-FFF2-40B4-BE49-F238E27FC236}">
+                <a16:creationId xmlns:a16="http://schemas.microsoft.com/office/drawing/2014/main" id="{3637187E-EF07-4A14-28C3-9219F132DB41}"/>
+              </a:ext>
+            </a:extLst>
+          </p:cNvPr>
+          <p:cNvSpPr/>
+          <p:nvPr/>
+        </p:nvSpPr>
+        <p:spPr>
+          <a:xfrm>
+            <a:off x="13636299" y="2264784"/>
+            <a:ext cx="5927000" cy="1396558"/>
+          </a:xfrm>
+          <a:prstGeom prst="rect">
+            <a:avLst/>
+          </a:prstGeom>
+          <a:solidFill>
+            <a:schemeClr val="accent4">
+              <a:lumMod val="20000"/>
+              <a:lumOff val="80000"/>
+            </a:schemeClr>
+          </a:solidFill>
+          <a:ln>
+            <a:solidFill>
+              <a:schemeClr val="accent1">
+                <a:lumMod val="20000"/>
+                <a:lumOff val="80000"/>
+              </a:schemeClr>
+            </a:solidFill>
+          </a:ln>
+        </p:spPr>
+        <p:style>
+          <a:lnRef idx="2">
+            <a:schemeClr val="accent1">
+              <a:shade val="15000"/>
+            </a:schemeClr>
+          </a:lnRef>
+          <a:fillRef idx="1">
+            <a:schemeClr val="accent1"/>
+          </a:fillRef>
+          <a:effectRef idx="0">
+            <a:schemeClr val="accent1"/>
+          </a:effectRef>
+          <a:fontRef idx="minor">
+            <a:schemeClr val="lt1"/>
+          </a:fontRef>
+        </p:style>
+        <p:txBody>
+          <a:bodyPr rtlCol="0" anchor="ctr"/>
+          <a:lstStyle/>
+          <a:p>
+            <a:pPr algn="ctr"/>
+            <a:endParaRPr lang="en-GB"/>
+          </a:p>
+        </p:txBody>
+      </p:sp>
     </p:spTree>
     <p:extLst>
       <p:ext uri="{BB962C8B-B14F-4D97-AF65-F5344CB8AC3E}">
-        <p14:creationId xmlns:p14="http://schemas.microsoft.com/office/powerpoint/2010/main" val="4064611146"/>
+        <p14:creationId xmlns:p14="http://schemas.microsoft.com/office/powerpoint/2010/main" val="1430587616"/>
       </p:ext>
     </p:extLst>
   </p:cSld>
